--- a/Getting Started with Encryption in SQL 2016.pptx
+++ b/Getting Started with Encryption in SQL 2016.pptx
@@ -5,33 +5,32 @@
     <p:sldMasterId id="2147483648" r:id="rId1"/>
   </p:sldMasterIdLst>
   <p:notesMasterIdLst>
-    <p:notesMasterId r:id="rId26"/>
+    <p:notesMasterId r:id="rId25"/>
   </p:notesMasterIdLst>
   <p:sldIdLst>
     <p:sldId id="256" r:id="rId2"/>
     <p:sldId id="257" r:id="rId3"/>
     <p:sldId id="275" r:id="rId4"/>
-    <p:sldId id="258" r:id="rId5"/>
-    <p:sldId id="262" r:id="rId6"/>
-    <p:sldId id="268" r:id="rId7"/>
+    <p:sldId id="281" r:id="rId5"/>
+    <p:sldId id="282" r:id="rId6"/>
+    <p:sldId id="272" r:id="rId7"/>
     <p:sldId id="259" r:id="rId8"/>
-    <p:sldId id="272" r:id="rId9"/>
-    <p:sldId id="263" r:id="rId10"/>
-    <p:sldId id="271" r:id="rId11"/>
-    <p:sldId id="274" r:id="rId12"/>
-    <p:sldId id="269" r:id="rId13"/>
-    <p:sldId id="276" r:id="rId14"/>
-    <p:sldId id="270" r:id="rId15"/>
-    <p:sldId id="266" r:id="rId16"/>
-    <p:sldId id="279" r:id="rId17"/>
-    <p:sldId id="273" r:id="rId18"/>
-    <p:sldId id="280" r:id="rId19"/>
-    <p:sldId id="265" r:id="rId20"/>
-    <p:sldId id="267" r:id="rId21"/>
-    <p:sldId id="260" r:id="rId22"/>
-    <p:sldId id="261" r:id="rId23"/>
-    <p:sldId id="277" r:id="rId24"/>
-    <p:sldId id="278" r:id="rId25"/>
+    <p:sldId id="263" r:id="rId9"/>
+    <p:sldId id="271" r:id="rId10"/>
+    <p:sldId id="274" r:id="rId11"/>
+    <p:sldId id="269" r:id="rId12"/>
+    <p:sldId id="270" r:id="rId13"/>
+    <p:sldId id="266" r:id="rId14"/>
+    <p:sldId id="279" r:id="rId15"/>
+    <p:sldId id="273" r:id="rId16"/>
+    <p:sldId id="280" r:id="rId17"/>
+    <p:sldId id="265" r:id="rId18"/>
+    <p:sldId id="283" r:id="rId19"/>
+    <p:sldId id="267" r:id="rId20"/>
+    <p:sldId id="260" r:id="rId21"/>
+    <p:sldId id="261" r:id="rId22"/>
+    <p:sldId id="277" r:id="rId23"/>
+    <p:sldId id="278" r:id="rId24"/>
   </p:sldIdLst>
   <p:sldSz cx="12192000" cy="6858000"/>
   <p:notesSz cx="6858000" cy="9144000"/>
@@ -220,7 +219,7 @@
           <a:p>
             <a:fld id="{D4C1D33F-78D8-4750-A964-FE7F02492D2E}" type="datetimeFigureOut">
               <a:rPr lang="en-US" smtClean="0"/>
-              <a:t>2/29/2016</a:t>
+              <a:t>3/6/2016</a:t>
             </a:fld>
             <a:endParaRPr lang="en-US"/>
           </a:p>
@@ -859,62 +858,78 @@
       </p:grpSpPr>
       <p:sp>
         <p:nvSpPr>
-          <p:cNvPr id="2" name="Slide Image Placeholder 1"/>
-          <p:cNvSpPr>
-            <a:spLocks noGrp="1" noRot="1" noChangeAspect="1"/>
+          <p:cNvPr id="86018" name="Rectangle 1"/>
+          <p:cNvSpPr>
+            <a:spLocks noChangeArrowheads="1" noTextEdit="1"/>
           </p:cNvSpPr>
           <p:nvPr>
             <p:ph type="sldImg"/>
           </p:nvPr>
         </p:nvSpPr>
-        <p:spPr/>
-      </p:sp>
-      <p:sp>
-        <p:nvSpPr>
-          <p:cNvPr id="3" name="Notes Placeholder 2"/>
-          <p:cNvSpPr>
-            <a:spLocks noGrp="1"/>
+        <p:spPr>
+          <a:solidFill>
+            <a:srgbClr val="FFFFFF"/>
+          </a:solidFill>
+          <a:ln/>
+        </p:spPr>
+      </p:sp>
+      <p:sp>
+        <p:nvSpPr>
+          <p:cNvPr id="86019" name="Rectangle 2"/>
+          <p:cNvSpPr>
+            <a:spLocks noChangeArrowheads="1"/>
           </p:cNvSpPr>
           <p:nvPr>
             <p:ph type="body" idx="1"/>
           </p:nvPr>
         </p:nvSpPr>
-        <p:spPr/>
+        <p:spPr>
+          <a:noFill/>
+          <a:ln/>
+          <a:extLst>
+            <a:ext uri="{909E8E84-426E-40DD-AFC4-6F175D3DCCD1}">
+              <a14:hiddenFill xmlns:a14="http://schemas.microsoft.com/office/drawing/2010/main">
+                <a:solidFill>
+                  <a:srgbClr val="FFFFFF"/>
+                </a:solidFill>
+              </a14:hiddenFill>
+            </a:ext>
+            <a:ext uri="{91240B29-F687-4F45-9708-019B960494DF}">
+              <a14:hiddenLine xmlns:a14="http://schemas.microsoft.com/office/drawing/2010/main" w="9525">
+                <a:solidFill>
+                  <a:srgbClr val="000000"/>
+                </a:solidFill>
+                <a:miter lim="800000"/>
+                <a:headEnd/>
+                <a:tailEnd/>
+              </a14:hiddenLine>
+            </a:ext>
+          </a:extLst>
+        </p:spPr>
         <p:txBody>
           <a:bodyPr/>
           <a:lstStyle/>
           <a:p>
-            <a:endParaRPr lang="en-US" dirty="0"/>
-          </a:p>
-        </p:txBody>
-      </p:sp>
-      <p:sp>
-        <p:nvSpPr>
-          <p:cNvPr id="4" name="Slide Number Placeholder 3"/>
-          <p:cNvSpPr>
-            <a:spLocks noGrp="1"/>
-          </p:cNvSpPr>
-          <p:nvPr>
-            <p:ph type="sldNum" sz="quarter" idx="10"/>
-          </p:nvPr>
-        </p:nvSpPr>
-        <p:spPr/>
-        <p:txBody>
-          <a:bodyPr/>
-          <a:lstStyle/>
-          <a:p>
-            <a:fld id="{482283A2-F39A-4F0A-A468-BFC2D3071D86}" type="slidenum">
-              <a:rPr lang="en-US" smtClean="0"/>
-              <a:t>12</a:t>
-            </a:fld>
-            <a:endParaRPr lang="en-US"/>
+            <a:pPr marL="79375" eaLnBrk="1" hangingPunct="1"/>
+            <a:r>
+              <a:rPr lang="en-US" altLang="en-US" smtClean="0">
+                <a:solidFill>
+                  <a:srgbClr val="000000"/>
+                </a:solidFill>
+                <a:latin typeface="Lucida Grande" charset="0"/>
+                <a:ea typeface="Lucida Grande" charset="0"/>
+                <a:cs typeface="Lucida Grande" charset="0"/>
+                <a:sym typeface="Lucida Grande" charset="0"/>
+              </a:rPr>
+              <a:t>From Wikipedia</a:t>
+            </a:r>
           </a:p>
         </p:txBody>
       </p:sp>
     </p:spTree>
     <p:extLst>
       <p:ext uri="{BB962C8B-B14F-4D97-AF65-F5344CB8AC3E}">
-        <p14:creationId xmlns:p14="http://schemas.microsoft.com/office/powerpoint/2010/main" val="2687178981"/>
+        <p14:creationId xmlns:p14="http://schemas.microsoft.com/office/powerpoint/2010/main" val="3103029901"/>
       </p:ext>
     </p:extLst>
   </p:cSld>
@@ -968,16 +983,6 @@
           <a:bodyPr/>
           <a:lstStyle/>
           <a:p>
-            <a:r>
-              <a:rPr lang="en-US" dirty="0" smtClean="0"/>
-              <a:t>Image: </a:t>
-            </a:r>
-          </a:p>
-          <a:p>
-            <a:r>
-              <a:rPr lang="en-US" dirty="0" smtClean="0"/>
-              <a:t>https://blogs.technet.microsoft.com/dataplatforminsider/2016/01/25/use-dynamic-data-masking-to-obfuscate-your-sensitive-data/</a:t>
-            </a:r>
             <a:endParaRPr lang="en-US" dirty="0"/>
           </a:p>
         </p:txBody>
@@ -999,7 +1004,7 @@
           <a:p>
             <a:fld id="{482283A2-F39A-4F0A-A468-BFC2D3071D86}" type="slidenum">
               <a:rPr lang="en-US" smtClean="0"/>
-              <a:t>15</a:t>
+              <a:t>11</a:t>
             </a:fld>
             <a:endParaRPr lang="en-US"/>
           </a:p>
@@ -1008,7 +1013,7 @@
     </p:spTree>
     <p:extLst>
       <p:ext uri="{BB962C8B-B14F-4D97-AF65-F5344CB8AC3E}">
-        <p14:creationId xmlns:p14="http://schemas.microsoft.com/office/powerpoint/2010/main" val="61230258"/>
+        <p14:creationId xmlns:p14="http://schemas.microsoft.com/office/powerpoint/2010/main" val="2687178981"/>
       </p:ext>
     </p:extLst>
   </p:cSld>
@@ -1093,7 +1098,7 @@
           <a:p>
             <a:fld id="{482283A2-F39A-4F0A-A468-BFC2D3071D86}" type="slidenum">
               <a:rPr lang="en-US" smtClean="0"/>
-              <a:t>16</a:t>
+              <a:t>13</a:t>
             </a:fld>
             <a:endParaRPr lang="en-US"/>
           </a:p>
@@ -1102,7 +1107,7 @@
     </p:spTree>
     <p:extLst>
       <p:ext uri="{BB962C8B-B14F-4D97-AF65-F5344CB8AC3E}">
-        <p14:creationId xmlns:p14="http://schemas.microsoft.com/office/powerpoint/2010/main" val="3787633173"/>
+        <p14:creationId xmlns:p14="http://schemas.microsoft.com/office/powerpoint/2010/main" val="61230258"/>
       </p:ext>
     </p:extLst>
   </p:cSld>
@@ -1187,7 +1192,101 @@
           <a:p>
             <a:fld id="{482283A2-F39A-4F0A-A468-BFC2D3071D86}" type="slidenum">
               <a:rPr lang="en-US" smtClean="0"/>
-              <a:t>18</a:t>
+              <a:t>14</a:t>
+            </a:fld>
+            <a:endParaRPr lang="en-US"/>
+          </a:p>
+        </p:txBody>
+      </p:sp>
+    </p:spTree>
+    <p:extLst>
+      <p:ext uri="{BB962C8B-B14F-4D97-AF65-F5344CB8AC3E}">
+        <p14:creationId xmlns:p14="http://schemas.microsoft.com/office/powerpoint/2010/main" val="3787633173"/>
+      </p:ext>
+    </p:extLst>
+  </p:cSld>
+  <p:clrMapOvr>
+    <a:masterClrMapping/>
+  </p:clrMapOvr>
+</p:notes>
+</file>
+
+<file path=ppt/notesSlides/notesSlide7.xml><?xml version="1.0" encoding="utf-8"?>
+<p:notes xmlns:a="http://schemas.openxmlformats.org/drawingml/2006/main" xmlns:r="http://schemas.openxmlformats.org/officeDocument/2006/relationships" xmlns:p="http://schemas.openxmlformats.org/presentationml/2006/main">
+  <p:cSld>
+    <p:spTree>
+      <p:nvGrpSpPr>
+        <p:cNvPr id="1" name=""/>
+        <p:cNvGrpSpPr/>
+        <p:nvPr/>
+      </p:nvGrpSpPr>
+      <p:grpSpPr>
+        <a:xfrm>
+          <a:off x="0" y="0"/>
+          <a:ext cx="0" cy="0"/>
+          <a:chOff x="0" y="0"/>
+          <a:chExt cx="0" cy="0"/>
+        </a:xfrm>
+      </p:grpSpPr>
+      <p:sp>
+        <p:nvSpPr>
+          <p:cNvPr id="2" name="Slide Image Placeholder 1"/>
+          <p:cNvSpPr>
+            <a:spLocks noGrp="1" noRot="1" noChangeAspect="1"/>
+          </p:cNvSpPr>
+          <p:nvPr>
+            <p:ph type="sldImg"/>
+          </p:nvPr>
+        </p:nvSpPr>
+        <p:spPr/>
+      </p:sp>
+      <p:sp>
+        <p:nvSpPr>
+          <p:cNvPr id="3" name="Notes Placeholder 2"/>
+          <p:cNvSpPr>
+            <a:spLocks noGrp="1"/>
+          </p:cNvSpPr>
+          <p:nvPr>
+            <p:ph type="body" idx="1"/>
+          </p:nvPr>
+        </p:nvSpPr>
+        <p:spPr/>
+        <p:txBody>
+          <a:bodyPr/>
+          <a:lstStyle/>
+          <a:p>
+            <a:r>
+              <a:rPr lang="en-US" dirty="0" smtClean="0"/>
+              <a:t>Image: </a:t>
+            </a:r>
+          </a:p>
+          <a:p>
+            <a:r>
+              <a:rPr lang="en-US" dirty="0" smtClean="0"/>
+              <a:t>https://blogs.technet.microsoft.com/dataplatforminsider/2016/01/25/use-dynamic-data-masking-to-obfuscate-your-sensitive-data/</a:t>
+            </a:r>
+            <a:endParaRPr lang="en-US" dirty="0"/>
+          </a:p>
+        </p:txBody>
+      </p:sp>
+      <p:sp>
+        <p:nvSpPr>
+          <p:cNvPr id="4" name="Slide Number Placeholder 3"/>
+          <p:cNvSpPr>
+            <a:spLocks noGrp="1"/>
+          </p:cNvSpPr>
+          <p:nvPr>
+            <p:ph type="sldNum" sz="quarter" idx="10"/>
+          </p:nvPr>
+        </p:nvSpPr>
+        <p:spPr/>
+        <p:txBody>
+          <a:bodyPr/>
+          <a:lstStyle/>
+          <a:p>
+            <a:fld id="{482283A2-F39A-4F0A-A468-BFC2D3071D86}" type="slidenum">
+              <a:rPr lang="en-US" smtClean="0"/>
+              <a:t>16</a:t>
             </a:fld>
             <a:endParaRPr lang="en-US"/>
           </a:p>
@@ -1335,7 +1434,7 @@
           <a:p>
             <a:fld id="{38B92EED-EC5D-481D-8393-A7289D5F8955}" type="datetimeFigureOut">
               <a:rPr lang="en-US" smtClean="0"/>
-              <a:t>2/29/2016</a:t>
+              <a:t>3/6/2016</a:t>
             </a:fld>
             <a:endParaRPr lang="en-US"/>
           </a:p>
@@ -1503,7 +1602,7 @@
           <a:p>
             <a:fld id="{38B92EED-EC5D-481D-8393-A7289D5F8955}" type="datetimeFigureOut">
               <a:rPr lang="en-US" smtClean="0"/>
-              <a:t>2/29/2016</a:t>
+              <a:t>3/6/2016</a:t>
             </a:fld>
             <a:endParaRPr lang="en-US"/>
           </a:p>
@@ -1681,7 +1780,7 @@
           <a:p>
             <a:fld id="{38B92EED-EC5D-481D-8393-A7289D5F8955}" type="datetimeFigureOut">
               <a:rPr lang="en-US" smtClean="0"/>
-              <a:t>2/29/2016</a:t>
+              <a:t>3/6/2016</a:t>
             </a:fld>
             <a:endParaRPr lang="en-US"/>
           </a:p>
@@ -1849,7 +1948,7 @@
           <a:p>
             <a:fld id="{38B92EED-EC5D-481D-8393-A7289D5F8955}" type="datetimeFigureOut">
               <a:rPr lang="en-US" smtClean="0"/>
-              <a:t>2/29/2016</a:t>
+              <a:t>3/6/2016</a:t>
             </a:fld>
             <a:endParaRPr lang="en-US"/>
           </a:p>
@@ -2094,7 +2193,7 @@
           <a:p>
             <a:fld id="{38B92EED-EC5D-481D-8393-A7289D5F8955}" type="datetimeFigureOut">
               <a:rPr lang="en-US" smtClean="0"/>
-              <a:t>2/29/2016</a:t>
+              <a:t>3/6/2016</a:t>
             </a:fld>
             <a:endParaRPr lang="en-US"/>
           </a:p>
@@ -2323,7 +2422,7 @@
           <a:p>
             <a:fld id="{38B92EED-EC5D-481D-8393-A7289D5F8955}" type="datetimeFigureOut">
               <a:rPr lang="en-US" smtClean="0"/>
-              <a:t>2/29/2016</a:t>
+              <a:t>3/6/2016</a:t>
             </a:fld>
             <a:endParaRPr lang="en-US"/>
           </a:p>
@@ -2687,7 +2786,7 @@
           <a:p>
             <a:fld id="{38B92EED-EC5D-481D-8393-A7289D5F8955}" type="datetimeFigureOut">
               <a:rPr lang="en-US" smtClean="0"/>
-              <a:t>2/29/2016</a:t>
+              <a:t>3/6/2016</a:t>
             </a:fld>
             <a:endParaRPr lang="en-US"/>
           </a:p>
@@ -2804,7 +2903,7 @@
           <a:p>
             <a:fld id="{38B92EED-EC5D-481D-8393-A7289D5F8955}" type="datetimeFigureOut">
               <a:rPr lang="en-US" smtClean="0"/>
-              <a:t>2/29/2016</a:t>
+              <a:t>3/6/2016</a:t>
             </a:fld>
             <a:endParaRPr lang="en-US"/>
           </a:p>
@@ -2899,7 +2998,7 @@
           <a:p>
             <a:fld id="{38B92EED-EC5D-481D-8393-A7289D5F8955}" type="datetimeFigureOut">
               <a:rPr lang="en-US" smtClean="0"/>
-              <a:t>2/29/2016</a:t>
+              <a:t>3/6/2016</a:t>
             </a:fld>
             <a:endParaRPr lang="en-US"/>
           </a:p>
@@ -3174,7 +3273,7 @@
           <a:p>
             <a:fld id="{38B92EED-EC5D-481D-8393-A7289D5F8955}" type="datetimeFigureOut">
               <a:rPr lang="en-US" smtClean="0"/>
-              <a:t>2/29/2016</a:t>
+              <a:t>3/6/2016</a:t>
             </a:fld>
             <a:endParaRPr lang="en-US"/>
           </a:p>
@@ -3426,7 +3525,7 @@
           <a:p>
             <a:fld id="{38B92EED-EC5D-481D-8393-A7289D5F8955}" type="datetimeFigureOut">
               <a:rPr lang="en-US" smtClean="0"/>
-              <a:t>2/29/2016</a:t>
+              <a:t>3/6/2016</a:t>
             </a:fld>
             <a:endParaRPr lang="en-US"/>
           </a:p>
@@ -3637,7 +3736,7 @@
           <a:p>
             <a:fld id="{38B92EED-EC5D-481D-8393-A7289D5F8955}" type="datetimeFigureOut">
               <a:rPr lang="en-US" smtClean="0"/>
-              <a:t>2/29/2016</a:t>
+              <a:t>3/6/2016</a:t>
             </a:fld>
             <a:endParaRPr lang="en-US"/>
           </a:p>
@@ -4147,7 +4246,7 @@
       </p:grpSpPr>
       <p:sp>
         <p:nvSpPr>
-          <p:cNvPr id="4" name="Title 3"/>
+          <p:cNvPr id="2" name="Title 1"/>
           <p:cNvSpPr>
             <a:spLocks noGrp="1"/>
           </p:cNvSpPr>
@@ -4162,19 +4261,19 @@
           <a:p>
             <a:r>
               <a:rPr lang="en-US" dirty="0"/>
-              <a:t>Demo</a:t>
-            </a:r>
-          </a:p>
-        </p:txBody>
-      </p:sp>
-      <p:sp>
-        <p:nvSpPr>
-          <p:cNvPr id="5" name="Text Placeholder 4"/>
-          <p:cNvSpPr>
-            <a:spLocks noGrp="1"/>
-          </p:cNvSpPr>
-          <p:nvPr>
-            <p:ph type="body" idx="1"/>
+              <a:t>Row Level Security (RLS) </a:t>
+            </a:r>
+          </a:p>
+        </p:txBody>
+      </p:sp>
+      <p:sp>
+        <p:nvSpPr>
+          <p:cNvPr id="3" name="Content Placeholder 2"/>
+          <p:cNvSpPr>
+            <a:spLocks noGrp="1"/>
+          </p:cNvSpPr>
+          <p:nvPr>
+            <p:ph idx="1"/>
           </p:nvPr>
         </p:nvSpPr>
         <p:spPr/>
@@ -4184,7 +4283,19 @@
           <a:p>
             <a:r>
               <a:rPr lang="en-US" dirty="0"/>
-              <a:t>Always Encrypted </a:t>
+              <a:t>Allow rows of data to be screened based on user characteristics</a:t>
+            </a:r>
+          </a:p>
+          <a:p>
+            <a:r>
+              <a:rPr lang="en-US" dirty="0"/>
+              <a:t>Independent of other SQL Server security.</a:t>
+            </a:r>
+          </a:p>
+          <a:p>
+            <a:r>
+              <a:rPr lang="en-US" dirty="0"/>
+              <a:t>Available in SQL Server 2016+ and Azure SQL Database</a:t>
             </a:r>
           </a:p>
         </p:txBody>
@@ -4192,7 +4303,7 @@
     </p:spTree>
     <p:extLst>
       <p:ext uri="{BB962C8B-B14F-4D97-AF65-F5344CB8AC3E}">
-        <p14:creationId xmlns:p14="http://schemas.microsoft.com/office/powerpoint/2010/main" val="2237251329"/>
+        <p14:creationId xmlns:p14="http://schemas.microsoft.com/office/powerpoint/2010/main" val="1408306452"/>
       </p:ext>
     </p:extLst>
   </p:cSld>
@@ -4219,92 +4330,6 @@
           <a:chExt cx="0" cy="0"/>
         </a:xfrm>
       </p:grpSpPr>
-      <p:sp>
-        <p:nvSpPr>
-          <p:cNvPr id="2" name="Title 1"/>
-          <p:cNvSpPr>
-            <a:spLocks noGrp="1"/>
-          </p:cNvSpPr>
-          <p:nvPr>
-            <p:ph type="title"/>
-          </p:nvPr>
-        </p:nvSpPr>
-        <p:spPr/>
-        <p:txBody>
-          <a:bodyPr/>
-          <a:lstStyle/>
-          <a:p>
-            <a:r>
-              <a:rPr lang="en-US" dirty="0"/>
-              <a:t>Row Level Security (RLS) </a:t>
-            </a:r>
-          </a:p>
-        </p:txBody>
-      </p:sp>
-      <p:sp>
-        <p:nvSpPr>
-          <p:cNvPr id="3" name="Content Placeholder 2"/>
-          <p:cNvSpPr>
-            <a:spLocks noGrp="1"/>
-          </p:cNvSpPr>
-          <p:nvPr>
-            <p:ph idx="1"/>
-          </p:nvPr>
-        </p:nvSpPr>
-        <p:spPr/>
-        <p:txBody>
-          <a:bodyPr/>
-          <a:lstStyle/>
-          <a:p>
-            <a:r>
-              <a:rPr lang="en-US" dirty="0"/>
-              <a:t>Allow rows of data to be screened based on user characteristics</a:t>
-            </a:r>
-          </a:p>
-          <a:p>
-            <a:r>
-              <a:rPr lang="en-US" dirty="0"/>
-              <a:t>Independent of other SQL Server security.</a:t>
-            </a:r>
-          </a:p>
-          <a:p>
-            <a:r>
-              <a:rPr lang="en-US" dirty="0"/>
-              <a:t>Available in SQL Server 2016+ and Azure SQL Database</a:t>
-            </a:r>
-          </a:p>
-        </p:txBody>
-      </p:sp>
-    </p:spTree>
-    <p:extLst>
-      <p:ext uri="{BB962C8B-B14F-4D97-AF65-F5344CB8AC3E}">
-        <p14:creationId xmlns:p14="http://schemas.microsoft.com/office/powerpoint/2010/main" val="1408306452"/>
-      </p:ext>
-    </p:extLst>
-  </p:cSld>
-  <p:clrMapOvr>
-    <a:masterClrMapping/>
-  </p:clrMapOvr>
-</p:sld>
-</file>
-
-<file path=ppt/slides/slide12.xml><?xml version="1.0" encoding="utf-8"?>
-<p:sld xmlns:a="http://schemas.openxmlformats.org/drawingml/2006/main" xmlns:r="http://schemas.openxmlformats.org/officeDocument/2006/relationships" xmlns:p="http://schemas.openxmlformats.org/presentationml/2006/main">
-  <p:cSld>
-    <p:spTree>
-      <p:nvGrpSpPr>
-        <p:cNvPr id="1" name=""/>
-        <p:cNvGrpSpPr/>
-        <p:nvPr/>
-      </p:nvGrpSpPr>
-      <p:grpSpPr>
-        <a:xfrm>
-          <a:off x="0" y="0"/>
-          <a:ext cx="0" cy="0"/>
-          <a:chOff x="0" y="0"/>
-          <a:chExt cx="0" cy="0"/>
-        </a:xfrm>
-      </p:grpSpPr>
       <p:graphicFrame>
         <p:nvGraphicFramePr>
           <p:cNvPr id="4" name="Content Placeholder 3"/>
@@ -4334,21 +4359,21 @@
                 <a:gridCol w="919577">
                   <a:extLst>
                     <a:ext uri="{9D8B030D-6E8A-4147-A177-3AD203B41FA5}">
-                      <a16:colId xmlns="" xmlns:a16="http://schemas.microsoft.com/office/drawing/2014/main" val="20000"/>
+                      <a16:colId xmlns:a16="http://schemas.microsoft.com/office/drawing/2014/main" xmlns="" val="20000"/>
                     </a:ext>
                   </a:extLst>
                 </a:gridCol>
                 <a:gridCol w="1509204">
                   <a:extLst>
                     <a:ext uri="{9D8B030D-6E8A-4147-A177-3AD203B41FA5}">
-                      <a16:colId xmlns="" xmlns:a16="http://schemas.microsoft.com/office/drawing/2014/main" val="20001"/>
+                      <a16:colId xmlns:a16="http://schemas.microsoft.com/office/drawing/2014/main" xmlns="" val="20001"/>
                     </a:ext>
                   </a:extLst>
                 </a:gridCol>
                 <a:gridCol w="1695634">
                   <a:extLst>
                     <a:ext uri="{9D8B030D-6E8A-4147-A177-3AD203B41FA5}">
-                      <a16:colId xmlns="" xmlns:a16="http://schemas.microsoft.com/office/drawing/2014/main" val="20002"/>
+                      <a16:colId xmlns:a16="http://schemas.microsoft.com/office/drawing/2014/main" xmlns="" val="20002"/>
                     </a:ext>
                   </a:extLst>
                 </a:gridCol>
@@ -4398,7 +4423,7 @@
                 </a:tc>
                 <a:extLst>
                   <a:ext uri="{0D108BD9-81ED-4DB2-BD59-A6C34878D82A}">
-                    <a16:rowId xmlns="" xmlns:a16="http://schemas.microsoft.com/office/drawing/2014/main" val="10000"/>
+                    <a16:rowId xmlns:a16="http://schemas.microsoft.com/office/drawing/2014/main" xmlns="" val="10000"/>
                   </a:ext>
                 </a:extLst>
               </a:tr>
@@ -4444,7 +4469,7 @@
                 </a:tc>
                 <a:extLst>
                   <a:ext uri="{0D108BD9-81ED-4DB2-BD59-A6C34878D82A}">
-                    <a16:rowId xmlns="" xmlns:a16="http://schemas.microsoft.com/office/drawing/2014/main" val="10001"/>
+                    <a16:rowId xmlns:a16="http://schemas.microsoft.com/office/drawing/2014/main" xmlns="" val="10001"/>
                   </a:ext>
                 </a:extLst>
               </a:tr>
@@ -4490,7 +4515,7 @@
                 </a:tc>
                 <a:extLst>
                   <a:ext uri="{0D108BD9-81ED-4DB2-BD59-A6C34878D82A}">
-                    <a16:rowId xmlns="" xmlns:a16="http://schemas.microsoft.com/office/drawing/2014/main" val="10002"/>
+                    <a16:rowId xmlns:a16="http://schemas.microsoft.com/office/drawing/2014/main" xmlns="" val="10002"/>
                   </a:ext>
                 </a:extLst>
               </a:tr>
@@ -4536,7 +4561,7 @@
                 </a:tc>
                 <a:extLst>
                   <a:ext uri="{0D108BD9-81ED-4DB2-BD59-A6C34878D82A}">
-                    <a16:rowId xmlns="" xmlns:a16="http://schemas.microsoft.com/office/drawing/2014/main" val="10003"/>
+                    <a16:rowId xmlns:a16="http://schemas.microsoft.com/office/drawing/2014/main" xmlns="" val="10003"/>
                   </a:ext>
                 </a:extLst>
               </a:tr>
@@ -4582,7 +4607,7 @@
                 </a:tc>
                 <a:extLst>
                   <a:ext uri="{0D108BD9-81ED-4DB2-BD59-A6C34878D82A}">
-                    <a16:rowId xmlns="" xmlns:a16="http://schemas.microsoft.com/office/drawing/2014/main" val="10004"/>
+                    <a16:rowId xmlns:a16="http://schemas.microsoft.com/office/drawing/2014/main" xmlns="" val="10004"/>
                   </a:ext>
                 </a:extLst>
               </a:tr>
@@ -4628,7 +4653,7 @@
                 </a:tc>
                 <a:extLst>
                   <a:ext uri="{0D108BD9-81ED-4DB2-BD59-A6C34878D82A}">
-                    <a16:rowId xmlns="" xmlns:a16="http://schemas.microsoft.com/office/drawing/2014/main" val="10005"/>
+                    <a16:rowId xmlns:a16="http://schemas.microsoft.com/office/drawing/2014/main" xmlns="" val="10005"/>
                   </a:ext>
                 </a:extLst>
               </a:tr>
@@ -4689,13 +4714,13 @@
           <p:nvPr>
             <p:extLst>
               <p:ext uri="{D42A27DB-BD31-4B8C-83A1-F6EECF244321}">
-                <p14:modId xmlns:p14="http://schemas.microsoft.com/office/powerpoint/2010/main" val="3498244919"/>
+                <p14:modId xmlns:p14="http://schemas.microsoft.com/office/powerpoint/2010/main" val="3734559483"/>
               </p:ext>
             </p:extLst>
           </p:nvPr>
         </p:nvGraphicFramePr>
         <p:xfrm>
-          <a:off x="104711" y="4657980"/>
+          <a:off x="122467" y="4924312"/>
           <a:ext cx="4236494" cy="1290813"/>
         </p:xfrm>
         <a:graphic>
@@ -4708,21 +4733,21 @@
                 <a:gridCol w="966420">
                   <a:extLst>
                     <a:ext uri="{9D8B030D-6E8A-4147-A177-3AD203B41FA5}">
-                      <a16:colId xmlns="" xmlns:a16="http://schemas.microsoft.com/office/drawing/2014/main" val="20000"/>
+                      <a16:colId xmlns:a16="http://schemas.microsoft.com/office/drawing/2014/main" xmlns="" val="20000"/>
                     </a:ext>
                   </a:extLst>
                 </a:gridCol>
                 <a:gridCol w="1556061">
                   <a:extLst>
                     <a:ext uri="{9D8B030D-6E8A-4147-A177-3AD203B41FA5}">
-                      <a16:colId xmlns="" xmlns:a16="http://schemas.microsoft.com/office/drawing/2014/main" val="20001"/>
+                      <a16:colId xmlns:a16="http://schemas.microsoft.com/office/drawing/2014/main" xmlns="" val="20001"/>
                     </a:ext>
                   </a:extLst>
                 </a:gridCol>
                 <a:gridCol w="1714013">
                   <a:extLst>
                     <a:ext uri="{9D8B030D-6E8A-4147-A177-3AD203B41FA5}">
-                      <a16:colId xmlns="" xmlns:a16="http://schemas.microsoft.com/office/drawing/2014/main" val="20002"/>
+                      <a16:colId xmlns:a16="http://schemas.microsoft.com/office/drawing/2014/main" xmlns="" val="20002"/>
                     </a:ext>
                   </a:extLst>
                 </a:gridCol>
@@ -4772,7 +4797,7 @@
                 </a:tc>
                 <a:extLst>
                   <a:ext uri="{0D108BD9-81ED-4DB2-BD59-A6C34878D82A}">
-                    <a16:rowId xmlns="" xmlns:a16="http://schemas.microsoft.com/office/drawing/2014/main" val="10000"/>
+                    <a16:rowId xmlns:a16="http://schemas.microsoft.com/office/drawing/2014/main" xmlns="" val="10000"/>
                   </a:ext>
                 </a:extLst>
               </a:tr>
@@ -4818,7 +4843,7 @@
                 </a:tc>
                 <a:extLst>
                   <a:ext uri="{0D108BD9-81ED-4DB2-BD59-A6C34878D82A}">
-                    <a16:rowId xmlns="" xmlns:a16="http://schemas.microsoft.com/office/drawing/2014/main" val="10001"/>
+                    <a16:rowId xmlns:a16="http://schemas.microsoft.com/office/drawing/2014/main" xmlns="" val="10001"/>
                   </a:ext>
                 </a:extLst>
               </a:tr>
@@ -4867,7 +4892,7 @@
                 </a:tc>
                 <a:extLst>
                   <a:ext uri="{0D108BD9-81ED-4DB2-BD59-A6C34878D82A}">
-                    <a16:rowId xmlns="" xmlns:a16="http://schemas.microsoft.com/office/drawing/2014/main" val="10002"/>
+                    <a16:rowId xmlns:a16="http://schemas.microsoft.com/office/drawing/2014/main" xmlns="" val="10002"/>
                   </a:ext>
                 </a:extLst>
               </a:tr>
@@ -4883,7 +4908,7 @@
         </p:nvSpPr>
         <p:spPr>
           <a:xfrm>
-            <a:off x="1001458" y="1532039"/>
+            <a:off x="761760" y="1532039"/>
             <a:ext cx="2708430" cy="369332"/>
           </a:xfrm>
           <a:prstGeom prst="rect">
@@ -4920,7 +4945,7 @@
         </p:nvSpPr>
         <p:spPr>
           <a:xfrm>
-            <a:off x="837221" y="2937634"/>
+            <a:off x="624155" y="2937634"/>
             <a:ext cx="3036903" cy="369332"/>
           </a:xfrm>
           <a:prstGeom prst="rect">
@@ -5007,21 +5032,21 @@
                 <a:gridCol w="998552">
                   <a:extLst>
                     <a:ext uri="{9D8B030D-6E8A-4147-A177-3AD203B41FA5}">
-                      <a16:colId xmlns="" xmlns:a16="http://schemas.microsoft.com/office/drawing/2014/main" val="20000"/>
+                      <a16:colId xmlns:a16="http://schemas.microsoft.com/office/drawing/2014/main" xmlns="" val="20000"/>
                     </a:ext>
                   </a:extLst>
                 </a:gridCol>
                 <a:gridCol w="1580225">
                   <a:extLst>
                     <a:ext uri="{9D8B030D-6E8A-4147-A177-3AD203B41FA5}">
-                      <a16:colId xmlns="" xmlns:a16="http://schemas.microsoft.com/office/drawing/2014/main" val="20001"/>
+                      <a16:colId xmlns:a16="http://schemas.microsoft.com/office/drawing/2014/main" xmlns="" val="20001"/>
                     </a:ext>
                   </a:extLst>
                 </a:gridCol>
                 <a:gridCol w="1553592">
                   <a:extLst>
                     <a:ext uri="{9D8B030D-6E8A-4147-A177-3AD203B41FA5}">
-                      <a16:colId xmlns="" xmlns:a16="http://schemas.microsoft.com/office/drawing/2014/main" val="20002"/>
+                      <a16:colId xmlns:a16="http://schemas.microsoft.com/office/drawing/2014/main" xmlns="" val="20002"/>
                     </a:ext>
                   </a:extLst>
                 </a:gridCol>
@@ -5071,7 +5096,7 @@
                 </a:tc>
                 <a:extLst>
                   <a:ext uri="{0D108BD9-81ED-4DB2-BD59-A6C34878D82A}">
-                    <a16:rowId xmlns="" xmlns:a16="http://schemas.microsoft.com/office/drawing/2014/main" val="10000"/>
+                    <a16:rowId xmlns:a16="http://schemas.microsoft.com/office/drawing/2014/main" xmlns="" val="10000"/>
                   </a:ext>
                 </a:extLst>
               </a:tr>
@@ -5117,7 +5142,7 @@
                 </a:tc>
                 <a:extLst>
                   <a:ext uri="{0D108BD9-81ED-4DB2-BD59-A6C34878D82A}">
-                    <a16:rowId xmlns="" xmlns:a16="http://schemas.microsoft.com/office/drawing/2014/main" val="10001"/>
+                    <a16:rowId xmlns:a16="http://schemas.microsoft.com/office/drawing/2014/main" xmlns="" val="10001"/>
                   </a:ext>
                 </a:extLst>
               </a:tr>
@@ -5163,7 +5188,7 @@
                 </a:tc>
                 <a:extLst>
                   <a:ext uri="{0D108BD9-81ED-4DB2-BD59-A6C34878D82A}">
-                    <a16:rowId xmlns="" xmlns:a16="http://schemas.microsoft.com/office/drawing/2014/main" val="10004"/>
+                    <a16:rowId xmlns:a16="http://schemas.microsoft.com/office/drawing/2014/main" xmlns="" val="10004"/>
                   </a:ext>
                 </a:extLst>
               </a:tr>
@@ -5212,7 +5237,7 @@
                 </a:tc>
                 <a:extLst>
                   <a:ext uri="{0D108BD9-81ED-4DB2-BD59-A6C34878D82A}">
-                    <a16:rowId xmlns="" xmlns:a16="http://schemas.microsoft.com/office/drawing/2014/main" val="10005"/>
+                    <a16:rowId xmlns:a16="http://schemas.microsoft.com/office/drawing/2014/main" xmlns="" val="10005"/>
                   </a:ext>
                 </a:extLst>
               </a:tr>
@@ -5313,7 +5338,7 @@
         </p:blipFill>
         <p:spPr>
           <a:xfrm>
-            <a:off x="1824393" y="374384"/>
+            <a:off x="1549183" y="374384"/>
             <a:ext cx="1062561" cy="1062561"/>
           </a:xfrm>
           <a:prstGeom prst="rect">
@@ -5359,8 +5384,8 @@
         </p:nvGrpSpPr>
         <p:grpSpPr>
           <a:xfrm>
-            <a:off x="2014333" y="3534035"/>
-            <a:ext cx="1424418" cy="805289"/>
+            <a:off x="1863411" y="3542913"/>
+            <a:ext cx="1424418" cy="1117864"/>
             <a:chOff x="9814712" y="3477283"/>
             <a:chExt cx="1424418" cy="805289"/>
           </a:xfrm>
@@ -5529,7 +5554,7 @@
         </p:nvGrpSpPr>
         <p:grpSpPr>
           <a:xfrm>
-            <a:off x="2071588" y="1980300"/>
+            <a:off x="1858524" y="1980300"/>
             <a:ext cx="1287337" cy="957333"/>
             <a:chOff x="9871967" y="1923548"/>
             <a:chExt cx="1287337" cy="957333"/>
@@ -5703,6 +5728,168 @@
           </p:txBody>
         </p:sp>
       </p:grpSp>
+      <p:grpSp>
+        <p:nvGrpSpPr>
+          <p:cNvPr id="26" name="Group 25"/>
+          <p:cNvGrpSpPr/>
+          <p:nvPr/>
+        </p:nvGrpSpPr>
+        <p:grpSpPr>
+          <a:xfrm rot="18765059">
+            <a:off x="6927506" y="3528414"/>
+            <a:ext cx="1287337" cy="957333"/>
+            <a:chOff x="9871967" y="1923548"/>
+            <a:chExt cx="1287337" cy="957333"/>
+          </a:xfrm>
+        </p:grpSpPr>
+        <p:sp>
+          <p:nvSpPr>
+            <p:cNvPr id="27" name="Down Arrow 26"/>
+            <p:cNvSpPr/>
+            <p:nvPr/>
+          </p:nvSpPr>
+          <p:spPr>
+            <a:xfrm>
+              <a:off x="9871967" y="1923548"/>
+              <a:ext cx="359995" cy="957333"/>
+            </a:xfrm>
+            <a:prstGeom prst="downArrow">
+              <a:avLst/>
+            </a:prstGeom>
+          </p:spPr>
+          <p:style>
+            <a:lnRef idx="2">
+              <a:schemeClr val="accent1">
+                <a:shade val="50000"/>
+              </a:schemeClr>
+            </a:lnRef>
+            <a:fillRef idx="1">
+              <a:schemeClr val="accent1"/>
+            </a:fillRef>
+            <a:effectRef idx="0">
+              <a:schemeClr val="accent1"/>
+            </a:effectRef>
+            <a:fontRef idx="minor">
+              <a:schemeClr val="lt1"/>
+            </a:fontRef>
+          </p:style>
+          <p:txBody>
+            <a:bodyPr rtlCol="0" anchor="ctr"/>
+            <a:lstStyle/>
+            <a:p>
+              <a:pPr algn="ctr"/>
+              <a:endParaRPr lang="en-US"/>
+            </a:p>
+          </p:txBody>
+        </p:sp>
+        <p:sp>
+          <p:nvSpPr>
+            <p:cNvPr id="28" name="TextBox 27"/>
+            <p:cNvSpPr txBox="1"/>
+            <p:nvPr/>
+          </p:nvSpPr>
+          <p:spPr>
+            <a:xfrm>
+              <a:off x="10215362" y="2003719"/>
+              <a:ext cx="943942" cy="369332"/>
+            </a:xfrm>
+            <a:prstGeom prst="rect">
+              <a:avLst/>
+            </a:prstGeom>
+            <a:noFill/>
+          </p:spPr>
+          <p:txBody>
+            <a:bodyPr wrap="square" rtlCol="0">
+              <a:spAutoFit/>
+            </a:bodyPr>
+            <a:lstStyle/>
+            <a:p>
+              <a:endParaRPr lang="en-US" dirty="0" smtClean="0"/>
+            </a:p>
+          </p:txBody>
+        </p:sp>
+      </p:grpSp>
+      <p:grpSp>
+        <p:nvGrpSpPr>
+          <p:cNvPr id="29" name="Group 28"/>
+          <p:cNvGrpSpPr/>
+          <p:nvPr/>
+        </p:nvGrpSpPr>
+        <p:grpSpPr>
+          <a:xfrm rot="2232773">
+            <a:off x="4482876" y="4247650"/>
+            <a:ext cx="1287337" cy="957333"/>
+            <a:chOff x="9871967" y="1923548"/>
+            <a:chExt cx="1287337" cy="957333"/>
+          </a:xfrm>
+        </p:grpSpPr>
+        <p:sp>
+          <p:nvSpPr>
+            <p:cNvPr id="30" name="Down Arrow 29"/>
+            <p:cNvSpPr/>
+            <p:nvPr/>
+          </p:nvSpPr>
+          <p:spPr>
+            <a:xfrm>
+              <a:off x="9871967" y="1923548"/>
+              <a:ext cx="359995" cy="957333"/>
+            </a:xfrm>
+            <a:prstGeom prst="downArrow">
+              <a:avLst/>
+            </a:prstGeom>
+          </p:spPr>
+          <p:style>
+            <a:lnRef idx="2">
+              <a:schemeClr val="accent1">
+                <a:shade val="50000"/>
+              </a:schemeClr>
+            </a:lnRef>
+            <a:fillRef idx="1">
+              <a:schemeClr val="accent1"/>
+            </a:fillRef>
+            <a:effectRef idx="0">
+              <a:schemeClr val="accent1"/>
+            </a:effectRef>
+            <a:fontRef idx="minor">
+              <a:schemeClr val="lt1"/>
+            </a:fontRef>
+          </p:style>
+          <p:txBody>
+            <a:bodyPr rtlCol="0" anchor="ctr"/>
+            <a:lstStyle/>
+            <a:p>
+              <a:pPr algn="ctr"/>
+              <a:endParaRPr lang="en-US"/>
+            </a:p>
+          </p:txBody>
+        </p:sp>
+        <p:sp>
+          <p:nvSpPr>
+            <p:cNvPr id="31" name="TextBox 30"/>
+            <p:cNvSpPr txBox="1"/>
+            <p:nvPr/>
+          </p:nvSpPr>
+          <p:spPr>
+            <a:xfrm>
+              <a:off x="10215362" y="2003719"/>
+              <a:ext cx="943942" cy="369332"/>
+            </a:xfrm>
+            <a:prstGeom prst="rect">
+              <a:avLst/>
+            </a:prstGeom>
+            <a:noFill/>
+          </p:spPr>
+          <p:txBody>
+            <a:bodyPr wrap="square" rtlCol="0">
+              <a:spAutoFit/>
+            </a:bodyPr>
+            <a:lstStyle/>
+            <a:p>
+              <a:endParaRPr lang="en-US" dirty="0" smtClean="0"/>
+            </a:p>
+          </p:txBody>
+        </p:sp>
+      </p:grpSp>
     </p:spTree>
     <p:extLst>
       <p:ext uri="{BB962C8B-B14F-4D97-AF65-F5344CB8AC3E}">
@@ -5716,7 +5903,7 @@
 </p:sld>
 </file>
 
-<file path=ppt/slides/slide13.xml><?xml version="1.0" encoding="utf-8"?>
+<file path=ppt/slides/slide12.xml><?xml version="1.0" encoding="utf-8"?>
 <p:sld xmlns:a="http://schemas.openxmlformats.org/drawingml/2006/main" xmlns:r="http://schemas.openxmlformats.org/officeDocument/2006/relationships" xmlns:p="http://schemas.openxmlformats.org/presentationml/2006/main">
   <p:cSld>
     <p:spTree>
@@ -5735,86 +5922,6 @@
       </p:grpSpPr>
       <p:sp>
         <p:nvSpPr>
-          <p:cNvPr id="2" name="Title 1"/>
-          <p:cNvSpPr>
-            <a:spLocks noGrp="1"/>
-          </p:cNvSpPr>
-          <p:nvPr>
-            <p:ph type="title"/>
-          </p:nvPr>
-        </p:nvSpPr>
-        <p:spPr/>
-        <p:txBody>
-          <a:bodyPr/>
-          <a:lstStyle/>
-          <a:p>
-            <a:r>
-              <a:rPr lang="en-US" dirty="0"/>
-              <a:t>Row Level Security</a:t>
-            </a:r>
-          </a:p>
-        </p:txBody>
-      </p:sp>
-      <p:sp>
-        <p:nvSpPr>
-          <p:cNvPr id="3" name="Content Placeholder 2"/>
-          <p:cNvSpPr>
-            <a:spLocks noGrp="1"/>
-          </p:cNvSpPr>
-          <p:nvPr>
-            <p:ph idx="1"/>
-          </p:nvPr>
-        </p:nvSpPr>
-        <p:spPr/>
-        <p:txBody>
-          <a:bodyPr/>
-          <a:lstStyle/>
-          <a:p>
-            <a:r>
-              <a:rPr lang="en-US" dirty="0"/>
-              <a:t>Security predicate function – Normal UDF created by administrator</a:t>
-            </a:r>
-          </a:p>
-          <a:p>
-            <a:r>
-              <a:rPr lang="en-US" dirty="0"/>
-              <a:t>SECURITY POLICY links a security predicate UDF to a table.</a:t>
-            </a:r>
-          </a:p>
-        </p:txBody>
-      </p:sp>
-    </p:spTree>
-    <p:extLst>
-      <p:ext uri="{BB962C8B-B14F-4D97-AF65-F5344CB8AC3E}">
-        <p14:creationId xmlns:p14="http://schemas.microsoft.com/office/powerpoint/2010/main" val="3829330373"/>
-      </p:ext>
-    </p:extLst>
-  </p:cSld>
-  <p:clrMapOvr>
-    <a:masterClrMapping/>
-  </p:clrMapOvr>
-</p:sld>
-</file>
-
-<file path=ppt/slides/slide14.xml><?xml version="1.0" encoding="utf-8"?>
-<p:sld xmlns:a="http://schemas.openxmlformats.org/drawingml/2006/main" xmlns:r="http://schemas.openxmlformats.org/officeDocument/2006/relationships" xmlns:p="http://schemas.openxmlformats.org/presentationml/2006/main">
-  <p:cSld>
-    <p:spTree>
-      <p:nvGrpSpPr>
-        <p:cNvPr id="1" name=""/>
-        <p:cNvGrpSpPr/>
-        <p:nvPr/>
-      </p:nvGrpSpPr>
-      <p:grpSpPr>
-        <a:xfrm>
-          <a:off x="0" y="0"/>
-          <a:ext cx="0" cy="0"/>
-          <a:chOff x="0" y="0"/>
-          <a:chExt cx="0" cy="0"/>
-        </a:xfrm>
-      </p:grpSpPr>
-      <p:sp>
-        <p:nvSpPr>
           <p:cNvPr id="4" name="Title 3"/>
           <p:cNvSpPr>
             <a:spLocks noGrp="1"/>
@@ -5870,7 +5977,7 @@
 </p:sld>
 </file>
 
-<file path=ppt/slides/slide15.xml><?xml version="1.0" encoding="utf-8"?>
+<file path=ppt/slides/slide13.xml><?xml version="1.0" encoding="utf-8"?>
 <p:sld xmlns:a="http://schemas.openxmlformats.org/drawingml/2006/main" xmlns:r="http://schemas.openxmlformats.org/officeDocument/2006/relationships" xmlns:p="http://schemas.openxmlformats.org/presentationml/2006/main">
   <p:cSld>
     <p:spTree>
@@ -5956,6 +6063,172 @@
 </p:sld>
 </file>
 
+<file path=ppt/slides/slide14.xml><?xml version="1.0" encoding="utf-8"?>
+<p:sld xmlns:a="http://schemas.openxmlformats.org/drawingml/2006/main" xmlns:r="http://schemas.openxmlformats.org/officeDocument/2006/relationships" xmlns:p="http://schemas.openxmlformats.org/presentationml/2006/main">
+  <p:cSld>
+    <p:spTree>
+      <p:nvGrpSpPr>
+        <p:cNvPr id="1" name=""/>
+        <p:cNvGrpSpPr/>
+        <p:nvPr/>
+      </p:nvGrpSpPr>
+      <p:grpSpPr>
+        <a:xfrm>
+          <a:off x="0" y="0"/>
+          <a:ext cx="0" cy="0"/>
+          <a:chOff x="0" y="0"/>
+          <a:chExt cx="0" cy="0"/>
+        </a:xfrm>
+      </p:grpSpPr>
+      <p:sp>
+        <p:nvSpPr>
+          <p:cNvPr id="2" name="Title 1"/>
+          <p:cNvSpPr>
+            <a:spLocks noGrp="1"/>
+          </p:cNvSpPr>
+          <p:nvPr>
+            <p:ph type="title"/>
+          </p:nvPr>
+        </p:nvSpPr>
+        <p:spPr/>
+        <p:txBody>
+          <a:bodyPr/>
+          <a:lstStyle/>
+          <a:p>
+            <a:r>
+              <a:rPr lang="en-US" dirty="0"/>
+              <a:t>Dynamic Data </a:t>
+            </a:r>
+            <a:r>
+              <a:rPr lang="en-US" dirty="0" smtClean="0"/>
+              <a:t>Masking (DDM) </a:t>
+            </a:r>
+            <a:endParaRPr lang="en-US" dirty="0"/>
+          </a:p>
+        </p:txBody>
+      </p:sp>
+      <p:sp>
+        <p:nvSpPr>
+          <p:cNvPr id="3" name="Content Placeholder 2"/>
+          <p:cNvSpPr>
+            <a:spLocks noGrp="1"/>
+          </p:cNvSpPr>
+          <p:nvPr>
+            <p:ph idx="1"/>
+          </p:nvPr>
+        </p:nvSpPr>
+        <p:spPr/>
+        <p:txBody>
+          <a:bodyPr/>
+          <a:lstStyle/>
+          <a:p>
+            <a:r>
+              <a:rPr lang="en-US" dirty="0" smtClean="0"/>
+              <a:t>No changes to data or storage</a:t>
+            </a:r>
+          </a:p>
+          <a:p>
+            <a:r>
+              <a:rPr lang="en-US" dirty="0" smtClean="0"/>
+              <a:t>DDM defines how data appears when queried.</a:t>
+            </a:r>
+          </a:p>
+          <a:p>
+            <a:r>
+              <a:rPr lang="en-US" dirty="0" smtClean="0"/>
+              <a:t>Does not require changes to application code</a:t>
+            </a:r>
+            <a:endParaRPr lang="en-US" dirty="0"/>
+          </a:p>
+        </p:txBody>
+      </p:sp>
+    </p:spTree>
+    <p:extLst>
+      <p:ext uri="{BB962C8B-B14F-4D97-AF65-F5344CB8AC3E}">
+        <p14:creationId xmlns:p14="http://schemas.microsoft.com/office/powerpoint/2010/main" val="2899329802"/>
+      </p:ext>
+    </p:extLst>
+  </p:cSld>
+  <p:clrMapOvr>
+    <a:masterClrMapping/>
+  </p:clrMapOvr>
+</p:sld>
+</file>
+
+<file path=ppt/slides/slide15.xml><?xml version="1.0" encoding="utf-8"?>
+<p:sld xmlns:a="http://schemas.openxmlformats.org/drawingml/2006/main" xmlns:r="http://schemas.openxmlformats.org/officeDocument/2006/relationships" xmlns:p="http://schemas.openxmlformats.org/presentationml/2006/main">
+  <p:cSld>
+    <p:spTree>
+      <p:nvGrpSpPr>
+        <p:cNvPr id="1" name=""/>
+        <p:cNvGrpSpPr/>
+        <p:nvPr/>
+      </p:nvGrpSpPr>
+      <p:grpSpPr>
+        <a:xfrm>
+          <a:off x="0" y="0"/>
+          <a:ext cx="0" cy="0"/>
+          <a:chOff x="0" y="0"/>
+          <a:chExt cx="0" cy="0"/>
+        </a:xfrm>
+      </p:grpSpPr>
+      <p:sp>
+        <p:nvSpPr>
+          <p:cNvPr id="4" name="Title 3"/>
+          <p:cNvSpPr>
+            <a:spLocks noGrp="1"/>
+          </p:cNvSpPr>
+          <p:nvPr>
+            <p:ph type="title"/>
+          </p:nvPr>
+        </p:nvSpPr>
+        <p:spPr/>
+        <p:txBody>
+          <a:bodyPr/>
+          <a:lstStyle/>
+          <a:p>
+            <a:r>
+              <a:rPr lang="en-US" dirty="0"/>
+              <a:t>Demo</a:t>
+            </a:r>
+          </a:p>
+        </p:txBody>
+      </p:sp>
+      <p:sp>
+        <p:nvSpPr>
+          <p:cNvPr id="5" name="Text Placeholder 4"/>
+          <p:cNvSpPr>
+            <a:spLocks noGrp="1"/>
+          </p:cNvSpPr>
+          <p:nvPr>
+            <p:ph type="body" idx="1"/>
+          </p:nvPr>
+        </p:nvSpPr>
+        <p:spPr/>
+        <p:txBody>
+          <a:bodyPr/>
+          <a:lstStyle/>
+          <a:p>
+            <a:r>
+              <a:rPr lang="en-US" dirty="0"/>
+              <a:t>Always Encrypted </a:t>
+            </a:r>
+          </a:p>
+        </p:txBody>
+      </p:sp>
+    </p:spTree>
+    <p:extLst>
+      <p:ext uri="{BB962C8B-B14F-4D97-AF65-F5344CB8AC3E}">
+        <p14:creationId xmlns:p14="http://schemas.microsoft.com/office/powerpoint/2010/main" val="2990823839"/>
+      </p:ext>
+    </p:extLst>
+  </p:cSld>
+  <p:clrMapOvr>
+    <a:masterClrMapping/>
+  </p:clrMapOvr>
+</p:sld>
+</file>
+
 <file path=ppt/slides/slide16.xml><?xml version="1.0" encoding="utf-8"?>
 <p:sld xmlns:a="http://schemas.openxmlformats.org/drawingml/2006/main" xmlns:r="http://schemas.openxmlformats.org/officeDocument/2006/relationships" xmlns:p="http://schemas.openxmlformats.org/presentationml/2006/main">
   <p:cSld>
@@ -5994,7 +6267,7 @@
             </a:r>
             <a:r>
               <a:rPr lang="en-US" dirty="0" smtClean="0"/>
-              <a:t>Masking (DDM) </a:t>
+              <a:t>Masking - Limitations </a:t>
             </a:r>
             <a:endParaRPr lang="en-US" dirty="0"/>
           </a:p>
@@ -6017,20 +6290,16 @@
           <a:p>
             <a:r>
               <a:rPr lang="en-US" dirty="0" smtClean="0"/>
-              <a:t>No changes to data or storage</a:t>
+              <a:t>Does not work with Always Encrypted columns.</a:t>
             </a:r>
           </a:p>
           <a:p>
             <a:r>
               <a:rPr lang="en-US" dirty="0" smtClean="0"/>
-              <a:t>DDM defines how data appears when queried.</a:t>
-            </a:r>
-          </a:p>
-          <a:p>
-            <a:r>
-              <a:rPr lang="en-US" dirty="0" smtClean="0"/>
-              <a:t>Does not require changes to application code</a:t>
-            </a:r>
+              <a:t>UNMASK is by database, not by table or column.</a:t>
+            </a:r>
+          </a:p>
+          <a:p>
             <a:endParaRPr lang="en-US" dirty="0"/>
           </a:p>
         </p:txBody>
@@ -6038,7 +6307,7 @@
     </p:spTree>
     <p:extLst>
       <p:ext uri="{BB962C8B-B14F-4D97-AF65-F5344CB8AC3E}">
-        <p14:creationId xmlns:p14="http://schemas.microsoft.com/office/powerpoint/2010/main" val="2899329802"/>
+        <p14:creationId xmlns:p14="http://schemas.microsoft.com/office/powerpoint/2010/main" val="639806232"/>
       </p:ext>
     </p:extLst>
   </p:cSld>
@@ -6067,7 +6336,7 @@
       </p:grpSpPr>
       <p:sp>
         <p:nvSpPr>
-          <p:cNvPr id="4" name="Title 3"/>
+          <p:cNvPr id="2" name="Title 1"/>
           <p:cNvSpPr>
             <a:spLocks noGrp="1"/>
           </p:cNvSpPr>
@@ -6082,19 +6351,19 @@
           <a:p>
             <a:r>
               <a:rPr lang="en-US" dirty="0"/>
-              <a:t>Demo</a:t>
-            </a:r>
-          </a:p>
-        </p:txBody>
-      </p:sp>
-      <p:sp>
-        <p:nvSpPr>
-          <p:cNvPr id="5" name="Text Placeholder 4"/>
-          <p:cNvSpPr>
-            <a:spLocks noGrp="1"/>
-          </p:cNvSpPr>
-          <p:nvPr>
-            <p:ph type="body" idx="1"/>
+              <a:t>Column Level Encryption </a:t>
+            </a:r>
+          </a:p>
+        </p:txBody>
+      </p:sp>
+      <p:sp>
+        <p:nvSpPr>
+          <p:cNvPr id="3" name="Content Placeholder 2"/>
+          <p:cNvSpPr>
+            <a:spLocks noGrp="1"/>
+          </p:cNvSpPr>
+          <p:nvPr>
+            <p:ph idx="1"/>
           </p:nvPr>
         </p:nvSpPr>
         <p:spPr/>
@@ -6103,16 +6372,44 @@
           <a:lstStyle/>
           <a:p>
             <a:r>
-              <a:rPr lang="en-US" dirty="0"/>
-              <a:t>Always Encrypted </a:t>
-            </a:r>
+              <a:rPr lang="en-US" dirty="0" smtClean="0"/>
+              <a:t>This is available in SQL Server 2005+</a:t>
+            </a:r>
+          </a:p>
+          <a:p>
+            <a:r>
+              <a:rPr lang="en-US" dirty="0" smtClean="0"/>
+              <a:t>Uses symmetric or asymmetric keys to protect data</a:t>
+            </a:r>
+          </a:p>
+          <a:p>
+            <a:r>
+              <a:rPr lang="en-US" dirty="0" smtClean="0"/>
+              <a:t>Encryption is really by field, not column.</a:t>
+            </a:r>
+          </a:p>
+          <a:p>
+            <a:r>
+              <a:rPr lang="en-US" dirty="0" smtClean="0"/>
+              <a:t>Encryption operations occur in SQL Server</a:t>
+            </a:r>
+          </a:p>
+          <a:p>
+            <a:r>
+              <a:rPr lang="en-US" dirty="0" smtClean="0"/>
+              <a:t>Temporary keys may be used</a:t>
+            </a:r>
+            <a:endParaRPr lang="en-US" dirty="0"/>
+          </a:p>
+          <a:p>
+            <a:endParaRPr lang="en-US" dirty="0"/>
           </a:p>
         </p:txBody>
       </p:sp>
     </p:spTree>
     <p:extLst>
       <p:ext uri="{BB962C8B-B14F-4D97-AF65-F5344CB8AC3E}">
-        <p14:creationId xmlns:p14="http://schemas.microsoft.com/office/powerpoint/2010/main" val="2990823839"/>
+        <p14:creationId xmlns:p14="http://schemas.microsoft.com/office/powerpoint/2010/main" val="4082207783"/>
       </p:ext>
     </p:extLst>
   </p:cSld>
@@ -6141,7 +6438,7 @@
       </p:grpSpPr>
       <p:sp>
         <p:nvSpPr>
-          <p:cNvPr id="2" name="Title 1"/>
+          <p:cNvPr id="4" name="Title 3"/>
           <p:cNvSpPr>
             <a:spLocks noGrp="1"/>
           </p:cNvSpPr>
@@ -6156,43 +6453,34 @@
           <a:p>
             <a:r>
               <a:rPr lang="en-US" dirty="0"/>
-              <a:t>Dynamic Data </a:t>
-            </a:r>
+              <a:t>Demo</a:t>
+            </a:r>
+          </a:p>
+        </p:txBody>
+      </p:sp>
+      <p:sp>
+        <p:nvSpPr>
+          <p:cNvPr id="5" name="Text Placeholder 4"/>
+          <p:cNvSpPr>
+            <a:spLocks noGrp="1"/>
+          </p:cNvSpPr>
+          <p:nvPr>
+            <p:ph type="body" idx="1"/>
+          </p:nvPr>
+        </p:nvSpPr>
+        <p:spPr/>
+        <p:txBody>
+          <a:bodyPr/>
+          <a:lstStyle/>
+          <a:p>
             <a:r>
               <a:rPr lang="en-US" dirty="0" smtClean="0"/>
-              <a:t>Masking - Limitations </a:t>
-            </a:r>
-            <a:endParaRPr lang="en-US" dirty="0"/>
-          </a:p>
-        </p:txBody>
-      </p:sp>
-      <p:sp>
-        <p:nvSpPr>
-          <p:cNvPr id="3" name="Content Placeholder 2"/>
-          <p:cNvSpPr>
-            <a:spLocks noGrp="1"/>
-          </p:cNvSpPr>
-          <p:nvPr>
-            <p:ph idx="1"/>
-          </p:nvPr>
-        </p:nvSpPr>
-        <p:spPr/>
-        <p:txBody>
-          <a:bodyPr/>
-          <a:lstStyle/>
-          <a:p>
+              <a:t>Column Level Encryption</a:t>
+            </a:r>
             <a:r>
               <a:rPr lang="en-US" dirty="0" smtClean="0"/>
-              <a:t>Does not work with Always Encrypted columns.</a:t>
-            </a:r>
-          </a:p>
-          <a:p>
-            <a:r>
-              <a:rPr lang="en-US" dirty="0" smtClean="0"/>
-              <a:t>UNMASK is by database, not by table or column.</a:t>
-            </a:r>
-          </a:p>
-          <a:p>
+              <a:t> </a:t>
+            </a:r>
             <a:endParaRPr lang="en-US" dirty="0"/>
           </a:p>
         </p:txBody>
@@ -6200,7 +6488,7 @@
     </p:spTree>
     <p:extLst>
       <p:ext uri="{BB962C8B-B14F-4D97-AF65-F5344CB8AC3E}">
-        <p14:creationId xmlns:p14="http://schemas.microsoft.com/office/powerpoint/2010/main" val="639806232"/>
+        <p14:creationId xmlns:p14="http://schemas.microsoft.com/office/powerpoint/2010/main" val="1454127985"/>
       </p:ext>
     </p:extLst>
   </p:cSld>
@@ -6244,7 +6532,7 @@
           <a:p>
             <a:r>
               <a:rPr lang="en-US" dirty="0"/>
-              <a:t>Column Level Encryption </a:t>
+              <a:t>Column Level Encryption – Limitations </a:t>
             </a:r>
           </a:p>
         </p:txBody>
@@ -6265,8 +6553,38 @@
           <a:lstStyle/>
           <a:p>
             <a:r>
-              <a:rPr lang="en-US" dirty="0"/>
-              <a:t>Overview</a:t>
+              <a:rPr lang="en-US" dirty="0" smtClean="0"/>
+              <a:t>Quiet a few algorithms are old</a:t>
+            </a:r>
+          </a:p>
+          <a:p>
+            <a:r>
+              <a:rPr lang="en-US" dirty="0" smtClean="0"/>
+              <a:t>Data is not necessarily protected from the DBA (can be. A little)</a:t>
+            </a:r>
+          </a:p>
+          <a:p>
+            <a:r>
+              <a:rPr lang="en-US" dirty="0" smtClean="0"/>
+              <a:t>Requires CPU resources on the server.</a:t>
+            </a:r>
+          </a:p>
+          <a:p>
+            <a:r>
+              <a:rPr lang="en-US" dirty="0" smtClean="0"/>
+              <a:t>Encrypted data does not compress. (compress, then encrypt)</a:t>
+            </a:r>
+          </a:p>
+          <a:p>
+            <a:r>
+              <a:rPr lang="en-US" dirty="0" smtClean="0"/>
+              <a:t>Symmetric keys are deterministic</a:t>
+            </a:r>
+          </a:p>
+          <a:p>
+            <a:r>
+              <a:rPr lang="en-US" dirty="0" smtClean="0"/>
+              <a:t>Requires code changes</a:t>
             </a:r>
           </a:p>
           <a:p>
@@ -6277,7 +6595,7 @@
     </p:spTree>
     <p:extLst>
       <p:ext uri="{BB962C8B-B14F-4D97-AF65-F5344CB8AC3E}">
-        <p14:creationId xmlns:p14="http://schemas.microsoft.com/office/powerpoint/2010/main" val="4082207783"/>
+        <p14:creationId xmlns:p14="http://schemas.microsoft.com/office/powerpoint/2010/main" val="1297784369"/>
       </p:ext>
     </p:extLst>
   </p:cSld>
@@ -6440,77 +6758,6 @@
           <a:p>
             <a:r>
               <a:rPr lang="en-US" dirty="0"/>
-              <a:t>Column Level Encryption – Limitations </a:t>
-            </a:r>
-          </a:p>
-        </p:txBody>
-      </p:sp>
-      <p:sp>
-        <p:nvSpPr>
-          <p:cNvPr id="3" name="Content Placeholder 2"/>
-          <p:cNvSpPr>
-            <a:spLocks noGrp="1"/>
-          </p:cNvSpPr>
-          <p:nvPr>
-            <p:ph idx="1"/>
-          </p:nvPr>
-        </p:nvSpPr>
-        <p:spPr/>
-        <p:txBody>
-          <a:bodyPr/>
-          <a:lstStyle/>
-          <a:p>
-            <a:endParaRPr lang="en-US"/>
-          </a:p>
-        </p:txBody>
-      </p:sp>
-    </p:spTree>
-    <p:extLst>
-      <p:ext uri="{BB962C8B-B14F-4D97-AF65-F5344CB8AC3E}">
-        <p14:creationId xmlns:p14="http://schemas.microsoft.com/office/powerpoint/2010/main" val="1297784369"/>
-      </p:ext>
-    </p:extLst>
-  </p:cSld>
-  <p:clrMapOvr>
-    <a:masterClrMapping/>
-  </p:clrMapOvr>
-</p:sld>
-</file>
-
-<file path=ppt/slides/slide21.xml><?xml version="1.0" encoding="utf-8"?>
-<p:sld xmlns:a="http://schemas.openxmlformats.org/drawingml/2006/main" xmlns:r="http://schemas.openxmlformats.org/officeDocument/2006/relationships" xmlns:p="http://schemas.openxmlformats.org/presentationml/2006/main">
-  <p:cSld>
-    <p:spTree>
-      <p:nvGrpSpPr>
-        <p:cNvPr id="1" name=""/>
-        <p:cNvGrpSpPr/>
-        <p:nvPr/>
-      </p:nvGrpSpPr>
-      <p:grpSpPr>
-        <a:xfrm>
-          <a:off x="0" y="0"/>
-          <a:ext cx="0" cy="0"/>
-          <a:chOff x="0" y="0"/>
-          <a:chExt cx="0" cy="0"/>
-        </a:xfrm>
-      </p:grpSpPr>
-      <p:sp>
-        <p:nvSpPr>
-          <p:cNvPr id="2" name="Title 1"/>
-          <p:cNvSpPr>
-            <a:spLocks noGrp="1"/>
-          </p:cNvSpPr>
-          <p:nvPr>
-            <p:ph type="title"/>
-          </p:nvPr>
-        </p:nvSpPr>
-        <p:spPr/>
-        <p:txBody>
-          <a:bodyPr/>
-          <a:lstStyle/>
-          <a:p>
-            <a:r>
-              <a:rPr lang="en-US" dirty="0"/>
               <a:t>Summary </a:t>
             </a:r>
           </a:p>
@@ -6554,7 +6801,7 @@
 </p:sld>
 </file>
 
-<file path=ppt/slides/slide22.xml><?xml version="1.0" encoding="utf-8"?>
+<file path=ppt/slides/slide21.xml><?xml version="1.0" encoding="utf-8"?>
 <p:sld xmlns:a="http://schemas.openxmlformats.org/drawingml/2006/main" xmlns:r="http://schemas.openxmlformats.org/officeDocument/2006/relationships" xmlns:p="http://schemas.openxmlformats.org/presentationml/2006/main">
   <p:cSld>
     <p:spTree>
@@ -7118,6 +7365,162 @@
 </p:sld>
 </file>
 
+<file path=ppt/slides/slide22.xml><?xml version="1.0" encoding="utf-8"?>
+<p:sld xmlns:a="http://schemas.openxmlformats.org/drawingml/2006/main" xmlns:r="http://schemas.openxmlformats.org/officeDocument/2006/relationships" xmlns:p="http://schemas.openxmlformats.org/presentationml/2006/main">
+  <p:cSld>
+    <p:spTree>
+      <p:nvGrpSpPr>
+        <p:cNvPr id="1" name=""/>
+        <p:cNvGrpSpPr/>
+        <p:nvPr/>
+      </p:nvGrpSpPr>
+      <p:grpSpPr>
+        <a:xfrm>
+          <a:off x="0" y="0"/>
+          <a:ext cx="0" cy="0"/>
+          <a:chOff x="0" y="0"/>
+          <a:chExt cx="0" cy="0"/>
+        </a:xfrm>
+      </p:grpSpPr>
+      <p:sp>
+        <p:nvSpPr>
+          <p:cNvPr id="2" name="Title 1"/>
+          <p:cNvSpPr>
+            <a:spLocks noGrp="1"/>
+          </p:cNvSpPr>
+          <p:nvPr>
+            <p:ph type="title"/>
+          </p:nvPr>
+        </p:nvSpPr>
+        <p:spPr/>
+        <p:txBody>
+          <a:bodyPr/>
+          <a:lstStyle/>
+          <a:p>
+            <a:r>
+              <a:rPr lang="en-US" dirty="0" smtClean="0"/>
+              <a:t>References</a:t>
+            </a:r>
+            <a:endParaRPr lang="en-US" dirty="0"/>
+          </a:p>
+        </p:txBody>
+      </p:sp>
+      <p:sp>
+        <p:nvSpPr>
+          <p:cNvPr id="3" name="Content Placeholder 2"/>
+          <p:cNvSpPr>
+            <a:spLocks noGrp="1"/>
+          </p:cNvSpPr>
+          <p:nvPr>
+            <p:ph idx="1"/>
+          </p:nvPr>
+        </p:nvSpPr>
+        <p:spPr/>
+        <p:txBody>
+          <a:bodyPr/>
+          <a:lstStyle/>
+          <a:p>
+            <a:r>
+              <a:rPr lang="en-US" dirty="0" smtClean="0"/>
+              <a:t>DDM</a:t>
+            </a:r>
+          </a:p>
+          <a:p>
+            <a:pPr lvl="1"/>
+            <a:r>
+              <a:rPr lang="en-US" dirty="0" smtClean="0">
+                <a:hlinkClick r:id="rId2"/>
+              </a:rPr>
+              <a:t>Dynamic </a:t>
+            </a:r>
+            <a:r>
+              <a:rPr lang="en-US" dirty="0">
+                <a:hlinkClick r:id="rId2"/>
+              </a:rPr>
+              <a:t>Data Masking </a:t>
+            </a:r>
+            <a:r>
+              <a:rPr lang="en-US" dirty="0" smtClean="0">
+                <a:hlinkClick r:id="rId2"/>
+              </a:rPr>
+              <a:t>(BOL</a:t>
+            </a:r>
+            <a:r>
+              <a:rPr lang="en-US" dirty="0">
+                <a:hlinkClick r:id="rId2"/>
+              </a:rPr>
+              <a:t>) - https://msdn.microsoft.com/en-us/library/mt130841.aspx?f=255&amp;MSPPError=-2147217396</a:t>
+            </a:r>
+          </a:p>
+          <a:p>
+            <a:pPr lvl="1"/>
+            <a:r>
+              <a:rPr lang="en-US" dirty="0" smtClean="0">
+                <a:hlinkClick r:id="rId2"/>
+              </a:rPr>
+              <a:t>https</a:t>
+            </a:r>
+            <a:r>
+              <a:rPr lang="en-US" dirty="0">
+                <a:hlinkClick r:id="rId2"/>
+              </a:rPr>
+              <a:t>://blogs.technet.microsoft.com/dataplatforminsider/2016/01/25/use-dynamic-data-masking-to-obfuscate-your-sensitive-data</a:t>
+            </a:r>
+            <a:r>
+              <a:rPr lang="en-US" dirty="0" smtClean="0">
+                <a:hlinkClick r:id="rId2"/>
+              </a:rPr>
+              <a:t>/</a:t>
+            </a:r>
+            <a:endParaRPr lang="en-US" dirty="0" smtClean="0"/>
+          </a:p>
+          <a:p>
+            <a:pPr lvl="1"/>
+            <a:r>
+              <a:rPr lang="en-US" dirty="0"/>
+              <a:t>A Very Quick Post on SQL Server 2016 Dynamic Data Masking - </a:t>
+            </a:r>
+            <a:r>
+              <a:rPr lang="en-US" dirty="0">
+                <a:hlinkClick r:id="rId3"/>
+              </a:rPr>
+              <a:t>https://www.simple-talk.com/blogs/2015/06/10/a-very-quick-post-on-sql-server-2016-dynamic-data-masking</a:t>
+            </a:r>
+            <a:r>
+              <a:rPr lang="en-US" dirty="0" smtClean="0">
+                <a:hlinkClick r:id="rId3"/>
+              </a:rPr>
+              <a:t>/</a:t>
+            </a:r>
+            <a:endParaRPr lang="en-US" dirty="0" smtClean="0"/>
+          </a:p>
+          <a:p>
+            <a:pPr lvl="1"/>
+            <a:endParaRPr lang="en-US" dirty="0"/>
+          </a:p>
+          <a:p>
+            <a:pPr lvl="1"/>
+            <a:endParaRPr lang="en-US" dirty="0" smtClean="0"/>
+          </a:p>
+          <a:p>
+            <a:pPr lvl="1"/>
+            <a:endParaRPr lang="en-US" dirty="0"/>
+          </a:p>
+        </p:txBody>
+      </p:sp>
+    </p:spTree>
+    <p:extLst>
+      <p:ext uri="{BB962C8B-B14F-4D97-AF65-F5344CB8AC3E}">
+        <p14:creationId xmlns:p14="http://schemas.microsoft.com/office/powerpoint/2010/main" val="1571852807"/>
+      </p:ext>
+    </p:extLst>
+  </p:cSld>
+  <p:clrMapOvr>
+    <a:masterClrMapping/>
+  </p:clrMapOvr>
+</p:sld>
+</file>
+
 <file path=ppt/slides/slide23.xml><?xml version="1.0" encoding="utf-8"?>
 <p:sld xmlns:a="http://schemas.openxmlformats.org/drawingml/2006/main" xmlns:r="http://schemas.openxmlformats.org/officeDocument/2006/relationships" xmlns:p="http://schemas.openxmlformats.org/presentationml/2006/main">
   <p:cSld>
@@ -7175,161 +7578,36 @@
           <a:p>
             <a:r>
               <a:rPr lang="en-US" dirty="0" smtClean="0"/>
-              <a:t>DDM</a:t>
+              <a:t>Column Level Encryption</a:t>
             </a:r>
           </a:p>
           <a:p>
             <a:pPr lvl="1"/>
+            <a:r>
+              <a:rPr lang="en-US" dirty="0" err="1" smtClean="0"/>
+              <a:t>DecryptbyKey</a:t>
+            </a:r>
+            <a:r>
+              <a:rPr lang="en-US" dirty="0"/>
+              <a:t> - </a:t>
+            </a:r>
+            <a:r>
+              <a:rPr lang="en-US" dirty="0">
+                <a:hlinkClick r:id="rId2"/>
+              </a:rPr>
+              <a:t>https://</a:t>
+            </a:r>
             <a:r>
               <a:rPr lang="en-US" dirty="0" smtClean="0">
                 <a:hlinkClick r:id="rId2"/>
               </a:rPr>
-              <a:t>Dynamic </a:t>
-            </a:r>
-            <a:r>
-              <a:rPr lang="en-US" dirty="0">
-                <a:hlinkClick r:id="rId2"/>
-              </a:rPr>
-              <a:t>Data Masking </a:t>
-            </a:r>
-            <a:r>
-              <a:rPr lang="en-US" dirty="0" smtClean="0">
-                <a:hlinkClick r:id="rId2"/>
-              </a:rPr>
-              <a:t>(BOL</a:t>
-            </a:r>
-            <a:r>
-              <a:rPr lang="en-US" dirty="0">
-                <a:hlinkClick r:id="rId2"/>
-              </a:rPr>
-              <a:t>) - https://msdn.microsoft.com/en-us/library/mt130841.aspx?f=255&amp;MSPPError=-2147217396</a:t>
-            </a:r>
-          </a:p>
-          <a:p>
-            <a:pPr lvl="1"/>
-            <a:r>
-              <a:rPr lang="en-US" dirty="0" smtClean="0">
-                <a:hlinkClick r:id="rId2"/>
-              </a:rPr>
-              <a:t>https</a:t>
-            </a:r>
-            <a:r>
-              <a:rPr lang="en-US" dirty="0">
-                <a:hlinkClick r:id="rId2"/>
-              </a:rPr>
-              <a:t>://blogs.technet.microsoft.com/dataplatforminsider/2016/01/25/use-dynamic-data-masking-to-obfuscate-your-sensitive-data</a:t>
-            </a:r>
-            <a:r>
-              <a:rPr lang="en-US" dirty="0" smtClean="0">
-                <a:hlinkClick r:id="rId2"/>
-              </a:rPr>
-              <a:t>/</a:t>
-            </a:r>
-            <a:endParaRPr lang="en-US" dirty="0" smtClean="0"/>
-          </a:p>
-          <a:p>
-            <a:pPr lvl="1"/>
-            <a:r>
-              <a:rPr lang="en-US" dirty="0"/>
-              <a:t>A Very Quick Post on SQL Server 2016 Dynamic Data </a:t>
-            </a:r>
-            <a:r>
-              <a:rPr lang="en-US" dirty="0"/>
-              <a:t>Masking - </a:t>
-            </a:r>
-            <a:r>
-              <a:rPr lang="en-US" dirty="0">
-                <a:hlinkClick r:id="rId3"/>
-              </a:rPr>
-              <a:t>https://www.simple-talk.com/blogs/2015/06/10/a-very-quick-post-on-sql-server-2016-dynamic-data-masking</a:t>
-            </a:r>
-            <a:r>
-              <a:rPr lang="en-US" dirty="0" smtClean="0">
-                <a:hlinkClick r:id="rId3"/>
-              </a:rPr>
-              <a:t>/</a:t>
+              <a:t>msdn.microsoft.com/en-us/library/ms181860.aspx</a:t>
             </a:r>
             <a:endParaRPr lang="en-US" dirty="0" smtClean="0"/>
           </a:p>
           <a:p>
             <a:pPr lvl="1"/>
             <a:endParaRPr lang="en-US" dirty="0"/>
-          </a:p>
-          <a:p>
-            <a:pPr lvl="1"/>
-            <a:endParaRPr lang="en-US" dirty="0" smtClean="0"/>
-          </a:p>
-          <a:p>
-            <a:pPr lvl="1"/>
-            <a:endParaRPr lang="en-US" dirty="0"/>
-          </a:p>
-        </p:txBody>
-      </p:sp>
-    </p:spTree>
-    <p:extLst>
-      <p:ext uri="{BB962C8B-B14F-4D97-AF65-F5344CB8AC3E}">
-        <p14:creationId xmlns:p14="http://schemas.microsoft.com/office/powerpoint/2010/main" val="1571852807"/>
-      </p:ext>
-    </p:extLst>
-  </p:cSld>
-  <p:clrMapOvr>
-    <a:masterClrMapping/>
-  </p:clrMapOvr>
-</p:sld>
-</file>
-
-<file path=ppt/slides/slide24.xml><?xml version="1.0" encoding="utf-8"?>
-<p:sld xmlns:a="http://schemas.openxmlformats.org/drawingml/2006/main" xmlns:r="http://schemas.openxmlformats.org/officeDocument/2006/relationships" xmlns:p="http://schemas.openxmlformats.org/presentationml/2006/main">
-  <p:cSld>
-    <p:spTree>
-      <p:nvGrpSpPr>
-        <p:cNvPr id="1" name=""/>
-        <p:cNvGrpSpPr/>
-        <p:nvPr/>
-      </p:nvGrpSpPr>
-      <p:grpSpPr>
-        <a:xfrm>
-          <a:off x="0" y="0"/>
-          <a:ext cx="0" cy="0"/>
-          <a:chOff x="0" y="0"/>
-          <a:chExt cx="0" cy="0"/>
-        </a:xfrm>
-      </p:grpSpPr>
-      <p:sp>
-        <p:nvSpPr>
-          <p:cNvPr id="2" name="Title 1"/>
-          <p:cNvSpPr>
-            <a:spLocks noGrp="1"/>
-          </p:cNvSpPr>
-          <p:nvPr>
-            <p:ph type="title"/>
-          </p:nvPr>
-        </p:nvSpPr>
-        <p:spPr/>
-        <p:txBody>
-          <a:bodyPr/>
-          <a:lstStyle/>
-          <a:p>
-            <a:endParaRPr lang="en-US" dirty="0"/>
-          </a:p>
-        </p:txBody>
-      </p:sp>
-      <p:sp>
-        <p:nvSpPr>
-          <p:cNvPr id="3" name="Content Placeholder 2"/>
-          <p:cNvSpPr>
-            <a:spLocks noGrp="1"/>
-          </p:cNvSpPr>
-          <p:nvPr>
-            <p:ph idx="1"/>
-          </p:nvPr>
-        </p:nvSpPr>
-        <p:spPr/>
-        <p:txBody>
-          <a:bodyPr/>
-          <a:lstStyle/>
-          <a:p>
-            <a:endParaRPr lang="en-US"/>
           </a:p>
         </p:txBody>
       </p:sp>
@@ -8218,63 +8496,169 @@
       </p:grpSpPr>
       <p:sp>
         <p:nvSpPr>
-          <p:cNvPr id="2" name="Title 1"/>
-          <p:cNvSpPr>
-            <a:spLocks noGrp="1"/>
-          </p:cNvSpPr>
-          <p:nvPr>
-            <p:ph type="title"/>
-          </p:nvPr>
-        </p:nvSpPr>
-        <p:spPr/>
-        <p:txBody>
-          <a:bodyPr/>
-          <a:lstStyle/>
-          <a:p>
-            <a:r>
-              <a:rPr lang="en-US" dirty="0"/>
-              <a:t>Encryption Overview</a:t>
-            </a:r>
-          </a:p>
-        </p:txBody>
-      </p:sp>
-      <p:sp>
-        <p:nvSpPr>
-          <p:cNvPr id="3" name="Content Placeholder 2"/>
-          <p:cNvSpPr>
-            <a:spLocks noGrp="1"/>
+          <p:cNvPr id="21506" name="Rectangle 3"/>
+          <p:cNvSpPr>
+            <a:spLocks noGrp="1" noChangeArrowheads="1"/>
           </p:cNvSpPr>
           <p:nvPr>
             <p:ph idx="1"/>
           </p:nvPr>
         </p:nvSpPr>
-        <p:spPr/>
-        <p:txBody>
-          <a:bodyPr/>
-          <a:lstStyle/>
-          <a:p>
-            <a:r>
-              <a:rPr lang="en-US" dirty="0"/>
-              <a:t>Use Wikipedia </a:t>
-            </a:r>
-            <a:r>
-              <a:rPr lang="en-US" dirty="0" err="1"/>
-              <a:t>def</a:t>
-            </a:r>
-            <a:endParaRPr lang="en-US" dirty="0"/>
+        <p:spPr>
+          <a:xfrm>
+            <a:off x="1981200" y="1341438"/>
+            <a:ext cx="8229600" cy="4525962"/>
+          </a:xfrm>
+        </p:spPr>
+        <p:txBody>
+          <a:bodyPr vert="horz" lIns="91440" tIns="45720" rIns="81279" bIns="45720" rtlCol="0">
+            <a:normAutofit/>
+          </a:bodyPr>
+          <a:lstStyle/>
+          <a:p>
+            <a:pPr eaLnBrk="1" hangingPunct="1">
+              <a:lnSpc>
+                <a:spcPct val="90000"/>
+              </a:lnSpc>
+              <a:buFont typeface="Arial" panose="020B0604020202020204" pitchFamily="34" charset="0"/>
+              <a:buNone/>
+            </a:pPr>
+            <a:r>
+              <a:rPr lang="en-US" altLang="en-US" smtClean="0">
+                <a:latin typeface="Times New Roman Bold" panose="02020803070505020304" pitchFamily="18" charset="0"/>
+                <a:cs typeface="Times New Roman Bold" panose="02020803070505020304" pitchFamily="18" charset="0"/>
+                <a:sym typeface="Times New Roman Bold" panose="02020803070505020304" pitchFamily="18" charset="0"/>
+              </a:rPr>
+              <a:t>encryption</a:t>
+            </a:r>
+            <a:r>
+              <a:rPr lang="en-US" altLang="en-US" smtClean="0"/>
+              <a:t> is the process of transforming </a:t>
+            </a:r>
+            <a:r>
+              <a:rPr lang="en-US" altLang="en-US" u="sng" smtClean="0">
+                <a:solidFill>
+                  <a:srgbClr val="009999"/>
+                </a:solidFill>
+                <a:hlinkClick r:id="rId3"/>
+              </a:rPr>
+              <a:t>information</a:t>
+            </a:r>
+            <a:r>
+              <a:rPr lang="en-US" altLang="en-US" smtClean="0"/>
+              <a:t> (referred to as </a:t>
+            </a:r>
+            <a:r>
+              <a:rPr lang="en-US" altLang="en-US" u="sng" smtClean="0">
+                <a:solidFill>
+                  <a:srgbClr val="009999"/>
+                </a:solidFill>
+                <a:hlinkClick r:id="rId4"/>
+              </a:rPr>
+              <a:t>plaintext</a:t>
+            </a:r>
+            <a:r>
+              <a:rPr lang="en-US" altLang="en-US" smtClean="0"/>
+              <a:t>) using an </a:t>
+            </a:r>
+            <a:r>
+              <a:rPr lang="en-US" altLang="en-US" u="sng" smtClean="0">
+                <a:solidFill>
+                  <a:srgbClr val="009999"/>
+                </a:solidFill>
+                <a:hlinkClick r:id="rId5"/>
+              </a:rPr>
+              <a:t>algorithm</a:t>
+            </a:r>
+            <a:r>
+              <a:rPr lang="en-US" altLang="en-US" smtClean="0"/>
+              <a:t> (called a </a:t>
+            </a:r>
+            <a:r>
+              <a:rPr lang="en-US" altLang="en-US" u="sng" smtClean="0">
+                <a:solidFill>
+                  <a:srgbClr val="009999"/>
+                </a:solidFill>
+                <a:hlinkClick r:id="rId6"/>
+              </a:rPr>
+              <a:t>cipher</a:t>
+            </a:r>
+            <a:r>
+              <a:rPr lang="en-US" altLang="en-US" smtClean="0"/>
+              <a:t>) to make it unreadable to anyone except those possessing special knowledge, usually referred to as a </a:t>
+            </a:r>
+            <a:r>
+              <a:rPr lang="en-US" altLang="en-US" u="sng" smtClean="0">
+                <a:solidFill>
+                  <a:srgbClr val="009999"/>
+                </a:solidFill>
+                <a:hlinkClick r:id="rId7"/>
+              </a:rPr>
+              <a:t>key</a:t>
+            </a:r>
+            <a:r>
+              <a:rPr lang="en-US" altLang="en-US" smtClean="0"/>
+              <a:t>. The result of the process is </a:t>
+            </a:r>
+            <a:r>
+              <a:rPr lang="en-US" altLang="en-US" smtClean="0">
+                <a:latin typeface="Times New Roman Bold" panose="02020803070505020304" pitchFamily="18" charset="0"/>
+                <a:cs typeface="Times New Roman Bold" panose="02020803070505020304" pitchFamily="18" charset="0"/>
+                <a:sym typeface="Times New Roman Bold" panose="02020803070505020304" pitchFamily="18" charset="0"/>
+              </a:rPr>
+              <a:t>encrypted</a:t>
+            </a:r>
+            <a:r>
+              <a:rPr lang="en-US" altLang="en-US" smtClean="0"/>
+              <a:t> information (in cryptography, referred to as </a:t>
+            </a:r>
+            <a:r>
+              <a:rPr lang="en-US" altLang="en-US" u="sng" smtClean="0">
+                <a:solidFill>
+                  <a:srgbClr val="009999"/>
+                </a:solidFill>
+                <a:hlinkClick r:id="rId8"/>
+              </a:rPr>
+              <a:t>ciphertext</a:t>
+            </a:r>
+            <a:r>
+              <a:rPr lang="en-US" altLang="en-US" smtClean="0"/>
+              <a:t>).</a:t>
+            </a:r>
+          </a:p>
+          <a:p>
+            <a:pPr algn="r" eaLnBrk="1" hangingPunct="1">
+              <a:lnSpc>
+                <a:spcPct val="90000"/>
+              </a:lnSpc>
+              <a:buFont typeface="Arial" panose="020B0604020202020204" pitchFamily="34" charset="0"/>
+              <a:buNone/>
+            </a:pPr>
+            <a:r>
+              <a:rPr lang="en-US" altLang="en-US" smtClean="0"/>
+              <a:t>- Wikipedia</a:t>
+            </a:r>
           </a:p>
         </p:txBody>
       </p:sp>
     </p:spTree>
     <p:extLst>
       <p:ext uri="{BB962C8B-B14F-4D97-AF65-F5344CB8AC3E}">
-        <p14:creationId xmlns:p14="http://schemas.microsoft.com/office/powerpoint/2010/main" val="1430853017"/>
+        <p14:creationId xmlns:p14="http://schemas.microsoft.com/office/powerpoint/2010/main" val="528054766"/>
       </p:ext>
     </p:extLst>
   </p:cSld>
   <p:clrMapOvr>
     <a:masterClrMapping/>
   </p:clrMapOvr>
+  <p:transition/>
+  <p:timing>
+    <p:tnLst>
+      <p:par>
+        <p:cTn id="1" dur="indefinite" restart="never" nodeType="tmRoot"/>
+      </p:par>
+    </p:tnLst>
+  </p:timing>
 </p:sld>
 </file>
 
@@ -8297,9 +8681,9 @@
       </p:grpSpPr>
       <p:sp>
         <p:nvSpPr>
-          <p:cNvPr id="2" name="Title 1"/>
-          <p:cNvSpPr>
-            <a:spLocks noGrp="1"/>
+          <p:cNvPr id="33794" name="Rectangle 3"/>
+          <p:cNvSpPr>
+            <a:spLocks noGrp="1" noChangeArrowheads="1"/>
           </p:cNvSpPr>
           <p:nvPr>
             <p:ph type="title"/>
@@ -8307,48 +8691,91 @@
         </p:nvSpPr>
         <p:spPr/>
         <p:txBody>
-          <a:bodyPr/>
-          <a:lstStyle/>
-          <a:p>
-            <a:r>
-              <a:rPr lang="en-US" dirty="0"/>
-              <a:t>Encryption in SQL Server 2016</a:t>
-            </a:r>
-          </a:p>
-        </p:txBody>
-      </p:sp>
-      <p:sp>
-        <p:nvSpPr>
-          <p:cNvPr id="3" name="Content Placeholder 2"/>
-          <p:cNvSpPr>
-            <a:spLocks noGrp="1"/>
-          </p:cNvSpPr>
-          <p:nvPr>
-            <p:ph idx="1"/>
-          </p:nvPr>
-        </p:nvSpPr>
-        <p:spPr/>
-        <p:txBody>
-          <a:bodyPr/>
-          <a:lstStyle/>
-          <a:p>
-            <a:r>
-              <a:rPr lang="en-US" dirty="0"/>
-              <a:t>Diagram of hierarchy </a:t>
-            </a:r>
-          </a:p>
-        </p:txBody>
-      </p:sp>
+          <a:bodyPr vert="horz" lIns="91440" tIns="45720" rIns="81279" bIns="45720" rtlCol="0" anchor="ctr">
+            <a:normAutofit/>
+          </a:bodyPr>
+          <a:lstStyle/>
+          <a:p>
+            <a:pPr eaLnBrk="1" hangingPunct="1"/>
+            <a:r>
+              <a:rPr lang="en-US" altLang="en-US" smtClean="0"/>
+              <a:t>Encryption Hierarchy</a:t>
+            </a:r>
+          </a:p>
+        </p:txBody>
+      </p:sp>
+      <p:pic>
+        <p:nvPicPr>
+          <p:cNvPr id="33795" name="Picture 4"/>
+          <p:cNvPicPr>
+            <a:picLocks noChangeArrowheads="1"/>
+          </p:cNvPicPr>
+          <p:nvPr/>
+        </p:nvPicPr>
+        <p:blipFill>
+          <a:blip r:embed="rId2">
+            <a:extLst>
+              <a:ext uri="{28A0092B-C50C-407E-A947-70E740481C1C}">
+                <a14:useLocalDpi xmlns:a14="http://schemas.microsoft.com/office/drawing/2010/main" val="0"/>
+              </a:ext>
+            </a:extLst>
+          </a:blip>
+          <a:srcRect/>
+          <a:stretch>
+            <a:fillRect/>
+          </a:stretch>
+        </p:blipFill>
+        <p:spPr bwMode="auto">
+          <a:xfrm>
+            <a:off x="3581401" y="1371600"/>
+            <a:ext cx="4652963" cy="4973638"/>
+          </a:xfrm>
+          <a:prstGeom prst="rect">
+            <a:avLst/>
+          </a:prstGeom>
+          <a:noFill/>
+          <a:ln>
+            <a:noFill/>
+          </a:ln>
+          <a:extLst>
+            <a:ext uri="{909E8E84-426E-40DD-AFC4-6F175D3DCCD1}">
+              <a14:hiddenFill xmlns:a14="http://schemas.microsoft.com/office/drawing/2010/main">
+                <a:solidFill>
+                  <a:srgbClr val="FFFFFF"/>
+                </a:solidFill>
+              </a14:hiddenFill>
+            </a:ext>
+            <a:ext uri="{91240B29-F687-4F45-9708-019B960494DF}">
+              <a14:hiddenLine xmlns:a14="http://schemas.microsoft.com/office/drawing/2010/main" w="9525">
+                <a:solidFill>
+                  <a:srgbClr val="000000"/>
+                </a:solidFill>
+                <a:miter lim="800000"/>
+                <a:headEnd/>
+                <a:tailEnd/>
+              </a14:hiddenLine>
+            </a:ext>
+          </a:extLst>
+        </p:spPr>
+      </p:pic>
     </p:spTree>
     <p:extLst>
       <p:ext uri="{BB962C8B-B14F-4D97-AF65-F5344CB8AC3E}">
-        <p14:creationId xmlns:p14="http://schemas.microsoft.com/office/powerpoint/2010/main" val="2626856263"/>
+        <p14:creationId xmlns:p14="http://schemas.microsoft.com/office/powerpoint/2010/main" val="3105430672"/>
       </p:ext>
     </p:extLst>
   </p:cSld>
   <p:clrMapOvr>
     <a:masterClrMapping/>
   </p:clrMapOvr>
+  <p:transition/>
+  <p:timing>
+    <p:tnLst>
+      <p:par>
+        <p:cTn id="1" dur="indefinite" restart="never" nodeType="tmRoot"/>
+      </p:par>
+    </p:tnLst>
+  </p:timing>
 </p:sld>
 </file>
 
@@ -8371,7 +8798,7 @@
       </p:grpSpPr>
       <p:sp>
         <p:nvSpPr>
-          <p:cNvPr id="2" name="Title 1"/>
+          <p:cNvPr id="4" name="Title 3"/>
           <p:cNvSpPr>
             <a:spLocks noGrp="1"/>
           </p:cNvSpPr>
@@ -8386,19 +8813,19 @@
           <a:p>
             <a:r>
               <a:rPr lang="en-US" dirty="0"/>
-              <a:t>Encryption Coverage</a:t>
-            </a:r>
-          </a:p>
-        </p:txBody>
-      </p:sp>
-      <p:sp>
-        <p:nvSpPr>
-          <p:cNvPr id="3" name="Content Placeholder 2"/>
-          <p:cNvSpPr>
-            <a:spLocks noGrp="1"/>
-          </p:cNvSpPr>
-          <p:nvPr>
-            <p:ph idx="1"/>
+              <a:t>Demo</a:t>
+            </a:r>
+          </a:p>
+        </p:txBody>
+      </p:sp>
+      <p:sp>
+        <p:nvSpPr>
+          <p:cNvPr id="5" name="Text Placeholder 4"/>
+          <p:cNvSpPr>
+            <a:spLocks noGrp="1"/>
+          </p:cNvSpPr>
+          <p:nvPr>
+            <p:ph type="body" idx="1"/>
           </p:nvPr>
         </p:nvSpPr>
         <p:spPr/>
@@ -8408,7 +8835,7 @@
           <a:p>
             <a:r>
               <a:rPr lang="en-US" dirty="0"/>
-              <a:t>Client to server diagram</a:t>
+              <a:t>Transparent Data Encryption  </a:t>
             </a:r>
           </a:p>
         </p:txBody>
@@ -8416,7 +8843,7 @@
     </p:spTree>
     <p:extLst>
       <p:ext uri="{BB962C8B-B14F-4D97-AF65-F5344CB8AC3E}">
-        <p14:creationId xmlns:p14="http://schemas.microsoft.com/office/powerpoint/2010/main" val="1121500338"/>
+        <p14:creationId xmlns:p14="http://schemas.microsoft.com/office/powerpoint/2010/main" val="4286616125"/>
       </p:ext>
     </p:extLst>
   </p:cSld>
@@ -8481,8 +8908,12 @@
           <a:lstStyle/>
           <a:p>
             <a:r>
+              <a:rPr lang="en-US" dirty="0" smtClean="0"/>
+              <a:t>Protects </a:t>
+            </a:r>
+            <a:r>
               <a:rPr lang="en-US" dirty="0"/>
-              <a:t>Protect data at rest</a:t>
+              <a:t>data at rest</a:t>
             </a:r>
           </a:p>
           <a:p>
@@ -8534,8 +8965,25 @@
             </a:r>
             <a:r>
               <a:rPr lang="en-US" dirty="0"/>
-              <a:t> encrypted </a:t>
-            </a:r>
+              <a:t> </a:t>
+            </a:r>
+            <a:r>
+              <a:rPr lang="en-US" dirty="0" smtClean="0"/>
+              <a:t>encrypted</a:t>
+            </a:r>
+          </a:p>
+          <a:p>
+            <a:r>
+              <a:rPr lang="en-US" dirty="0" smtClean="0"/>
+              <a:t>Many auditors will want this</a:t>
+            </a:r>
+          </a:p>
+          <a:p>
+            <a:r>
+              <a:rPr lang="en-US" dirty="0" smtClean="0"/>
+              <a:t>Enterprise Edition only. </a:t>
+            </a:r>
+            <a:endParaRPr lang="en-US" dirty="0"/>
           </a:p>
         </p:txBody>
       </p:sp>
@@ -8571,7 +9019,7 @@
       </p:grpSpPr>
       <p:sp>
         <p:nvSpPr>
-          <p:cNvPr id="4" name="Title 3"/>
+          <p:cNvPr id="2" name="Title 1"/>
           <p:cNvSpPr>
             <a:spLocks noGrp="1"/>
           </p:cNvSpPr>
@@ -8586,37 +9034,44 @@
           <a:p>
             <a:r>
               <a:rPr lang="en-US" dirty="0"/>
-              <a:t>Demo</a:t>
-            </a:r>
-          </a:p>
-        </p:txBody>
-      </p:sp>
-      <p:sp>
-        <p:nvSpPr>
-          <p:cNvPr id="5" name="Text Placeholder 4"/>
-          <p:cNvSpPr>
-            <a:spLocks noGrp="1"/>
-          </p:cNvSpPr>
-          <p:nvPr>
-            <p:ph type="body" idx="1"/>
-          </p:nvPr>
-        </p:nvSpPr>
-        <p:spPr/>
-        <p:txBody>
-          <a:bodyPr/>
-          <a:lstStyle/>
-          <a:p>
-            <a:r>
-              <a:rPr lang="en-US" dirty="0"/>
-              <a:t>Transparent Data Encryption  </a:t>
-            </a:r>
-          </a:p>
-        </p:txBody>
-      </p:sp>
+              <a:t>Always Encrypted </a:t>
+            </a:r>
+          </a:p>
+        </p:txBody>
+      </p:sp>
+      <p:pic>
+        <p:nvPicPr>
+          <p:cNvPr id="4" name="Content Placeholder 3"/>
+          <p:cNvPicPr>
+            <a:picLocks noGrp="1" noChangeAspect="1"/>
+          </p:cNvPicPr>
+          <p:nvPr>
+            <p:ph idx="1"/>
+          </p:nvPr>
+        </p:nvPicPr>
+        <p:blipFill>
+          <a:blip r:embed="rId2">
+            <a:extLst>
+              <a:ext uri="{28A0092B-C50C-407E-A947-70E740481C1C}">
+                <a14:useLocalDpi xmlns:a14="http://schemas.microsoft.com/office/drawing/2010/main" val="0"/>
+              </a:ext>
+            </a:extLst>
+          </a:blip>
+          <a:stretch>
+            <a:fillRect/>
+          </a:stretch>
+        </p:blipFill>
+        <p:spPr>
+          <a:xfrm>
+            <a:off x="3738857" y="1805198"/>
+            <a:ext cx="4714286" cy="3238095"/>
+          </a:xfrm>
+        </p:spPr>
+      </p:pic>
     </p:spTree>
     <p:extLst>
       <p:ext uri="{BB962C8B-B14F-4D97-AF65-F5344CB8AC3E}">
-        <p14:creationId xmlns:p14="http://schemas.microsoft.com/office/powerpoint/2010/main" val="4286616125"/>
+        <p14:creationId xmlns:p14="http://schemas.microsoft.com/office/powerpoint/2010/main" val="822060258"/>
       </p:ext>
     </p:extLst>
   </p:cSld>
@@ -8645,12 +9100,34 @@
       </p:grpSpPr>
       <p:sp>
         <p:nvSpPr>
-          <p:cNvPr id="2" name="Title 1"/>
+          <p:cNvPr id="4" name="Title 3"/>
           <p:cNvSpPr>
             <a:spLocks noGrp="1"/>
           </p:cNvSpPr>
           <p:nvPr>
             <p:ph type="title"/>
+          </p:nvPr>
+        </p:nvSpPr>
+        <p:spPr/>
+        <p:txBody>
+          <a:bodyPr/>
+          <a:lstStyle/>
+          <a:p>
+            <a:r>
+              <a:rPr lang="en-US" dirty="0"/>
+              <a:t>Demo</a:t>
+            </a:r>
+          </a:p>
+        </p:txBody>
+      </p:sp>
+      <p:sp>
+        <p:nvSpPr>
+          <p:cNvPr id="5" name="Text Placeholder 4"/>
+          <p:cNvSpPr>
+            <a:spLocks noGrp="1"/>
+          </p:cNvSpPr>
+          <p:nvPr>
+            <p:ph type="body" idx="1"/>
           </p:nvPr>
         </p:nvSpPr>
         <p:spPr/>
@@ -8661,28 +9138,6 @@
             <a:r>
               <a:rPr lang="en-US" dirty="0"/>
               <a:t>Always Encrypted </a:t>
-            </a:r>
-          </a:p>
-        </p:txBody>
-      </p:sp>
-      <p:sp>
-        <p:nvSpPr>
-          <p:cNvPr id="3" name="Content Placeholder 2"/>
-          <p:cNvSpPr>
-            <a:spLocks noGrp="1"/>
-          </p:cNvSpPr>
-          <p:nvPr>
-            <p:ph idx="1"/>
-          </p:nvPr>
-        </p:nvSpPr>
-        <p:spPr/>
-        <p:txBody>
-          <a:bodyPr/>
-          <a:lstStyle/>
-          <a:p>
-            <a:r>
-              <a:rPr lang="en-US" dirty="0"/>
-              <a:t>Diagram</a:t>
             </a:r>
           </a:p>
         </p:txBody>
@@ -8690,7 +9145,7 @@
     </p:spTree>
     <p:extLst>
       <p:ext uri="{BB962C8B-B14F-4D97-AF65-F5344CB8AC3E}">
-        <p14:creationId xmlns:p14="http://schemas.microsoft.com/office/powerpoint/2010/main" val="822060258"/>
+        <p14:creationId xmlns:p14="http://schemas.microsoft.com/office/powerpoint/2010/main" val="2237251329"/>
       </p:ext>
     </p:extLst>
   </p:cSld>

--- a/Getting Started with Encryption in SQL 2016.pptx
+++ b/Getting Started with Encryption in SQL 2016.pptx
@@ -5,7 +5,7 @@
     <p:sldMasterId id="2147483648" r:id="rId1"/>
   </p:sldMasterIdLst>
   <p:notesMasterIdLst>
-    <p:notesMasterId r:id="rId25"/>
+    <p:notesMasterId r:id="rId28"/>
   </p:notesMasterIdLst>
   <p:sldIdLst>
     <p:sldId id="256" r:id="rId2"/>
@@ -13,24 +13,27 @@
     <p:sldId id="275" r:id="rId4"/>
     <p:sldId id="281" r:id="rId5"/>
     <p:sldId id="282" r:id="rId6"/>
-    <p:sldId id="272" r:id="rId7"/>
-    <p:sldId id="259" r:id="rId8"/>
-    <p:sldId id="263" r:id="rId9"/>
-    <p:sldId id="271" r:id="rId10"/>
-    <p:sldId id="274" r:id="rId11"/>
-    <p:sldId id="269" r:id="rId12"/>
-    <p:sldId id="270" r:id="rId13"/>
-    <p:sldId id="266" r:id="rId14"/>
-    <p:sldId id="279" r:id="rId15"/>
-    <p:sldId id="273" r:id="rId16"/>
-    <p:sldId id="280" r:id="rId17"/>
-    <p:sldId id="265" r:id="rId18"/>
-    <p:sldId id="283" r:id="rId19"/>
-    <p:sldId id="267" r:id="rId20"/>
-    <p:sldId id="260" r:id="rId21"/>
-    <p:sldId id="261" r:id="rId22"/>
-    <p:sldId id="277" r:id="rId23"/>
-    <p:sldId id="278" r:id="rId24"/>
+    <p:sldId id="259" r:id="rId7"/>
+    <p:sldId id="272" r:id="rId8"/>
+    <p:sldId id="284" r:id="rId9"/>
+    <p:sldId id="263" r:id="rId10"/>
+    <p:sldId id="271" r:id="rId11"/>
+    <p:sldId id="285" r:id="rId12"/>
+    <p:sldId id="274" r:id="rId13"/>
+    <p:sldId id="269" r:id="rId14"/>
+    <p:sldId id="270" r:id="rId15"/>
+    <p:sldId id="286" r:id="rId16"/>
+    <p:sldId id="266" r:id="rId17"/>
+    <p:sldId id="279" r:id="rId18"/>
+    <p:sldId id="273" r:id="rId19"/>
+    <p:sldId id="280" r:id="rId20"/>
+    <p:sldId id="265" r:id="rId21"/>
+    <p:sldId id="283" r:id="rId22"/>
+    <p:sldId id="267" r:id="rId23"/>
+    <p:sldId id="260" r:id="rId24"/>
+    <p:sldId id="261" r:id="rId25"/>
+    <p:sldId id="277" r:id="rId26"/>
+    <p:sldId id="278" r:id="rId27"/>
   </p:sldIdLst>
   <p:sldSz cx="12192000" cy="6858000"/>
   <p:notesSz cx="6858000" cy="9144000"/>
@@ -219,7 +222,7 @@
           <a:p>
             <a:fld id="{D4C1D33F-78D8-4750-A964-FE7F02492D2E}" type="datetimeFigureOut">
               <a:rPr lang="en-US" smtClean="0"/>
-              <a:t>3/6/2016</a:t>
+              <a:t>4/18/2016</a:t>
             </a:fld>
             <a:endParaRPr lang="en-US"/>
           </a:p>
@@ -860,7 +863,7 @@
         <p:nvSpPr>
           <p:cNvPr id="86018" name="Rectangle 1"/>
           <p:cNvSpPr>
-            <a:spLocks noChangeArrowheads="1" noTextEdit="1"/>
+            <a:spLocks noGrp="1" noRot="1" noChangeAspect="1" noChangeArrowheads="1" noTextEdit="1"/>
           </p:cNvSpPr>
           <p:nvPr>
             <p:ph type="sldImg"/>
@@ -877,7 +880,7 @@
         <p:nvSpPr>
           <p:cNvPr id="86019" name="Rectangle 2"/>
           <p:cNvSpPr>
-            <a:spLocks noChangeArrowheads="1"/>
+            <a:spLocks noGrp="1" noChangeArrowheads="1"/>
           </p:cNvSpPr>
           <p:nvPr>
             <p:ph type="body" idx="1"/>
@@ -912,7 +915,7 @@
           <a:p>
             <a:pPr marL="79375" eaLnBrk="1" hangingPunct="1"/>
             <a:r>
-              <a:rPr lang="en-US" altLang="en-US" smtClean="0">
+              <a:rPr lang="en-US" altLang="en-US">
                 <a:solidFill>
                   <a:srgbClr val="000000"/>
                 </a:solidFill>
@@ -1004,7 +1007,7 @@
           <a:p>
             <a:fld id="{482283A2-F39A-4F0A-A468-BFC2D3071D86}" type="slidenum">
               <a:rPr lang="en-US" smtClean="0"/>
-              <a:t>11</a:t>
+              <a:t>13</a:t>
             </a:fld>
             <a:endParaRPr lang="en-US"/>
           </a:p>
@@ -1068,16 +1071,15 @@
           <a:lstStyle/>
           <a:p>
             <a:r>
-              <a:rPr lang="en-US" dirty="0" smtClean="0"/>
+              <a:rPr lang="en-US" dirty="0"/>
               <a:t>Image: </a:t>
             </a:r>
           </a:p>
           <a:p>
             <a:r>
-              <a:rPr lang="en-US" dirty="0" smtClean="0"/>
+              <a:rPr lang="en-US" dirty="0"/>
               <a:t>https://blogs.technet.microsoft.com/dataplatforminsider/2016/01/25/use-dynamic-data-masking-to-obfuscate-your-sensitive-data/</a:t>
             </a:r>
-            <a:endParaRPr lang="en-US" dirty="0"/>
           </a:p>
         </p:txBody>
       </p:sp>
@@ -1098,7 +1100,7 @@
           <a:p>
             <a:fld id="{482283A2-F39A-4F0A-A468-BFC2D3071D86}" type="slidenum">
               <a:rPr lang="en-US" smtClean="0"/>
-              <a:t>13</a:t>
+              <a:t>16</a:t>
             </a:fld>
             <a:endParaRPr lang="en-US"/>
           </a:p>
@@ -1162,16 +1164,15 @@
           <a:lstStyle/>
           <a:p>
             <a:r>
-              <a:rPr lang="en-US" dirty="0" smtClean="0"/>
+              <a:rPr lang="en-US" dirty="0"/>
               <a:t>Image: </a:t>
             </a:r>
           </a:p>
           <a:p>
             <a:r>
-              <a:rPr lang="en-US" dirty="0" smtClean="0"/>
+              <a:rPr lang="en-US" dirty="0"/>
               <a:t>https://blogs.technet.microsoft.com/dataplatforminsider/2016/01/25/use-dynamic-data-masking-to-obfuscate-your-sensitive-data/</a:t>
             </a:r>
-            <a:endParaRPr lang="en-US" dirty="0"/>
           </a:p>
         </p:txBody>
       </p:sp>
@@ -1192,7 +1193,7 @@
           <a:p>
             <a:fld id="{482283A2-F39A-4F0A-A468-BFC2D3071D86}" type="slidenum">
               <a:rPr lang="en-US" smtClean="0"/>
-              <a:t>14</a:t>
+              <a:t>17</a:t>
             </a:fld>
             <a:endParaRPr lang="en-US"/>
           </a:p>
@@ -1256,16 +1257,15 @@
           <a:lstStyle/>
           <a:p>
             <a:r>
-              <a:rPr lang="en-US" dirty="0" smtClean="0"/>
+              <a:rPr lang="en-US" dirty="0"/>
               <a:t>Image: </a:t>
             </a:r>
           </a:p>
           <a:p>
             <a:r>
-              <a:rPr lang="en-US" dirty="0" smtClean="0"/>
+              <a:rPr lang="en-US" dirty="0"/>
               <a:t>https://blogs.technet.microsoft.com/dataplatforminsider/2016/01/25/use-dynamic-data-masking-to-obfuscate-your-sensitive-data/</a:t>
             </a:r>
-            <a:endParaRPr lang="en-US" dirty="0"/>
           </a:p>
         </p:txBody>
       </p:sp>
@@ -1286,7 +1286,7 @@
           <a:p>
             <a:fld id="{482283A2-F39A-4F0A-A468-BFC2D3071D86}" type="slidenum">
               <a:rPr lang="en-US" smtClean="0"/>
-              <a:t>16</a:t>
+              <a:t>19</a:t>
             </a:fld>
             <a:endParaRPr lang="en-US"/>
           </a:p>
@@ -1434,7 +1434,7 @@
           <a:p>
             <a:fld id="{38B92EED-EC5D-481D-8393-A7289D5F8955}" type="datetimeFigureOut">
               <a:rPr lang="en-US" smtClean="0"/>
-              <a:t>3/6/2016</a:t>
+              <a:t>4/18/2016</a:t>
             </a:fld>
             <a:endParaRPr lang="en-US"/>
           </a:p>
@@ -1602,7 +1602,7 @@
           <a:p>
             <a:fld id="{38B92EED-EC5D-481D-8393-A7289D5F8955}" type="datetimeFigureOut">
               <a:rPr lang="en-US" smtClean="0"/>
-              <a:t>3/6/2016</a:t>
+              <a:t>4/18/2016</a:t>
             </a:fld>
             <a:endParaRPr lang="en-US"/>
           </a:p>
@@ -1780,7 +1780,7 @@
           <a:p>
             <a:fld id="{38B92EED-EC5D-481D-8393-A7289D5F8955}" type="datetimeFigureOut">
               <a:rPr lang="en-US" smtClean="0"/>
-              <a:t>3/6/2016</a:t>
+              <a:t>4/18/2016</a:t>
             </a:fld>
             <a:endParaRPr lang="en-US"/>
           </a:p>
@@ -1948,7 +1948,7 @@
           <a:p>
             <a:fld id="{38B92EED-EC5D-481D-8393-A7289D5F8955}" type="datetimeFigureOut">
               <a:rPr lang="en-US" smtClean="0"/>
-              <a:t>3/6/2016</a:t>
+              <a:t>4/18/2016</a:t>
             </a:fld>
             <a:endParaRPr lang="en-US"/>
           </a:p>
@@ -2193,7 +2193,7 @@
           <a:p>
             <a:fld id="{38B92EED-EC5D-481D-8393-A7289D5F8955}" type="datetimeFigureOut">
               <a:rPr lang="en-US" smtClean="0"/>
-              <a:t>3/6/2016</a:t>
+              <a:t>4/18/2016</a:t>
             </a:fld>
             <a:endParaRPr lang="en-US"/>
           </a:p>
@@ -2422,7 +2422,7 @@
           <a:p>
             <a:fld id="{38B92EED-EC5D-481D-8393-A7289D5F8955}" type="datetimeFigureOut">
               <a:rPr lang="en-US" smtClean="0"/>
-              <a:t>3/6/2016</a:t>
+              <a:t>4/18/2016</a:t>
             </a:fld>
             <a:endParaRPr lang="en-US"/>
           </a:p>
@@ -2786,7 +2786,7 @@
           <a:p>
             <a:fld id="{38B92EED-EC5D-481D-8393-A7289D5F8955}" type="datetimeFigureOut">
               <a:rPr lang="en-US" smtClean="0"/>
-              <a:t>3/6/2016</a:t>
+              <a:t>4/18/2016</a:t>
             </a:fld>
             <a:endParaRPr lang="en-US"/>
           </a:p>
@@ -2903,7 +2903,7 @@
           <a:p>
             <a:fld id="{38B92EED-EC5D-481D-8393-A7289D5F8955}" type="datetimeFigureOut">
               <a:rPr lang="en-US" smtClean="0"/>
-              <a:t>3/6/2016</a:t>
+              <a:t>4/18/2016</a:t>
             </a:fld>
             <a:endParaRPr lang="en-US"/>
           </a:p>
@@ -2998,7 +2998,7 @@
           <a:p>
             <a:fld id="{38B92EED-EC5D-481D-8393-A7289D5F8955}" type="datetimeFigureOut">
               <a:rPr lang="en-US" smtClean="0"/>
-              <a:t>3/6/2016</a:t>
+              <a:t>4/18/2016</a:t>
             </a:fld>
             <a:endParaRPr lang="en-US"/>
           </a:p>
@@ -3273,7 +3273,7 @@
           <a:p>
             <a:fld id="{38B92EED-EC5D-481D-8393-A7289D5F8955}" type="datetimeFigureOut">
               <a:rPr lang="en-US" smtClean="0"/>
-              <a:t>3/6/2016</a:t>
+              <a:t>4/18/2016</a:t>
             </a:fld>
             <a:endParaRPr lang="en-US"/>
           </a:p>
@@ -3525,7 +3525,7 @@
           <a:p>
             <a:fld id="{38B92EED-EC5D-481D-8393-A7289D5F8955}" type="datetimeFigureOut">
               <a:rPr lang="en-US" smtClean="0"/>
-              <a:t>3/6/2016</a:t>
+              <a:t>4/18/2016</a:t>
             </a:fld>
             <a:endParaRPr lang="en-US"/>
           </a:p>
@@ -3736,7 +3736,7 @@
           <a:p>
             <a:fld id="{38B92EED-EC5D-481D-8393-A7289D5F8955}" type="datetimeFigureOut">
               <a:rPr lang="en-US" smtClean="0"/>
-              <a:t>3/6/2016</a:t>
+              <a:t>4/18/2016</a:t>
             </a:fld>
             <a:endParaRPr lang="en-US"/>
           </a:p>
@@ -4246,7 +4246,7 @@
       </p:grpSpPr>
       <p:sp>
         <p:nvSpPr>
-          <p:cNvPr id="2" name="Title 1"/>
+          <p:cNvPr id="4" name="Title 3"/>
           <p:cNvSpPr>
             <a:spLocks noGrp="1"/>
           </p:cNvSpPr>
@@ -4261,19 +4261,19 @@
           <a:p>
             <a:r>
               <a:rPr lang="en-US" dirty="0"/>
-              <a:t>Row Level Security (RLS) </a:t>
-            </a:r>
-          </a:p>
-        </p:txBody>
-      </p:sp>
-      <p:sp>
-        <p:nvSpPr>
-          <p:cNvPr id="3" name="Content Placeholder 2"/>
-          <p:cNvSpPr>
-            <a:spLocks noGrp="1"/>
-          </p:cNvSpPr>
-          <p:nvPr>
-            <p:ph idx="1"/>
+              <a:t>Demo</a:t>
+            </a:r>
+          </a:p>
+        </p:txBody>
+      </p:sp>
+      <p:sp>
+        <p:nvSpPr>
+          <p:cNvPr id="5" name="Text Placeholder 4"/>
+          <p:cNvSpPr>
+            <a:spLocks noGrp="1"/>
+          </p:cNvSpPr>
+          <p:nvPr>
+            <p:ph type="body" idx="1"/>
           </p:nvPr>
         </p:nvSpPr>
         <p:spPr/>
@@ -4283,19 +4283,7 @@
           <a:p>
             <a:r>
               <a:rPr lang="en-US" dirty="0"/>
-              <a:t>Allow rows of data to be screened based on user characteristics</a:t>
-            </a:r>
-          </a:p>
-          <a:p>
-            <a:r>
-              <a:rPr lang="en-US" dirty="0"/>
-              <a:t>Independent of other SQL Server security.</a:t>
-            </a:r>
-          </a:p>
-          <a:p>
-            <a:r>
-              <a:rPr lang="en-US" dirty="0"/>
-              <a:t>Available in SQL Server 2016+ and Azure SQL Database</a:t>
+              <a:t>Always Encrypted </a:t>
             </a:r>
           </a:p>
         </p:txBody>
@@ -4303,7 +4291,7 @@
     </p:spTree>
     <p:extLst>
       <p:ext uri="{BB962C8B-B14F-4D97-AF65-F5344CB8AC3E}">
-        <p14:creationId xmlns:p14="http://schemas.microsoft.com/office/powerpoint/2010/main" val="1408306452"/>
+        <p14:creationId xmlns:p14="http://schemas.microsoft.com/office/powerpoint/2010/main" val="2237251329"/>
       </p:ext>
     </p:extLst>
   </p:cSld>
@@ -4330,6 +4318,243 @@
           <a:chExt cx="0" cy="0"/>
         </a:xfrm>
       </p:grpSpPr>
+      <p:sp>
+        <p:nvSpPr>
+          <p:cNvPr id="2" name="Title 1"/>
+          <p:cNvSpPr>
+            <a:spLocks noGrp="1"/>
+          </p:cNvSpPr>
+          <p:nvPr>
+            <p:ph type="title"/>
+          </p:nvPr>
+        </p:nvSpPr>
+        <p:spPr/>
+        <p:txBody>
+          <a:bodyPr/>
+          <a:lstStyle/>
+          <a:p>
+            <a:r>
+              <a:rPr lang="en-US" dirty="0"/>
+              <a:t>Always Encrypted Limitations</a:t>
+            </a:r>
+          </a:p>
+        </p:txBody>
+      </p:sp>
+      <p:sp>
+        <p:nvSpPr>
+          <p:cNvPr id="3" name="Content Placeholder 2"/>
+          <p:cNvSpPr>
+            <a:spLocks noGrp="1"/>
+          </p:cNvSpPr>
+          <p:nvPr>
+            <p:ph idx="1"/>
+          </p:nvPr>
+        </p:nvSpPr>
+        <p:spPr/>
+        <p:txBody>
+          <a:bodyPr/>
+          <a:lstStyle/>
+          <a:p>
+            <a:pPr marL="325438">
+              <a:buFont typeface="Wingdings" panose="05000000000000000000" pitchFamily="2" charset="2"/>
+              <a:buChar char="§"/>
+            </a:pPr>
+            <a:r>
+              <a:rPr lang="en-US" altLang="en-US" dirty="0"/>
+              <a:t>Lots</a:t>
+            </a:r>
+          </a:p>
+          <a:p>
+            <a:pPr marL="325438">
+              <a:buFont typeface="Wingdings" panose="05000000000000000000" pitchFamily="2" charset="2"/>
+              <a:buChar char="§"/>
+            </a:pPr>
+            <a:r>
+              <a:rPr lang="en-US" altLang="en-US" dirty="0"/>
+              <a:t>Strings require _BIN2 collation</a:t>
+            </a:r>
+          </a:p>
+          <a:p>
+            <a:pPr marL="325438">
+              <a:buFont typeface="Wingdings" panose="05000000000000000000" pitchFamily="2" charset="2"/>
+              <a:buChar char="§"/>
+            </a:pPr>
+            <a:r>
+              <a:rPr lang="en-US" altLang="en-US" dirty="0"/>
+              <a:t>Limited datatypes</a:t>
+            </a:r>
+          </a:p>
+          <a:p>
+            <a:pPr marL="325438">
+              <a:buFont typeface="Wingdings" panose="05000000000000000000" pitchFamily="2" charset="2"/>
+              <a:buChar char="§"/>
+            </a:pPr>
+            <a:r>
+              <a:rPr lang="en-US" altLang="en-US" dirty="0"/>
+              <a:t>No statistics on encrypted columns</a:t>
+            </a:r>
+          </a:p>
+          <a:p>
+            <a:pPr marL="325438">
+              <a:buFont typeface="Wingdings" panose="05000000000000000000" pitchFamily="2" charset="2"/>
+              <a:buChar char="§"/>
+            </a:pPr>
+            <a:r>
+              <a:rPr lang="en-US" altLang="en-US" dirty="0"/>
+              <a:t>Max two Column Master Keys can be used</a:t>
+            </a:r>
+          </a:p>
+          <a:p>
+            <a:pPr marL="325438">
+              <a:buFont typeface="Wingdings" panose="05000000000000000000" pitchFamily="2" charset="2"/>
+              <a:buChar char="§"/>
+            </a:pPr>
+            <a:r>
+              <a:rPr lang="en-US" altLang="en-US" dirty="0"/>
+              <a:t>No Defaults on encrypted columns</a:t>
+            </a:r>
+          </a:p>
+          <a:p>
+            <a:pPr marL="325438">
+              <a:buFont typeface="Wingdings" panose="05000000000000000000" pitchFamily="2" charset="2"/>
+              <a:buChar char="§"/>
+            </a:pPr>
+            <a:r>
+              <a:rPr lang="en-US" altLang="en-US" dirty="0"/>
+              <a:t>No replication</a:t>
+            </a:r>
+          </a:p>
+          <a:p>
+            <a:pPr marL="325438">
+              <a:buFont typeface="Wingdings" panose="05000000000000000000" pitchFamily="2" charset="2"/>
+              <a:buChar char="§"/>
+            </a:pPr>
+            <a:r>
+              <a:rPr lang="en-US" altLang="en-US" dirty="0">
+                <a:hlinkClick r:id="rId2"/>
+              </a:rPr>
+              <a:t>More</a:t>
+            </a:r>
+            <a:endParaRPr lang="en-US" altLang="en-US" dirty="0"/>
+          </a:p>
+        </p:txBody>
+      </p:sp>
+    </p:spTree>
+    <p:extLst>
+      <p:ext uri="{BB962C8B-B14F-4D97-AF65-F5344CB8AC3E}">
+        <p14:creationId xmlns:p14="http://schemas.microsoft.com/office/powerpoint/2010/main" val="3021317188"/>
+      </p:ext>
+    </p:extLst>
+  </p:cSld>
+  <p:clrMapOvr>
+    <a:masterClrMapping/>
+  </p:clrMapOvr>
+</p:sld>
+</file>
+
+<file path=ppt/slides/slide12.xml><?xml version="1.0" encoding="utf-8"?>
+<p:sld xmlns:a="http://schemas.openxmlformats.org/drawingml/2006/main" xmlns:r="http://schemas.openxmlformats.org/officeDocument/2006/relationships" xmlns:p="http://schemas.openxmlformats.org/presentationml/2006/main">
+  <p:cSld>
+    <p:spTree>
+      <p:nvGrpSpPr>
+        <p:cNvPr id="1" name=""/>
+        <p:cNvGrpSpPr/>
+        <p:nvPr/>
+      </p:nvGrpSpPr>
+      <p:grpSpPr>
+        <a:xfrm>
+          <a:off x="0" y="0"/>
+          <a:ext cx="0" cy="0"/>
+          <a:chOff x="0" y="0"/>
+          <a:chExt cx="0" cy="0"/>
+        </a:xfrm>
+      </p:grpSpPr>
+      <p:sp>
+        <p:nvSpPr>
+          <p:cNvPr id="2" name="Title 1"/>
+          <p:cNvSpPr>
+            <a:spLocks noGrp="1"/>
+          </p:cNvSpPr>
+          <p:nvPr>
+            <p:ph type="title"/>
+          </p:nvPr>
+        </p:nvSpPr>
+        <p:spPr/>
+        <p:txBody>
+          <a:bodyPr/>
+          <a:lstStyle/>
+          <a:p>
+            <a:r>
+              <a:rPr lang="en-US" dirty="0"/>
+              <a:t>Row Level Security (RLS) </a:t>
+            </a:r>
+          </a:p>
+        </p:txBody>
+      </p:sp>
+      <p:sp>
+        <p:nvSpPr>
+          <p:cNvPr id="3" name="Content Placeholder 2"/>
+          <p:cNvSpPr>
+            <a:spLocks noGrp="1"/>
+          </p:cNvSpPr>
+          <p:nvPr>
+            <p:ph idx="1"/>
+          </p:nvPr>
+        </p:nvSpPr>
+        <p:spPr/>
+        <p:txBody>
+          <a:bodyPr/>
+          <a:lstStyle/>
+          <a:p>
+            <a:r>
+              <a:rPr lang="en-US" dirty="0"/>
+              <a:t>Allow rows of data to be screened based on user characteristics</a:t>
+            </a:r>
+          </a:p>
+          <a:p>
+            <a:r>
+              <a:rPr lang="en-US" dirty="0"/>
+              <a:t>Independent of other SQL Server security.</a:t>
+            </a:r>
+          </a:p>
+          <a:p>
+            <a:r>
+              <a:rPr lang="en-US" dirty="0"/>
+              <a:t>Available in SQL Server 2016+ and Azure SQL Database</a:t>
+            </a:r>
+          </a:p>
+        </p:txBody>
+      </p:sp>
+    </p:spTree>
+    <p:extLst>
+      <p:ext uri="{BB962C8B-B14F-4D97-AF65-F5344CB8AC3E}">
+        <p14:creationId xmlns:p14="http://schemas.microsoft.com/office/powerpoint/2010/main" val="1408306452"/>
+      </p:ext>
+    </p:extLst>
+  </p:cSld>
+  <p:clrMapOvr>
+    <a:masterClrMapping/>
+  </p:clrMapOvr>
+</p:sld>
+</file>
+
+<file path=ppt/slides/slide13.xml><?xml version="1.0" encoding="utf-8"?>
+<p:sld xmlns:a="http://schemas.openxmlformats.org/drawingml/2006/main" xmlns:r="http://schemas.openxmlformats.org/officeDocument/2006/relationships" xmlns:p="http://schemas.openxmlformats.org/presentationml/2006/main">
+  <p:cSld>
+    <p:spTree>
+      <p:nvGrpSpPr>
+        <p:cNvPr id="1" name=""/>
+        <p:cNvGrpSpPr/>
+        <p:nvPr/>
+      </p:nvGrpSpPr>
+      <p:grpSpPr>
+        <a:xfrm>
+          <a:off x="0" y="0"/>
+          <a:ext cx="0" cy="0"/>
+          <a:chOff x="0" y="0"/>
+          <a:chExt cx="0" cy="0"/>
+        </a:xfrm>
+      </p:grpSpPr>
       <p:graphicFrame>
         <p:nvGraphicFramePr>
           <p:cNvPr id="4" name="Content Placeholder 3"/>
@@ -4359,21 +4584,21 @@
                 <a:gridCol w="919577">
                   <a:extLst>
                     <a:ext uri="{9D8B030D-6E8A-4147-A177-3AD203B41FA5}">
-                      <a16:colId xmlns:a16="http://schemas.microsoft.com/office/drawing/2014/main" xmlns="" val="20000"/>
+                      <a16:colId xmlns:a16="http://schemas.microsoft.com/office/drawing/2014/main" val="20000"/>
                     </a:ext>
                   </a:extLst>
                 </a:gridCol>
                 <a:gridCol w="1509204">
                   <a:extLst>
                     <a:ext uri="{9D8B030D-6E8A-4147-A177-3AD203B41FA5}">
-                      <a16:colId xmlns:a16="http://schemas.microsoft.com/office/drawing/2014/main" xmlns="" val="20001"/>
+                      <a16:colId xmlns:a16="http://schemas.microsoft.com/office/drawing/2014/main" val="20001"/>
                     </a:ext>
                   </a:extLst>
                 </a:gridCol>
                 <a:gridCol w="1695634">
                   <a:extLst>
                     <a:ext uri="{9D8B030D-6E8A-4147-A177-3AD203B41FA5}">
-                      <a16:colId xmlns:a16="http://schemas.microsoft.com/office/drawing/2014/main" xmlns="" val="20002"/>
+                      <a16:colId xmlns:a16="http://schemas.microsoft.com/office/drawing/2014/main" val="20002"/>
                     </a:ext>
                   </a:extLst>
                 </a:gridCol>
@@ -4423,7 +4648,7 @@
                 </a:tc>
                 <a:extLst>
                   <a:ext uri="{0D108BD9-81ED-4DB2-BD59-A6C34878D82A}">
-                    <a16:rowId xmlns:a16="http://schemas.microsoft.com/office/drawing/2014/main" xmlns="" val="10000"/>
+                    <a16:rowId xmlns:a16="http://schemas.microsoft.com/office/drawing/2014/main" val="10000"/>
                   </a:ext>
                 </a:extLst>
               </a:tr>
@@ -4469,7 +4694,7 @@
                 </a:tc>
                 <a:extLst>
                   <a:ext uri="{0D108BD9-81ED-4DB2-BD59-A6C34878D82A}">
-                    <a16:rowId xmlns:a16="http://schemas.microsoft.com/office/drawing/2014/main" xmlns="" val="10001"/>
+                    <a16:rowId xmlns:a16="http://schemas.microsoft.com/office/drawing/2014/main" val="10001"/>
                   </a:ext>
                 </a:extLst>
               </a:tr>
@@ -4515,7 +4740,7 @@
                 </a:tc>
                 <a:extLst>
                   <a:ext uri="{0D108BD9-81ED-4DB2-BD59-A6C34878D82A}">
-                    <a16:rowId xmlns:a16="http://schemas.microsoft.com/office/drawing/2014/main" xmlns="" val="10002"/>
+                    <a16:rowId xmlns:a16="http://schemas.microsoft.com/office/drawing/2014/main" val="10002"/>
                   </a:ext>
                 </a:extLst>
               </a:tr>
@@ -4561,7 +4786,7 @@
                 </a:tc>
                 <a:extLst>
                   <a:ext uri="{0D108BD9-81ED-4DB2-BD59-A6C34878D82A}">
-                    <a16:rowId xmlns:a16="http://schemas.microsoft.com/office/drawing/2014/main" xmlns="" val="10003"/>
+                    <a16:rowId xmlns:a16="http://schemas.microsoft.com/office/drawing/2014/main" val="10003"/>
                   </a:ext>
                 </a:extLst>
               </a:tr>
@@ -4607,7 +4832,7 @@
                 </a:tc>
                 <a:extLst>
                   <a:ext uri="{0D108BD9-81ED-4DB2-BD59-A6C34878D82A}">
-                    <a16:rowId xmlns:a16="http://schemas.microsoft.com/office/drawing/2014/main" xmlns="" val="10004"/>
+                    <a16:rowId xmlns:a16="http://schemas.microsoft.com/office/drawing/2014/main" val="10004"/>
                   </a:ext>
                 </a:extLst>
               </a:tr>
@@ -4653,7 +4878,7 @@
                 </a:tc>
                 <a:extLst>
                   <a:ext uri="{0D108BD9-81ED-4DB2-BD59-A6C34878D82A}">
-                    <a16:rowId xmlns:a16="http://schemas.microsoft.com/office/drawing/2014/main" xmlns="" val="10005"/>
+                    <a16:rowId xmlns:a16="http://schemas.microsoft.com/office/drawing/2014/main" val="10005"/>
                   </a:ext>
                 </a:extLst>
               </a:tr>
@@ -4664,10 +4889,9 @@
                     <a:lstStyle/>
                     <a:p>
                       <a:r>
-                        <a:rPr lang="en-US" dirty="0" smtClean="0"/>
+                        <a:rPr lang="en-US" dirty="0"/>
                         <a:t>1006</a:t>
                       </a:r>
-                      <a:endParaRPr lang="en-US" dirty="0"/>
                     </a:p>
                   </a:txBody>
                   <a:tcPr/>
@@ -4678,10 +4902,9 @@
                     <a:lstStyle/>
                     <a:p>
                       <a:r>
-                        <a:rPr lang="en-US" dirty="0" smtClean="0"/>
+                        <a:rPr lang="en-US" dirty="0"/>
                         <a:t>1652.89</a:t>
                       </a:r>
-                      <a:endParaRPr lang="en-US" dirty="0"/>
                     </a:p>
                   </a:txBody>
                   <a:tcPr/>
@@ -4692,14 +4915,18 @@
                     <a:lstStyle/>
                     <a:p>
                       <a:r>
-                        <a:rPr lang="en-US" dirty="0" smtClean="0"/>
+                        <a:rPr lang="en-US" dirty="0"/>
                         <a:t>2</a:t>
                       </a:r>
-                      <a:endParaRPr lang="en-US" dirty="0"/>
                     </a:p>
                   </a:txBody>
                   <a:tcPr/>
                 </a:tc>
+                <a:extLst>
+                  <a:ext uri="{0D108BD9-81ED-4DB2-BD59-A6C34878D82A}">
+                    <a16:rowId xmlns:a16="http://schemas.microsoft.com/office/drawing/2014/main" val="10006"/>
+                  </a:ext>
+                </a:extLst>
               </a:tr>
             </a:tbl>
           </a:graphicData>
@@ -4733,21 +4960,21 @@
                 <a:gridCol w="966420">
                   <a:extLst>
                     <a:ext uri="{9D8B030D-6E8A-4147-A177-3AD203B41FA5}">
-                      <a16:colId xmlns:a16="http://schemas.microsoft.com/office/drawing/2014/main" xmlns="" val="20000"/>
+                      <a16:colId xmlns:a16="http://schemas.microsoft.com/office/drawing/2014/main" val="20000"/>
                     </a:ext>
                   </a:extLst>
                 </a:gridCol>
                 <a:gridCol w="1556061">
                   <a:extLst>
                     <a:ext uri="{9D8B030D-6E8A-4147-A177-3AD203B41FA5}">
-                      <a16:colId xmlns:a16="http://schemas.microsoft.com/office/drawing/2014/main" xmlns="" val="20001"/>
+                      <a16:colId xmlns:a16="http://schemas.microsoft.com/office/drawing/2014/main" val="20001"/>
                     </a:ext>
                   </a:extLst>
                 </a:gridCol>
                 <a:gridCol w="1714013">
                   <a:extLst>
                     <a:ext uri="{9D8B030D-6E8A-4147-A177-3AD203B41FA5}">
-                      <a16:colId xmlns:a16="http://schemas.microsoft.com/office/drawing/2014/main" xmlns="" val="20002"/>
+                      <a16:colId xmlns:a16="http://schemas.microsoft.com/office/drawing/2014/main" val="20002"/>
                     </a:ext>
                   </a:extLst>
                 </a:gridCol>
@@ -4797,7 +5024,7 @@
                 </a:tc>
                 <a:extLst>
                   <a:ext uri="{0D108BD9-81ED-4DB2-BD59-A6C34878D82A}">
-                    <a16:rowId xmlns:a16="http://schemas.microsoft.com/office/drawing/2014/main" xmlns="" val="10000"/>
+                    <a16:rowId xmlns:a16="http://schemas.microsoft.com/office/drawing/2014/main" val="10000"/>
                   </a:ext>
                 </a:extLst>
               </a:tr>
@@ -4843,7 +5070,7 @@
                 </a:tc>
                 <a:extLst>
                   <a:ext uri="{0D108BD9-81ED-4DB2-BD59-A6C34878D82A}">
-                    <a16:rowId xmlns:a16="http://schemas.microsoft.com/office/drawing/2014/main" xmlns="" val="10001"/>
+                    <a16:rowId xmlns:a16="http://schemas.microsoft.com/office/drawing/2014/main" val="10001"/>
                   </a:ext>
                 </a:extLst>
               </a:tr>
@@ -4854,10 +5081,9 @@
                     <a:lstStyle/>
                     <a:p>
                       <a:r>
-                        <a:rPr lang="en-US" dirty="0" smtClean="0"/>
+                        <a:rPr lang="en-US" dirty="0"/>
                         <a:t>1004</a:t>
                       </a:r>
-                      <a:endParaRPr lang="en-US" dirty="0"/>
                     </a:p>
                   </a:txBody>
                   <a:tcPr/>
@@ -4868,10 +5094,9 @@
                     <a:lstStyle/>
                     <a:p>
                       <a:r>
-                        <a:rPr lang="en-US" dirty="0" smtClean="0"/>
+                        <a:rPr lang="en-US" dirty="0"/>
                         <a:t>125.00</a:t>
                       </a:r>
-                      <a:endParaRPr lang="en-US" dirty="0"/>
                     </a:p>
                   </a:txBody>
                   <a:tcPr/>
@@ -4882,17 +5107,16 @@
                     <a:lstStyle/>
                     <a:p>
                       <a:r>
-                        <a:rPr lang="en-US" dirty="0" smtClean="0"/>
+                        <a:rPr lang="en-US" dirty="0"/>
                         <a:t>1</a:t>
                       </a:r>
-                      <a:endParaRPr lang="en-US" dirty="0"/>
                     </a:p>
                   </a:txBody>
                   <a:tcPr/>
                 </a:tc>
                 <a:extLst>
                   <a:ext uri="{0D108BD9-81ED-4DB2-BD59-A6C34878D82A}">
-                    <a16:rowId xmlns:a16="http://schemas.microsoft.com/office/drawing/2014/main" xmlns="" val="10002"/>
+                    <a16:rowId xmlns:a16="http://schemas.microsoft.com/office/drawing/2014/main" val="10002"/>
                   </a:ext>
                 </a:extLst>
               </a:tr>
@@ -5032,21 +5256,21 @@
                 <a:gridCol w="998552">
                   <a:extLst>
                     <a:ext uri="{9D8B030D-6E8A-4147-A177-3AD203B41FA5}">
-                      <a16:colId xmlns:a16="http://schemas.microsoft.com/office/drawing/2014/main" xmlns="" val="20000"/>
+                      <a16:colId xmlns:a16="http://schemas.microsoft.com/office/drawing/2014/main" val="20000"/>
                     </a:ext>
                   </a:extLst>
                 </a:gridCol>
                 <a:gridCol w="1580225">
                   <a:extLst>
                     <a:ext uri="{9D8B030D-6E8A-4147-A177-3AD203B41FA5}">
-                      <a16:colId xmlns:a16="http://schemas.microsoft.com/office/drawing/2014/main" xmlns="" val="20001"/>
+                      <a16:colId xmlns:a16="http://schemas.microsoft.com/office/drawing/2014/main" val="20001"/>
                     </a:ext>
                   </a:extLst>
                 </a:gridCol>
                 <a:gridCol w="1553592">
                   <a:extLst>
                     <a:ext uri="{9D8B030D-6E8A-4147-A177-3AD203B41FA5}">
-                      <a16:colId xmlns:a16="http://schemas.microsoft.com/office/drawing/2014/main" xmlns="" val="20002"/>
+                      <a16:colId xmlns:a16="http://schemas.microsoft.com/office/drawing/2014/main" val="20002"/>
                     </a:ext>
                   </a:extLst>
                 </a:gridCol>
@@ -5096,7 +5320,7 @@
                 </a:tc>
                 <a:extLst>
                   <a:ext uri="{0D108BD9-81ED-4DB2-BD59-A6C34878D82A}">
-                    <a16:rowId xmlns:a16="http://schemas.microsoft.com/office/drawing/2014/main" xmlns="" val="10000"/>
+                    <a16:rowId xmlns:a16="http://schemas.microsoft.com/office/drawing/2014/main" val="10000"/>
                   </a:ext>
                 </a:extLst>
               </a:tr>
@@ -5142,7 +5366,7 @@
                 </a:tc>
                 <a:extLst>
                   <a:ext uri="{0D108BD9-81ED-4DB2-BD59-A6C34878D82A}">
-                    <a16:rowId xmlns:a16="http://schemas.microsoft.com/office/drawing/2014/main" xmlns="" val="10001"/>
+                    <a16:rowId xmlns:a16="http://schemas.microsoft.com/office/drawing/2014/main" val="10001"/>
                   </a:ext>
                 </a:extLst>
               </a:tr>
@@ -5188,7 +5412,7 @@
                 </a:tc>
                 <a:extLst>
                   <a:ext uri="{0D108BD9-81ED-4DB2-BD59-A6C34878D82A}">
-                    <a16:rowId xmlns:a16="http://schemas.microsoft.com/office/drawing/2014/main" xmlns="" val="10004"/>
+                    <a16:rowId xmlns:a16="http://schemas.microsoft.com/office/drawing/2014/main" val="10004"/>
                   </a:ext>
                 </a:extLst>
               </a:tr>
@@ -5199,10 +5423,9 @@
                     <a:lstStyle/>
                     <a:p>
                       <a:r>
-                        <a:rPr lang="en-US" dirty="0" smtClean="0"/>
+                        <a:rPr lang="en-US" dirty="0"/>
                         <a:t>1006</a:t>
                       </a:r>
-                      <a:endParaRPr lang="en-US" dirty="0"/>
                     </a:p>
                   </a:txBody>
                   <a:tcPr/>
@@ -5213,10 +5436,9 @@
                     <a:lstStyle/>
                     <a:p>
                       <a:r>
-                        <a:rPr lang="en-US" dirty="0" smtClean="0"/>
+                        <a:rPr lang="en-US" dirty="0"/>
                         <a:t>1652.89</a:t>
                       </a:r>
-                      <a:endParaRPr lang="en-US" dirty="0"/>
                     </a:p>
                   </a:txBody>
                   <a:tcPr/>
@@ -5227,17 +5449,16 @@
                     <a:lstStyle/>
                     <a:p>
                       <a:r>
-                        <a:rPr lang="en-US" dirty="0" smtClean="0"/>
+                        <a:rPr lang="en-US" dirty="0"/>
                         <a:t>2</a:t>
                       </a:r>
-                      <a:endParaRPr lang="en-US" dirty="0"/>
                     </a:p>
                   </a:txBody>
                   <a:tcPr/>
                 </a:tc>
                 <a:extLst>
                   <a:ext uri="{0D108BD9-81ED-4DB2-BD59-A6C34878D82A}">
-                    <a16:rowId xmlns:a16="http://schemas.microsoft.com/office/drawing/2014/main" xmlns="" val="10005"/>
+                    <a16:rowId xmlns:a16="http://schemas.microsoft.com/office/drawing/2014/main" val="10005"/>
                   </a:ext>
                 </a:extLst>
               </a:tr>
@@ -5453,10 +5674,9 @@
             <a:lstStyle/>
             <a:p>
               <a:r>
-                <a:rPr lang="en-US" dirty="0" smtClean="0"/>
+                <a:rPr lang="en-US" dirty="0"/>
                 <a:t>Results</a:t>
               </a:r>
-              <a:endParaRPr lang="en-US" dirty="0"/>
             </a:p>
           </p:txBody>
         </p:sp>
@@ -5538,10 +5758,9 @@
             <a:lstStyle/>
             <a:p>
               <a:r>
-                <a:rPr lang="en-US" dirty="0" smtClean="0"/>
+                <a:rPr lang="en-US" dirty="0"/>
                 <a:t>Results</a:t>
               </a:r>
-              <a:endParaRPr lang="en-US" dirty="0"/>
             </a:p>
           </p:txBody>
         </p:sp>
@@ -5623,16 +5842,15 @@
             <a:lstStyle/>
             <a:p>
               <a:r>
-                <a:rPr lang="en-US" dirty="0" smtClean="0"/>
+                <a:rPr lang="en-US" dirty="0"/>
                 <a:t>Issue</a:t>
               </a:r>
             </a:p>
             <a:p>
               <a:r>
-                <a:rPr lang="en-US" dirty="0" smtClean="0"/>
+                <a:rPr lang="en-US" dirty="0"/>
                 <a:t>query</a:t>
               </a:r>
-              <a:endParaRPr lang="en-US" dirty="0"/>
             </a:p>
           </p:txBody>
         </p:sp>
@@ -5714,16 +5932,15 @@
             <a:lstStyle/>
             <a:p>
               <a:r>
-                <a:rPr lang="en-US" dirty="0" smtClean="0"/>
+                <a:rPr lang="en-US" dirty="0"/>
                 <a:t>Issue</a:t>
               </a:r>
             </a:p>
             <a:p>
               <a:r>
-                <a:rPr lang="en-US" dirty="0" smtClean="0"/>
+                <a:rPr lang="en-US" dirty="0"/>
                 <a:t>query</a:t>
               </a:r>
-              <a:endParaRPr lang="en-US" dirty="0"/>
             </a:p>
           </p:txBody>
         </p:sp>
@@ -5804,7 +6021,7 @@
             </a:bodyPr>
             <a:lstStyle/>
             <a:p>
-              <a:endParaRPr lang="en-US" dirty="0" smtClean="0"/>
+              <a:endParaRPr lang="en-US" dirty="0"/>
             </a:p>
           </p:txBody>
         </p:sp>
@@ -5885,7 +6102,7 @@
             </a:bodyPr>
             <a:lstStyle/>
             <a:p>
-              <a:endParaRPr lang="en-US" dirty="0" smtClean="0"/>
+              <a:endParaRPr lang="en-US" dirty="0"/>
             </a:p>
           </p:txBody>
         </p:sp>
@@ -5903,7 +6120,7 @@
 </p:sld>
 </file>
 
-<file path=ppt/slides/slide12.xml><?xml version="1.0" encoding="utf-8"?>
+<file path=ppt/slides/slide14.xml><?xml version="1.0" encoding="utf-8"?>
 <p:sld xmlns:a="http://schemas.openxmlformats.org/drawingml/2006/main" xmlns:r="http://schemas.openxmlformats.org/officeDocument/2006/relationships" xmlns:p="http://schemas.openxmlformats.org/presentationml/2006/main">
   <p:cSld>
     <p:spTree>
@@ -5977,7 +6194,7 @@
 </p:sld>
 </file>
 
-<file path=ppt/slides/slide13.xml><?xml version="1.0" encoding="utf-8"?>
+<file path=ppt/slides/slide15.xml><?xml version="1.0" encoding="utf-8"?>
 <p:sld xmlns:a="http://schemas.openxmlformats.org/drawingml/2006/main" xmlns:r="http://schemas.openxmlformats.org/officeDocument/2006/relationships" xmlns:p="http://schemas.openxmlformats.org/presentationml/2006/main">
   <p:cSld>
     <p:spTree>
@@ -6011,13 +6228,113 @@
           <a:p>
             <a:r>
               <a:rPr lang="en-US" dirty="0"/>
-              <a:t>Dynamic Data </a:t>
-            </a:r>
-            <a:r>
-              <a:rPr lang="en-US" dirty="0" smtClean="0"/>
-              <a:t>Masking (DDM) </a:t>
+              <a:t>Row Level Security Limitations </a:t>
+            </a:r>
+          </a:p>
+        </p:txBody>
+      </p:sp>
+      <p:sp>
+        <p:nvSpPr>
+          <p:cNvPr id="3" name="Content Placeholder 2"/>
+          <p:cNvSpPr>
+            <a:spLocks noGrp="1"/>
+          </p:cNvSpPr>
+          <p:nvPr>
+            <p:ph idx="1"/>
+          </p:nvPr>
+        </p:nvSpPr>
+        <p:spPr/>
+        <p:txBody>
+          <a:bodyPr/>
+          <a:lstStyle/>
+          <a:p>
+            <a:r>
+              <a:rPr lang="en-US" dirty="0"/>
+              <a:t>No </a:t>
+            </a:r>
+            <a:r>
+              <a:rPr lang="en-US" dirty="0" err="1"/>
+              <a:t>Filestream</a:t>
             </a:r>
             <a:endParaRPr lang="en-US" dirty="0"/>
+          </a:p>
+          <a:p>
+            <a:r>
+              <a:rPr lang="en-US" dirty="0"/>
+              <a:t>No </a:t>
+            </a:r>
+            <a:r>
+              <a:rPr lang="en-US" dirty="0" err="1"/>
+              <a:t>Polybase</a:t>
+            </a:r>
+            <a:endParaRPr lang="en-US" dirty="0"/>
+          </a:p>
+          <a:p>
+            <a:r>
+              <a:rPr lang="en-US" dirty="0"/>
+              <a:t>Data Leakage – From stats , CDC, queries</a:t>
+            </a:r>
+          </a:p>
+          <a:p>
+            <a:r>
+              <a:rPr lang="en-US" dirty="0">
+                <a:hlinkClick r:id="rId2"/>
+              </a:rPr>
+              <a:t>More</a:t>
+            </a:r>
+            <a:endParaRPr lang="en-US" dirty="0"/>
+          </a:p>
+        </p:txBody>
+      </p:sp>
+    </p:spTree>
+    <p:extLst>
+      <p:ext uri="{BB962C8B-B14F-4D97-AF65-F5344CB8AC3E}">
+        <p14:creationId xmlns:p14="http://schemas.microsoft.com/office/powerpoint/2010/main" val="3180953220"/>
+      </p:ext>
+    </p:extLst>
+  </p:cSld>
+  <p:clrMapOvr>
+    <a:masterClrMapping/>
+  </p:clrMapOvr>
+</p:sld>
+</file>
+
+<file path=ppt/slides/slide16.xml><?xml version="1.0" encoding="utf-8"?>
+<p:sld xmlns:a="http://schemas.openxmlformats.org/drawingml/2006/main" xmlns:r="http://schemas.openxmlformats.org/officeDocument/2006/relationships" xmlns:p="http://schemas.openxmlformats.org/presentationml/2006/main">
+  <p:cSld>
+    <p:spTree>
+      <p:nvGrpSpPr>
+        <p:cNvPr id="1" name=""/>
+        <p:cNvGrpSpPr/>
+        <p:nvPr/>
+      </p:nvGrpSpPr>
+      <p:grpSpPr>
+        <a:xfrm>
+          <a:off x="0" y="0"/>
+          <a:ext cx="0" cy="0"/>
+          <a:chOff x="0" y="0"/>
+          <a:chExt cx="0" cy="0"/>
+        </a:xfrm>
+      </p:grpSpPr>
+      <p:sp>
+        <p:nvSpPr>
+          <p:cNvPr id="2" name="Title 1"/>
+          <p:cNvSpPr>
+            <a:spLocks noGrp="1"/>
+          </p:cNvSpPr>
+          <p:nvPr>
+            <p:ph type="title"/>
+          </p:nvPr>
+        </p:nvSpPr>
+        <p:spPr/>
+        <p:txBody>
+          <a:bodyPr/>
+          <a:lstStyle/>
+          <a:p>
+            <a:r>
+              <a:rPr lang="en-US" dirty="0"/>
+              <a:t>Dynamic Data Masking (DDM) </a:t>
+            </a:r>
           </a:p>
         </p:txBody>
       </p:sp>
@@ -6063,260 +6380,6 @@
 </p:sld>
 </file>
 
-<file path=ppt/slides/slide14.xml><?xml version="1.0" encoding="utf-8"?>
-<p:sld xmlns:a="http://schemas.openxmlformats.org/drawingml/2006/main" xmlns:r="http://schemas.openxmlformats.org/officeDocument/2006/relationships" xmlns:p="http://schemas.openxmlformats.org/presentationml/2006/main">
-  <p:cSld>
-    <p:spTree>
-      <p:nvGrpSpPr>
-        <p:cNvPr id="1" name=""/>
-        <p:cNvGrpSpPr/>
-        <p:nvPr/>
-      </p:nvGrpSpPr>
-      <p:grpSpPr>
-        <a:xfrm>
-          <a:off x="0" y="0"/>
-          <a:ext cx="0" cy="0"/>
-          <a:chOff x="0" y="0"/>
-          <a:chExt cx="0" cy="0"/>
-        </a:xfrm>
-      </p:grpSpPr>
-      <p:sp>
-        <p:nvSpPr>
-          <p:cNvPr id="2" name="Title 1"/>
-          <p:cNvSpPr>
-            <a:spLocks noGrp="1"/>
-          </p:cNvSpPr>
-          <p:nvPr>
-            <p:ph type="title"/>
-          </p:nvPr>
-        </p:nvSpPr>
-        <p:spPr/>
-        <p:txBody>
-          <a:bodyPr/>
-          <a:lstStyle/>
-          <a:p>
-            <a:r>
-              <a:rPr lang="en-US" dirty="0"/>
-              <a:t>Dynamic Data </a:t>
-            </a:r>
-            <a:r>
-              <a:rPr lang="en-US" dirty="0" smtClean="0"/>
-              <a:t>Masking (DDM) </a:t>
-            </a:r>
-            <a:endParaRPr lang="en-US" dirty="0"/>
-          </a:p>
-        </p:txBody>
-      </p:sp>
-      <p:sp>
-        <p:nvSpPr>
-          <p:cNvPr id="3" name="Content Placeholder 2"/>
-          <p:cNvSpPr>
-            <a:spLocks noGrp="1"/>
-          </p:cNvSpPr>
-          <p:nvPr>
-            <p:ph idx="1"/>
-          </p:nvPr>
-        </p:nvSpPr>
-        <p:spPr/>
-        <p:txBody>
-          <a:bodyPr/>
-          <a:lstStyle/>
-          <a:p>
-            <a:r>
-              <a:rPr lang="en-US" dirty="0" smtClean="0"/>
-              <a:t>No changes to data or storage</a:t>
-            </a:r>
-          </a:p>
-          <a:p>
-            <a:r>
-              <a:rPr lang="en-US" dirty="0" smtClean="0"/>
-              <a:t>DDM defines how data appears when queried.</a:t>
-            </a:r>
-          </a:p>
-          <a:p>
-            <a:r>
-              <a:rPr lang="en-US" dirty="0" smtClean="0"/>
-              <a:t>Does not require changes to application code</a:t>
-            </a:r>
-            <a:endParaRPr lang="en-US" dirty="0"/>
-          </a:p>
-        </p:txBody>
-      </p:sp>
-    </p:spTree>
-    <p:extLst>
-      <p:ext uri="{BB962C8B-B14F-4D97-AF65-F5344CB8AC3E}">
-        <p14:creationId xmlns:p14="http://schemas.microsoft.com/office/powerpoint/2010/main" val="2899329802"/>
-      </p:ext>
-    </p:extLst>
-  </p:cSld>
-  <p:clrMapOvr>
-    <a:masterClrMapping/>
-  </p:clrMapOvr>
-</p:sld>
-</file>
-
-<file path=ppt/slides/slide15.xml><?xml version="1.0" encoding="utf-8"?>
-<p:sld xmlns:a="http://schemas.openxmlformats.org/drawingml/2006/main" xmlns:r="http://schemas.openxmlformats.org/officeDocument/2006/relationships" xmlns:p="http://schemas.openxmlformats.org/presentationml/2006/main">
-  <p:cSld>
-    <p:spTree>
-      <p:nvGrpSpPr>
-        <p:cNvPr id="1" name=""/>
-        <p:cNvGrpSpPr/>
-        <p:nvPr/>
-      </p:nvGrpSpPr>
-      <p:grpSpPr>
-        <a:xfrm>
-          <a:off x="0" y="0"/>
-          <a:ext cx="0" cy="0"/>
-          <a:chOff x="0" y="0"/>
-          <a:chExt cx="0" cy="0"/>
-        </a:xfrm>
-      </p:grpSpPr>
-      <p:sp>
-        <p:nvSpPr>
-          <p:cNvPr id="4" name="Title 3"/>
-          <p:cNvSpPr>
-            <a:spLocks noGrp="1"/>
-          </p:cNvSpPr>
-          <p:nvPr>
-            <p:ph type="title"/>
-          </p:nvPr>
-        </p:nvSpPr>
-        <p:spPr/>
-        <p:txBody>
-          <a:bodyPr/>
-          <a:lstStyle/>
-          <a:p>
-            <a:r>
-              <a:rPr lang="en-US" dirty="0"/>
-              <a:t>Demo</a:t>
-            </a:r>
-          </a:p>
-        </p:txBody>
-      </p:sp>
-      <p:sp>
-        <p:nvSpPr>
-          <p:cNvPr id="5" name="Text Placeholder 4"/>
-          <p:cNvSpPr>
-            <a:spLocks noGrp="1"/>
-          </p:cNvSpPr>
-          <p:nvPr>
-            <p:ph type="body" idx="1"/>
-          </p:nvPr>
-        </p:nvSpPr>
-        <p:spPr/>
-        <p:txBody>
-          <a:bodyPr/>
-          <a:lstStyle/>
-          <a:p>
-            <a:r>
-              <a:rPr lang="en-US" dirty="0"/>
-              <a:t>Always Encrypted </a:t>
-            </a:r>
-          </a:p>
-        </p:txBody>
-      </p:sp>
-    </p:spTree>
-    <p:extLst>
-      <p:ext uri="{BB962C8B-B14F-4D97-AF65-F5344CB8AC3E}">
-        <p14:creationId xmlns:p14="http://schemas.microsoft.com/office/powerpoint/2010/main" val="2990823839"/>
-      </p:ext>
-    </p:extLst>
-  </p:cSld>
-  <p:clrMapOvr>
-    <a:masterClrMapping/>
-  </p:clrMapOvr>
-</p:sld>
-</file>
-
-<file path=ppt/slides/slide16.xml><?xml version="1.0" encoding="utf-8"?>
-<p:sld xmlns:a="http://schemas.openxmlformats.org/drawingml/2006/main" xmlns:r="http://schemas.openxmlformats.org/officeDocument/2006/relationships" xmlns:p="http://schemas.openxmlformats.org/presentationml/2006/main">
-  <p:cSld>
-    <p:spTree>
-      <p:nvGrpSpPr>
-        <p:cNvPr id="1" name=""/>
-        <p:cNvGrpSpPr/>
-        <p:nvPr/>
-      </p:nvGrpSpPr>
-      <p:grpSpPr>
-        <a:xfrm>
-          <a:off x="0" y="0"/>
-          <a:ext cx="0" cy="0"/>
-          <a:chOff x="0" y="0"/>
-          <a:chExt cx="0" cy="0"/>
-        </a:xfrm>
-      </p:grpSpPr>
-      <p:sp>
-        <p:nvSpPr>
-          <p:cNvPr id="2" name="Title 1"/>
-          <p:cNvSpPr>
-            <a:spLocks noGrp="1"/>
-          </p:cNvSpPr>
-          <p:nvPr>
-            <p:ph type="title"/>
-          </p:nvPr>
-        </p:nvSpPr>
-        <p:spPr/>
-        <p:txBody>
-          <a:bodyPr/>
-          <a:lstStyle/>
-          <a:p>
-            <a:r>
-              <a:rPr lang="en-US" dirty="0"/>
-              <a:t>Dynamic Data </a:t>
-            </a:r>
-            <a:r>
-              <a:rPr lang="en-US" dirty="0" smtClean="0"/>
-              <a:t>Masking - Limitations </a:t>
-            </a:r>
-            <a:endParaRPr lang="en-US" dirty="0"/>
-          </a:p>
-        </p:txBody>
-      </p:sp>
-      <p:sp>
-        <p:nvSpPr>
-          <p:cNvPr id="3" name="Content Placeholder 2"/>
-          <p:cNvSpPr>
-            <a:spLocks noGrp="1"/>
-          </p:cNvSpPr>
-          <p:nvPr>
-            <p:ph idx="1"/>
-          </p:nvPr>
-        </p:nvSpPr>
-        <p:spPr/>
-        <p:txBody>
-          <a:bodyPr/>
-          <a:lstStyle/>
-          <a:p>
-            <a:r>
-              <a:rPr lang="en-US" dirty="0" smtClean="0"/>
-              <a:t>Does not work with Always Encrypted columns.</a:t>
-            </a:r>
-          </a:p>
-          <a:p>
-            <a:r>
-              <a:rPr lang="en-US" dirty="0" smtClean="0"/>
-              <a:t>UNMASK is by database, not by table or column.</a:t>
-            </a:r>
-          </a:p>
-          <a:p>
-            <a:endParaRPr lang="en-US" dirty="0"/>
-          </a:p>
-        </p:txBody>
-      </p:sp>
-    </p:spTree>
-    <p:extLst>
-      <p:ext uri="{BB962C8B-B14F-4D97-AF65-F5344CB8AC3E}">
-        <p14:creationId xmlns:p14="http://schemas.microsoft.com/office/powerpoint/2010/main" val="639806232"/>
-      </p:ext>
-    </p:extLst>
-  </p:cSld>
-  <p:clrMapOvr>
-    <a:masterClrMapping/>
-  </p:clrMapOvr>
-</p:sld>
-</file>
-
 <file path=ppt/slides/slide17.xml><?xml version="1.0" encoding="utf-8"?>
 <p:sld xmlns:a="http://schemas.openxmlformats.org/drawingml/2006/main" xmlns:r="http://schemas.openxmlformats.org/officeDocument/2006/relationships" xmlns:p="http://schemas.openxmlformats.org/presentationml/2006/main">
   <p:cSld>
@@ -6351,7 +6414,7 @@
           <a:p>
             <a:r>
               <a:rPr lang="en-US" dirty="0"/>
-              <a:t>Column Level Encryption </a:t>
+              <a:t>Dynamic Data Masking (DDM) </a:t>
             </a:r>
           </a:p>
         </p:txBody>
@@ -6372,44 +6435,28 @@
           <a:lstStyle/>
           <a:p>
             <a:r>
-              <a:rPr lang="en-US" dirty="0" smtClean="0"/>
-              <a:t>This is available in SQL Server 2005+</a:t>
-            </a:r>
-          </a:p>
-          <a:p>
-            <a:r>
-              <a:rPr lang="en-US" dirty="0" smtClean="0"/>
-              <a:t>Uses symmetric or asymmetric keys to protect data</a:t>
-            </a:r>
-          </a:p>
-          <a:p>
-            <a:r>
-              <a:rPr lang="en-US" dirty="0" smtClean="0"/>
-              <a:t>Encryption is really by field, not column.</a:t>
-            </a:r>
-          </a:p>
-          <a:p>
-            <a:r>
-              <a:rPr lang="en-US" dirty="0" smtClean="0"/>
-              <a:t>Encryption operations occur in SQL Server</a:t>
-            </a:r>
-          </a:p>
-          <a:p>
-            <a:r>
-              <a:rPr lang="en-US" dirty="0" smtClean="0"/>
-              <a:t>Temporary keys may be used</a:t>
-            </a:r>
-            <a:endParaRPr lang="en-US" dirty="0"/>
-          </a:p>
-          <a:p>
-            <a:endParaRPr lang="en-US" dirty="0"/>
+              <a:rPr lang="en-US" dirty="0"/>
+              <a:t>No changes to data or storage</a:t>
+            </a:r>
+          </a:p>
+          <a:p>
+            <a:r>
+              <a:rPr lang="en-US" dirty="0"/>
+              <a:t>DDM defines how data appears when queried.</a:t>
+            </a:r>
+          </a:p>
+          <a:p>
+            <a:r>
+              <a:rPr lang="en-US" dirty="0"/>
+              <a:t>Does not require changes to application code</a:t>
+            </a:r>
           </a:p>
         </p:txBody>
       </p:sp>
     </p:spTree>
     <p:extLst>
       <p:ext uri="{BB962C8B-B14F-4D97-AF65-F5344CB8AC3E}">
-        <p14:creationId xmlns:p14="http://schemas.microsoft.com/office/powerpoint/2010/main" val="4082207783"/>
+        <p14:creationId xmlns:p14="http://schemas.microsoft.com/office/powerpoint/2010/main" val="2899329802"/>
       </p:ext>
     </p:extLst>
   </p:cSld>
@@ -6474,21 +6521,16 @@
           <a:lstStyle/>
           <a:p>
             <a:r>
-              <a:rPr lang="en-US" dirty="0" smtClean="0"/>
-              <a:t>Column Level Encryption</a:t>
-            </a:r>
-            <a:r>
-              <a:rPr lang="en-US" dirty="0" smtClean="0"/>
-              <a:t> </a:t>
-            </a:r>
-            <a:endParaRPr lang="en-US" dirty="0"/>
+              <a:rPr lang="en-US" dirty="0"/>
+              <a:t>Always Encrypted </a:t>
+            </a:r>
           </a:p>
         </p:txBody>
       </p:sp>
     </p:spTree>
     <p:extLst>
       <p:ext uri="{BB962C8B-B14F-4D97-AF65-F5344CB8AC3E}">
-        <p14:creationId xmlns:p14="http://schemas.microsoft.com/office/powerpoint/2010/main" val="1454127985"/>
+        <p14:creationId xmlns:p14="http://schemas.microsoft.com/office/powerpoint/2010/main" val="2990823839"/>
       </p:ext>
     </p:extLst>
   </p:cSld>
@@ -6532,7 +6574,7 @@
           <a:p>
             <a:r>
               <a:rPr lang="en-US" dirty="0"/>
-              <a:t>Column Level Encryption – Limitations </a:t>
+              <a:t>Dynamic Data Masking - Limitations </a:t>
             </a:r>
           </a:p>
         </p:txBody>
@@ -6553,38 +6595,14 @@
           <a:lstStyle/>
           <a:p>
             <a:r>
-              <a:rPr lang="en-US" dirty="0" smtClean="0"/>
-              <a:t>Quiet a few algorithms are old</a:t>
-            </a:r>
-          </a:p>
-          <a:p>
-            <a:r>
-              <a:rPr lang="en-US" dirty="0" smtClean="0"/>
-              <a:t>Data is not necessarily protected from the DBA (can be. A little)</a:t>
-            </a:r>
-          </a:p>
-          <a:p>
-            <a:r>
-              <a:rPr lang="en-US" dirty="0" smtClean="0"/>
-              <a:t>Requires CPU resources on the server.</a:t>
-            </a:r>
-          </a:p>
-          <a:p>
-            <a:r>
-              <a:rPr lang="en-US" dirty="0" smtClean="0"/>
-              <a:t>Encrypted data does not compress. (compress, then encrypt)</a:t>
-            </a:r>
-          </a:p>
-          <a:p>
-            <a:r>
-              <a:rPr lang="en-US" dirty="0" smtClean="0"/>
-              <a:t>Symmetric keys are deterministic</a:t>
-            </a:r>
-          </a:p>
-          <a:p>
-            <a:r>
-              <a:rPr lang="en-US" dirty="0" smtClean="0"/>
-              <a:t>Requires code changes</a:t>
+              <a:rPr lang="en-US" dirty="0"/>
+              <a:t>Does not work with Always Encrypted columns.</a:t>
+            </a:r>
+          </a:p>
+          <a:p>
+            <a:r>
+              <a:rPr lang="en-US" dirty="0"/>
+              <a:t>UNMASK is by database, not by table or column.</a:t>
             </a:r>
           </a:p>
           <a:p>
@@ -6595,7 +6613,7 @@
     </p:spTree>
     <p:extLst>
       <p:ext uri="{BB962C8B-B14F-4D97-AF65-F5344CB8AC3E}">
-        <p14:creationId xmlns:p14="http://schemas.microsoft.com/office/powerpoint/2010/main" val="1297784369"/>
+        <p14:creationId xmlns:p14="http://schemas.microsoft.com/office/powerpoint/2010/main" val="639806232"/>
       </p:ext>
     </p:extLst>
   </p:cSld>
@@ -6758,6 +6776,288 @@
           <a:p>
             <a:r>
               <a:rPr lang="en-US" dirty="0"/>
+              <a:t>Column Level Encryption </a:t>
+            </a:r>
+          </a:p>
+        </p:txBody>
+      </p:sp>
+      <p:sp>
+        <p:nvSpPr>
+          <p:cNvPr id="3" name="Content Placeholder 2"/>
+          <p:cNvSpPr>
+            <a:spLocks noGrp="1"/>
+          </p:cNvSpPr>
+          <p:nvPr>
+            <p:ph idx="1"/>
+          </p:nvPr>
+        </p:nvSpPr>
+        <p:spPr/>
+        <p:txBody>
+          <a:bodyPr/>
+          <a:lstStyle/>
+          <a:p>
+            <a:r>
+              <a:rPr lang="en-US" dirty="0"/>
+              <a:t>This is available in SQL Server 2005+</a:t>
+            </a:r>
+          </a:p>
+          <a:p>
+            <a:r>
+              <a:rPr lang="en-US" dirty="0"/>
+              <a:t>Uses symmetric or asymmetric keys to protect data</a:t>
+            </a:r>
+          </a:p>
+          <a:p>
+            <a:r>
+              <a:rPr lang="en-US" dirty="0"/>
+              <a:t>Encryption is really by field, not column.</a:t>
+            </a:r>
+          </a:p>
+          <a:p>
+            <a:r>
+              <a:rPr lang="en-US" dirty="0"/>
+              <a:t>Encryption operations occur in SQL Server</a:t>
+            </a:r>
+          </a:p>
+          <a:p>
+            <a:r>
+              <a:rPr lang="en-US" dirty="0"/>
+              <a:t>Temporary keys may be used</a:t>
+            </a:r>
+          </a:p>
+          <a:p>
+            <a:endParaRPr lang="en-US" dirty="0"/>
+          </a:p>
+        </p:txBody>
+      </p:sp>
+    </p:spTree>
+    <p:extLst>
+      <p:ext uri="{BB962C8B-B14F-4D97-AF65-F5344CB8AC3E}">
+        <p14:creationId xmlns:p14="http://schemas.microsoft.com/office/powerpoint/2010/main" val="4082207783"/>
+      </p:ext>
+    </p:extLst>
+  </p:cSld>
+  <p:clrMapOvr>
+    <a:masterClrMapping/>
+  </p:clrMapOvr>
+</p:sld>
+</file>
+
+<file path=ppt/slides/slide21.xml><?xml version="1.0" encoding="utf-8"?>
+<p:sld xmlns:a="http://schemas.openxmlformats.org/drawingml/2006/main" xmlns:r="http://schemas.openxmlformats.org/officeDocument/2006/relationships" xmlns:p="http://schemas.openxmlformats.org/presentationml/2006/main">
+  <p:cSld>
+    <p:spTree>
+      <p:nvGrpSpPr>
+        <p:cNvPr id="1" name=""/>
+        <p:cNvGrpSpPr/>
+        <p:nvPr/>
+      </p:nvGrpSpPr>
+      <p:grpSpPr>
+        <a:xfrm>
+          <a:off x="0" y="0"/>
+          <a:ext cx="0" cy="0"/>
+          <a:chOff x="0" y="0"/>
+          <a:chExt cx="0" cy="0"/>
+        </a:xfrm>
+      </p:grpSpPr>
+      <p:sp>
+        <p:nvSpPr>
+          <p:cNvPr id="4" name="Title 3"/>
+          <p:cNvSpPr>
+            <a:spLocks noGrp="1"/>
+          </p:cNvSpPr>
+          <p:nvPr>
+            <p:ph type="title"/>
+          </p:nvPr>
+        </p:nvSpPr>
+        <p:spPr/>
+        <p:txBody>
+          <a:bodyPr/>
+          <a:lstStyle/>
+          <a:p>
+            <a:r>
+              <a:rPr lang="en-US" dirty="0"/>
+              <a:t>Demo</a:t>
+            </a:r>
+          </a:p>
+        </p:txBody>
+      </p:sp>
+      <p:sp>
+        <p:nvSpPr>
+          <p:cNvPr id="5" name="Text Placeholder 4"/>
+          <p:cNvSpPr>
+            <a:spLocks noGrp="1"/>
+          </p:cNvSpPr>
+          <p:nvPr>
+            <p:ph type="body" idx="1"/>
+          </p:nvPr>
+        </p:nvSpPr>
+        <p:spPr/>
+        <p:txBody>
+          <a:bodyPr/>
+          <a:lstStyle/>
+          <a:p>
+            <a:r>
+              <a:rPr lang="en-US" dirty="0"/>
+              <a:t>Column Level Encryption </a:t>
+            </a:r>
+          </a:p>
+        </p:txBody>
+      </p:sp>
+    </p:spTree>
+    <p:extLst>
+      <p:ext uri="{BB962C8B-B14F-4D97-AF65-F5344CB8AC3E}">
+        <p14:creationId xmlns:p14="http://schemas.microsoft.com/office/powerpoint/2010/main" val="1454127985"/>
+      </p:ext>
+    </p:extLst>
+  </p:cSld>
+  <p:clrMapOvr>
+    <a:masterClrMapping/>
+  </p:clrMapOvr>
+</p:sld>
+</file>
+
+<file path=ppt/slides/slide22.xml><?xml version="1.0" encoding="utf-8"?>
+<p:sld xmlns:a="http://schemas.openxmlformats.org/drawingml/2006/main" xmlns:r="http://schemas.openxmlformats.org/officeDocument/2006/relationships" xmlns:p="http://schemas.openxmlformats.org/presentationml/2006/main">
+  <p:cSld>
+    <p:spTree>
+      <p:nvGrpSpPr>
+        <p:cNvPr id="1" name=""/>
+        <p:cNvGrpSpPr/>
+        <p:nvPr/>
+      </p:nvGrpSpPr>
+      <p:grpSpPr>
+        <a:xfrm>
+          <a:off x="0" y="0"/>
+          <a:ext cx="0" cy="0"/>
+          <a:chOff x="0" y="0"/>
+          <a:chExt cx="0" cy="0"/>
+        </a:xfrm>
+      </p:grpSpPr>
+      <p:sp>
+        <p:nvSpPr>
+          <p:cNvPr id="2" name="Title 1"/>
+          <p:cNvSpPr>
+            <a:spLocks noGrp="1"/>
+          </p:cNvSpPr>
+          <p:nvPr>
+            <p:ph type="title"/>
+          </p:nvPr>
+        </p:nvSpPr>
+        <p:spPr/>
+        <p:txBody>
+          <a:bodyPr/>
+          <a:lstStyle/>
+          <a:p>
+            <a:r>
+              <a:rPr lang="en-US" dirty="0"/>
+              <a:t>Column Level Encryption – Limitations </a:t>
+            </a:r>
+          </a:p>
+        </p:txBody>
+      </p:sp>
+      <p:sp>
+        <p:nvSpPr>
+          <p:cNvPr id="3" name="Content Placeholder 2"/>
+          <p:cNvSpPr>
+            <a:spLocks noGrp="1"/>
+          </p:cNvSpPr>
+          <p:nvPr>
+            <p:ph idx="1"/>
+          </p:nvPr>
+        </p:nvSpPr>
+        <p:spPr/>
+        <p:txBody>
+          <a:bodyPr/>
+          <a:lstStyle/>
+          <a:p>
+            <a:r>
+              <a:rPr lang="en-US" dirty="0"/>
+              <a:t>Quiet a few algorithms are old</a:t>
+            </a:r>
+          </a:p>
+          <a:p>
+            <a:r>
+              <a:rPr lang="en-US" dirty="0"/>
+              <a:t>Data is not necessarily protected from the DBA (can be. A little)</a:t>
+            </a:r>
+          </a:p>
+          <a:p>
+            <a:r>
+              <a:rPr lang="en-US" dirty="0"/>
+              <a:t>Requires CPU resources on the server.</a:t>
+            </a:r>
+          </a:p>
+          <a:p>
+            <a:r>
+              <a:rPr lang="en-US" dirty="0"/>
+              <a:t>Encrypted data does not compress. (compress, then encrypt)</a:t>
+            </a:r>
+          </a:p>
+          <a:p>
+            <a:r>
+              <a:rPr lang="en-US" dirty="0"/>
+              <a:t>Symmetric keys are deterministic</a:t>
+            </a:r>
+          </a:p>
+          <a:p>
+            <a:r>
+              <a:rPr lang="en-US" dirty="0"/>
+              <a:t>Requires code changes</a:t>
+            </a:r>
+          </a:p>
+          <a:p>
+            <a:endParaRPr lang="en-US" dirty="0"/>
+          </a:p>
+        </p:txBody>
+      </p:sp>
+    </p:spTree>
+    <p:extLst>
+      <p:ext uri="{BB962C8B-B14F-4D97-AF65-F5344CB8AC3E}">
+        <p14:creationId xmlns:p14="http://schemas.microsoft.com/office/powerpoint/2010/main" val="1297784369"/>
+      </p:ext>
+    </p:extLst>
+  </p:cSld>
+  <p:clrMapOvr>
+    <a:masterClrMapping/>
+  </p:clrMapOvr>
+</p:sld>
+</file>
+
+<file path=ppt/slides/slide23.xml><?xml version="1.0" encoding="utf-8"?>
+<p:sld xmlns:a="http://schemas.openxmlformats.org/drawingml/2006/main" xmlns:r="http://schemas.openxmlformats.org/officeDocument/2006/relationships" xmlns:p="http://schemas.openxmlformats.org/presentationml/2006/main">
+  <p:cSld>
+    <p:spTree>
+      <p:nvGrpSpPr>
+        <p:cNvPr id="1" name=""/>
+        <p:cNvGrpSpPr/>
+        <p:nvPr/>
+      </p:nvGrpSpPr>
+      <p:grpSpPr>
+        <a:xfrm>
+          <a:off x="0" y="0"/>
+          <a:ext cx="0" cy="0"/>
+          <a:chOff x="0" y="0"/>
+          <a:chExt cx="0" cy="0"/>
+        </a:xfrm>
+      </p:grpSpPr>
+      <p:sp>
+        <p:nvSpPr>
+          <p:cNvPr id="2" name="Title 1"/>
+          <p:cNvSpPr>
+            <a:spLocks noGrp="1"/>
+          </p:cNvSpPr>
+          <p:nvPr>
+            <p:ph type="title"/>
+          </p:nvPr>
+        </p:nvSpPr>
+        <p:spPr/>
+        <p:txBody>
+          <a:bodyPr/>
+          <a:lstStyle/>
+          <a:p>
+            <a:r>
+              <a:rPr lang="en-US" dirty="0"/>
               <a:t>Summary </a:t>
             </a:r>
           </a:p>
@@ -6801,7 +7101,7 @@
 </p:sld>
 </file>
 
-<file path=ppt/slides/slide21.xml><?xml version="1.0" encoding="utf-8"?>
+<file path=ppt/slides/slide24.xml><?xml version="1.0" encoding="utf-8"?>
 <p:sld xmlns:a="http://schemas.openxmlformats.org/drawingml/2006/main" xmlns:r="http://schemas.openxmlformats.org/officeDocument/2006/relationships" xmlns:p="http://schemas.openxmlformats.org/presentationml/2006/main">
   <p:cSld>
     <p:spTree>
@@ -7365,7 +7665,7 @@
 </p:sld>
 </file>
 
-<file path=ppt/slides/slide22.xml><?xml version="1.0" encoding="utf-8"?>
+<file path=ppt/slides/slide25.xml><?xml version="1.0" encoding="utf-8"?>
 <p:sld xmlns:a="http://schemas.openxmlformats.org/drawingml/2006/main" xmlns:r="http://schemas.openxmlformats.org/officeDocument/2006/relationships" xmlns:p="http://schemas.openxmlformats.org/presentationml/2006/main">
   <p:cSld>
     <p:spTree>
@@ -7398,10 +7698,9 @@
           <a:lstStyle/>
           <a:p>
             <a:r>
-              <a:rPr lang="en-US" dirty="0" smtClean="0"/>
+              <a:rPr lang="en-US" dirty="0"/>
               <a:t>References</a:t>
             </a:r>
-            <a:endParaRPr lang="en-US" dirty="0"/>
           </a:p>
         </p:txBody>
       </p:sp>
@@ -7421,58 +7720,28 @@
           <a:lstStyle/>
           <a:p>
             <a:r>
-              <a:rPr lang="en-US" dirty="0" smtClean="0"/>
+              <a:rPr lang="en-US" dirty="0"/>
               <a:t>DDM</a:t>
             </a:r>
           </a:p>
           <a:p>
             <a:pPr lvl="1"/>
-            <a:r>
-              <a:rPr lang="en-US" dirty="0" smtClean="0">
-                <a:hlinkClick r:id="rId2"/>
-              </a:rPr>
-              <a:t>Dynamic </a:t>
-            </a:r>
             <a:r>
               <a:rPr lang="en-US" dirty="0">
                 <a:hlinkClick r:id="rId2"/>
               </a:rPr>
-              <a:t>Data Masking </a:t>
-            </a:r>
-            <a:r>
-              <a:rPr lang="en-US" dirty="0" smtClean="0">
-                <a:hlinkClick r:id="rId2"/>
-              </a:rPr>
-              <a:t>(BOL</a:t>
-            </a:r>
+              <a:t>Dynamic Data Masking (BOL) - https://msdn.microsoft.com/en-us/library/mt130841.aspx?f=255&amp;MSPPError=-2147217396</a:t>
+            </a:r>
+          </a:p>
+          <a:p>
+            <a:pPr lvl="1"/>
             <a:r>
               <a:rPr lang="en-US" dirty="0">
                 <a:hlinkClick r:id="rId2"/>
               </a:rPr>
-              <a:t>) - https://msdn.microsoft.com/en-us/library/mt130841.aspx?f=255&amp;MSPPError=-2147217396</a:t>
-            </a:r>
-          </a:p>
-          <a:p>
-            <a:pPr lvl="1"/>
-            <a:r>
-              <a:rPr lang="en-US" dirty="0" smtClean="0">
-                <a:hlinkClick r:id="rId2"/>
-              </a:rPr>
-              <a:t>https</a:t>
-            </a:r>
-            <a:r>
-              <a:rPr lang="en-US" dirty="0">
-                <a:hlinkClick r:id="rId2"/>
-              </a:rPr>
-              <a:t>://blogs.technet.microsoft.com/dataplatforminsider/2016/01/25/use-dynamic-data-masking-to-obfuscate-your-sensitive-data</a:t>
-            </a:r>
-            <a:r>
-              <a:rPr lang="en-US" dirty="0" smtClean="0">
-                <a:hlinkClick r:id="rId2"/>
-              </a:rPr>
-              <a:t>/</a:t>
-            </a:r>
-            <a:endParaRPr lang="en-US" dirty="0" smtClean="0"/>
+              <a:t>https://blogs.technet.microsoft.com/dataplatforminsider/2016/01/25/use-dynamic-data-masking-to-obfuscate-your-sensitive-data/</a:t>
+            </a:r>
+            <a:endParaRPr lang="en-US" dirty="0"/>
           </a:p>
           <a:p>
             <a:pPr lvl="1"/>
@@ -7484,15 +7753,9 @@
               <a:rPr lang="en-US" dirty="0">
                 <a:hlinkClick r:id="rId3"/>
               </a:rPr>
-              <a:t>https://www.simple-talk.com/blogs/2015/06/10/a-very-quick-post-on-sql-server-2016-dynamic-data-masking</a:t>
-            </a:r>
-            <a:r>
-              <a:rPr lang="en-US" dirty="0" smtClean="0">
-                <a:hlinkClick r:id="rId3"/>
-              </a:rPr>
-              <a:t>/</a:t>
-            </a:r>
-            <a:endParaRPr lang="en-US" dirty="0" smtClean="0"/>
+              <a:t>https://www.simple-talk.com/blogs/2015/06/10/a-very-quick-post-on-sql-server-2016-dynamic-data-masking/</a:t>
+            </a:r>
+            <a:endParaRPr lang="en-US" dirty="0"/>
           </a:p>
           <a:p>
             <a:pPr lvl="1"/>
@@ -7500,7 +7763,7 @@
           </a:p>
           <a:p>
             <a:pPr lvl="1"/>
-            <a:endParaRPr lang="en-US" dirty="0" smtClean="0"/>
+            <a:endParaRPr lang="en-US" dirty="0"/>
           </a:p>
           <a:p>
             <a:pPr lvl="1"/>
@@ -7521,7 +7784,7 @@
 </p:sld>
 </file>
 
-<file path=ppt/slides/slide23.xml><?xml version="1.0" encoding="utf-8"?>
+<file path=ppt/slides/slide26.xml><?xml version="1.0" encoding="utf-8"?>
 <p:sld xmlns:a="http://schemas.openxmlformats.org/drawingml/2006/main" xmlns:r="http://schemas.openxmlformats.org/officeDocument/2006/relationships" xmlns:p="http://schemas.openxmlformats.org/presentationml/2006/main">
   <p:cSld>
     <p:spTree>
@@ -7554,10 +7817,9 @@
           <a:lstStyle/>
           <a:p>
             <a:r>
-              <a:rPr lang="en-US" dirty="0" smtClean="0"/>
+              <a:rPr lang="en-US" dirty="0"/>
               <a:t>References</a:t>
             </a:r>
-            <a:endParaRPr lang="en-US" dirty="0"/>
           </a:p>
         </p:txBody>
       </p:sp>
@@ -7577,14 +7839,14 @@
           <a:lstStyle/>
           <a:p>
             <a:r>
-              <a:rPr lang="en-US" dirty="0" smtClean="0"/>
+              <a:rPr lang="en-US" dirty="0"/>
               <a:t>Column Level Encryption</a:t>
             </a:r>
           </a:p>
           <a:p>
             <a:pPr lvl="1"/>
             <a:r>
-              <a:rPr lang="en-US" dirty="0" err="1" smtClean="0"/>
+              <a:rPr lang="en-US" dirty="0" err="1"/>
               <a:t>DecryptbyKey</a:t>
             </a:r>
             <a:r>
@@ -7595,15 +7857,9 @@
               <a:rPr lang="en-US" dirty="0">
                 <a:hlinkClick r:id="rId2"/>
               </a:rPr>
-              <a:t>https://</a:t>
-            </a:r>
-            <a:r>
-              <a:rPr lang="en-US" dirty="0" smtClean="0">
-                <a:hlinkClick r:id="rId2"/>
-              </a:rPr>
-              <a:t>msdn.microsoft.com/en-us/library/ms181860.aspx</a:t>
-            </a:r>
-            <a:endParaRPr lang="en-US" dirty="0" smtClean="0"/>
+              <a:t>https://msdn.microsoft.com/en-us/library/ms181860.aspx</a:t>
+            </a:r>
+            <a:endParaRPr lang="en-US" dirty="0"/>
           </a:p>
           <a:p>
             <a:pPr lvl="1"/>
@@ -8524,7 +8780,7 @@
               <a:buNone/>
             </a:pPr>
             <a:r>
-              <a:rPr lang="en-US" altLang="en-US" smtClean="0">
+              <a:rPr lang="en-US" altLang="en-US">
                 <a:latin typeface="Times New Roman Bold" panose="02020803070505020304" pitchFamily="18" charset="0"/>
                 <a:cs typeface="Times New Roman Bold" panose="02020803070505020304" pitchFamily="18" charset="0"/>
                 <a:sym typeface="Times New Roman Bold" panose="02020803070505020304" pitchFamily="18" charset="0"/>
@@ -8532,11 +8788,11 @@
               <a:t>encryption</a:t>
             </a:r>
             <a:r>
-              <a:rPr lang="en-US" altLang="en-US" smtClean="0"/>
+              <a:rPr lang="en-US" altLang="en-US"/>
               <a:t> is the process of transforming </a:t>
             </a:r>
             <a:r>
-              <a:rPr lang="en-US" altLang="en-US" u="sng" smtClean="0">
+              <a:rPr lang="en-US" altLang="en-US" u="sng">
                 <a:solidFill>
                   <a:srgbClr val="009999"/>
                 </a:solidFill>
@@ -8545,11 +8801,11 @@
               <a:t>information</a:t>
             </a:r>
             <a:r>
-              <a:rPr lang="en-US" altLang="en-US" smtClean="0"/>
+              <a:rPr lang="en-US" altLang="en-US"/>
               <a:t> (referred to as </a:t>
             </a:r>
             <a:r>
-              <a:rPr lang="en-US" altLang="en-US" u="sng" smtClean="0">
+              <a:rPr lang="en-US" altLang="en-US" u="sng">
                 <a:solidFill>
                   <a:srgbClr val="009999"/>
                 </a:solidFill>
@@ -8558,11 +8814,11 @@
               <a:t>plaintext</a:t>
             </a:r>
             <a:r>
-              <a:rPr lang="en-US" altLang="en-US" smtClean="0"/>
+              <a:rPr lang="en-US" altLang="en-US"/>
               <a:t>) using an </a:t>
             </a:r>
             <a:r>
-              <a:rPr lang="en-US" altLang="en-US" u="sng" smtClean="0">
+              <a:rPr lang="en-US" altLang="en-US" u="sng">
                 <a:solidFill>
                   <a:srgbClr val="009999"/>
                 </a:solidFill>
@@ -8571,11 +8827,11 @@
               <a:t>algorithm</a:t>
             </a:r>
             <a:r>
-              <a:rPr lang="en-US" altLang="en-US" smtClean="0"/>
+              <a:rPr lang="en-US" altLang="en-US"/>
               <a:t> (called a </a:t>
             </a:r>
             <a:r>
-              <a:rPr lang="en-US" altLang="en-US" u="sng" smtClean="0">
+              <a:rPr lang="en-US" altLang="en-US" u="sng">
                 <a:solidFill>
                   <a:srgbClr val="009999"/>
                 </a:solidFill>
@@ -8584,11 +8840,11 @@
               <a:t>cipher</a:t>
             </a:r>
             <a:r>
-              <a:rPr lang="en-US" altLang="en-US" smtClean="0"/>
+              <a:rPr lang="en-US" altLang="en-US"/>
               <a:t>) to make it unreadable to anyone except those possessing special knowledge, usually referred to as a </a:t>
             </a:r>
             <a:r>
-              <a:rPr lang="en-US" altLang="en-US" u="sng" smtClean="0">
+              <a:rPr lang="en-US" altLang="en-US" u="sng">
                 <a:solidFill>
                   <a:srgbClr val="009999"/>
                 </a:solidFill>
@@ -8597,11 +8853,11 @@
               <a:t>key</a:t>
             </a:r>
             <a:r>
-              <a:rPr lang="en-US" altLang="en-US" smtClean="0"/>
+              <a:rPr lang="en-US" altLang="en-US"/>
               <a:t>. The result of the process is </a:t>
             </a:r>
             <a:r>
-              <a:rPr lang="en-US" altLang="en-US" smtClean="0">
+              <a:rPr lang="en-US" altLang="en-US">
                 <a:latin typeface="Times New Roman Bold" panose="02020803070505020304" pitchFamily="18" charset="0"/>
                 <a:cs typeface="Times New Roman Bold" panose="02020803070505020304" pitchFamily="18" charset="0"/>
                 <a:sym typeface="Times New Roman Bold" panose="02020803070505020304" pitchFamily="18" charset="0"/>
@@ -8609,11 +8865,11 @@
               <a:t>encrypted</a:t>
             </a:r>
             <a:r>
-              <a:rPr lang="en-US" altLang="en-US" smtClean="0"/>
+              <a:rPr lang="en-US" altLang="en-US"/>
               <a:t> information (in cryptography, referred to as </a:t>
             </a:r>
             <a:r>
-              <a:rPr lang="en-US" altLang="en-US" u="sng" smtClean="0">
+              <a:rPr lang="en-US" altLang="en-US" u="sng">
                 <a:solidFill>
                   <a:srgbClr val="009999"/>
                 </a:solidFill>
@@ -8622,7 +8878,7 @@
               <a:t>ciphertext</a:t>
             </a:r>
             <a:r>
-              <a:rPr lang="en-US" altLang="en-US" smtClean="0"/>
+              <a:rPr lang="en-US" altLang="en-US"/>
               <a:t>).</a:t>
             </a:r>
           </a:p>
@@ -8635,7 +8891,7 @@
               <a:buNone/>
             </a:pPr>
             <a:r>
-              <a:rPr lang="en-US" altLang="en-US" smtClean="0"/>
+              <a:rPr lang="en-US" altLang="en-US"/>
               <a:t>- Wikipedia</a:t>
             </a:r>
           </a:p>
@@ -8652,13 +8908,6 @@
     <a:masterClrMapping/>
   </p:clrMapOvr>
   <p:transition/>
-  <p:timing>
-    <p:tnLst>
-      <p:par>
-        <p:cTn id="1" dur="indefinite" restart="never" nodeType="tmRoot"/>
-      </p:par>
-    </p:tnLst>
-  </p:timing>
 </p:sld>
 </file>
 
@@ -8698,7 +8947,7 @@
           <a:p>
             <a:pPr eaLnBrk="1" hangingPunct="1"/>
             <a:r>
-              <a:rPr lang="en-US" altLang="en-US" smtClean="0"/>
+              <a:rPr lang="en-US" altLang="en-US"/>
               <a:t>Encryption Hierarchy</a:t>
             </a:r>
           </a:p>
@@ -8769,13 +9018,6 @@
     <a:masterClrMapping/>
   </p:clrMapOvr>
   <p:transition/>
-  <p:timing>
-    <p:tnLst>
-      <p:par>
-        <p:cTn id="1" dur="indefinite" restart="never" nodeType="tmRoot"/>
-      </p:par>
-    </p:tnLst>
-  </p:timing>
 </p:sld>
 </file>
 
@@ -8798,7 +9040,7 @@
       </p:grpSpPr>
       <p:sp>
         <p:nvSpPr>
-          <p:cNvPr id="4" name="Title 3"/>
+          <p:cNvPr id="2" name="Title 1"/>
           <p:cNvSpPr>
             <a:spLocks noGrp="1"/>
           </p:cNvSpPr>
@@ -8813,19 +9055,19 @@
           <a:p>
             <a:r>
               <a:rPr lang="en-US" dirty="0"/>
-              <a:t>Demo</a:t>
-            </a:r>
-          </a:p>
-        </p:txBody>
-      </p:sp>
-      <p:sp>
-        <p:nvSpPr>
-          <p:cNvPr id="5" name="Text Placeholder 4"/>
-          <p:cNvSpPr>
-            <a:spLocks noGrp="1"/>
-          </p:cNvSpPr>
-          <p:nvPr>
-            <p:ph type="body" idx="1"/>
+              <a:t>Transparent Data Encryption </a:t>
+            </a:r>
+          </a:p>
+        </p:txBody>
+      </p:sp>
+      <p:sp>
+        <p:nvSpPr>
+          <p:cNvPr id="3" name="Content Placeholder 2"/>
+          <p:cNvSpPr>
+            <a:spLocks noGrp="1"/>
+          </p:cNvSpPr>
+          <p:nvPr>
+            <p:ph idx="1"/>
           </p:nvPr>
         </p:nvSpPr>
         <p:spPr/>
@@ -8835,7 +9077,71 @@
           <a:p>
             <a:r>
               <a:rPr lang="en-US" dirty="0"/>
-              <a:t>Transparent Data Encryption  </a:t>
+              <a:t>Protects data at rest</a:t>
+            </a:r>
+          </a:p>
+          <a:p>
+            <a:r>
+              <a:rPr lang="en-US" dirty="0"/>
+              <a:t>Encrypts data and log files (</a:t>
+            </a:r>
+            <a:r>
+              <a:rPr lang="en-US" dirty="0" err="1"/>
+              <a:t>mdf</a:t>
+            </a:r>
+            <a:r>
+              <a:rPr lang="en-US" dirty="0"/>
+              <a:t>, </a:t>
+            </a:r>
+            <a:r>
+              <a:rPr lang="en-US" dirty="0" err="1"/>
+              <a:t>ndf</a:t>
+            </a:r>
+            <a:r>
+              <a:rPr lang="en-US" dirty="0"/>
+              <a:t>, </a:t>
+            </a:r>
+            <a:r>
+              <a:rPr lang="en-US" dirty="0" err="1"/>
+              <a:t>ldf</a:t>
+            </a:r>
+            <a:r>
+              <a:rPr lang="en-US" dirty="0"/>
+              <a:t>)</a:t>
+            </a:r>
+          </a:p>
+          <a:p>
+            <a:r>
+              <a:rPr lang="en-US" dirty="0"/>
+              <a:t>SQL Server 2008+ and Azure</a:t>
+            </a:r>
+          </a:p>
+          <a:p>
+            <a:r>
+              <a:rPr lang="en-US" dirty="0"/>
+              <a:t>Backup files encrypted </a:t>
+            </a:r>
+          </a:p>
+          <a:p>
+            <a:r>
+              <a:rPr lang="en-US" dirty="0" err="1"/>
+              <a:t>Tempdb</a:t>
+            </a:r>
+            <a:r>
+              <a:rPr lang="en-US" dirty="0"/>
+              <a:t> encrypted</a:t>
+            </a:r>
+          </a:p>
+          <a:p>
+            <a:r>
+              <a:rPr lang="en-US" dirty="0"/>
+              <a:t>Many auditors will want this</a:t>
+            </a:r>
+          </a:p>
+          <a:p>
+            <a:r>
+              <a:rPr lang="en-US" dirty="0"/>
+              <a:t>Enterprise Edition only. </a:t>
             </a:r>
           </a:p>
         </p:txBody>
@@ -8843,7 +9149,7 @@
     </p:spTree>
     <p:extLst>
       <p:ext uri="{BB962C8B-B14F-4D97-AF65-F5344CB8AC3E}">
-        <p14:creationId xmlns:p14="http://schemas.microsoft.com/office/powerpoint/2010/main" val="4286616125"/>
+        <p14:creationId xmlns:p14="http://schemas.microsoft.com/office/powerpoint/2010/main" val="3848089310"/>
       </p:ext>
     </p:extLst>
   </p:cSld>
@@ -8872,7 +9178,7 @@
       </p:grpSpPr>
       <p:sp>
         <p:nvSpPr>
-          <p:cNvPr id="2" name="Title 1"/>
+          <p:cNvPr id="4" name="Title 3"/>
           <p:cNvSpPr>
             <a:spLocks noGrp="1"/>
           </p:cNvSpPr>
@@ -8887,19 +9193,19 @@
           <a:p>
             <a:r>
               <a:rPr lang="en-US" dirty="0"/>
-              <a:t>Transparent Data Encryption </a:t>
-            </a:r>
-          </a:p>
-        </p:txBody>
-      </p:sp>
-      <p:sp>
-        <p:nvSpPr>
-          <p:cNvPr id="3" name="Content Placeholder 2"/>
-          <p:cNvSpPr>
-            <a:spLocks noGrp="1"/>
-          </p:cNvSpPr>
-          <p:nvPr>
-            <p:ph idx="1"/>
+              <a:t>Demo</a:t>
+            </a:r>
+          </a:p>
+        </p:txBody>
+      </p:sp>
+      <p:sp>
+        <p:nvSpPr>
+          <p:cNvPr id="5" name="Text Placeholder 4"/>
+          <p:cNvSpPr>
+            <a:spLocks noGrp="1"/>
+          </p:cNvSpPr>
+          <p:nvPr>
+            <p:ph type="body" idx="1"/>
           </p:nvPr>
         </p:nvSpPr>
         <p:spPr/>
@@ -8908,89 +9214,16 @@
           <a:lstStyle/>
           <a:p>
             <a:r>
-              <a:rPr lang="en-US" dirty="0" smtClean="0"/>
-              <a:t>Protects </a:t>
-            </a:r>
-            <a:r>
               <a:rPr lang="en-US" dirty="0"/>
-              <a:t>data at rest</a:t>
-            </a:r>
-          </a:p>
-          <a:p>
-            <a:r>
-              <a:rPr lang="en-US" dirty="0"/>
-              <a:t>Encrypts data and log files (</a:t>
-            </a:r>
-            <a:r>
-              <a:rPr lang="en-US" dirty="0" err="1"/>
-              <a:t>mdf</a:t>
-            </a:r>
-            <a:r>
-              <a:rPr lang="en-US" dirty="0"/>
-              <a:t>, </a:t>
-            </a:r>
-            <a:r>
-              <a:rPr lang="en-US" dirty="0" err="1"/>
-              <a:t>ndf</a:t>
-            </a:r>
-            <a:r>
-              <a:rPr lang="en-US" dirty="0"/>
-              <a:t>, </a:t>
-            </a:r>
-            <a:r>
-              <a:rPr lang="en-US" dirty="0" err="1"/>
-              <a:t>ldf</a:t>
-            </a:r>
-            <a:r>
-              <a:rPr lang="en-US" dirty="0"/>
-              <a:t>)</a:t>
-            </a:r>
-          </a:p>
-          <a:p>
-            <a:r>
-              <a:rPr lang="en-US" dirty="0"/>
-              <a:t>SQL Server 2008+ and Azure</a:t>
-            </a:r>
-          </a:p>
-          <a:p>
-            <a:r>
-              <a:rPr lang="en-US" dirty="0"/>
-              <a:t>Backup files encrypted </a:t>
-            </a:r>
-          </a:p>
-          <a:p>
-            <a:r>
-              <a:rPr lang="en-US" dirty="0" err="1"/>
-              <a:t>Tempdb</a:t>
-            </a:r>
-            <a:r>
-              <a:rPr lang="en-US" dirty="0"/>
-              <a:t> </a:t>
-            </a:r>
-            <a:r>
-              <a:rPr lang="en-US" dirty="0" smtClean="0"/>
-              <a:t>encrypted</a:t>
-            </a:r>
-          </a:p>
-          <a:p>
-            <a:r>
-              <a:rPr lang="en-US" dirty="0" smtClean="0"/>
-              <a:t>Many auditors will want this</a:t>
-            </a:r>
-          </a:p>
-          <a:p>
-            <a:r>
-              <a:rPr lang="en-US" dirty="0" smtClean="0"/>
-              <a:t>Enterprise Edition only. </a:t>
-            </a:r>
-            <a:endParaRPr lang="en-US" dirty="0"/>
+              <a:t>Transparent Data Encryption  </a:t>
+            </a:r>
           </a:p>
         </p:txBody>
       </p:sp>
     </p:spTree>
     <p:extLst>
       <p:ext uri="{BB962C8B-B14F-4D97-AF65-F5344CB8AC3E}">
-        <p14:creationId xmlns:p14="http://schemas.microsoft.com/office/powerpoint/2010/main" val="3848089310"/>
+        <p14:creationId xmlns:p14="http://schemas.microsoft.com/office/powerpoint/2010/main" val="4286616125"/>
       </p:ext>
     </p:extLst>
   </p:cSld>
@@ -9034,44 +9267,88 @@
           <a:p>
             <a:r>
               <a:rPr lang="en-US" dirty="0"/>
-              <a:t>Always Encrypted </a:t>
-            </a:r>
-          </a:p>
-        </p:txBody>
-      </p:sp>
-      <p:pic>
-        <p:nvPicPr>
-          <p:cNvPr id="4" name="Content Placeholder 3"/>
-          <p:cNvPicPr>
-            <a:picLocks noGrp="1" noChangeAspect="1"/>
-          </p:cNvPicPr>
+              <a:t>Transparent Data Encryption Limitations</a:t>
+            </a:r>
+          </a:p>
+        </p:txBody>
+      </p:sp>
+      <p:sp>
+        <p:nvSpPr>
+          <p:cNvPr id="3" name="Content Placeholder 2"/>
+          <p:cNvSpPr>
+            <a:spLocks noGrp="1"/>
+          </p:cNvSpPr>
           <p:nvPr>
             <p:ph idx="1"/>
           </p:nvPr>
-        </p:nvPicPr>
-        <p:blipFill>
-          <a:blip r:embed="rId2">
-            <a:extLst>
-              <a:ext uri="{28A0092B-C50C-407E-A947-70E740481C1C}">
-                <a14:useLocalDpi xmlns:a14="http://schemas.microsoft.com/office/drawing/2010/main" val="0"/>
-              </a:ext>
-            </a:extLst>
-          </a:blip>
-          <a:stretch>
-            <a:fillRect/>
-          </a:stretch>
-        </p:blipFill>
-        <p:spPr>
-          <a:xfrm>
-            <a:off x="3738857" y="1805198"/>
-            <a:ext cx="4714286" cy="3238095"/>
-          </a:xfrm>
-        </p:spPr>
-      </p:pic>
+        </p:nvSpPr>
+        <p:spPr/>
+        <p:txBody>
+          <a:bodyPr/>
+          <a:lstStyle/>
+          <a:p>
+            <a:pPr marL="325438">
+              <a:buFont typeface="Wingdings" panose="05000000000000000000" pitchFamily="2" charset="2"/>
+              <a:buChar char="§"/>
+            </a:pPr>
+            <a:r>
+              <a:rPr lang="en-US" altLang="en-US" dirty="0"/>
+              <a:t>Replication data is not encrypted</a:t>
+            </a:r>
+          </a:p>
+          <a:p>
+            <a:pPr marL="325438">
+              <a:buFont typeface="Wingdings" panose="05000000000000000000" pitchFamily="2" charset="2"/>
+              <a:buChar char="§"/>
+            </a:pPr>
+            <a:r>
+              <a:rPr lang="en-US" altLang="en-US" dirty="0" err="1"/>
+              <a:t>Filestream</a:t>
+            </a:r>
+            <a:r>
+              <a:rPr lang="en-US" altLang="en-US" dirty="0"/>
+              <a:t> data is not encrypted</a:t>
+            </a:r>
+          </a:p>
+          <a:p>
+            <a:pPr marL="325438">
+              <a:buFont typeface="Wingdings" panose="05000000000000000000" pitchFamily="2" charset="2"/>
+              <a:buChar char="§"/>
+            </a:pPr>
+            <a:r>
+              <a:rPr lang="en-US" altLang="en-US" dirty="0"/>
+              <a:t>BPE files are not encrypted</a:t>
+            </a:r>
+          </a:p>
+          <a:p>
+            <a:pPr marL="325438">
+              <a:buFont typeface="Wingdings" panose="05000000000000000000" pitchFamily="2" charset="2"/>
+              <a:buChar char="§"/>
+            </a:pPr>
+            <a:r>
+              <a:rPr lang="en-US" altLang="en-US" dirty="0">
+                <a:hlinkClick r:id="rId2"/>
+              </a:rPr>
+              <a:t>More</a:t>
+            </a:r>
+            <a:endParaRPr lang="en-US" altLang="en-US" dirty="0"/>
+          </a:p>
+          <a:p>
+            <a:pPr marL="325438">
+              <a:buFont typeface="Wingdings" panose="05000000000000000000" pitchFamily="2" charset="2"/>
+              <a:buChar char="§"/>
+            </a:pPr>
+            <a:r>
+              <a:rPr lang="en-US" altLang="en-US" dirty="0"/>
+              <a:t>Overhead</a:t>
+            </a:r>
+          </a:p>
+        </p:txBody>
+      </p:sp>
     </p:spTree>
     <p:extLst>
       <p:ext uri="{BB962C8B-B14F-4D97-AF65-F5344CB8AC3E}">
-        <p14:creationId xmlns:p14="http://schemas.microsoft.com/office/powerpoint/2010/main" val="822060258"/>
+        <p14:creationId xmlns:p14="http://schemas.microsoft.com/office/powerpoint/2010/main" val="2639023810"/>
       </p:ext>
     </p:extLst>
   </p:cSld>
@@ -9100,34 +9377,12 @@
       </p:grpSpPr>
       <p:sp>
         <p:nvSpPr>
-          <p:cNvPr id="4" name="Title 3"/>
+          <p:cNvPr id="2" name="Title 1"/>
           <p:cNvSpPr>
             <a:spLocks noGrp="1"/>
           </p:cNvSpPr>
           <p:nvPr>
             <p:ph type="title"/>
-          </p:nvPr>
-        </p:nvSpPr>
-        <p:spPr/>
-        <p:txBody>
-          <a:bodyPr/>
-          <a:lstStyle/>
-          <a:p>
-            <a:r>
-              <a:rPr lang="en-US" dirty="0"/>
-              <a:t>Demo</a:t>
-            </a:r>
-          </a:p>
-        </p:txBody>
-      </p:sp>
-      <p:sp>
-        <p:nvSpPr>
-          <p:cNvPr id="5" name="Text Placeholder 4"/>
-          <p:cNvSpPr>
-            <a:spLocks noGrp="1"/>
-          </p:cNvSpPr>
-          <p:nvPr>
-            <p:ph type="body" idx="1"/>
           </p:nvPr>
         </p:nvSpPr>
         <p:spPr/>
@@ -9142,10 +9397,39 @@
           </a:p>
         </p:txBody>
       </p:sp>
+      <p:pic>
+        <p:nvPicPr>
+          <p:cNvPr id="4" name="Content Placeholder 3"/>
+          <p:cNvPicPr>
+            <a:picLocks noGrp="1" noChangeAspect="1"/>
+          </p:cNvPicPr>
+          <p:nvPr>
+            <p:ph idx="1"/>
+          </p:nvPr>
+        </p:nvPicPr>
+        <p:blipFill>
+          <a:blip r:embed="rId2">
+            <a:extLst>
+              <a:ext uri="{28A0092B-C50C-407E-A947-70E740481C1C}">
+                <a14:useLocalDpi xmlns:a14="http://schemas.microsoft.com/office/drawing/2010/main" val="0"/>
+              </a:ext>
+            </a:extLst>
+          </a:blip>
+          <a:stretch>
+            <a:fillRect/>
+          </a:stretch>
+        </p:blipFill>
+        <p:spPr>
+          <a:xfrm>
+            <a:off x="3738857" y="1805198"/>
+            <a:ext cx="4714286" cy="3238095"/>
+          </a:xfrm>
+        </p:spPr>
+      </p:pic>
     </p:spTree>
     <p:extLst>
       <p:ext uri="{BB962C8B-B14F-4D97-AF65-F5344CB8AC3E}">
-        <p14:creationId xmlns:p14="http://schemas.microsoft.com/office/powerpoint/2010/main" val="2237251329"/>
+        <p14:creationId xmlns:p14="http://schemas.microsoft.com/office/powerpoint/2010/main" val="822060258"/>
       </p:ext>
     </p:extLst>
   </p:cSld>

--- a/Getting Started with Encryption in SQL 2016.pptx
+++ b/Getting Started with Encryption in SQL 2016.pptx
@@ -5,35 +5,39 @@
     <p:sldMasterId id="2147483648" r:id="rId1"/>
   </p:sldMasterIdLst>
   <p:notesMasterIdLst>
-    <p:notesMasterId r:id="rId28"/>
+    <p:notesMasterId r:id="rId32"/>
   </p:notesMasterIdLst>
   <p:sldIdLst>
     <p:sldId id="256" r:id="rId2"/>
     <p:sldId id="257" r:id="rId3"/>
     <p:sldId id="275" r:id="rId4"/>
     <p:sldId id="281" r:id="rId5"/>
-    <p:sldId id="282" r:id="rId6"/>
-    <p:sldId id="259" r:id="rId7"/>
-    <p:sldId id="272" r:id="rId8"/>
-    <p:sldId id="284" r:id="rId9"/>
-    <p:sldId id="263" r:id="rId10"/>
-    <p:sldId id="271" r:id="rId11"/>
-    <p:sldId id="285" r:id="rId12"/>
-    <p:sldId id="274" r:id="rId13"/>
-    <p:sldId id="269" r:id="rId14"/>
-    <p:sldId id="270" r:id="rId15"/>
-    <p:sldId id="286" r:id="rId16"/>
-    <p:sldId id="266" r:id="rId17"/>
-    <p:sldId id="279" r:id="rId18"/>
-    <p:sldId id="273" r:id="rId19"/>
-    <p:sldId id="280" r:id="rId20"/>
-    <p:sldId id="265" r:id="rId21"/>
-    <p:sldId id="283" r:id="rId22"/>
-    <p:sldId id="267" r:id="rId23"/>
-    <p:sldId id="260" r:id="rId24"/>
-    <p:sldId id="261" r:id="rId25"/>
-    <p:sldId id="277" r:id="rId26"/>
-    <p:sldId id="278" r:id="rId27"/>
+    <p:sldId id="287" r:id="rId6"/>
+    <p:sldId id="288" r:id="rId7"/>
+    <p:sldId id="289" r:id="rId8"/>
+    <p:sldId id="290" r:id="rId9"/>
+    <p:sldId id="259" r:id="rId10"/>
+    <p:sldId id="272" r:id="rId11"/>
+    <p:sldId id="284" r:id="rId12"/>
+    <p:sldId id="263" r:id="rId13"/>
+    <p:sldId id="271" r:id="rId14"/>
+    <p:sldId id="285" r:id="rId15"/>
+    <p:sldId id="274" r:id="rId16"/>
+    <p:sldId id="269" r:id="rId17"/>
+    <p:sldId id="270" r:id="rId18"/>
+    <p:sldId id="286" r:id="rId19"/>
+    <p:sldId id="266" r:id="rId20"/>
+    <p:sldId id="279" r:id="rId21"/>
+    <p:sldId id="273" r:id="rId22"/>
+    <p:sldId id="280" r:id="rId23"/>
+    <p:sldId id="265" r:id="rId24"/>
+    <p:sldId id="282" r:id="rId25"/>
+    <p:sldId id="283" r:id="rId26"/>
+    <p:sldId id="267" r:id="rId27"/>
+    <p:sldId id="260" r:id="rId28"/>
+    <p:sldId id="261" r:id="rId29"/>
+    <p:sldId id="277" r:id="rId30"/>
+    <p:sldId id="278" r:id="rId31"/>
   </p:sldIdLst>
   <p:sldSz cx="12192000" cy="6858000"/>
   <p:notesSz cx="6858000" cy="9144000"/>
@@ -573,6 +577,99 @@
 </p:notes>
 </file>
 
+<file path=ppt/notesSlides/notesSlide10.xml><?xml version="1.0" encoding="utf-8"?>
+<p:notes xmlns:a="http://schemas.openxmlformats.org/drawingml/2006/main" xmlns:r="http://schemas.openxmlformats.org/officeDocument/2006/relationships" xmlns:p="http://schemas.openxmlformats.org/presentationml/2006/main">
+  <p:cSld>
+    <p:spTree>
+      <p:nvGrpSpPr>
+        <p:cNvPr id="1" name=""/>
+        <p:cNvGrpSpPr/>
+        <p:nvPr/>
+      </p:nvGrpSpPr>
+      <p:grpSpPr>
+        <a:xfrm>
+          <a:off x="0" y="0"/>
+          <a:ext cx="0" cy="0"/>
+          <a:chOff x="0" y="0"/>
+          <a:chExt cx="0" cy="0"/>
+        </a:xfrm>
+      </p:grpSpPr>
+      <p:sp>
+        <p:nvSpPr>
+          <p:cNvPr id="2" name="Slide Image Placeholder 1"/>
+          <p:cNvSpPr>
+            <a:spLocks noGrp="1" noRot="1" noChangeAspect="1"/>
+          </p:cNvSpPr>
+          <p:nvPr>
+            <p:ph type="sldImg"/>
+          </p:nvPr>
+        </p:nvSpPr>
+        <p:spPr/>
+      </p:sp>
+      <p:sp>
+        <p:nvSpPr>
+          <p:cNvPr id="3" name="Notes Placeholder 2"/>
+          <p:cNvSpPr>
+            <a:spLocks noGrp="1"/>
+          </p:cNvSpPr>
+          <p:nvPr>
+            <p:ph type="body" idx="1"/>
+          </p:nvPr>
+        </p:nvSpPr>
+        <p:spPr/>
+        <p:txBody>
+          <a:bodyPr/>
+          <a:lstStyle/>
+          <a:p>
+            <a:r>
+              <a:rPr lang="en-US" dirty="0"/>
+              <a:t>Image: </a:t>
+            </a:r>
+          </a:p>
+          <a:p>
+            <a:r>
+              <a:rPr lang="en-US" dirty="0"/>
+              <a:t>https://blogs.technet.microsoft.com/dataplatforminsider/2016/01/25/use-dynamic-data-masking-to-obfuscate-your-sensitive-data/</a:t>
+            </a:r>
+          </a:p>
+        </p:txBody>
+      </p:sp>
+      <p:sp>
+        <p:nvSpPr>
+          <p:cNvPr id="4" name="Slide Number Placeholder 3"/>
+          <p:cNvSpPr>
+            <a:spLocks noGrp="1"/>
+          </p:cNvSpPr>
+          <p:nvPr>
+            <p:ph type="sldNum" sz="quarter" idx="10"/>
+          </p:nvPr>
+        </p:nvSpPr>
+        <p:spPr/>
+        <p:txBody>
+          <a:bodyPr/>
+          <a:lstStyle/>
+          <a:p>
+            <a:fld id="{482283A2-F39A-4F0A-A468-BFC2D3071D86}" type="slidenum">
+              <a:rPr lang="en-US" smtClean="0"/>
+              <a:t>22</a:t>
+            </a:fld>
+            <a:endParaRPr lang="en-US"/>
+          </a:p>
+        </p:txBody>
+      </p:sp>
+    </p:spTree>
+    <p:extLst>
+      <p:ext uri="{BB962C8B-B14F-4D97-AF65-F5344CB8AC3E}">
+        <p14:creationId xmlns:p14="http://schemas.microsoft.com/office/powerpoint/2010/main" val="1967277770"/>
+      </p:ext>
+    </p:extLst>
+  </p:cSld>
+  <p:clrMapOvr>
+    <a:masterClrMapping/>
+  </p:clrMapOvr>
+</p:notes>
+</file>
+
 <file path=ppt/notesSlides/notesSlide2.xml><?xml version="1.0" encoding="utf-8"?>
 <p:notes xmlns:a="http://schemas.openxmlformats.org/drawingml/2006/main" xmlns:r="http://schemas.openxmlformats.org/officeDocument/2006/relationships" xmlns:p="http://schemas.openxmlformats.org/presentationml/2006/main">
   <p:cSld>
@@ -986,7 +1083,26 @@
           <a:bodyPr/>
           <a:lstStyle/>
           <a:p>
-            <a:endParaRPr lang="en-US" dirty="0"/>
+            <a:r>
+              <a:rPr lang="en-US" dirty="0"/>
+              <a:t>We use</a:t>
+            </a:r>
+            <a:r>
+              <a:rPr lang="en-US" baseline="0" dirty="0"/>
+              <a:t> functions and keys, here’s an example. </a:t>
+            </a:r>
+          </a:p>
+          <a:p>
+            <a:r>
+              <a:rPr lang="en-US" baseline="0" dirty="0"/>
+              <a:t>Describe</a:t>
+            </a:r>
+          </a:p>
+          <a:p>
+            <a:r>
+              <a:rPr lang="en-US" baseline="0" dirty="0"/>
+              <a:t>The function’s complexity determines the resources required to perform encryption, and usually, the security of the encryption process.</a:t>
+            </a:r>
           </a:p>
         </p:txBody>
       </p:sp>
@@ -1005,9 +1121,9 @@
           <a:bodyPr/>
           <a:lstStyle/>
           <a:p>
-            <a:fld id="{482283A2-F39A-4F0A-A468-BFC2D3071D86}" type="slidenum">
+            <a:fld id="{FA11749C-2C7E-467C-B17D-61D5024F7C8E}" type="slidenum">
               <a:rPr lang="en-US" smtClean="0"/>
-              <a:t>13</a:t>
+              <a:t>5</a:t>
             </a:fld>
             <a:endParaRPr lang="en-US"/>
           </a:p>
@@ -1016,7 +1132,7 @@
     </p:spTree>
     <p:extLst>
       <p:ext uri="{BB962C8B-B14F-4D97-AF65-F5344CB8AC3E}">
-        <p14:creationId xmlns:p14="http://schemas.microsoft.com/office/powerpoint/2010/main" val="2687178981"/>
+        <p14:creationId xmlns:p14="http://schemas.microsoft.com/office/powerpoint/2010/main" val="2154008352"/>
       </p:ext>
     </p:extLst>
   </p:cSld>
@@ -1072,14 +1188,13 @@
           <a:p>
             <a:r>
               <a:rPr lang="en-US" dirty="0"/>
-              <a:t>Image: </a:t>
-            </a:r>
-          </a:p>
-          <a:p>
-            <a:r>
-              <a:rPr lang="en-US" dirty="0"/>
-              <a:t>https://blogs.technet.microsoft.com/dataplatforminsider/2016/01/25/use-dynamic-data-masking-to-obfuscate-your-sensitive-data/</a:t>
-            </a:r>
+              <a:t>Banks use a two stage</a:t>
+            </a:r>
+            <a:r>
+              <a:rPr lang="en-US" baseline="0" dirty="0"/>
+              <a:t> protection. They use a very strong outer lock., the bank vault door.</a:t>
+            </a:r>
+            <a:endParaRPr lang="en-US" dirty="0"/>
           </a:p>
         </p:txBody>
       </p:sp>
@@ -1098,9 +1213,9 @@
           <a:bodyPr/>
           <a:lstStyle/>
           <a:p>
-            <a:fld id="{482283A2-F39A-4F0A-A468-BFC2D3071D86}" type="slidenum">
+            <a:fld id="{FA11749C-2C7E-467C-B17D-61D5024F7C8E}" type="slidenum">
               <a:rPr lang="en-US" smtClean="0"/>
-              <a:t>16</a:t>
+              <a:t>6</a:t>
             </a:fld>
             <a:endParaRPr lang="en-US"/>
           </a:p>
@@ -1109,7 +1224,7 @@
     </p:spTree>
     <p:extLst>
       <p:ext uri="{BB962C8B-B14F-4D97-AF65-F5344CB8AC3E}">
-        <p14:creationId xmlns:p14="http://schemas.microsoft.com/office/powerpoint/2010/main" val="61230258"/>
+        <p14:creationId xmlns:p14="http://schemas.microsoft.com/office/powerpoint/2010/main" val="3081628175"/>
       </p:ext>
     </p:extLst>
   </p:cSld>
@@ -1165,14 +1280,13 @@
           <a:p>
             <a:r>
               <a:rPr lang="en-US" dirty="0"/>
-              <a:t>Image: </a:t>
-            </a:r>
-          </a:p>
-          <a:p>
-            <a:r>
-              <a:rPr lang="en-US" dirty="0"/>
-              <a:t>https://blogs.technet.microsoft.com/dataplatforminsider/2016/01/25/use-dynamic-data-masking-to-obfuscate-your-sensitive-data/</a:t>
-            </a:r>
+              <a:t>They use relatively weaker</a:t>
+            </a:r>
+            <a:r>
+              <a:rPr lang="en-US" baseline="0" dirty="0"/>
+              <a:t> locks inside. These are easier to break into.</a:t>
+            </a:r>
+            <a:endParaRPr lang="en-US" dirty="0"/>
           </a:p>
         </p:txBody>
       </p:sp>
@@ -1191,9 +1305,9 @@
           <a:bodyPr/>
           <a:lstStyle/>
           <a:p>
-            <a:fld id="{482283A2-F39A-4F0A-A468-BFC2D3071D86}" type="slidenum">
+            <a:fld id="{FA11749C-2C7E-467C-B17D-61D5024F7C8E}" type="slidenum">
               <a:rPr lang="en-US" smtClean="0"/>
-              <a:t>17</a:t>
+              <a:t>7</a:t>
             </a:fld>
             <a:endParaRPr lang="en-US"/>
           </a:p>
@@ -1202,7 +1316,7 @@
     </p:spTree>
     <p:extLst>
       <p:ext uri="{BB962C8B-B14F-4D97-AF65-F5344CB8AC3E}">
-        <p14:creationId xmlns:p14="http://schemas.microsoft.com/office/powerpoint/2010/main" val="3787633173"/>
+        <p14:creationId xmlns:p14="http://schemas.microsoft.com/office/powerpoint/2010/main" val="291708411"/>
       </p:ext>
     </p:extLst>
   </p:cSld>
@@ -1256,6 +1370,90 @@
           <a:bodyPr/>
           <a:lstStyle/>
           <a:p>
+            <a:endParaRPr lang="en-US" dirty="0"/>
+          </a:p>
+        </p:txBody>
+      </p:sp>
+      <p:sp>
+        <p:nvSpPr>
+          <p:cNvPr id="4" name="Slide Number Placeholder 3"/>
+          <p:cNvSpPr>
+            <a:spLocks noGrp="1"/>
+          </p:cNvSpPr>
+          <p:nvPr>
+            <p:ph type="sldNum" sz="quarter" idx="10"/>
+          </p:nvPr>
+        </p:nvSpPr>
+        <p:spPr/>
+        <p:txBody>
+          <a:bodyPr/>
+          <a:lstStyle/>
+          <a:p>
+            <a:fld id="{482283A2-F39A-4F0A-A468-BFC2D3071D86}" type="slidenum">
+              <a:rPr lang="en-US" smtClean="0"/>
+              <a:t>16</a:t>
+            </a:fld>
+            <a:endParaRPr lang="en-US"/>
+          </a:p>
+        </p:txBody>
+      </p:sp>
+    </p:spTree>
+    <p:extLst>
+      <p:ext uri="{BB962C8B-B14F-4D97-AF65-F5344CB8AC3E}">
+        <p14:creationId xmlns:p14="http://schemas.microsoft.com/office/powerpoint/2010/main" val="2687178981"/>
+      </p:ext>
+    </p:extLst>
+  </p:cSld>
+  <p:clrMapOvr>
+    <a:masterClrMapping/>
+  </p:clrMapOvr>
+</p:notes>
+</file>
+
+<file path=ppt/notesSlides/notesSlide8.xml><?xml version="1.0" encoding="utf-8"?>
+<p:notes xmlns:a="http://schemas.openxmlformats.org/drawingml/2006/main" xmlns:r="http://schemas.openxmlformats.org/officeDocument/2006/relationships" xmlns:p="http://schemas.openxmlformats.org/presentationml/2006/main">
+  <p:cSld>
+    <p:spTree>
+      <p:nvGrpSpPr>
+        <p:cNvPr id="1" name=""/>
+        <p:cNvGrpSpPr/>
+        <p:nvPr/>
+      </p:nvGrpSpPr>
+      <p:grpSpPr>
+        <a:xfrm>
+          <a:off x="0" y="0"/>
+          <a:ext cx="0" cy="0"/>
+          <a:chOff x="0" y="0"/>
+          <a:chExt cx="0" cy="0"/>
+        </a:xfrm>
+      </p:grpSpPr>
+      <p:sp>
+        <p:nvSpPr>
+          <p:cNvPr id="2" name="Slide Image Placeholder 1"/>
+          <p:cNvSpPr>
+            <a:spLocks noGrp="1" noRot="1" noChangeAspect="1"/>
+          </p:cNvSpPr>
+          <p:nvPr>
+            <p:ph type="sldImg"/>
+          </p:nvPr>
+        </p:nvSpPr>
+        <p:spPr/>
+      </p:sp>
+      <p:sp>
+        <p:nvSpPr>
+          <p:cNvPr id="3" name="Notes Placeholder 2"/>
+          <p:cNvSpPr>
+            <a:spLocks noGrp="1"/>
+          </p:cNvSpPr>
+          <p:nvPr>
+            <p:ph type="body" idx="1"/>
+          </p:nvPr>
+        </p:nvSpPr>
+        <p:spPr/>
+        <p:txBody>
+          <a:bodyPr/>
+          <a:lstStyle/>
+          <a:p>
             <a:r>
               <a:rPr lang="en-US" dirty="0"/>
               <a:t>Image: </a:t>
@@ -1295,7 +1493,100 @@
     </p:spTree>
     <p:extLst>
       <p:ext uri="{BB962C8B-B14F-4D97-AF65-F5344CB8AC3E}">
-        <p14:creationId xmlns:p14="http://schemas.microsoft.com/office/powerpoint/2010/main" val="1967277770"/>
+        <p14:creationId xmlns:p14="http://schemas.microsoft.com/office/powerpoint/2010/main" val="61230258"/>
+      </p:ext>
+    </p:extLst>
+  </p:cSld>
+  <p:clrMapOvr>
+    <a:masterClrMapping/>
+  </p:clrMapOvr>
+</p:notes>
+</file>
+
+<file path=ppt/notesSlides/notesSlide9.xml><?xml version="1.0" encoding="utf-8"?>
+<p:notes xmlns:a="http://schemas.openxmlformats.org/drawingml/2006/main" xmlns:r="http://schemas.openxmlformats.org/officeDocument/2006/relationships" xmlns:p="http://schemas.openxmlformats.org/presentationml/2006/main">
+  <p:cSld>
+    <p:spTree>
+      <p:nvGrpSpPr>
+        <p:cNvPr id="1" name=""/>
+        <p:cNvGrpSpPr/>
+        <p:nvPr/>
+      </p:nvGrpSpPr>
+      <p:grpSpPr>
+        <a:xfrm>
+          <a:off x="0" y="0"/>
+          <a:ext cx="0" cy="0"/>
+          <a:chOff x="0" y="0"/>
+          <a:chExt cx="0" cy="0"/>
+        </a:xfrm>
+      </p:grpSpPr>
+      <p:sp>
+        <p:nvSpPr>
+          <p:cNvPr id="2" name="Slide Image Placeholder 1"/>
+          <p:cNvSpPr>
+            <a:spLocks noGrp="1" noRot="1" noChangeAspect="1"/>
+          </p:cNvSpPr>
+          <p:nvPr>
+            <p:ph type="sldImg"/>
+          </p:nvPr>
+        </p:nvSpPr>
+        <p:spPr/>
+      </p:sp>
+      <p:sp>
+        <p:nvSpPr>
+          <p:cNvPr id="3" name="Notes Placeholder 2"/>
+          <p:cNvSpPr>
+            <a:spLocks noGrp="1"/>
+          </p:cNvSpPr>
+          <p:nvPr>
+            <p:ph type="body" idx="1"/>
+          </p:nvPr>
+        </p:nvSpPr>
+        <p:spPr/>
+        <p:txBody>
+          <a:bodyPr/>
+          <a:lstStyle/>
+          <a:p>
+            <a:r>
+              <a:rPr lang="en-US" dirty="0"/>
+              <a:t>Image: </a:t>
+            </a:r>
+          </a:p>
+          <a:p>
+            <a:r>
+              <a:rPr lang="en-US" dirty="0"/>
+              <a:t>https://blogs.technet.microsoft.com/dataplatforminsider/2016/01/25/use-dynamic-data-masking-to-obfuscate-your-sensitive-data/</a:t>
+            </a:r>
+          </a:p>
+        </p:txBody>
+      </p:sp>
+      <p:sp>
+        <p:nvSpPr>
+          <p:cNvPr id="4" name="Slide Number Placeholder 3"/>
+          <p:cNvSpPr>
+            <a:spLocks noGrp="1"/>
+          </p:cNvSpPr>
+          <p:nvPr>
+            <p:ph type="sldNum" sz="quarter" idx="10"/>
+          </p:nvPr>
+        </p:nvSpPr>
+        <p:spPr/>
+        <p:txBody>
+          <a:bodyPr/>
+          <a:lstStyle/>
+          <a:p>
+            <a:fld id="{482283A2-F39A-4F0A-A468-BFC2D3071D86}" type="slidenum">
+              <a:rPr lang="en-US" smtClean="0"/>
+              <a:t>20</a:t>
+            </a:fld>
+            <a:endParaRPr lang="en-US"/>
+          </a:p>
+        </p:txBody>
+      </p:sp>
+    </p:spTree>
+    <p:extLst>
+      <p:ext uri="{BB962C8B-B14F-4D97-AF65-F5344CB8AC3E}">
+        <p14:creationId xmlns:p14="http://schemas.microsoft.com/office/powerpoint/2010/main" val="3787633173"/>
       </p:ext>
     </p:extLst>
   </p:cSld>
@@ -4283,7 +4574,7 @@
           <a:p>
             <a:r>
               <a:rPr lang="en-US" dirty="0"/>
-              <a:t>Always Encrypted </a:t>
+              <a:t>Transparent Data Encryption  </a:t>
             </a:r>
           </a:p>
         </p:txBody>
@@ -4291,7 +4582,7 @@
     </p:spTree>
     <p:extLst>
       <p:ext uri="{BB962C8B-B14F-4D97-AF65-F5344CB8AC3E}">
-        <p14:creationId xmlns:p14="http://schemas.microsoft.com/office/powerpoint/2010/main" val="2237251329"/>
+        <p14:creationId xmlns:p14="http://schemas.microsoft.com/office/powerpoint/2010/main" val="4286616125"/>
       </p:ext>
     </p:extLst>
   </p:cSld>
@@ -4335,7 +4626,7 @@
           <a:p>
             <a:r>
               <a:rPr lang="en-US" dirty="0"/>
-              <a:t>Always Encrypted Limitations</a:t>
+              <a:t>Transparent Data Encryption Limitations</a:t>
             </a:r>
           </a:p>
         </p:txBody>
@@ -4361,7 +4652,7 @@
             </a:pPr>
             <a:r>
               <a:rPr lang="en-US" altLang="en-US" dirty="0"/>
-              <a:t>Lots</a:t>
+              <a:t>Replication data is not encrypted</a:t>
             </a:r>
           </a:p>
           <a:p>
@@ -4370,8 +4661,12 @@
               <a:buChar char="§"/>
             </a:pPr>
             <a:r>
+              <a:rPr lang="en-US" altLang="en-US" dirty="0" err="1"/>
+              <a:t>Filestream</a:t>
+            </a:r>
+            <a:r>
               <a:rPr lang="en-US" altLang="en-US" dirty="0"/>
-              <a:t>Strings require _BIN2 collation</a:t>
+              <a:t> data is not encrypted</a:t>
             </a:r>
           </a:p>
           <a:p>
@@ -4381,7 +4676,7 @@
             </a:pPr>
             <a:r>
               <a:rPr lang="en-US" altLang="en-US" dirty="0"/>
-              <a:t>Limited datatypes</a:t>
+              <a:t>BPE files are not encrypted</a:t>
             </a:r>
           </a:p>
           <a:p>
@@ -4390,9 +4685,12 @@
               <a:buChar char="§"/>
             </a:pPr>
             <a:r>
-              <a:rPr lang="en-US" altLang="en-US" dirty="0"/>
-              <a:t>No statistics on encrypted columns</a:t>
-            </a:r>
+              <a:rPr lang="en-US" altLang="en-US" dirty="0">
+                <a:hlinkClick r:id="rId2"/>
+              </a:rPr>
+              <a:t>More</a:t>
+            </a:r>
+            <a:endParaRPr lang="en-US" altLang="en-US" dirty="0"/>
           </a:p>
           <a:p>
             <a:pPr marL="325438">
@@ -4401,48 +4699,15 @@
             </a:pPr>
             <a:r>
               <a:rPr lang="en-US" altLang="en-US" dirty="0"/>
-              <a:t>Max two Column Master Keys can be used</a:t>
-            </a:r>
-          </a:p>
-          <a:p>
-            <a:pPr marL="325438">
-              <a:buFont typeface="Wingdings" panose="05000000000000000000" pitchFamily="2" charset="2"/>
-              <a:buChar char="§"/>
-            </a:pPr>
-            <a:r>
-              <a:rPr lang="en-US" altLang="en-US" dirty="0"/>
-              <a:t>No Defaults on encrypted columns</a:t>
-            </a:r>
-          </a:p>
-          <a:p>
-            <a:pPr marL="325438">
-              <a:buFont typeface="Wingdings" panose="05000000000000000000" pitchFamily="2" charset="2"/>
-              <a:buChar char="§"/>
-            </a:pPr>
-            <a:r>
-              <a:rPr lang="en-US" altLang="en-US" dirty="0"/>
-              <a:t>No replication</a:t>
-            </a:r>
-          </a:p>
-          <a:p>
-            <a:pPr marL="325438">
-              <a:buFont typeface="Wingdings" panose="05000000000000000000" pitchFamily="2" charset="2"/>
-              <a:buChar char="§"/>
-            </a:pPr>
-            <a:r>
-              <a:rPr lang="en-US" altLang="en-US" dirty="0">
-                <a:hlinkClick r:id="rId2"/>
-              </a:rPr>
-              <a:t>More</a:t>
-            </a:r>
-            <a:endParaRPr lang="en-US" altLang="en-US" dirty="0"/>
+              <a:t>Overhead (usually &lt; 5%, workload dependent)</a:t>
+            </a:r>
           </a:p>
         </p:txBody>
       </p:sp>
     </p:spTree>
     <p:extLst>
       <p:ext uri="{BB962C8B-B14F-4D97-AF65-F5344CB8AC3E}">
-        <p14:creationId xmlns:p14="http://schemas.microsoft.com/office/powerpoint/2010/main" val="3021317188"/>
+        <p14:creationId xmlns:p14="http://schemas.microsoft.com/office/powerpoint/2010/main" val="2639023810"/>
       </p:ext>
     </p:extLst>
   </p:cSld>
@@ -4486,6 +4751,317 @@
           <a:p>
             <a:r>
               <a:rPr lang="en-US" dirty="0"/>
+              <a:t>Always Encrypted </a:t>
+            </a:r>
+          </a:p>
+        </p:txBody>
+      </p:sp>
+      <p:pic>
+        <p:nvPicPr>
+          <p:cNvPr id="4" name="Content Placeholder 3"/>
+          <p:cNvPicPr>
+            <a:picLocks noGrp="1" noChangeAspect="1"/>
+          </p:cNvPicPr>
+          <p:nvPr>
+            <p:ph idx="1"/>
+          </p:nvPr>
+        </p:nvPicPr>
+        <p:blipFill>
+          <a:blip r:embed="rId2">
+            <a:extLst>
+              <a:ext uri="{28A0092B-C50C-407E-A947-70E740481C1C}">
+                <a14:useLocalDpi xmlns:a14="http://schemas.microsoft.com/office/drawing/2010/main" val="0"/>
+              </a:ext>
+            </a:extLst>
+          </a:blip>
+          <a:stretch>
+            <a:fillRect/>
+          </a:stretch>
+        </p:blipFill>
+        <p:spPr>
+          <a:xfrm>
+            <a:off x="3738857" y="1805198"/>
+            <a:ext cx="4714286" cy="3238095"/>
+          </a:xfrm>
+        </p:spPr>
+      </p:pic>
+    </p:spTree>
+    <p:extLst>
+      <p:ext uri="{BB962C8B-B14F-4D97-AF65-F5344CB8AC3E}">
+        <p14:creationId xmlns:p14="http://schemas.microsoft.com/office/powerpoint/2010/main" val="822060258"/>
+      </p:ext>
+    </p:extLst>
+  </p:cSld>
+  <p:clrMapOvr>
+    <a:masterClrMapping/>
+  </p:clrMapOvr>
+</p:sld>
+</file>
+
+<file path=ppt/slides/slide13.xml><?xml version="1.0" encoding="utf-8"?>
+<p:sld xmlns:a="http://schemas.openxmlformats.org/drawingml/2006/main" xmlns:r="http://schemas.openxmlformats.org/officeDocument/2006/relationships" xmlns:p="http://schemas.openxmlformats.org/presentationml/2006/main">
+  <p:cSld>
+    <p:spTree>
+      <p:nvGrpSpPr>
+        <p:cNvPr id="1" name=""/>
+        <p:cNvGrpSpPr/>
+        <p:nvPr/>
+      </p:nvGrpSpPr>
+      <p:grpSpPr>
+        <a:xfrm>
+          <a:off x="0" y="0"/>
+          <a:ext cx="0" cy="0"/>
+          <a:chOff x="0" y="0"/>
+          <a:chExt cx="0" cy="0"/>
+        </a:xfrm>
+      </p:grpSpPr>
+      <p:sp>
+        <p:nvSpPr>
+          <p:cNvPr id="4" name="Title 3"/>
+          <p:cNvSpPr>
+            <a:spLocks noGrp="1"/>
+          </p:cNvSpPr>
+          <p:nvPr>
+            <p:ph type="title"/>
+          </p:nvPr>
+        </p:nvSpPr>
+        <p:spPr/>
+        <p:txBody>
+          <a:bodyPr/>
+          <a:lstStyle/>
+          <a:p>
+            <a:r>
+              <a:rPr lang="en-US" dirty="0"/>
+              <a:t>Demo</a:t>
+            </a:r>
+          </a:p>
+        </p:txBody>
+      </p:sp>
+      <p:sp>
+        <p:nvSpPr>
+          <p:cNvPr id="5" name="Text Placeholder 4"/>
+          <p:cNvSpPr>
+            <a:spLocks noGrp="1"/>
+          </p:cNvSpPr>
+          <p:nvPr>
+            <p:ph type="body" idx="1"/>
+          </p:nvPr>
+        </p:nvSpPr>
+        <p:spPr/>
+        <p:txBody>
+          <a:bodyPr/>
+          <a:lstStyle/>
+          <a:p>
+            <a:r>
+              <a:rPr lang="en-US" dirty="0"/>
+              <a:t>Always Encrypted </a:t>
+            </a:r>
+          </a:p>
+        </p:txBody>
+      </p:sp>
+    </p:spTree>
+    <p:extLst>
+      <p:ext uri="{BB962C8B-B14F-4D97-AF65-F5344CB8AC3E}">
+        <p14:creationId xmlns:p14="http://schemas.microsoft.com/office/powerpoint/2010/main" val="2237251329"/>
+      </p:ext>
+    </p:extLst>
+  </p:cSld>
+  <p:clrMapOvr>
+    <a:masterClrMapping/>
+  </p:clrMapOvr>
+</p:sld>
+</file>
+
+<file path=ppt/slides/slide14.xml><?xml version="1.0" encoding="utf-8"?>
+<p:sld xmlns:a="http://schemas.openxmlformats.org/drawingml/2006/main" xmlns:r="http://schemas.openxmlformats.org/officeDocument/2006/relationships" xmlns:p="http://schemas.openxmlformats.org/presentationml/2006/main">
+  <p:cSld>
+    <p:spTree>
+      <p:nvGrpSpPr>
+        <p:cNvPr id="1" name=""/>
+        <p:cNvGrpSpPr/>
+        <p:nvPr/>
+      </p:nvGrpSpPr>
+      <p:grpSpPr>
+        <a:xfrm>
+          <a:off x="0" y="0"/>
+          <a:ext cx="0" cy="0"/>
+          <a:chOff x="0" y="0"/>
+          <a:chExt cx="0" cy="0"/>
+        </a:xfrm>
+      </p:grpSpPr>
+      <p:sp>
+        <p:nvSpPr>
+          <p:cNvPr id="2" name="Title 1"/>
+          <p:cNvSpPr>
+            <a:spLocks noGrp="1"/>
+          </p:cNvSpPr>
+          <p:nvPr>
+            <p:ph type="title"/>
+          </p:nvPr>
+        </p:nvSpPr>
+        <p:spPr/>
+        <p:txBody>
+          <a:bodyPr/>
+          <a:lstStyle/>
+          <a:p>
+            <a:r>
+              <a:rPr lang="en-US" dirty="0"/>
+              <a:t>Always Encrypted Limitations</a:t>
+            </a:r>
+          </a:p>
+        </p:txBody>
+      </p:sp>
+      <p:sp>
+        <p:nvSpPr>
+          <p:cNvPr id="3" name="Content Placeholder 2"/>
+          <p:cNvSpPr>
+            <a:spLocks noGrp="1"/>
+          </p:cNvSpPr>
+          <p:nvPr>
+            <p:ph idx="1"/>
+          </p:nvPr>
+        </p:nvSpPr>
+        <p:spPr/>
+        <p:txBody>
+          <a:bodyPr/>
+          <a:lstStyle/>
+          <a:p>
+            <a:pPr marL="325438">
+              <a:buFont typeface="Wingdings" panose="05000000000000000000" pitchFamily="2" charset="2"/>
+              <a:buChar char="§"/>
+            </a:pPr>
+            <a:r>
+              <a:rPr lang="en-US" altLang="en-US" dirty="0"/>
+              <a:t>Strings require _BIN2 collation</a:t>
+            </a:r>
+          </a:p>
+          <a:p>
+            <a:pPr marL="325438">
+              <a:buFont typeface="Wingdings" panose="05000000000000000000" pitchFamily="2" charset="2"/>
+              <a:buChar char="§"/>
+            </a:pPr>
+            <a:r>
+              <a:rPr lang="en-US" altLang="en-US" dirty="0"/>
+              <a:t>Limited datatypes</a:t>
+            </a:r>
+          </a:p>
+          <a:p>
+            <a:pPr marL="325438">
+              <a:buFont typeface="Wingdings" panose="05000000000000000000" pitchFamily="2" charset="2"/>
+              <a:buChar char="§"/>
+            </a:pPr>
+            <a:r>
+              <a:rPr lang="en-US" altLang="en-US" dirty="0"/>
+              <a:t>Only </a:t>
+            </a:r>
+            <a:r>
+              <a:rPr lang="en-US" altLang="en-US"/>
+              <a:t>equality comparisons (no &lt;, &gt;, like)</a:t>
+            </a:r>
+            <a:endParaRPr lang="en-US" altLang="en-US" dirty="0"/>
+          </a:p>
+          <a:p>
+            <a:pPr marL="325438">
+              <a:buFont typeface="Wingdings" panose="05000000000000000000" pitchFamily="2" charset="2"/>
+              <a:buChar char="§"/>
+            </a:pPr>
+            <a:r>
+              <a:rPr lang="en-US" altLang="en-US" dirty="0"/>
+              <a:t>No statistics on encrypted columns</a:t>
+            </a:r>
+          </a:p>
+          <a:p>
+            <a:pPr marL="325438">
+              <a:buFont typeface="Wingdings" panose="05000000000000000000" pitchFamily="2" charset="2"/>
+              <a:buChar char="§"/>
+            </a:pPr>
+            <a:r>
+              <a:rPr lang="en-US" altLang="en-US" dirty="0"/>
+              <a:t>Max two Column Master Keys can be used</a:t>
+            </a:r>
+          </a:p>
+          <a:p>
+            <a:pPr marL="325438">
+              <a:buFont typeface="Wingdings" panose="05000000000000000000" pitchFamily="2" charset="2"/>
+              <a:buChar char="§"/>
+            </a:pPr>
+            <a:r>
+              <a:rPr lang="en-US" altLang="en-US" dirty="0"/>
+              <a:t>No Defaults on encrypted columns</a:t>
+            </a:r>
+          </a:p>
+          <a:p>
+            <a:pPr marL="325438">
+              <a:buFont typeface="Wingdings" panose="05000000000000000000" pitchFamily="2" charset="2"/>
+              <a:buChar char="§"/>
+            </a:pPr>
+            <a:r>
+              <a:rPr lang="en-US" altLang="en-US" dirty="0"/>
+              <a:t>No replication</a:t>
+            </a:r>
+          </a:p>
+          <a:p>
+            <a:pPr marL="325438">
+              <a:buFont typeface="Wingdings" panose="05000000000000000000" pitchFamily="2" charset="2"/>
+              <a:buChar char="§"/>
+            </a:pPr>
+            <a:r>
+              <a:rPr lang="en-US" altLang="en-US" dirty="0">
+                <a:hlinkClick r:id="rId2"/>
+              </a:rPr>
+              <a:t>More</a:t>
+            </a:r>
+            <a:endParaRPr lang="en-US" altLang="en-US" dirty="0"/>
+          </a:p>
+        </p:txBody>
+      </p:sp>
+    </p:spTree>
+    <p:extLst>
+      <p:ext uri="{BB962C8B-B14F-4D97-AF65-F5344CB8AC3E}">
+        <p14:creationId xmlns:p14="http://schemas.microsoft.com/office/powerpoint/2010/main" val="3021317188"/>
+      </p:ext>
+    </p:extLst>
+  </p:cSld>
+  <p:clrMapOvr>
+    <a:masterClrMapping/>
+  </p:clrMapOvr>
+</p:sld>
+</file>
+
+<file path=ppt/slides/slide15.xml><?xml version="1.0" encoding="utf-8"?>
+<p:sld xmlns:a="http://schemas.openxmlformats.org/drawingml/2006/main" xmlns:r="http://schemas.openxmlformats.org/officeDocument/2006/relationships" xmlns:p="http://schemas.openxmlformats.org/presentationml/2006/main">
+  <p:cSld>
+    <p:spTree>
+      <p:nvGrpSpPr>
+        <p:cNvPr id="1" name=""/>
+        <p:cNvGrpSpPr/>
+        <p:nvPr/>
+      </p:nvGrpSpPr>
+      <p:grpSpPr>
+        <a:xfrm>
+          <a:off x="0" y="0"/>
+          <a:ext cx="0" cy="0"/>
+          <a:chOff x="0" y="0"/>
+          <a:chExt cx="0" cy="0"/>
+        </a:xfrm>
+      </p:grpSpPr>
+      <p:sp>
+        <p:nvSpPr>
+          <p:cNvPr id="2" name="Title 1"/>
+          <p:cNvSpPr>
+            <a:spLocks noGrp="1"/>
+          </p:cNvSpPr>
+          <p:nvPr>
+            <p:ph type="title"/>
+          </p:nvPr>
+        </p:nvSpPr>
+        <p:spPr/>
+        <p:txBody>
+          <a:bodyPr/>
+          <a:lstStyle/>
+          <a:p>
+            <a:r>
+              <a:rPr lang="en-US" dirty="0"/>
               <a:t>Row Level Security (RLS) </a:t>
             </a:r>
           </a:p>
@@ -4538,7 +5114,7 @@
 </p:sld>
 </file>
 
-<file path=ppt/slides/slide13.xml><?xml version="1.0" encoding="utf-8"?>
+<file path=ppt/slides/slide16.xml><?xml version="1.0" encoding="utf-8"?>
 <p:sld xmlns:a="http://schemas.openxmlformats.org/drawingml/2006/main" xmlns:r="http://schemas.openxmlformats.org/officeDocument/2006/relationships" xmlns:p="http://schemas.openxmlformats.org/presentationml/2006/main">
   <p:cSld>
     <p:spTree>
@@ -6120,7 +6696,7 @@
 </p:sld>
 </file>
 
-<file path=ppt/slides/slide14.xml><?xml version="1.0" encoding="utf-8"?>
+<file path=ppt/slides/slide17.xml><?xml version="1.0" encoding="utf-8"?>
 <p:sld xmlns:a="http://schemas.openxmlformats.org/drawingml/2006/main" xmlns:r="http://schemas.openxmlformats.org/officeDocument/2006/relationships" xmlns:p="http://schemas.openxmlformats.org/presentationml/2006/main">
   <p:cSld>
     <p:spTree>
@@ -6194,7 +6770,7 @@
 </p:sld>
 </file>
 
-<file path=ppt/slides/slide15.xml><?xml version="1.0" encoding="utf-8"?>
+<file path=ppt/slides/slide18.xml><?xml version="1.0" encoding="utf-8"?>
 <p:sld xmlns:a="http://schemas.openxmlformats.org/drawingml/2006/main" xmlns:r="http://schemas.openxmlformats.org/officeDocument/2006/relationships" xmlns:p="http://schemas.openxmlformats.org/presentationml/2006/main">
   <p:cSld>
     <p:spTree>
@@ -6299,7 +6875,7 @@
 </p:sld>
 </file>
 
-<file path=ppt/slides/slide16.xml><?xml version="1.0" encoding="utf-8"?>
+<file path=ppt/slides/slide19.xml><?xml version="1.0" encoding="utf-8"?>
 <p:sld xmlns:a="http://schemas.openxmlformats.org/drawingml/2006/main" xmlns:r="http://schemas.openxmlformats.org/officeDocument/2006/relationships" xmlns:p="http://schemas.openxmlformats.org/presentationml/2006/main">
   <p:cSld>
     <p:spTree>
@@ -6380,249 +6956,6 @@
 </p:sld>
 </file>
 
-<file path=ppt/slides/slide17.xml><?xml version="1.0" encoding="utf-8"?>
-<p:sld xmlns:a="http://schemas.openxmlformats.org/drawingml/2006/main" xmlns:r="http://schemas.openxmlformats.org/officeDocument/2006/relationships" xmlns:p="http://schemas.openxmlformats.org/presentationml/2006/main">
-  <p:cSld>
-    <p:spTree>
-      <p:nvGrpSpPr>
-        <p:cNvPr id="1" name=""/>
-        <p:cNvGrpSpPr/>
-        <p:nvPr/>
-      </p:nvGrpSpPr>
-      <p:grpSpPr>
-        <a:xfrm>
-          <a:off x="0" y="0"/>
-          <a:ext cx="0" cy="0"/>
-          <a:chOff x="0" y="0"/>
-          <a:chExt cx="0" cy="0"/>
-        </a:xfrm>
-      </p:grpSpPr>
-      <p:sp>
-        <p:nvSpPr>
-          <p:cNvPr id="2" name="Title 1"/>
-          <p:cNvSpPr>
-            <a:spLocks noGrp="1"/>
-          </p:cNvSpPr>
-          <p:nvPr>
-            <p:ph type="title"/>
-          </p:nvPr>
-        </p:nvSpPr>
-        <p:spPr/>
-        <p:txBody>
-          <a:bodyPr/>
-          <a:lstStyle/>
-          <a:p>
-            <a:r>
-              <a:rPr lang="en-US" dirty="0"/>
-              <a:t>Dynamic Data Masking (DDM) </a:t>
-            </a:r>
-          </a:p>
-        </p:txBody>
-      </p:sp>
-      <p:sp>
-        <p:nvSpPr>
-          <p:cNvPr id="3" name="Content Placeholder 2"/>
-          <p:cNvSpPr>
-            <a:spLocks noGrp="1"/>
-          </p:cNvSpPr>
-          <p:nvPr>
-            <p:ph idx="1"/>
-          </p:nvPr>
-        </p:nvSpPr>
-        <p:spPr/>
-        <p:txBody>
-          <a:bodyPr/>
-          <a:lstStyle/>
-          <a:p>
-            <a:r>
-              <a:rPr lang="en-US" dirty="0"/>
-              <a:t>No changes to data or storage</a:t>
-            </a:r>
-          </a:p>
-          <a:p>
-            <a:r>
-              <a:rPr lang="en-US" dirty="0"/>
-              <a:t>DDM defines how data appears when queried.</a:t>
-            </a:r>
-          </a:p>
-          <a:p>
-            <a:r>
-              <a:rPr lang="en-US" dirty="0"/>
-              <a:t>Does not require changes to application code</a:t>
-            </a:r>
-          </a:p>
-        </p:txBody>
-      </p:sp>
-    </p:spTree>
-    <p:extLst>
-      <p:ext uri="{BB962C8B-B14F-4D97-AF65-F5344CB8AC3E}">
-        <p14:creationId xmlns:p14="http://schemas.microsoft.com/office/powerpoint/2010/main" val="2899329802"/>
-      </p:ext>
-    </p:extLst>
-  </p:cSld>
-  <p:clrMapOvr>
-    <a:masterClrMapping/>
-  </p:clrMapOvr>
-</p:sld>
-</file>
-
-<file path=ppt/slides/slide18.xml><?xml version="1.0" encoding="utf-8"?>
-<p:sld xmlns:a="http://schemas.openxmlformats.org/drawingml/2006/main" xmlns:r="http://schemas.openxmlformats.org/officeDocument/2006/relationships" xmlns:p="http://schemas.openxmlformats.org/presentationml/2006/main">
-  <p:cSld>
-    <p:spTree>
-      <p:nvGrpSpPr>
-        <p:cNvPr id="1" name=""/>
-        <p:cNvGrpSpPr/>
-        <p:nvPr/>
-      </p:nvGrpSpPr>
-      <p:grpSpPr>
-        <a:xfrm>
-          <a:off x="0" y="0"/>
-          <a:ext cx="0" cy="0"/>
-          <a:chOff x="0" y="0"/>
-          <a:chExt cx="0" cy="0"/>
-        </a:xfrm>
-      </p:grpSpPr>
-      <p:sp>
-        <p:nvSpPr>
-          <p:cNvPr id="4" name="Title 3"/>
-          <p:cNvSpPr>
-            <a:spLocks noGrp="1"/>
-          </p:cNvSpPr>
-          <p:nvPr>
-            <p:ph type="title"/>
-          </p:nvPr>
-        </p:nvSpPr>
-        <p:spPr/>
-        <p:txBody>
-          <a:bodyPr/>
-          <a:lstStyle/>
-          <a:p>
-            <a:r>
-              <a:rPr lang="en-US" dirty="0"/>
-              <a:t>Demo</a:t>
-            </a:r>
-          </a:p>
-        </p:txBody>
-      </p:sp>
-      <p:sp>
-        <p:nvSpPr>
-          <p:cNvPr id="5" name="Text Placeholder 4"/>
-          <p:cNvSpPr>
-            <a:spLocks noGrp="1"/>
-          </p:cNvSpPr>
-          <p:nvPr>
-            <p:ph type="body" idx="1"/>
-          </p:nvPr>
-        </p:nvSpPr>
-        <p:spPr/>
-        <p:txBody>
-          <a:bodyPr/>
-          <a:lstStyle/>
-          <a:p>
-            <a:r>
-              <a:rPr lang="en-US" dirty="0"/>
-              <a:t>Always Encrypted </a:t>
-            </a:r>
-          </a:p>
-        </p:txBody>
-      </p:sp>
-    </p:spTree>
-    <p:extLst>
-      <p:ext uri="{BB962C8B-B14F-4D97-AF65-F5344CB8AC3E}">
-        <p14:creationId xmlns:p14="http://schemas.microsoft.com/office/powerpoint/2010/main" val="2990823839"/>
-      </p:ext>
-    </p:extLst>
-  </p:cSld>
-  <p:clrMapOvr>
-    <a:masterClrMapping/>
-  </p:clrMapOvr>
-</p:sld>
-</file>
-
-<file path=ppt/slides/slide19.xml><?xml version="1.0" encoding="utf-8"?>
-<p:sld xmlns:a="http://schemas.openxmlformats.org/drawingml/2006/main" xmlns:r="http://schemas.openxmlformats.org/officeDocument/2006/relationships" xmlns:p="http://schemas.openxmlformats.org/presentationml/2006/main">
-  <p:cSld>
-    <p:spTree>
-      <p:nvGrpSpPr>
-        <p:cNvPr id="1" name=""/>
-        <p:cNvGrpSpPr/>
-        <p:nvPr/>
-      </p:nvGrpSpPr>
-      <p:grpSpPr>
-        <a:xfrm>
-          <a:off x="0" y="0"/>
-          <a:ext cx="0" cy="0"/>
-          <a:chOff x="0" y="0"/>
-          <a:chExt cx="0" cy="0"/>
-        </a:xfrm>
-      </p:grpSpPr>
-      <p:sp>
-        <p:nvSpPr>
-          <p:cNvPr id="2" name="Title 1"/>
-          <p:cNvSpPr>
-            <a:spLocks noGrp="1"/>
-          </p:cNvSpPr>
-          <p:nvPr>
-            <p:ph type="title"/>
-          </p:nvPr>
-        </p:nvSpPr>
-        <p:spPr/>
-        <p:txBody>
-          <a:bodyPr/>
-          <a:lstStyle/>
-          <a:p>
-            <a:r>
-              <a:rPr lang="en-US" dirty="0"/>
-              <a:t>Dynamic Data Masking - Limitations </a:t>
-            </a:r>
-          </a:p>
-        </p:txBody>
-      </p:sp>
-      <p:sp>
-        <p:nvSpPr>
-          <p:cNvPr id="3" name="Content Placeholder 2"/>
-          <p:cNvSpPr>
-            <a:spLocks noGrp="1"/>
-          </p:cNvSpPr>
-          <p:nvPr>
-            <p:ph idx="1"/>
-          </p:nvPr>
-        </p:nvSpPr>
-        <p:spPr/>
-        <p:txBody>
-          <a:bodyPr/>
-          <a:lstStyle/>
-          <a:p>
-            <a:r>
-              <a:rPr lang="en-US" dirty="0"/>
-              <a:t>Does not work with Always Encrypted columns.</a:t>
-            </a:r>
-          </a:p>
-          <a:p>
-            <a:r>
-              <a:rPr lang="en-US" dirty="0"/>
-              <a:t>UNMASK is by database, not by table or column.</a:t>
-            </a:r>
-          </a:p>
-          <a:p>
-            <a:endParaRPr lang="en-US" dirty="0"/>
-          </a:p>
-        </p:txBody>
-      </p:sp>
-    </p:spTree>
-    <p:extLst>
-      <p:ext uri="{BB962C8B-B14F-4D97-AF65-F5344CB8AC3E}">
-        <p14:creationId xmlns:p14="http://schemas.microsoft.com/office/powerpoint/2010/main" val="639806232"/>
-      </p:ext>
-    </p:extLst>
-  </p:cSld>
-  <p:clrMapOvr>
-    <a:masterClrMapping/>
-  </p:clrMapOvr>
-</p:sld>
-</file>
-
 <file path=ppt/slides/slide2.xml><?xml version="1.0" encoding="utf-8"?>
 <p:sld xmlns:a="http://schemas.openxmlformats.org/drawingml/2006/main" xmlns:r="http://schemas.openxmlformats.org/officeDocument/2006/relationships" xmlns:p="http://schemas.openxmlformats.org/presentationml/2006/main">
   <p:cSld>
@@ -6776,7 +7109,7 @@
           <a:p>
             <a:r>
               <a:rPr lang="en-US" dirty="0"/>
-              <a:t>Column Level Encryption </a:t>
+              <a:t>Dynamic Data Masking (DDM) </a:t>
             </a:r>
           </a:p>
         </p:txBody>
@@ -6798,42 +7131,27 @@
           <a:p>
             <a:r>
               <a:rPr lang="en-US" dirty="0"/>
-              <a:t>This is available in SQL Server 2005+</a:t>
+              <a:t>No changes to data or storage</a:t>
             </a:r>
           </a:p>
           <a:p>
             <a:r>
               <a:rPr lang="en-US" dirty="0"/>
-              <a:t>Uses symmetric or asymmetric keys to protect data</a:t>
+              <a:t>DDM defines how data appears when queried.</a:t>
             </a:r>
           </a:p>
           <a:p>
             <a:r>
               <a:rPr lang="en-US" dirty="0"/>
-              <a:t>Encryption is really by field, not column.</a:t>
-            </a:r>
-          </a:p>
-          <a:p>
-            <a:r>
-              <a:rPr lang="en-US" dirty="0"/>
-              <a:t>Encryption operations occur in SQL Server</a:t>
-            </a:r>
-          </a:p>
-          <a:p>
-            <a:r>
-              <a:rPr lang="en-US" dirty="0"/>
-              <a:t>Temporary keys may be used</a:t>
-            </a:r>
-          </a:p>
-          <a:p>
-            <a:endParaRPr lang="en-US" dirty="0"/>
+              <a:t>Does not require changes to application code</a:t>
+            </a:r>
           </a:p>
         </p:txBody>
       </p:sp>
     </p:spTree>
     <p:extLst>
       <p:ext uri="{BB962C8B-B14F-4D97-AF65-F5344CB8AC3E}">
-        <p14:creationId xmlns:p14="http://schemas.microsoft.com/office/powerpoint/2010/main" val="4082207783"/>
+        <p14:creationId xmlns:p14="http://schemas.microsoft.com/office/powerpoint/2010/main" val="2899329802"/>
       </p:ext>
     </p:extLst>
   </p:cSld>
@@ -6899,7 +7217,7 @@
           <a:p>
             <a:r>
               <a:rPr lang="en-US" dirty="0"/>
-              <a:t>Column Level Encryption </a:t>
+              <a:t>Always Encrypted </a:t>
             </a:r>
           </a:p>
         </p:txBody>
@@ -6907,7 +7225,7 @@
     </p:spTree>
     <p:extLst>
       <p:ext uri="{BB962C8B-B14F-4D97-AF65-F5344CB8AC3E}">
-        <p14:creationId xmlns:p14="http://schemas.microsoft.com/office/powerpoint/2010/main" val="1454127985"/>
+        <p14:creationId xmlns:p14="http://schemas.microsoft.com/office/powerpoint/2010/main" val="2990823839"/>
       </p:ext>
     </p:extLst>
   </p:cSld>
@@ -6951,7 +7269,7 @@
           <a:p>
             <a:r>
               <a:rPr lang="en-US" dirty="0"/>
-              <a:t>Column Level Encryption – Limitations </a:t>
+              <a:t>Dynamic Data Masking - Limitations </a:t>
             </a:r>
           </a:p>
         </p:txBody>
@@ -6973,37 +7291,13 @@
           <a:p>
             <a:r>
               <a:rPr lang="en-US" dirty="0"/>
-              <a:t>Quiet a few algorithms are old</a:t>
+              <a:t>Does not work with Always Encrypted columns.</a:t>
             </a:r>
           </a:p>
           <a:p>
             <a:r>
               <a:rPr lang="en-US" dirty="0"/>
-              <a:t>Data is not necessarily protected from the DBA (can be. A little)</a:t>
-            </a:r>
-          </a:p>
-          <a:p>
-            <a:r>
-              <a:rPr lang="en-US" dirty="0"/>
-              <a:t>Requires CPU resources on the server.</a:t>
-            </a:r>
-          </a:p>
-          <a:p>
-            <a:r>
-              <a:rPr lang="en-US" dirty="0"/>
-              <a:t>Encrypted data does not compress. (compress, then encrypt)</a:t>
-            </a:r>
-          </a:p>
-          <a:p>
-            <a:r>
-              <a:rPr lang="en-US" dirty="0"/>
-              <a:t>Symmetric keys are deterministic</a:t>
-            </a:r>
-          </a:p>
-          <a:p>
-            <a:r>
-              <a:rPr lang="en-US" dirty="0"/>
-              <a:t>Requires code changes</a:t>
+              <a:t>UNMASK is by database, not by table or column.</a:t>
             </a:r>
           </a:p>
           <a:p>
@@ -7014,7 +7308,7 @@
     </p:spTree>
     <p:extLst>
       <p:ext uri="{BB962C8B-B14F-4D97-AF65-F5344CB8AC3E}">
-        <p14:creationId xmlns:p14="http://schemas.microsoft.com/office/powerpoint/2010/main" val="1297784369"/>
+        <p14:creationId xmlns:p14="http://schemas.microsoft.com/office/powerpoint/2010/main" val="639806232"/>
       </p:ext>
     </p:extLst>
   </p:cSld>
@@ -7058,6 +7352,398 @@
           <a:p>
             <a:r>
               <a:rPr lang="en-US" dirty="0"/>
+              <a:t>Column Level Encryption </a:t>
+            </a:r>
+          </a:p>
+        </p:txBody>
+      </p:sp>
+      <p:sp>
+        <p:nvSpPr>
+          <p:cNvPr id="3" name="Content Placeholder 2"/>
+          <p:cNvSpPr>
+            <a:spLocks noGrp="1"/>
+          </p:cNvSpPr>
+          <p:nvPr>
+            <p:ph idx="1"/>
+          </p:nvPr>
+        </p:nvSpPr>
+        <p:spPr/>
+        <p:txBody>
+          <a:bodyPr/>
+          <a:lstStyle/>
+          <a:p>
+            <a:r>
+              <a:rPr lang="en-US" dirty="0"/>
+              <a:t>This is available in SQL Server 2005+</a:t>
+            </a:r>
+          </a:p>
+          <a:p>
+            <a:r>
+              <a:rPr lang="en-US" dirty="0"/>
+              <a:t>Uses symmetric or asymmetric keys to protect data</a:t>
+            </a:r>
+          </a:p>
+          <a:p>
+            <a:r>
+              <a:rPr lang="en-US" dirty="0"/>
+              <a:t>Encryption is really by field, not column.</a:t>
+            </a:r>
+          </a:p>
+          <a:p>
+            <a:r>
+              <a:rPr lang="en-US" dirty="0"/>
+              <a:t>Encryption operations occur in SQL Server</a:t>
+            </a:r>
+          </a:p>
+          <a:p>
+            <a:r>
+              <a:rPr lang="en-US" dirty="0"/>
+              <a:t>Temporary keys may be used</a:t>
+            </a:r>
+          </a:p>
+          <a:p>
+            <a:endParaRPr lang="en-US" dirty="0"/>
+          </a:p>
+        </p:txBody>
+      </p:sp>
+    </p:spTree>
+    <p:extLst>
+      <p:ext uri="{BB962C8B-B14F-4D97-AF65-F5344CB8AC3E}">
+        <p14:creationId xmlns:p14="http://schemas.microsoft.com/office/powerpoint/2010/main" val="4082207783"/>
+      </p:ext>
+    </p:extLst>
+  </p:cSld>
+  <p:clrMapOvr>
+    <a:masterClrMapping/>
+  </p:clrMapOvr>
+</p:sld>
+</file>
+
+<file path=ppt/slides/slide24.xml><?xml version="1.0" encoding="utf-8"?>
+<p:sld xmlns:a="http://schemas.openxmlformats.org/drawingml/2006/main" xmlns:r="http://schemas.openxmlformats.org/officeDocument/2006/relationships" xmlns:p="http://schemas.openxmlformats.org/presentationml/2006/main">
+  <p:cSld>
+    <p:spTree>
+      <p:nvGrpSpPr>
+        <p:cNvPr id="1" name=""/>
+        <p:cNvGrpSpPr/>
+        <p:nvPr/>
+      </p:nvGrpSpPr>
+      <p:grpSpPr>
+        <a:xfrm>
+          <a:off x="0" y="0"/>
+          <a:ext cx="0" cy="0"/>
+          <a:chOff x="0" y="0"/>
+          <a:chExt cx="0" cy="0"/>
+        </a:xfrm>
+      </p:grpSpPr>
+      <p:sp>
+        <p:nvSpPr>
+          <p:cNvPr id="33794" name="Rectangle 3"/>
+          <p:cNvSpPr>
+            <a:spLocks noGrp="1" noChangeArrowheads="1"/>
+          </p:cNvSpPr>
+          <p:nvPr>
+            <p:ph type="title"/>
+          </p:nvPr>
+        </p:nvSpPr>
+        <p:spPr/>
+        <p:txBody>
+          <a:bodyPr vert="horz" lIns="91440" tIns="45720" rIns="81279" bIns="45720" rtlCol="0" anchor="ctr">
+            <a:normAutofit/>
+          </a:bodyPr>
+          <a:lstStyle/>
+          <a:p>
+            <a:pPr eaLnBrk="1" hangingPunct="1"/>
+            <a:r>
+              <a:rPr lang="en-US" altLang="en-US"/>
+              <a:t>Encryption Hierarchy</a:t>
+            </a:r>
+          </a:p>
+        </p:txBody>
+      </p:sp>
+      <p:pic>
+        <p:nvPicPr>
+          <p:cNvPr id="33795" name="Picture 4"/>
+          <p:cNvPicPr>
+            <a:picLocks noChangeArrowheads="1"/>
+          </p:cNvPicPr>
+          <p:nvPr/>
+        </p:nvPicPr>
+        <p:blipFill>
+          <a:blip r:embed="rId2">
+            <a:extLst>
+              <a:ext uri="{28A0092B-C50C-407E-A947-70E740481C1C}">
+                <a14:useLocalDpi xmlns:a14="http://schemas.microsoft.com/office/drawing/2010/main" val="0"/>
+              </a:ext>
+            </a:extLst>
+          </a:blip>
+          <a:srcRect/>
+          <a:stretch>
+            <a:fillRect/>
+          </a:stretch>
+        </p:blipFill>
+        <p:spPr bwMode="auto">
+          <a:xfrm>
+            <a:off x="3581401" y="1371600"/>
+            <a:ext cx="4652963" cy="4973638"/>
+          </a:xfrm>
+          <a:prstGeom prst="rect">
+            <a:avLst/>
+          </a:prstGeom>
+          <a:noFill/>
+          <a:ln>
+            <a:noFill/>
+          </a:ln>
+          <a:extLst>
+            <a:ext uri="{909E8E84-426E-40DD-AFC4-6F175D3DCCD1}">
+              <a14:hiddenFill xmlns:a14="http://schemas.microsoft.com/office/drawing/2010/main">
+                <a:solidFill>
+                  <a:srgbClr val="FFFFFF"/>
+                </a:solidFill>
+              </a14:hiddenFill>
+            </a:ext>
+            <a:ext uri="{91240B29-F687-4F45-9708-019B960494DF}">
+              <a14:hiddenLine xmlns:a14="http://schemas.microsoft.com/office/drawing/2010/main" w="9525">
+                <a:solidFill>
+                  <a:srgbClr val="000000"/>
+                </a:solidFill>
+                <a:miter lim="800000"/>
+                <a:headEnd/>
+                <a:tailEnd/>
+              </a14:hiddenLine>
+            </a:ext>
+          </a:extLst>
+        </p:spPr>
+      </p:pic>
+    </p:spTree>
+    <p:extLst>
+      <p:ext uri="{BB962C8B-B14F-4D97-AF65-F5344CB8AC3E}">
+        <p14:creationId xmlns:p14="http://schemas.microsoft.com/office/powerpoint/2010/main" val="3105430672"/>
+      </p:ext>
+    </p:extLst>
+  </p:cSld>
+  <p:clrMapOvr>
+    <a:masterClrMapping/>
+  </p:clrMapOvr>
+  <p:transition/>
+</p:sld>
+</file>
+
+<file path=ppt/slides/slide25.xml><?xml version="1.0" encoding="utf-8"?>
+<p:sld xmlns:a="http://schemas.openxmlformats.org/drawingml/2006/main" xmlns:r="http://schemas.openxmlformats.org/officeDocument/2006/relationships" xmlns:p="http://schemas.openxmlformats.org/presentationml/2006/main">
+  <p:cSld>
+    <p:spTree>
+      <p:nvGrpSpPr>
+        <p:cNvPr id="1" name=""/>
+        <p:cNvGrpSpPr/>
+        <p:nvPr/>
+      </p:nvGrpSpPr>
+      <p:grpSpPr>
+        <a:xfrm>
+          <a:off x="0" y="0"/>
+          <a:ext cx="0" cy="0"/>
+          <a:chOff x="0" y="0"/>
+          <a:chExt cx="0" cy="0"/>
+        </a:xfrm>
+      </p:grpSpPr>
+      <p:sp>
+        <p:nvSpPr>
+          <p:cNvPr id="4" name="Title 3"/>
+          <p:cNvSpPr>
+            <a:spLocks noGrp="1"/>
+          </p:cNvSpPr>
+          <p:nvPr>
+            <p:ph type="title"/>
+          </p:nvPr>
+        </p:nvSpPr>
+        <p:spPr/>
+        <p:txBody>
+          <a:bodyPr/>
+          <a:lstStyle/>
+          <a:p>
+            <a:r>
+              <a:rPr lang="en-US" dirty="0"/>
+              <a:t>Demo</a:t>
+            </a:r>
+          </a:p>
+        </p:txBody>
+      </p:sp>
+      <p:sp>
+        <p:nvSpPr>
+          <p:cNvPr id="5" name="Text Placeholder 4"/>
+          <p:cNvSpPr>
+            <a:spLocks noGrp="1"/>
+          </p:cNvSpPr>
+          <p:nvPr>
+            <p:ph type="body" idx="1"/>
+          </p:nvPr>
+        </p:nvSpPr>
+        <p:spPr/>
+        <p:txBody>
+          <a:bodyPr/>
+          <a:lstStyle/>
+          <a:p>
+            <a:r>
+              <a:rPr lang="en-US" dirty="0"/>
+              <a:t>Column Level Encryption </a:t>
+            </a:r>
+          </a:p>
+        </p:txBody>
+      </p:sp>
+    </p:spTree>
+    <p:extLst>
+      <p:ext uri="{BB962C8B-B14F-4D97-AF65-F5344CB8AC3E}">
+        <p14:creationId xmlns:p14="http://schemas.microsoft.com/office/powerpoint/2010/main" val="1454127985"/>
+      </p:ext>
+    </p:extLst>
+  </p:cSld>
+  <p:clrMapOvr>
+    <a:masterClrMapping/>
+  </p:clrMapOvr>
+</p:sld>
+</file>
+
+<file path=ppt/slides/slide26.xml><?xml version="1.0" encoding="utf-8"?>
+<p:sld xmlns:a="http://schemas.openxmlformats.org/drawingml/2006/main" xmlns:r="http://schemas.openxmlformats.org/officeDocument/2006/relationships" xmlns:p="http://schemas.openxmlformats.org/presentationml/2006/main">
+  <p:cSld>
+    <p:spTree>
+      <p:nvGrpSpPr>
+        <p:cNvPr id="1" name=""/>
+        <p:cNvGrpSpPr/>
+        <p:nvPr/>
+      </p:nvGrpSpPr>
+      <p:grpSpPr>
+        <a:xfrm>
+          <a:off x="0" y="0"/>
+          <a:ext cx="0" cy="0"/>
+          <a:chOff x="0" y="0"/>
+          <a:chExt cx="0" cy="0"/>
+        </a:xfrm>
+      </p:grpSpPr>
+      <p:sp>
+        <p:nvSpPr>
+          <p:cNvPr id="2" name="Title 1"/>
+          <p:cNvSpPr>
+            <a:spLocks noGrp="1"/>
+          </p:cNvSpPr>
+          <p:nvPr>
+            <p:ph type="title"/>
+          </p:nvPr>
+        </p:nvSpPr>
+        <p:spPr/>
+        <p:txBody>
+          <a:bodyPr/>
+          <a:lstStyle/>
+          <a:p>
+            <a:r>
+              <a:rPr lang="en-US" dirty="0"/>
+              <a:t>Column Level Encryption – Limitations </a:t>
+            </a:r>
+          </a:p>
+        </p:txBody>
+      </p:sp>
+      <p:sp>
+        <p:nvSpPr>
+          <p:cNvPr id="3" name="Content Placeholder 2"/>
+          <p:cNvSpPr>
+            <a:spLocks noGrp="1"/>
+          </p:cNvSpPr>
+          <p:nvPr>
+            <p:ph idx="1"/>
+          </p:nvPr>
+        </p:nvSpPr>
+        <p:spPr/>
+        <p:txBody>
+          <a:bodyPr/>
+          <a:lstStyle/>
+          <a:p>
+            <a:r>
+              <a:rPr lang="en-US" dirty="0"/>
+              <a:t>Quiet a few algorithms are old</a:t>
+            </a:r>
+          </a:p>
+          <a:p>
+            <a:r>
+              <a:rPr lang="en-US" dirty="0"/>
+              <a:t>Data is not necessarily protected from the DBA (can be. A little)</a:t>
+            </a:r>
+          </a:p>
+          <a:p>
+            <a:r>
+              <a:rPr lang="en-US" dirty="0"/>
+              <a:t>Requires CPU resources on the server.</a:t>
+            </a:r>
+          </a:p>
+          <a:p>
+            <a:r>
+              <a:rPr lang="en-US" dirty="0"/>
+              <a:t>Encrypted data does not compress. (compress, then encrypt)</a:t>
+            </a:r>
+          </a:p>
+          <a:p>
+            <a:r>
+              <a:rPr lang="en-US" dirty="0"/>
+              <a:t>Symmetric keys are deterministic</a:t>
+            </a:r>
+          </a:p>
+          <a:p>
+            <a:r>
+              <a:rPr lang="en-US" dirty="0"/>
+              <a:t>Requires code changes</a:t>
+            </a:r>
+          </a:p>
+          <a:p>
+            <a:endParaRPr lang="en-US" dirty="0"/>
+          </a:p>
+        </p:txBody>
+      </p:sp>
+    </p:spTree>
+    <p:extLst>
+      <p:ext uri="{BB962C8B-B14F-4D97-AF65-F5344CB8AC3E}">
+        <p14:creationId xmlns:p14="http://schemas.microsoft.com/office/powerpoint/2010/main" val="1297784369"/>
+      </p:ext>
+    </p:extLst>
+  </p:cSld>
+  <p:clrMapOvr>
+    <a:masterClrMapping/>
+  </p:clrMapOvr>
+</p:sld>
+</file>
+
+<file path=ppt/slides/slide27.xml><?xml version="1.0" encoding="utf-8"?>
+<p:sld xmlns:a="http://schemas.openxmlformats.org/drawingml/2006/main" xmlns:r="http://schemas.openxmlformats.org/officeDocument/2006/relationships" xmlns:p="http://schemas.openxmlformats.org/presentationml/2006/main">
+  <p:cSld>
+    <p:spTree>
+      <p:nvGrpSpPr>
+        <p:cNvPr id="1" name=""/>
+        <p:cNvGrpSpPr/>
+        <p:nvPr/>
+      </p:nvGrpSpPr>
+      <p:grpSpPr>
+        <a:xfrm>
+          <a:off x="0" y="0"/>
+          <a:ext cx="0" cy="0"/>
+          <a:chOff x="0" y="0"/>
+          <a:chExt cx="0" cy="0"/>
+        </a:xfrm>
+      </p:grpSpPr>
+      <p:sp>
+        <p:nvSpPr>
+          <p:cNvPr id="2" name="Title 1"/>
+          <p:cNvSpPr>
+            <a:spLocks noGrp="1"/>
+          </p:cNvSpPr>
+          <p:nvPr>
+            <p:ph type="title"/>
+          </p:nvPr>
+        </p:nvSpPr>
+        <p:spPr/>
+        <p:txBody>
+          <a:bodyPr/>
+          <a:lstStyle/>
+          <a:p>
+            <a:r>
+              <a:rPr lang="en-US" dirty="0"/>
               <a:t>Summary </a:t>
             </a:r>
           </a:p>
@@ -7080,7 +7766,37 @@
           <a:p>
             <a:r>
               <a:rPr lang="en-US" dirty="0"/>
-              <a:t>SQL Server 2016 includes a variety of encryption functions for server and client</a:t>
+              <a:t>SQL Server 2016 includes a variety of encryption (and data protection) functions for server and client</a:t>
+            </a:r>
+          </a:p>
+          <a:p>
+            <a:r>
+              <a:rPr lang="en-US" dirty="0"/>
+              <a:t>TDE protects data at rest</a:t>
+            </a:r>
+          </a:p>
+          <a:p>
+            <a:r>
+              <a:rPr lang="en-US" dirty="0"/>
+              <a:t>Always Encrypted is for cases where the client is trusted, but not the server</a:t>
+            </a:r>
+          </a:p>
+          <a:p>
+            <a:r>
+              <a:rPr lang="en-US" dirty="0"/>
+              <a:t>RLS is independent of other security mechanisms, but not perfect</a:t>
+            </a:r>
+          </a:p>
+          <a:p>
+            <a:r>
+              <a:rPr lang="en-US" dirty="0"/>
+              <a:t>DDM is a security convenience feature</a:t>
+            </a:r>
+          </a:p>
+          <a:p>
+            <a:r>
+              <a:rPr lang="en-US" dirty="0"/>
+              <a:t>Column Level encryption protects the data on the server.</a:t>
             </a:r>
           </a:p>
           <a:p>
@@ -7101,7 +7817,7 @@
 </p:sld>
 </file>
 
-<file path=ppt/slides/slide24.xml><?xml version="1.0" encoding="utf-8"?>
+<file path=ppt/slides/slide28.xml><?xml version="1.0" encoding="utf-8"?>
 <p:sld xmlns:a="http://schemas.openxmlformats.org/drawingml/2006/main" xmlns:r="http://schemas.openxmlformats.org/officeDocument/2006/relationships" xmlns:p="http://schemas.openxmlformats.org/presentationml/2006/main">
   <p:cSld>
     <p:spTree>
@@ -7665,7 +8381,7 @@
 </p:sld>
 </file>
 
-<file path=ppt/slides/slide25.xml><?xml version="1.0" encoding="utf-8"?>
+<file path=ppt/slides/slide29.xml><?xml version="1.0" encoding="utf-8"?>
 <p:sld xmlns:a="http://schemas.openxmlformats.org/drawingml/2006/main" xmlns:r="http://schemas.openxmlformats.org/officeDocument/2006/relationships" xmlns:p="http://schemas.openxmlformats.org/presentationml/2006/main">
   <p:cSld>
     <p:spTree>
@@ -7775,102 +8491,6 @@
     <p:extLst>
       <p:ext uri="{BB962C8B-B14F-4D97-AF65-F5344CB8AC3E}">
         <p14:creationId xmlns:p14="http://schemas.microsoft.com/office/powerpoint/2010/main" val="1571852807"/>
-      </p:ext>
-    </p:extLst>
-  </p:cSld>
-  <p:clrMapOvr>
-    <a:masterClrMapping/>
-  </p:clrMapOvr>
-</p:sld>
-</file>
-
-<file path=ppt/slides/slide26.xml><?xml version="1.0" encoding="utf-8"?>
-<p:sld xmlns:a="http://schemas.openxmlformats.org/drawingml/2006/main" xmlns:r="http://schemas.openxmlformats.org/officeDocument/2006/relationships" xmlns:p="http://schemas.openxmlformats.org/presentationml/2006/main">
-  <p:cSld>
-    <p:spTree>
-      <p:nvGrpSpPr>
-        <p:cNvPr id="1" name=""/>
-        <p:cNvGrpSpPr/>
-        <p:nvPr/>
-      </p:nvGrpSpPr>
-      <p:grpSpPr>
-        <a:xfrm>
-          <a:off x="0" y="0"/>
-          <a:ext cx="0" cy="0"/>
-          <a:chOff x="0" y="0"/>
-          <a:chExt cx="0" cy="0"/>
-        </a:xfrm>
-      </p:grpSpPr>
-      <p:sp>
-        <p:nvSpPr>
-          <p:cNvPr id="2" name="Title 1"/>
-          <p:cNvSpPr>
-            <a:spLocks noGrp="1"/>
-          </p:cNvSpPr>
-          <p:nvPr>
-            <p:ph type="title"/>
-          </p:nvPr>
-        </p:nvSpPr>
-        <p:spPr/>
-        <p:txBody>
-          <a:bodyPr/>
-          <a:lstStyle/>
-          <a:p>
-            <a:r>
-              <a:rPr lang="en-US" dirty="0"/>
-              <a:t>References</a:t>
-            </a:r>
-          </a:p>
-        </p:txBody>
-      </p:sp>
-      <p:sp>
-        <p:nvSpPr>
-          <p:cNvPr id="3" name="Content Placeholder 2"/>
-          <p:cNvSpPr>
-            <a:spLocks noGrp="1"/>
-          </p:cNvSpPr>
-          <p:nvPr>
-            <p:ph idx="1"/>
-          </p:nvPr>
-        </p:nvSpPr>
-        <p:spPr/>
-        <p:txBody>
-          <a:bodyPr/>
-          <a:lstStyle/>
-          <a:p>
-            <a:r>
-              <a:rPr lang="en-US" dirty="0"/>
-              <a:t>Column Level Encryption</a:t>
-            </a:r>
-          </a:p>
-          <a:p>
-            <a:pPr lvl="1"/>
-            <a:r>
-              <a:rPr lang="en-US" dirty="0" err="1"/>
-              <a:t>DecryptbyKey</a:t>
-            </a:r>
-            <a:r>
-              <a:rPr lang="en-US" dirty="0"/>
-              <a:t> - </a:t>
-            </a:r>
-            <a:r>
-              <a:rPr lang="en-US" dirty="0">
-                <a:hlinkClick r:id="rId2"/>
-              </a:rPr>
-              <a:t>https://msdn.microsoft.com/en-us/library/ms181860.aspx</a:t>
-            </a:r>
-            <a:endParaRPr lang="en-US" dirty="0"/>
-          </a:p>
-          <a:p>
-            <a:pPr lvl="1"/>
-            <a:endParaRPr lang="en-US" dirty="0"/>
-          </a:p>
-        </p:txBody>
-      </p:sp>
-    </p:spTree>
-    <p:extLst>
-      <p:ext uri="{BB962C8B-B14F-4D97-AF65-F5344CB8AC3E}">
-        <p14:creationId xmlns:p14="http://schemas.microsoft.com/office/powerpoint/2010/main" val="3838036042"/>
       </p:ext>
     </p:extLst>
   </p:cSld>
@@ -8733,6 +9353,182 @@
 </p:sld>
 </file>
 
+<file path=ppt/slides/slide30.xml><?xml version="1.0" encoding="utf-8"?>
+<p:sld xmlns:a="http://schemas.openxmlformats.org/drawingml/2006/main" xmlns:r="http://schemas.openxmlformats.org/officeDocument/2006/relationships" xmlns:p="http://schemas.openxmlformats.org/presentationml/2006/main">
+  <p:cSld>
+    <p:spTree>
+      <p:nvGrpSpPr>
+        <p:cNvPr id="1" name=""/>
+        <p:cNvGrpSpPr/>
+        <p:nvPr/>
+      </p:nvGrpSpPr>
+      <p:grpSpPr>
+        <a:xfrm>
+          <a:off x="0" y="0"/>
+          <a:ext cx="0" cy="0"/>
+          <a:chOff x="0" y="0"/>
+          <a:chExt cx="0" cy="0"/>
+        </a:xfrm>
+      </p:grpSpPr>
+      <p:sp>
+        <p:nvSpPr>
+          <p:cNvPr id="2" name="Title 1"/>
+          <p:cNvSpPr>
+            <a:spLocks noGrp="1"/>
+          </p:cNvSpPr>
+          <p:nvPr>
+            <p:ph type="title"/>
+          </p:nvPr>
+        </p:nvSpPr>
+        <p:spPr/>
+        <p:txBody>
+          <a:bodyPr/>
+          <a:lstStyle/>
+          <a:p>
+            <a:r>
+              <a:rPr lang="en-US" dirty="0"/>
+              <a:t>References</a:t>
+            </a:r>
+          </a:p>
+        </p:txBody>
+      </p:sp>
+      <p:sp>
+        <p:nvSpPr>
+          <p:cNvPr id="3" name="Content Placeholder 2"/>
+          <p:cNvSpPr>
+            <a:spLocks noGrp="1"/>
+          </p:cNvSpPr>
+          <p:nvPr>
+            <p:ph idx="1"/>
+          </p:nvPr>
+        </p:nvSpPr>
+        <p:spPr/>
+        <p:txBody>
+          <a:bodyPr>
+            <a:normAutofit/>
+          </a:bodyPr>
+          <a:lstStyle/>
+          <a:p>
+            <a:r>
+              <a:rPr lang="en-US" dirty="0"/>
+              <a:t>Column Level Encryption</a:t>
+            </a:r>
+          </a:p>
+          <a:p>
+            <a:pPr lvl="1"/>
+            <a:r>
+              <a:rPr lang="en-US" dirty="0" err="1"/>
+              <a:t>DecryptbyKey</a:t>
+            </a:r>
+            <a:r>
+              <a:rPr lang="en-US" dirty="0"/>
+              <a:t> - </a:t>
+            </a:r>
+            <a:r>
+              <a:rPr lang="en-US" dirty="0">
+                <a:hlinkClick r:id="rId2"/>
+              </a:rPr>
+              <a:t>https://msdn.microsoft.com/en-us/library/ms181860.aspx</a:t>
+            </a:r>
+            <a:endParaRPr lang="en-US" dirty="0"/>
+          </a:p>
+          <a:p>
+            <a:r>
+              <a:rPr lang="en-US" dirty="0"/>
+              <a:t>Row Level Security</a:t>
+            </a:r>
+          </a:p>
+          <a:p>
+            <a:pPr lvl="1"/>
+            <a:r>
+              <a:rPr lang="en-US" dirty="0"/>
+              <a:t>MSDN - </a:t>
+            </a:r>
+            <a:r>
+              <a:rPr lang="en-US" dirty="0">
+                <a:hlinkClick r:id="rId3"/>
+              </a:rPr>
+              <a:t>https://msdn.microsoft.com/library/dn765131.aspx</a:t>
+            </a:r>
+            <a:endParaRPr lang="en-US" dirty="0"/>
+          </a:p>
+          <a:p>
+            <a:pPr lvl="1"/>
+            <a:r>
+              <a:rPr lang="en-US" dirty="0"/>
+              <a:t>Channel 9 - </a:t>
+            </a:r>
+            <a:r>
+              <a:rPr lang="en-US" dirty="0">
+                <a:hlinkClick r:id="rId4"/>
+              </a:rPr>
+              <a:t>https://channel9.msdn.com/Shows/Data-Exposed/SQL-Server-2016-Row-Level-Security</a:t>
+            </a:r>
+            <a:endParaRPr lang="en-US" dirty="0"/>
+          </a:p>
+          <a:p>
+            <a:r>
+              <a:rPr lang="en-US" dirty="0"/>
+              <a:t>Always Encrypted</a:t>
+            </a:r>
+          </a:p>
+          <a:p>
+            <a:pPr lvl="1"/>
+            <a:r>
+              <a:rPr lang="en-US"/>
+              <a:t>BOL - </a:t>
+            </a:r>
+            <a:r>
+              <a:rPr lang="en-US">
+                <a:hlinkClick r:id="rId5"/>
+              </a:rPr>
+              <a:t>https</a:t>
+            </a:r>
+            <a:r>
+              <a:rPr lang="en-US">
+                <a:hlinkClick r:id="rId5"/>
+              </a:rPr>
+              <a:t>://msdn.microsoft.com/en-us/library/mt163865.aspx</a:t>
+            </a:r>
+            <a:endParaRPr lang="en-US"/>
+          </a:p>
+          <a:p>
+            <a:pPr lvl="1"/>
+            <a:r>
+              <a:rPr lang="en-US" dirty="0"/>
+              <a:t>Channel 9 - </a:t>
+            </a:r>
+            <a:r>
+              <a:rPr lang="en-US" dirty="0">
+                <a:hlinkClick r:id="rId6"/>
+              </a:rPr>
+              <a:t>https://channel9.msdn.com/Shows/Data-Exposed/Getting-Started-with-Always-Encrypted-with-SSMS?ocid=relatedentry</a:t>
+            </a:r>
+            <a:endParaRPr lang="en-US" dirty="0"/>
+          </a:p>
+          <a:p>
+            <a:pPr lvl="1"/>
+            <a:endParaRPr lang="en-US" dirty="0"/>
+          </a:p>
+          <a:p>
+            <a:pPr lvl="1"/>
+            <a:endParaRPr lang="en-US" dirty="0"/>
+          </a:p>
+        </p:txBody>
+      </p:sp>
+    </p:spTree>
+    <p:extLst>
+      <p:ext uri="{BB962C8B-B14F-4D97-AF65-F5344CB8AC3E}">
+        <p14:creationId xmlns:p14="http://schemas.microsoft.com/office/powerpoint/2010/main" val="3838036042"/>
+      </p:ext>
+    </p:extLst>
+  </p:cSld>
+  <p:clrMapOvr>
+    <a:masterClrMapping/>
+  </p:clrMapOvr>
+</p:sld>
+</file>
+
 <file path=ppt/slides/slide4.xml><?xml version="1.0" encoding="utf-8"?>
 <p:sld xmlns:a="http://schemas.openxmlformats.org/drawingml/2006/main" xmlns:r="http://schemas.openxmlformats.org/officeDocument/2006/relationships" xmlns:p="http://schemas.openxmlformats.org/presentationml/2006/main">
   <p:cSld>
@@ -8930,9 +9726,9 @@
       </p:grpSpPr>
       <p:sp>
         <p:nvSpPr>
-          <p:cNvPr id="33794" name="Rectangle 3"/>
-          <p:cNvSpPr>
-            <a:spLocks noGrp="1" noChangeArrowheads="1"/>
+          <p:cNvPr id="2" name="Title 1"/>
+          <p:cNvSpPr>
+            <a:spLocks noGrp="1"/>
           </p:cNvSpPr>
           <p:nvPr>
             <p:ph type="title"/>
@@ -8940,84 +9736,289 @@
         </p:nvSpPr>
         <p:spPr/>
         <p:txBody>
-          <a:bodyPr vert="horz" lIns="91440" tIns="45720" rIns="81279" bIns="45720" rtlCol="0" anchor="ctr">
-            <a:normAutofit/>
+          <a:bodyPr/>
+          <a:lstStyle/>
+          <a:p>
+            <a:r>
+              <a:rPr lang="en-US" dirty="0"/>
+              <a:t>Encryption works with Functions and Keys</a:t>
+            </a:r>
+          </a:p>
+        </p:txBody>
+      </p:sp>
+      <p:sp>
+        <p:nvSpPr>
+          <p:cNvPr id="5" name="TextBox 4"/>
+          <p:cNvSpPr txBox="1"/>
+          <p:nvPr/>
+        </p:nvSpPr>
+        <p:spPr>
+          <a:xfrm>
+            <a:off x="582673" y="2292131"/>
+            <a:ext cx="2749428" cy="646331"/>
+          </a:xfrm>
+          <a:prstGeom prst="rect">
+            <a:avLst/>
+          </a:prstGeom>
+          <a:noFill/>
+          <a:ln w="15875">
+            <a:solidFill>
+              <a:schemeClr val="tx1"/>
+            </a:solidFill>
+          </a:ln>
+        </p:spPr>
+        <p:txBody>
+          <a:bodyPr wrap="square" rtlCol="0">
+            <a:spAutoFit/>
           </a:bodyPr>
           <a:lstStyle/>
           <a:p>
-            <a:pPr eaLnBrk="1" hangingPunct="1"/>
-            <a:r>
-              <a:rPr lang="en-US" altLang="en-US"/>
-              <a:t>Encryption Hierarchy</a:t>
+            <a:r>
+              <a:rPr lang="en-US" dirty="0"/>
+              <a:t>The quick brown fox jumped over the lazy dog.</a:t>
             </a:r>
           </a:p>
         </p:txBody>
       </p:sp>
       <p:pic>
         <p:nvPicPr>
-          <p:cNvPr id="33795" name="Picture 4"/>
+          <p:cNvPr id="6" name="Picture 5"/>
           <p:cNvPicPr>
-            <a:picLocks noChangeArrowheads="1"/>
+            <a:picLocks noChangeAspect="1"/>
           </p:cNvPicPr>
           <p:nvPr/>
         </p:nvPicPr>
         <p:blipFill>
-          <a:blip r:embed="rId2">
+          <a:blip r:embed="rId3">
             <a:extLst>
               <a:ext uri="{28A0092B-C50C-407E-A947-70E740481C1C}">
                 <a14:useLocalDpi xmlns:a14="http://schemas.microsoft.com/office/drawing/2010/main" val="0"/>
               </a:ext>
             </a:extLst>
           </a:blip>
-          <a:srcRect/>
           <a:stretch>
             <a:fillRect/>
           </a:stretch>
         </p:blipFill>
-        <p:spPr bwMode="auto">
+        <p:spPr>
           <a:xfrm>
-            <a:off x="3581401" y="1371600"/>
-            <a:ext cx="4652963" cy="4973638"/>
+            <a:off x="838199" y="5305425"/>
+            <a:ext cx="2238375" cy="704850"/>
+          </a:xfrm>
+          <a:prstGeom prst="rect">
+            <a:avLst/>
+          </a:prstGeom>
+        </p:spPr>
+      </p:pic>
+      <p:sp>
+        <p:nvSpPr>
+          <p:cNvPr id="7" name="TextBox 6"/>
+          <p:cNvSpPr txBox="1"/>
+          <p:nvPr/>
+        </p:nvSpPr>
+        <p:spPr>
+          <a:xfrm>
+            <a:off x="4152900" y="3539906"/>
+            <a:ext cx="2933700" cy="1339960"/>
+          </a:xfrm>
+          <a:prstGeom prst="rect">
+            <a:avLst/>
+          </a:prstGeom>
+          <a:solidFill>
+            <a:schemeClr val="tx2">
+              <a:lumMod val="20000"/>
+              <a:lumOff val="80000"/>
+            </a:schemeClr>
+          </a:solidFill>
+          <a:ln w="19050" cmpd="sng">
+            <a:solidFill>
+              <a:schemeClr val="tx1">
+                <a:alpha val="28000"/>
+              </a:schemeClr>
+            </a:solidFill>
+          </a:ln>
+          <a:effectLst>
+            <a:softEdge rad="31750"/>
+          </a:effectLst>
+        </p:spPr>
+        <p:txBody>
+          <a:bodyPr wrap="square" rtlCol="0" anchor="ctr" anchorCtr="0">
+            <a:noAutofit/>
+          </a:bodyPr>
+          <a:lstStyle/>
+          <a:p>
+            <a:pPr algn="ctr"/>
+            <a:r>
+              <a:rPr lang="en-US" sz="2400" b="1" dirty="0"/>
+              <a:t>Encryption Function</a:t>
+            </a:r>
+          </a:p>
+        </p:txBody>
+      </p:sp>
+      <p:sp>
+        <p:nvSpPr>
+          <p:cNvPr id="8" name="Right Arrow 7"/>
+          <p:cNvSpPr/>
+          <p:nvPr/>
+        </p:nvSpPr>
+        <p:spPr>
+          <a:xfrm rot="2450832">
+            <a:off x="3279714" y="3226515"/>
+            <a:ext cx="838200" cy="419100"/>
+          </a:xfrm>
+          <a:prstGeom prst="rightArrow">
+            <a:avLst/>
+          </a:prstGeom>
+        </p:spPr>
+        <p:style>
+          <a:lnRef idx="2">
+            <a:schemeClr val="accent1">
+              <a:shade val="50000"/>
+            </a:schemeClr>
+          </a:lnRef>
+          <a:fillRef idx="1">
+            <a:schemeClr val="accent1"/>
+          </a:fillRef>
+          <a:effectRef idx="0">
+            <a:schemeClr val="accent1"/>
+          </a:effectRef>
+          <a:fontRef idx="minor">
+            <a:schemeClr val="lt1"/>
+          </a:fontRef>
+        </p:style>
+        <p:txBody>
+          <a:bodyPr rtlCol="0" anchor="ctr"/>
+          <a:lstStyle/>
+          <a:p>
+            <a:pPr algn="ctr"/>
+            <a:endParaRPr lang="en-US"/>
+          </a:p>
+        </p:txBody>
+      </p:sp>
+      <p:sp>
+        <p:nvSpPr>
+          <p:cNvPr id="9" name="Right Arrow 8"/>
+          <p:cNvSpPr/>
+          <p:nvPr/>
+        </p:nvSpPr>
+        <p:spPr>
+          <a:xfrm rot="19742236">
+            <a:off x="3056307" y="4883703"/>
+            <a:ext cx="1069914" cy="400050"/>
+          </a:xfrm>
+          <a:prstGeom prst="rightArrow">
+            <a:avLst/>
+          </a:prstGeom>
+        </p:spPr>
+        <p:style>
+          <a:lnRef idx="2">
+            <a:schemeClr val="accent1">
+              <a:shade val="50000"/>
+            </a:schemeClr>
+          </a:lnRef>
+          <a:fillRef idx="1">
+            <a:schemeClr val="accent1"/>
+          </a:fillRef>
+          <a:effectRef idx="0">
+            <a:schemeClr val="accent1"/>
+          </a:effectRef>
+          <a:fontRef idx="minor">
+            <a:schemeClr val="lt1"/>
+          </a:fontRef>
+        </p:style>
+        <p:txBody>
+          <a:bodyPr rtlCol="0" anchor="ctr"/>
+          <a:lstStyle/>
+          <a:p>
+            <a:pPr algn="ctr"/>
+            <a:endParaRPr lang="en-US"/>
+          </a:p>
+        </p:txBody>
+      </p:sp>
+      <p:sp>
+        <p:nvSpPr>
+          <p:cNvPr id="10" name="Right Arrow 9"/>
+          <p:cNvSpPr/>
+          <p:nvPr/>
+        </p:nvSpPr>
+        <p:spPr>
+          <a:xfrm>
+            <a:off x="7204197" y="3972531"/>
+            <a:ext cx="1200150" cy="474709"/>
+          </a:xfrm>
+          <a:prstGeom prst="rightArrow">
+            <a:avLst/>
+          </a:prstGeom>
+        </p:spPr>
+        <p:style>
+          <a:lnRef idx="2">
+            <a:schemeClr val="accent1">
+              <a:shade val="50000"/>
+            </a:schemeClr>
+          </a:lnRef>
+          <a:fillRef idx="1">
+            <a:schemeClr val="accent1"/>
+          </a:fillRef>
+          <a:effectRef idx="0">
+            <a:schemeClr val="accent1"/>
+          </a:effectRef>
+          <a:fontRef idx="minor">
+            <a:schemeClr val="lt1"/>
+          </a:fontRef>
+        </p:style>
+        <p:txBody>
+          <a:bodyPr rtlCol="0" anchor="ctr"/>
+          <a:lstStyle/>
+          <a:p>
+            <a:pPr algn="ctr"/>
+            <a:endParaRPr lang="en-US"/>
+          </a:p>
+        </p:txBody>
+      </p:sp>
+      <p:sp>
+        <p:nvSpPr>
+          <p:cNvPr id="11" name="TextBox 10"/>
+          <p:cNvSpPr txBox="1"/>
+          <p:nvPr/>
+        </p:nvSpPr>
+        <p:spPr>
+          <a:xfrm>
+            <a:off x="8655294" y="3072527"/>
+            <a:ext cx="3067050" cy="2585323"/>
           </a:xfrm>
           <a:prstGeom prst="rect">
             <a:avLst/>
           </a:prstGeom>
           <a:noFill/>
           <a:ln>
-            <a:noFill/>
+            <a:solidFill>
+              <a:schemeClr val="tx1"/>
+            </a:solidFill>
           </a:ln>
-          <a:extLst>
-            <a:ext uri="{909E8E84-426E-40DD-AFC4-6F175D3DCCD1}">
-              <a14:hiddenFill xmlns:a14="http://schemas.microsoft.com/office/drawing/2010/main">
-                <a:solidFill>
-                  <a:srgbClr val="FFFFFF"/>
-                </a:solidFill>
-              </a14:hiddenFill>
-            </a:ext>
-            <a:ext uri="{91240B29-F687-4F45-9708-019B960494DF}">
-              <a14:hiddenLine xmlns:a14="http://schemas.microsoft.com/office/drawing/2010/main" w="9525">
-                <a:solidFill>
-                  <a:srgbClr val="000000"/>
-                </a:solidFill>
-                <a:miter lim="800000"/>
-                <a:headEnd/>
-                <a:tailEnd/>
-              </a14:hiddenLine>
-            </a:ext>
-          </a:extLst>
         </p:spPr>
-      </p:pic>
+        <p:txBody>
+          <a:bodyPr wrap="square" rtlCol="0">
+            <a:spAutoFit/>
+          </a:bodyPr>
+          <a:lstStyle/>
+          <a:p>
+            <a:r>
+              <a:rPr lang="en-US" dirty="0"/>
+              <a:t>0x00059E2EC7419F590E79D7F1B774BFE601000000DB80B8AC1B295E367FEAC63C4BD7B8F8FACD0151B57DF97FF2BBA1ED9626B0316043C62387BB8E5D4A17B33C48A554F2A9B28626BB250A153FEEF2BFEBCF92ECF6C421D47C84BF93074E54EF85C85B1C</a:t>
+            </a:r>
+          </a:p>
+        </p:txBody>
+      </p:sp>
     </p:spTree>
     <p:extLst>
       <p:ext uri="{BB962C8B-B14F-4D97-AF65-F5344CB8AC3E}">
-        <p14:creationId xmlns:p14="http://schemas.microsoft.com/office/powerpoint/2010/main" val="3105430672"/>
+        <p14:creationId xmlns:p14="http://schemas.microsoft.com/office/powerpoint/2010/main" val="3465426964"/>
       </p:ext>
     </p:extLst>
   </p:cSld>
   <p:clrMapOvr>
     <a:masterClrMapping/>
   </p:clrMapOvr>
-  <p:transition/>
 </p:sld>
 </file>
 
@@ -9038,118 +10039,39 @@
           <a:chExt cx="0" cy="0"/>
         </a:xfrm>
       </p:grpSpPr>
-      <p:sp>
-        <p:nvSpPr>
-          <p:cNvPr id="2" name="Title 1"/>
-          <p:cNvSpPr>
-            <a:spLocks noGrp="1"/>
-          </p:cNvSpPr>
-          <p:nvPr>
-            <p:ph type="title"/>
-          </p:nvPr>
-        </p:nvSpPr>
-        <p:spPr/>
-        <p:txBody>
-          <a:bodyPr/>
-          <a:lstStyle/>
-          <a:p>
-            <a:r>
-              <a:rPr lang="en-US" dirty="0"/>
-              <a:t>Transparent Data Encryption </a:t>
-            </a:r>
-          </a:p>
-        </p:txBody>
-      </p:sp>
-      <p:sp>
-        <p:nvSpPr>
-          <p:cNvPr id="3" name="Content Placeholder 2"/>
-          <p:cNvSpPr>
-            <a:spLocks noGrp="1"/>
-          </p:cNvSpPr>
+      <p:pic>
+        <p:nvPicPr>
+          <p:cNvPr id="4" name="Content Placeholder 3"/>
+          <p:cNvPicPr>
+            <a:picLocks noGrp="1" noChangeAspect="1"/>
+          </p:cNvPicPr>
           <p:nvPr>
             <p:ph idx="1"/>
           </p:nvPr>
-        </p:nvSpPr>
-        <p:spPr/>
-        <p:txBody>
-          <a:bodyPr/>
-          <a:lstStyle/>
-          <a:p>
-            <a:r>
-              <a:rPr lang="en-US" dirty="0"/>
-              <a:t>Protects data at rest</a:t>
-            </a:r>
-          </a:p>
-          <a:p>
-            <a:r>
-              <a:rPr lang="en-US" dirty="0"/>
-              <a:t>Encrypts data and log files (</a:t>
-            </a:r>
-            <a:r>
-              <a:rPr lang="en-US" dirty="0" err="1"/>
-              <a:t>mdf</a:t>
-            </a:r>
-            <a:r>
-              <a:rPr lang="en-US" dirty="0"/>
-              <a:t>, </a:t>
-            </a:r>
-            <a:r>
-              <a:rPr lang="en-US" dirty="0" err="1"/>
-              <a:t>ndf</a:t>
-            </a:r>
-            <a:r>
-              <a:rPr lang="en-US" dirty="0"/>
-              <a:t>, </a:t>
-            </a:r>
-            <a:r>
-              <a:rPr lang="en-US" dirty="0" err="1"/>
-              <a:t>ldf</a:t>
-            </a:r>
-            <a:r>
-              <a:rPr lang="en-US" dirty="0"/>
-              <a:t>)</a:t>
-            </a:r>
-          </a:p>
-          <a:p>
-            <a:r>
-              <a:rPr lang="en-US" dirty="0"/>
-              <a:t>SQL Server 2008+ and Azure</a:t>
-            </a:r>
-          </a:p>
-          <a:p>
-            <a:r>
-              <a:rPr lang="en-US" dirty="0"/>
-              <a:t>Backup files encrypted </a:t>
-            </a:r>
-          </a:p>
-          <a:p>
-            <a:r>
-              <a:rPr lang="en-US" dirty="0" err="1"/>
-              <a:t>Tempdb</a:t>
-            </a:r>
-            <a:r>
-              <a:rPr lang="en-US" dirty="0"/>
-              <a:t> encrypted</a:t>
-            </a:r>
-          </a:p>
-          <a:p>
-            <a:r>
-              <a:rPr lang="en-US" dirty="0"/>
-              <a:t>Many auditors will want this</a:t>
-            </a:r>
-          </a:p>
-          <a:p>
-            <a:r>
-              <a:rPr lang="en-US" dirty="0"/>
-              <a:t>Enterprise Edition only. </a:t>
-            </a:r>
-          </a:p>
-        </p:txBody>
-      </p:sp>
+        </p:nvPicPr>
+        <p:blipFill>
+          <a:blip r:embed="rId3" cstate="print">
+            <a:extLst>
+              <a:ext uri="{28A0092B-C50C-407E-A947-70E740481C1C}">
+                <a14:useLocalDpi xmlns:a14="http://schemas.microsoft.com/office/drawing/2010/main" val="0"/>
+              </a:ext>
+            </a:extLst>
+          </a:blip>
+          <a:stretch>
+            <a:fillRect/>
+          </a:stretch>
+        </p:blipFill>
+        <p:spPr>
+          <a:xfrm>
+            <a:off x="2228144" y="1253331"/>
+            <a:ext cx="7735712" cy="4351338"/>
+          </a:xfrm>
+        </p:spPr>
+      </p:pic>
     </p:spTree>
     <p:extLst>
       <p:ext uri="{BB962C8B-B14F-4D97-AF65-F5344CB8AC3E}">
-        <p14:creationId xmlns:p14="http://schemas.microsoft.com/office/powerpoint/2010/main" val="3848089310"/>
+        <p14:creationId xmlns:p14="http://schemas.microsoft.com/office/powerpoint/2010/main" val="671254948"/>
       </p:ext>
     </p:extLst>
   </p:cSld>
@@ -9176,54 +10098,39 @@
           <a:chExt cx="0" cy="0"/>
         </a:xfrm>
       </p:grpSpPr>
-      <p:sp>
-        <p:nvSpPr>
-          <p:cNvPr id="4" name="Title 3"/>
-          <p:cNvSpPr>
-            <a:spLocks noGrp="1"/>
-          </p:cNvSpPr>
-          <p:nvPr>
-            <p:ph type="title"/>
-          </p:nvPr>
-        </p:nvSpPr>
-        <p:spPr/>
-        <p:txBody>
-          <a:bodyPr/>
-          <a:lstStyle/>
-          <a:p>
-            <a:r>
-              <a:rPr lang="en-US" dirty="0"/>
-              <a:t>Demo</a:t>
-            </a:r>
-          </a:p>
-        </p:txBody>
-      </p:sp>
-      <p:sp>
-        <p:nvSpPr>
-          <p:cNvPr id="5" name="Text Placeholder 4"/>
-          <p:cNvSpPr>
-            <a:spLocks noGrp="1"/>
-          </p:cNvSpPr>
-          <p:nvPr>
-            <p:ph type="body" idx="1"/>
-          </p:nvPr>
-        </p:nvSpPr>
-        <p:spPr/>
-        <p:txBody>
-          <a:bodyPr/>
-          <a:lstStyle/>
-          <a:p>
-            <a:r>
-              <a:rPr lang="en-US" dirty="0"/>
-              <a:t>Transparent Data Encryption  </a:t>
-            </a:r>
-          </a:p>
-        </p:txBody>
-      </p:sp>
+      <p:pic>
+        <p:nvPicPr>
+          <p:cNvPr id="4" name="Content Placeholder 3"/>
+          <p:cNvPicPr>
+            <a:picLocks noGrp="1" noChangeAspect="1"/>
+          </p:cNvPicPr>
+          <p:nvPr>
+            <p:ph idx="1"/>
+          </p:nvPr>
+        </p:nvPicPr>
+        <p:blipFill>
+          <a:blip r:embed="rId3">
+            <a:extLst>
+              <a:ext uri="{28A0092B-C50C-407E-A947-70E740481C1C}">
+                <a14:useLocalDpi xmlns:a14="http://schemas.microsoft.com/office/drawing/2010/main" val="0"/>
+              </a:ext>
+            </a:extLst>
+          </a:blip>
+          <a:stretch>
+            <a:fillRect/>
+          </a:stretch>
+        </p:blipFill>
+        <p:spPr>
+          <a:xfrm>
+            <a:off x="2769394" y="969096"/>
+            <a:ext cx="6653213" cy="4919809"/>
+          </a:xfrm>
+        </p:spPr>
+      </p:pic>
     </p:spTree>
     <p:extLst>
       <p:ext uri="{BB962C8B-B14F-4D97-AF65-F5344CB8AC3E}">
-        <p14:creationId xmlns:p14="http://schemas.microsoft.com/office/powerpoint/2010/main" val="4286616125"/>
+        <p14:creationId xmlns:p14="http://schemas.microsoft.com/office/powerpoint/2010/main" val="846433682"/>
       </p:ext>
     </p:extLst>
   </p:cSld>
@@ -9250,97 +10157,416 @@
           <a:chExt cx="0" cy="0"/>
         </a:xfrm>
       </p:grpSpPr>
-      <p:sp>
-        <p:nvSpPr>
-          <p:cNvPr id="2" name="Title 1"/>
-          <p:cNvSpPr>
-            <a:spLocks noGrp="1"/>
-          </p:cNvSpPr>
-          <p:nvPr>
-            <p:ph type="title"/>
-          </p:nvPr>
-        </p:nvSpPr>
-        <p:spPr/>
-        <p:txBody>
-          <a:bodyPr/>
+      <p:pic>
+        <p:nvPicPr>
+          <p:cNvPr id="4" name="Picture 3"/>
+          <p:cNvPicPr>
+            <a:picLocks noChangeAspect="1"/>
+          </p:cNvPicPr>
+          <p:nvPr/>
+        </p:nvPicPr>
+        <p:blipFill>
+          <a:blip r:embed="rId2">
+            <a:extLst>
+              <a:ext uri="{28A0092B-C50C-407E-A947-70E740481C1C}">
+                <a14:useLocalDpi xmlns:a14="http://schemas.microsoft.com/office/drawing/2010/main" val="0"/>
+              </a:ext>
+            </a:extLst>
+          </a:blip>
+          <a:stretch>
+            <a:fillRect/>
+          </a:stretch>
+        </p:blipFill>
+        <p:spPr>
+          <a:xfrm>
+            <a:off x="2231732" y="2835191"/>
+            <a:ext cx="1717968" cy="1269327"/>
+          </a:xfrm>
+          <a:prstGeom prst="rect">
+            <a:avLst/>
+          </a:prstGeom>
+        </p:spPr>
+      </p:pic>
+      <p:pic>
+        <p:nvPicPr>
+          <p:cNvPr id="5" name="Picture 4"/>
+          <p:cNvPicPr>
+            <a:picLocks noChangeAspect="1"/>
+          </p:cNvPicPr>
+          <p:nvPr/>
+        </p:nvPicPr>
+        <p:blipFill>
+          <a:blip r:embed="rId3">
+            <a:extLst>
+              <a:ext uri="{28A0092B-C50C-407E-A947-70E740481C1C}">
+                <a14:useLocalDpi xmlns:a14="http://schemas.microsoft.com/office/drawing/2010/main" val="0"/>
+              </a:ext>
+            </a:extLst>
+          </a:blip>
+          <a:stretch>
+            <a:fillRect/>
+          </a:stretch>
+        </p:blipFill>
+        <p:spPr>
+          <a:xfrm>
+            <a:off x="1720200" y="591671"/>
+            <a:ext cx="2680116" cy="1507565"/>
+          </a:xfrm>
+          <a:prstGeom prst="rect">
+            <a:avLst/>
+          </a:prstGeom>
+        </p:spPr>
+      </p:pic>
+      <p:pic>
+        <p:nvPicPr>
+          <p:cNvPr id="6" name="Picture 5"/>
+          <p:cNvPicPr>
+            <a:picLocks noChangeAspect="1"/>
+          </p:cNvPicPr>
+          <p:nvPr/>
+        </p:nvPicPr>
+        <p:blipFill>
+          <a:blip r:embed="rId4">
+            <a:extLst>
+              <a:ext uri="{28A0092B-C50C-407E-A947-70E740481C1C}">
+                <a14:useLocalDpi xmlns:a14="http://schemas.microsoft.com/office/drawing/2010/main" val="0"/>
+              </a:ext>
+            </a:extLst>
+          </a:blip>
+          <a:stretch>
+            <a:fillRect/>
+          </a:stretch>
+        </p:blipFill>
+        <p:spPr>
+          <a:xfrm>
+            <a:off x="8020050" y="694018"/>
+            <a:ext cx="1073150" cy="1073150"/>
+          </a:xfrm>
+          <a:prstGeom prst="rect">
+            <a:avLst/>
+          </a:prstGeom>
+        </p:spPr>
+      </p:pic>
+      <p:sp>
+        <p:nvSpPr>
+          <p:cNvPr id="7" name="TextBox 6"/>
+          <p:cNvSpPr txBox="1"/>
+          <p:nvPr/>
+        </p:nvSpPr>
+        <p:spPr>
+          <a:xfrm>
+            <a:off x="7327900" y="1779216"/>
+            <a:ext cx="2705100" cy="523220"/>
+          </a:xfrm>
+          <a:prstGeom prst="rect">
+            <a:avLst/>
+          </a:prstGeom>
+          <a:noFill/>
+        </p:spPr>
+        <p:txBody>
+          <a:bodyPr wrap="square" rtlCol="0">
+            <a:spAutoFit/>
+          </a:bodyPr>
+          <a:lstStyle/>
+          <a:p>
+            <a:r>
+              <a:rPr lang="en-US" sz="2800" b="1" dirty="0"/>
+              <a:t>X.509 Certificate</a:t>
+            </a:r>
+          </a:p>
+        </p:txBody>
+      </p:sp>
+      <p:pic>
+        <p:nvPicPr>
+          <p:cNvPr id="9" name="Picture 8"/>
+          <p:cNvPicPr>
+            <a:picLocks noChangeAspect="1"/>
+          </p:cNvPicPr>
+          <p:nvPr/>
+        </p:nvPicPr>
+        <p:blipFill>
+          <a:blip r:embed="rId5">
+            <a:extLst>
+              <a:ext uri="{28A0092B-C50C-407E-A947-70E740481C1C}">
+                <a14:useLocalDpi xmlns:a14="http://schemas.microsoft.com/office/drawing/2010/main" val="0"/>
+              </a:ext>
+            </a:extLst>
+          </a:blip>
+          <a:stretch>
+            <a:fillRect/>
+          </a:stretch>
+        </p:blipFill>
+        <p:spPr>
+          <a:xfrm>
+            <a:off x="7437437" y="2947725"/>
+            <a:ext cx="2238375" cy="657225"/>
+          </a:xfrm>
+          <a:prstGeom prst="rect">
+            <a:avLst/>
+          </a:prstGeom>
+        </p:spPr>
+      </p:pic>
+      <p:sp>
+        <p:nvSpPr>
+          <p:cNvPr id="10" name="Down Arrow 9"/>
+          <p:cNvSpPr/>
+          <p:nvPr/>
+        </p:nvSpPr>
+        <p:spPr>
+          <a:xfrm>
+            <a:off x="8381999" y="2302436"/>
+            <a:ext cx="419100" cy="667404"/>
+          </a:xfrm>
+          <a:prstGeom prst="downArrow">
+            <a:avLst/>
+          </a:prstGeom>
+          <a:solidFill>
+            <a:schemeClr val="tx1"/>
+          </a:solidFill>
+        </p:spPr>
+        <p:style>
+          <a:lnRef idx="2">
+            <a:schemeClr val="accent1">
+              <a:shade val="50000"/>
+            </a:schemeClr>
+          </a:lnRef>
+          <a:fillRef idx="1">
+            <a:schemeClr val="accent1"/>
+          </a:fillRef>
+          <a:effectRef idx="0">
+            <a:schemeClr val="accent1"/>
+          </a:effectRef>
+          <a:fontRef idx="minor">
+            <a:schemeClr val="lt1"/>
+          </a:fontRef>
+        </p:style>
+        <p:txBody>
+          <a:bodyPr rtlCol="0" anchor="ctr"/>
+          <a:lstStyle/>
+          <a:p>
+            <a:pPr algn="ctr"/>
+            <a:endParaRPr lang="en-US"/>
+          </a:p>
+        </p:txBody>
+      </p:sp>
+      <p:sp>
+        <p:nvSpPr>
+          <p:cNvPr id="11" name="Down Arrow 10"/>
+          <p:cNvSpPr/>
+          <p:nvPr/>
+        </p:nvSpPr>
+        <p:spPr>
+          <a:xfrm>
+            <a:off x="2886224" y="2193187"/>
+            <a:ext cx="352276" cy="511913"/>
+          </a:xfrm>
+          <a:prstGeom prst="downArrow">
+            <a:avLst/>
+          </a:prstGeom>
+          <a:solidFill>
+            <a:schemeClr val="tx1"/>
+          </a:solidFill>
+        </p:spPr>
+        <p:style>
+          <a:lnRef idx="2">
+            <a:schemeClr val="accent1">
+              <a:shade val="50000"/>
+            </a:schemeClr>
+          </a:lnRef>
+          <a:fillRef idx="1">
+            <a:schemeClr val="accent1"/>
+          </a:fillRef>
+          <a:effectRef idx="0">
+            <a:schemeClr val="accent1"/>
+          </a:effectRef>
+          <a:fontRef idx="minor">
+            <a:schemeClr val="lt1"/>
+          </a:fontRef>
+        </p:style>
+        <p:txBody>
+          <a:bodyPr rtlCol="0" anchor="ctr"/>
+          <a:lstStyle/>
+          <a:p>
+            <a:pPr algn="ctr"/>
+            <a:endParaRPr lang="en-US"/>
+          </a:p>
+        </p:txBody>
+      </p:sp>
+      <p:sp>
+        <p:nvSpPr>
+          <p:cNvPr id="12" name="TextBox 11"/>
+          <p:cNvSpPr txBox="1"/>
+          <p:nvPr/>
+        </p:nvSpPr>
+        <p:spPr>
+          <a:xfrm>
+            <a:off x="7437437" y="3727019"/>
+            <a:ext cx="3435351" cy="523220"/>
+          </a:xfrm>
+          <a:prstGeom prst="rect">
+            <a:avLst/>
+          </a:prstGeom>
+          <a:noFill/>
+        </p:spPr>
+        <p:txBody>
+          <a:bodyPr wrap="square" rtlCol="0">
+            <a:spAutoFit/>
+          </a:bodyPr>
+          <a:lstStyle/>
+          <a:p>
+            <a:r>
+              <a:rPr lang="en-US" sz="2800" b="1" dirty="0"/>
+              <a:t>Symmetric Key</a:t>
+            </a:r>
+          </a:p>
+        </p:txBody>
+      </p:sp>
+      <p:pic>
+        <p:nvPicPr>
+          <p:cNvPr id="2" name="Picture 1"/>
+          <p:cNvPicPr>
+            <a:picLocks noChangeAspect="1"/>
+          </p:cNvPicPr>
+          <p:nvPr/>
+        </p:nvPicPr>
+        <p:blipFill>
+          <a:blip r:embed="rId6" cstate="print">
+            <a:extLst>
+              <a:ext uri="{28A0092B-C50C-407E-A947-70E740481C1C}">
+                <a14:useLocalDpi xmlns:a14="http://schemas.microsoft.com/office/drawing/2010/main" val="0"/>
+              </a:ext>
+            </a:extLst>
+          </a:blip>
+          <a:stretch>
+            <a:fillRect/>
+          </a:stretch>
+        </p:blipFill>
+        <p:spPr>
+          <a:xfrm>
+            <a:off x="1858816" y="4930990"/>
+            <a:ext cx="2463800" cy="1386298"/>
+          </a:xfrm>
+          <a:prstGeom prst="rect">
+            <a:avLst/>
+          </a:prstGeom>
+        </p:spPr>
+      </p:pic>
+      <p:sp>
+        <p:nvSpPr>
+          <p:cNvPr id="13" name="Down Arrow 12"/>
+          <p:cNvSpPr/>
+          <p:nvPr/>
+        </p:nvSpPr>
+        <p:spPr>
+          <a:xfrm>
+            <a:off x="2911624" y="4250587"/>
+            <a:ext cx="352276" cy="511913"/>
+          </a:xfrm>
+          <a:prstGeom prst="downArrow">
+            <a:avLst/>
+          </a:prstGeom>
+          <a:solidFill>
+            <a:schemeClr val="tx1"/>
+          </a:solidFill>
+        </p:spPr>
+        <p:style>
+          <a:lnRef idx="2">
+            <a:schemeClr val="accent1">
+              <a:shade val="50000"/>
+            </a:schemeClr>
+          </a:lnRef>
+          <a:fillRef idx="1">
+            <a:schemeClr val="accent1"/>
+          </a:fillRef>
+          <a:effectRef idx="0">
+            <a:schemeClr val="accent1"/>
+          </a:effectRef>
+          <a:fontRef idx="minor">
+            <a:schemeClr val="lt1"/>
+          </a:fontRef>
+        </p:style>
+        <p:txBody>
+          <a:bodyPr rtlCol="0" anchor="ctr"/>
+          <a:lstStyle/>
+          <a:p>
+            <a:pPr algn="ctr"/>
+            <a:endParaRPr lang="en-US"/>
+          </a:p>
+        </p:txBody>
+      </p:sp>
+      <p:sp>
+        <p:nvSpPr>
+          <p:cNvPr id="14" name="Down Arrow 13"/>
+          <p:cNvSpPr/>
+          <p:nvPr/>
+        </p:nvSpPr>
+        <p:spPr>
+          <a:xfrm>
+            <a:off x="8381999" y="4274391"/>
+            <a:ext cx="419100" cy="667404"/>
+          </a:xfrm>
+          <a:prstGeom prst="downArrow">
+            <a:avLst/>
+          </a:prstGeom>
+          <a:solidFill>
+            <a:schemeClr val="tx1"/>
+          </a:solidFill>
+        </p:spPr>
+        <p:style>
+          <a:lnRef idx="2">
+            <a:schemeClr val="accent1">
+              <a:shade val="50000"/>
+            </a:schemeClr>
+          </a:lnRef>
+          <a:fillRef idx="1">
+            <a:schemeClr val="accent1"/>
+          </a:fillRef>
+          <a:effectRef idx="0">
+            <a:schemeClr val="accent1"/>
+          </a:effectRef>
+          <a:fontRef idx="minor">
+            <a:schemeClr val="lt1"/>
+          </a:fontRef>
+        </p:style>
+        <p:txBody>
+          <a:bodyPr rtlCol="0" anchor="ctr"/>
+          <a:lstStyle/>
+          <a:p>
+            <a:pPr algn="ctr"/>
+            <a:endParaRPr lang="en-US"/>
+          </a:p>
+        </p:txBody>
+      </p:sp>
+      <p:sp>
+        <p:nvSpPr>
+          <p:cNvPr id="15" name="TextBox 14"/>
+          <p:cNvSpPr txBox="1"/>
+          <p:nvPr/>
+        </p:nvSpPr>
+        <p:spPr>
+          <a:xfrm>
+            <a:off x="7283572" y="5351656"/>
+            <a:ext cx="2749428" cy="646331"/>
+          </a:xfrm>
+          <a:prstGeom prst="rect">
+            <a:avLst/>
+          </a:prstGeom>
+          <a:noFill/>
+          <a:ln w="15875">
+            <a:solidFill>
+              <a:schemeClr val="tx1"/>
+            </a:solidFill>
+          </a:ln>
+        </p:spPr>
+        <p:txBody>
+          <a:bodyPr wrap="square" rtlCol="0">
+            <a:spAutoFit/>
+          </a:bodyPr>
           <a:lstStyle/>
           <a:p>
             <a:r>
               <a:rPr lang="en-US" dirty="0"/>
-              <a:t>Transparent Data Encryption Limitations</a:t>
-            </a:r>
-          </a:p>
-        </p:txBody>
-      </p:sp>
-      <p:sp>
-        <p:nvSpPr>
-          <p:cNvPr id="3" name="Content Placeholder 2"/>
-          <p:cNvSpPr>
-            <a:spLocks noGrp="1"/>
-          </p:cNvSpPr>
-          <p:nvPr>
-            <p:ph idx="1"/>
-          </p:nvPr>
-        </p:nvSpPr>
-        <p:spPr/>
-        <p:txBody>
-          <a:bodyPr/>
-          <a:lstStyle/>
-          <a:p>
-            <a:pPr marL="325438">
-              <a:buFont typeface="Wingdings" panose="05000000000000000000" pitchFamily="2" charset="2"/>
-              <a:buChar char="§"/>
-            </a:pPr>
-            <a:r>
-              <a:rPr lang="en-US" altLang="en-US" dirty="0"/>
-              <a:t>Replication data is not encrypted</a:t>
-            </a:r>
-          </a:p>
-          <a:p>
-            <a:pPr marL="325438">
-              <a:buFont typeface="Wingdings" panose="05000000000000000000" pitchFamily="2" charset="2"/>
-              <a:buChar char="§"/>
-            </a:pPr>
-            <a:r>
-              <a:rPr lang="en-US" altLang="en-US" dirty="0" err="1"/>
-              <a:t>Filestream</a:t>
-            </a:r>
-            <a:r>
-              <a:rPr lang="en-US" altLang="en-US" dirty="0"/>
-              <a:t> data is not encrypted</a:t>
-            </a:r>
-          </a:p>
-          <a:p>
-            <a:pPr marL="325438">
-              <a:buFont typeface="Wingdings" panose="05000000000000000000" pitchFamily="2" charset="2"/>
-              <a:buChar char="§"/>
-            </a:pPr>
-            <a:r>
-              <a:rPr lang="en-US" altLang="en-US" dirty="0"/>
-              <a:t>BPE files are not encrypted</a:t>
-            </a:r>
-          </a:p>
-          <a:p>
-            <a:pPr marL="325438">
-              <a:buFont typeface="Wingdings" panose="05000000000000000000" pitchFamily="2" charset="2"/>
-              <a:buChar char="§"/>
-            </a:pPr>
-            <a:r>
-              <a:rPr lang="en-US" altLang="en-US" dirty="0">
-                <a:hlinkClick r:id="rId2"/>
-              </a:rPr>
-              <a:t>More</a:t>
-            </a:r>
-            <a:endParaRPr lang="en-US" altLang="en-US" dirty="0"/>
-          </a:p>
-          <a:p>
-            <a:pPr marL="325438">
-              <a:buFont typeface="Wingdings" panose="05000000000000000000" pitchFamily="2" charset="2"/>
-              <a:buChar char="§"/>
-            </a:pPr>
-            <a:r>
-              <a:rPr lang="en-US" altLang="en-US" dirty="0"/>
-              <a:t>Overhead</a:t>
+              <a:t>The quick brown fox jumped over the lazy dog.</a:t>
             </a:r>
           </a:p>
         </p:txBody>
@@ -9348,7 +10574,7 @@
     </p:spTree>
     <p:extLst>
       <p:ext uri="{BB962C8B-B14F-4D97-AF65-F5344CB8AC3E}">
-        <p14:creationId xmlns:p14="http://schemas.microsoft.com/office/powerpoint/2010/main" val="2639023810"/>
+        <p14:creationId xmlns:p14="http://schemas.microsoft.com/office/powerpoint/2010/main" val="779544939"/>
       </p:ext>
     </p:extLst>
   </p:cSld>
@@ -9392,44 +10618,101 @@
           <a:p>
             <a:r>
               <a:rPr lang="en-US" dirty="0"/>
-              <a:t>Always Encrypted </a:t>
-            </a:r>
-          </a:p>
-        </p:txBody>
-      </p:sp>
-      <p:pic>
-        <p:nvPicPr>
-          <p:cNvPr id="4" name="Content Placeholder 3"/>
-          <p:cNvPicPr>
-            <a:picLocks noGrp="1" noChangeAspect="1"/>
-          </p:cNvPicPr>
+              <a:t>Transparent Data Encryption </a:t>
+            </a:r>
+          </a:p>
+        </p:txBody>
+      </p:sp>
+      <p:sp>
+        <p:nvSpPr>
+          <p:cNvPr id="3" name="Content Placeholder 2"/>
+          <p:cNvSpPr>
+            <a:spLocks noGrp="1"/>
+          </p:cNvSpPr>
           <p:nvPr>
             <p:ph idx="1"/>
           </p:nvPr>
-        </p:nvPicPr>
-        <p:blipFill>
-          <a:blip r:embed="rId2">
-            <a:extLst>
-              <a:ext uri="{28A0092B-C50C-407E-A947-70E740481C1C}">
-                <a14:useLocalDpi xmlns:a14="http://schemas.microsoft.com/office/drawing/2010/main" val="0"/>
-              </a:ext>
-            </a:extLst>
-          </a:blip>
-          <a:stretch>
-            <a:fillRect/>
-          </a:stretch>
-        </p:blipFill>
-        <p:spPr>
-          <a:xfrm>
-            <a:off x="3738857" y="1805198"/>
-            <a:ext cx="4714286" cy="3238095"/>
-          </a:xfrm>
-        </p:spPr>
-      </p:pic>
+        </p:nvSpPr>
+        <p:spPr/>
+        <p:txBody>
+          <a:bodyPr/>
+          <a:lstStyle/>
+          <a:p>
+            <a:r>
+              <a:rPr lang="en-US" dirty="0"/>
+              <a:t>Protects data at rest</a:t>
+            </a:r>
+          </a:p>
+          <a:p>
+            <a:r>
+              <a:rPr lang="en-US" dirty="0"/>
+              <a:t>Encrypts data and log files (</a:t>
+            </a:r>
+            <a:r>
+              <a:rPr lang="en-US" dirty="0" err="1"/>
+              <a:t>mdf</a:t>
+            </a:r>
+            <a:r>
+              <a:rPr lang="en-US" dirty="0"/>
+              <a:t>, </a:t>
+            </a:r>
+            <a:r>
+              <a:rPr lang="en-US" dirty="0" err="1"/>
+              <a:t>ndf</a:t>
+            </a:r>
+            <a:r>
+              <a:rPr lang="en-US" dirty="0"/>
+              <a:t>, </a:t>
+            </a:r>
+            <a:r>
+              <a:rPr lang="en-US" dirty="0" err="1"/>
+              <a:t>ldf</a:t>
+            </a:r>
+            <a:r>
+              <a:rPr lang="en-US" dirty="0"/>
+              <a:t>)</a:t>
+            </a:r>
+          </a:p>
+          <a:p>
+            <a:r>
+              <a:rPr lang="en-US" dirty="0"/>
+              <a:t>SQL Server 2008+ and Azure</a:t>
+            </a:r>
+          </a:p>
+          <a:p>
+            <a:r>
+              <a:rPr lang="en-US" dirty="0"/>
+              <a:t>Backup files encrypted </a:t>
+            </a:r>
+          </a:p>
+          <a:p>
+            <a:r>
+              <a:rPr lang="en-US" dirty="0" err="1"/>
+              <a:t>Tempdb</a:t>
+            </a:r>
+            <a:r>
+              <a:rPr lang="en-US" dirty="0"/>
+              <a:t> encrypted</a:t>
+            </a:r>
+          </a:p>
+          <a:p>
+            <a:r>
+              <a:rPr lang="en-US" dirty="0"/>
+              <a:t>Many auditors will want this</a:t>
+            </a:r>
+          </a:p>
+          <a:p>
+            <a:r>
+              <a:rPr lang="en-US" dirty="0"/>
+              <a:t>Enterprise Edition only. </a:t>
+            </a:r>
+          </a:p>
+        </p:txBody>
+      </p:sp>
     </p:spTree>
     <p:extLst>
       <p:ext uri="{BB962C8B-B14F-4D97-AF65-F5344CB8AC3E}">
-        <p14:creationId xmlns:p14="http://schemas.microsoft.com/office/powerpoint/2010/main" val="822060258"/>
+        <p14:creationId xmlns:p14="http://schemas.microsoft.com/office/powerpoint/2010/main" val="3848089310"/>
       </p:ext>
     </p:extLst>
   </p:cSld>

--- a/Getting Started with Encryption in SQL 2016.pptx
+++ b/Getting Started with Encryption in SQL 2016.pptx
@@ -5,39 +5,40 @@
     <p:sldMasterId id="2147483648" r:id="rId1"/>
   </p:sldMasterIdLst>
   <p:notesMasterIdLst>
-    <p:notesMasterId r:id="rId32"/>
+    <p:notesMasterId r:id="rId33"/>
   </p:notesMasterIdLst>
   <p:sldIdLst>
     <p:sldId id="256" r:id="rId2"/>
     <p:sldId id="257" r:id="rId3"/>
     <p:sldId id="275" r:id="rId4"/>
-    <p:sldId id="281" r:id="rId5"/>
-    <p:sldId id="287" r:id="rId6"/>
-    <p:sldId id="288" r:id="rId7"/>
-    <p:sldId id="289" r:id="rId8"/>
-    <p:sldId id="290" r:id="rId9"/>
-    <p:sldId id="259" r:id="rId10"/>
-    <p:sldId id="272" r:id="rId11"/>
-    <p:sldId id="284" r:id="rId12"/>
-    <p:sldId id="263" r:id="rId13"/>
-    <p:sldId id="271" r:id="rId14"/>
-    <p:sldId id="285" r:id="rId15"/>
-    <p:sldId id="274" r:id="rId16"/>
-    <p:sldId id="269" r:id="rId17"/>
-    <p:sldId id="270" r:id="rId18"/>
-    <p:sldId id="286" r:id="rId19"/>
-    <p:sldId id="266" r:id="rId20"/>
-    <p:sldId id="279" r:id="rId21"/>
-    <p:sldId id="273" r:id="rId22"/>
-    <p:sldId id="280" r:id="rId23"/>
-    <p:sldId id="265" r:id="rId24"/>
-    <p:sldId id="282" r:id="rId25"/>
-    <p:sldId id="283" r:id="rId26"/>
-    <p:sldId id="267" r:id="rId27"/>
-    <p:sldId id="260" r:id="rId28"/>
-    <p:sldId id="261" r:id="rId29"/>
-    <p:sldId id="277" r:id="rId30"/>
-    <p:sldId id="278" r:id="rId31"/>
+    <p:sldId id="291" r:id="rId5"/>
+    <p:sldId id="281" r:id="rId6"/>
+    <p:sldId id="287" r:id="rId7"/>
+    <p:sldId id="288" r:id="rId8"/>
+    <p:sldId id="289" r:id="rId9"/>
+    <p:sldId id="290" r:id="rId10"/>
+    <p:sldId id="259" r:id="rId11"/>
+    <p:sldId id="272" r:id="rId12"/>
+    <p:sldId id="284" r:id="rId13"/>
+    <p:sldId id="263" r:id="rId14"/>
+    <p:sldId id="271" r:id="rId15"/>
+    <p:sldId id="285" r:id="rId16"/>
+    <p:sldId id="274" r:id="rId17"/>
+    <p:sldId id="269" r:id="rId18"/>
+    <p:sldId id="270" r:id="rId19"/>
+    <p:sldId id="286" r:id="rId20"/>
+    <p:sldId id="266" r:id="rId21"/>
+    <p:sldId id="279" r:id="rId22"/>
+    <p:sldId id="273" r:id="rId23"/>
+    <p:sldId id="280" r:id="rId24"/>
+    <p:sldId id="265" r:id="rId25"/>
+    <p:sldId id="282" r:id="rId26"/>
+    <p:sldId id="283" r:id="rId27"/>
+    <p:sldId id="267" r:id="rId28"/>
+    <p:sldId id="260" r:id="rId29"/>
+    <p:sldId id="261" r:id="rId30"/>
+    <p:sldId id="277" r:id="rId31"/>
+    <p:sldId id="278" r:id="rId32"/>
   </p:sldIdLst>
   <p:sldSz cx="12192000" cy="6858000"/>
   <p:notesSz cx="6858000" cy="9144000"/>
@@ -226,7 +227,7 @@
           <a:p>
             <a:fld id="{D4C1D33F-78D8-4750-A964-FE7F02492D2E}" type="datetimeFigureOut">
               <a:rPr lang="en-US" smtClean="0"/>
-              <a:t>4/18/2016</a:t>
+              <a:t>4/20/2016</a:t>
             </a:fld>
             <a:endParaRPr lang="en-US"/>
           </a:p>
@@ -651,7 +652,7 @@
           <a:p>
             <a:fld id="{482283A2-F39A-4F0A-A468-BFC2D3071D86}" type="slidenum">
               <a:rPr lang="en-US" smtClean="0"/>
-              <a:t>22</a:t>
+              <a:t>23</a:t>
             </a:fld>
             <a:endParaRPr lang="en-US"/>
           </a:p>
@@ -1123,7 +1124,7 @@
           <a:p>
             <a:fld id="{FA11749C-2C7E-467C-B17D-61D5024F7C8E}" type="slidenum">
               <a:rPr lang="en-US" smtClean="0"/>
-              <a:t>5</a:t>
+              <a:t>6</a:t>
             </a:fld>
             <a:endParaRPr lang="en-US"/>
           </a:p>
@@ -1215,7 +1216,7 @@
           <a:p>
             <a:fld id="{FA11749C-2C7E-467C-B17D-61D5024F7C8E}" type="slidenum">
               <a:rPr lang="en-US" smtClean="0"/>
-              <a:t>6</a:t>
+              <a:t>7</a:t>
             </a:fld>
             <a:endParaRPr lang="en-US"/>
           </a:p>
@@ -1307,7 +1308,7 @@
           <a:p>
             <a:fld id="{FA11749C-2C7E-467C-B17D-61D5024F7C8E}" type="slidenum">
               <a:rPr lang="en-US" smtClean="0"/>
-              <a:t>7</a:t>
+              <a:t>8</a:t>
             </a:fld>
             <a:endParaRPr lang="en-US"/>
           </a:p>
@@ -1391,7 +1392,7 @@
           <a:p>
             <a:fld id="{482283A2-F39A-4F0A-A468-BFC2D3071D86}" type="slidenum">
               <a:rPr lang="en-US" smtClean="0"/>
-              <a:t>16</a:t>
+              <a:t>17</a:t>
             </a:fld>
             <a:endParaRPr lang="en-US"/>
           </a:p>
@@ -1484,7 +1485,7 @@
           <a:p>
             <a:fld id="{482283A2-F39A-4F0A-A468-BFC2D3071D86}" type="slidenum">
               <a:rPr lang="en-US" smtClean="0"/>
-              <a:t>19</a:t>
+              <a:t>20</a:t>
             </a:fld>
             <a:endParaRPr lang="en-US"/>
           </a:p>
@@ -1577,7 +1578,7 @@
           <a:p>
             <a:fld id="{482283A2-F39A-4F0A-A468-BFC2D3071D86}" type="slidenum">
               <a:rPr lang="en-US" smtClean="0"/>
-              <a:t>20</a:t>
+              <a:t>21</a:t>
             </a:fld>
             <a:endParaRPr lang="en-US"/>
           </a:p>
@@ -1725,7 +1726,7 @@
           <a:p>
             <a:fld id="{38B92EED-EC5D-481D-8393-A7289D5F8955}" type="datetimeFigureOut">
               <a:rPr lang="en-US" smtClean="0"/>
-              <a:t>4/18/2016</a:t>
+              <a:t>4/20/2016</a:t>
             </a:fld>
             <a:endParaRPr lang="en-US"/>
           </a:p>
@@ -1893,7 +1894,7 @@
           <a:p>
             <a:fld id="{38B92EED-EC5D-481D-8393-A7289D5F8955}" type="datetimeFigureOut">
               <a:rPr lang="en-US" smtClean="0"/>
-              <a:t>4/18/2016</a:t>
+              <a:t>4/20/2016</a:t>
             </a:fld>
             <a:endParaRPr lang="en-US"/>
           </a:p>
@@ -2071,7 +2072,7 @@
           <a:p>
             <a:fld id="{38B92EED-EC5D-481D-8393-A7289D5F8955}" type="datetimeFigureOut">
               <a:rPr lang="en-US" smtClean="0"/>
-              <a:t>4/18/2016</a:t>
+              <a:t>4/20/2016</a:t>
             </a:fld>
             <a:endParaRPr lang="en-US"/>
           </a:p>
@@ -2239,7 +2240,7 @@
           <a:p>
             <a:fld id="{38B92EED-EC5D-481D-8393-A7289D5F8955}" type="datetimeFigureOut">
               <a:rPr lang="en-US" smtClean="0"/>
-              <a:t>4/18/2016</a:t>
+              <a:t>4/20/2016</a:t>
             </a:fld>
             <a:endParaRPr lang="en-US"/>
           </a:p>
@@ -2484,7 +2485,7 @@
           <a:p>
             <a:fld id="{38B92EED-EC5D-481D-8393-A7289D5F8955}" type="datetimeFigureOut">
               <a:rPr lang="en-US" smtClean="0"/>
-              <a:t>4/18/2016</a:t>
+              <a:t>4/20/2016</a:t>
             </a:fld>
             <a:endParaRPr lang="en-US"/>
           </a:p>
@@ -2713,7 +2714,7 @@
           <a:p>
             <a:fld id="{38B92EED-EC5D-481D-8393-A7289D5F8955}" type="datetimeFigureOut">
               <a:rPr lang="en-US" smtClean="0"/>
-              <a:t>4/18/2016</a:t>
+              <a:t>4/20/2016</a:t>
             </a:fld>
             <a:endParaRPr lang="en-US"/>
           </a:p>
@@ -3077,7 +3078,7 @@
           <a:p>
             <a:fld id="{38B92EED-EC5D-481D-8393-A7289D5F8955}" type="datetimeFigureOut">
               <a:rPr lang="en-US" smtClean="0"/>
-              <a:t>4/18/2016</a:t>
+              <a:t>4/20/2016</a:t>
             </a:fld>
             <a:endParaRPr lang="en-US"/>
           </a:p>
@@ -3194,7 +3195,7 @@
           <a:p>
             <a:fld id="{38B92EED-EC5D-481D-8393-A7289D5F8955}" type="datetimeFigureOut">
               <a:rPr lang="en-US" smtClean="0"/>
-              <a:t>4/18/2016</a:t>
+              <a:t>4/20/2016</a:t>
             </a:fld>
             <a:endParaRPr lang="en-US"/>
           </a:p>
@@ -3289,7 +3290,7 @@
           <a:p>
             <a:fld id="{38B92EED-EC5D-481D-8393-A7289D5F8955}" type="datetimeFigureOut">
               <a:rPr lang="en-US" smtClean="0"/>
-              <a:t>4/18/2016</a:t>
+              <a:t>4/20/2016</a:t>
             </a:fld>
             <a:endParaRPr lang="en-US"/>
           </a:p>
@@ -3564,7 +3565,7 @@
           <a:p>
             <a:fld id="{38B92EED-EC5D-481D-8393-A7289D5F8955}" type="datetimeFigureOut">
               <a:rPr lang="en-US" smtClean="0"/>
-              <a:t>4/18/2016</a:t>
+              <a:t>4/20/2016</a:t>
             </a:fld>
             <a:endParaRPr lang="en-US"/>
           </a:p>
@@ -3816,7 +3817,7 @@
           <a:p>
             <a:fld id="{38B92EED-EC5D-481D-8393-A7289D5F8955}" type="datetimeFigureOut">
               <a:rPr lang="en-US" smtClean="0"/>
-              <a:t>4/18/2016</a:t>
+              <a:t>4/20/2016</a:t>
             </a:fld>
             <a:endParaRPr lang="en-US"/>
           </a:p>
@@ -4027,7 +4028,7 @@
           <a:p>
             <a:fld id="{38B92EED-EC5D-481D-8393-A7289D5F8955}" type="datetimeFigureOut">
               <a:rPr lang="en-US" smtClean="0"/>
-              <a:t>4/18/2016</a:t>
+              <a:t>4/20/2016</a:t>
             </a:fld>
             <a:endParaRPr lang="en-US"/>
           </a:p>
@@ -4505,6 +4506,66 @@
           </a:p>
         </p:txBody>
       </p:sp>
+      <p:pic>
+        <p:nvPicPr>
+          <p:cNvPr id="4" name="Picture 3"/>
+          <p:cNvPicPr>
+            <a:picLocks noChangeAspect="1"/>
+          </p:cNvPicPr>
+          <p:nvPr/>
+        </p:nvPicPr>
+        <p:blipFill>
+          <a:blip r:embed="rId2">
+            <a:extLst>
+              <a:ext uri="{28A0092B-C50C-407E-A947-70E740481C1C}">
+                <a14:useLocalDpi xmlns:a14="http://schemas.microsoft.com/office/drawing/2010/main" val="0"/>
+              </a:ext>
+            </a:extLst>
+          </a:blip>
+          <a:stretch>
+            <a:fillRect/>
+          </a:stretch>
+        </p:blipFill>
+        <p:spPr>
+          <a:xfrm>
+            <a:off x="909222" y="3851938"/>
+            <a:ext cx="2634712" cy="933127"/>
+          </a:xfrm>
+          <a:prstGeom prst="rect">
+            <a:avLst/>
+          </a:prstGeom>
+        </p:spPr>
+      </p:pic>
+      <p:pic>
+        <p:nvPicPr>
+          <p:cNvPr id="5" name="Picture 4"/>
+          <p:cNvPicPr>
+            <a:picLocks noChangeAspect="1"/>
+          </p:cNvPicPr>
+          <p:nvPr/>
+        </p:nvPicPr>
+        <p:blipFill>
+          <a:blip r:embed="rId3" cstate="print">
+            <a:extLst>
+              <a:ext uri="{28A0092B-C50C-407E-A947-70E740481C1C}">
+                <a14:useLocalDpi xmlns:a14="http://schemas.microsoft.com/office/drawing/2010/main" val="0"/>
+              </a:ext>
+            </a:extLst>
+          </a:blip>
+          <a:stretch>
+            <a:fillRect/>
+          </a:stretch>
+        </p:blipFill>
+        <p:spPr>
+          <a:xfrm>
+            <a:off x="8481227" y="3982710"/>
+            <a:ext cx="2801551" cy="671582"/>
+          </a:xfrm>
+          <a:prstGeom prst="rect">
+            <a:avLst/>
+          </a:prstGeom>
+        </p:spPr>
+      </p:pic>
     </p:spTree>
     <p:extLst>
       <p:ext uri="{BB962C8B-B14F-4D97-AF65-F5344CB8AC3E}">
@@ -4537,7 +4598,7 @@
       </p:grpSpPr>
       <p:sp>
         <p:nvSpPr>
-          <p:cNvPr id="4" name="Title 3"/>
+          <p:cNvPr id="2" name="Title 1"/>
           <p:cNvSpPr>
             <a:spLocks noGrp="1"/>
           </p:cNvSpPr>
@@ -4552,19 +4613,19 @@
           <a:p>
             <a:r>
               <a:rPr lang="en-US" dirty="0"/>
-              <a:t>Demo</a:t>
-            </a:r>
-          </a:p>
-        </p:txBody>
-      </p:sp>
-      <p:sp>
-        <p:nvSpPr>
-          <p:cNvPr id="5" name="Text Placeholder 4"/>
-          <p:cNvSpPr>
-            <a:spLocks noGrp="1"/>
-          </p:cNvSpPr>
-          <p:nvPr>
-            <p:ph type="body" idx="1"/>
+              <a:t>Transparent Data Encryption </a:t>
+            </a:r>
+          </a:p>
+        </p:txBody>
+      </p:sp>
+      <p:sp>
+        <p:nvSpPr>
+          <p:cNvPr id="3" name="Content Placeholder 2"/>
+          <p:cNvSpPr>
+            <a:spLocks noGrp="1"/>
+          </p:cNvSpPr>
+          <p:nvPr>
+            <p:ph idx="1"/>
           </p:nvPr>
         </p:nvSpPr>
         <p:spPr/>
@@ -4574,7 +4635,71 @@
           <a:p>
             <a:r>
               <a:rPr lang="en-US" dirty="0"/>
-              <a:t>Transparent Data Encryption  </a:t>
+              <a:t>Protects data at rest</a:t>
+            </a:r>
+          </a:p>
+          <a:p>
+            <a:r>
+              <a:rPr lang="en-US" dirty="0"/>
+              <a:t>Encrypts data and log files (</a:t>
+            </a:r>
+            <a:r>
+              <a:rPr lang="en-US" dirty="0" err="1"/>
+              <a:t>mdf</a:t>
+            </a:r>
+            <a:r>
+              <a:rPr lang="en-US" dirty="0"/>
+              <a:t>, </a:t>
+            </a:r>
+            <a:r>
+              <a:rPr lang="en-US" dirty="0" err="1"/>
+              <a:t>ndf</a:t>
+            </a:r>
+            <a:r>
+              <a:rPr lang="en-US" dirty="0"/>
+              <a:t>, </a:t>
+            </a:r>
+            <a:r>
+              <a:rPr lang="en-US" dirty="0" err="1"/>
+              <a:t>ldf</a:t>
+            </a:r>
+            <a:r>
+              <a:rPr lang="en-US" dirty="0"/>
+              <a:t>)</a:t>
+            </a:r>
+          </a:p>
+          <a:p>
+            <a:r>
+              <a:rPr lang="en-US" dirty="0"/>
+              <a:t>SQL Server 2008+ and Azure</a:t>
+            </a:r>
+          </a:p>
+          <a:p>
+            <a:r>
+              <a:rPr lang="en-US" dirty="0"/>
+              <a:t>Backup files encrypted </a:t>
+            </a:r>
+          </a:p>
+          <a:p>
+            <a:r>
+              <a:rPr lang="en-US" dirty="0" err="1"/>
+              <a:t>Tempdb</a:t>
+            </a:r>
+            <a:r>
+              <a:rPr lang="en-US" dirty="0"/>
+              <a:t> encrypted</a:t>
+            </a:r>
+          </a:p>
+          <a:p>
+            <a:r>
+              <a:rPr lang="en-US" dirty="0"/>
+              <a:t>Many auditors will want this</a:t>
+            </a:r>
+          </a:p>
+          <a:p>
+            <a:r>
+              <a:rPr lang="en-US" dirty="0"/>
+              <a:t>Enterprise Edition only. </a:t>
             </a:r>
           </a:p>
         </p:txBody>
@@ -4582,7 +4707,7 @@
     </p:spTree>
     <p:extLst>
       <p:ext uri="{BB962C8B-B14F-4D97-AF65-F5344CB8AC3E}">
-        <p14:creationId xmlns:p14="http://schemas.microsoft.com/office/powerpoint/2010/main" val="4286616125"/>
+        <p14:creationId xmlns:p14="http://schemas.microsoft.com/office/powerpoint/2010/main" val="3848089310"/>
       </p:ext>
     </p:extLst>
   </p:cSld>
@@ -4611,6 +4736,80 @@
       </p:grpSpPr>
       <p:sp>
         <p:nvSpPr>
+          <p:cNvPr id="4" name="Title 3"/>
+          <p:cNvSpPr>
+            <a:spLocks noGrp="1"/>
+          </p:cNvSpPr>
+          <p:nvPr>
+            <p:ph type="title"/>
+          </p:nvPr>
+        </p:nvSpPr>
+        <p:spPr/>
+        <p:txBody>
+          <a:bodyPr/>
+          <a:lstStyle/>
+          <a:p>
+            <a:r>
+              <a:rPr lang="en-US" dirty="0"/>
+              <a:t>Demo</a:t>
+            </a:r>
+          </a:p>
+        </p:txBody>
+      </p:sp>
+      <p:sp>
+        <p:nvSpPr>
+          <p:cNvPr id="5" name="Text Placeholder 4"/>
+          <p:cNvSpPr>
+            <a:spLocks noGrp="1"/>
+          </p:cNvSpPr>
+          <p:nvPr>
+            <p:ph type="body" idx="1"/>
+          </p:nvPr>
+        </p:nvSpPr>
+        <p:spPr/>
+        <p:txBody>
+          <a:bodyPr/>
+          <a:lstStyle/>
+          <a:p>
+            <a:r>
+              <a:rPr lang="en-US" dirty="0"/>
+              <a:t>Transparent Data Encryption  </a:t>
+            </a:r>
+          </a:p>
+        </p:txBody>
+      </p:sp>
+    </p:spTree>
+    <p:extLst>
+      <p:ext uri="{BB962C8B-B14F-4D97-AF65-F5344CB8AC3E}">
+        <p14:creationId xmlns:p14="http://schemas.microsoft.com/office/powerpoint/2010/main" val="4286616125"/>
+      </p:ext>
+    </p:extLst>
+  </p:cSld>
+  <p:clrMapOvr>
+    <a:masterClrMapping/>
+  </p:clrMapOvr>
+</p:sld>
+</file>
+
+<file path=ppt/slides/slide12.xml><?xml version="1.0" encoding="utf-8"?>
+<p:sld xmlns:a="http://schemas.openxmlformats.org/drawingml/2006/main" xmlns:r="http://schemas.openxmlformats.org/officeDocument/2006/relationships" xmlns:p="http://schemas.openxmlformats.org/presentationml/2006/main">
+  <p:cSld>
+    <p:spTree>
+      <p:nvGrpSpPr>
+        <p:cNvPr id="1" name=""/>
+        <p:cNvGrpSpPr/>
+        <p:nvPr/>
+      </p:nvGrpSpPr>
+      <p:grpSpPr>
+        <a:xfrm>
+          <a:off x="0" y="0"/>
+          <a:ext cx="0" cy="0"/>
+          <a:chOff x="0" y="0"/>
+          <a:chExt cx="0" cy="0"/>
+        </a:xfrm>
+      </p:grpSpPr>
+      <p:sp>
+        <p:nvSpPr>
           <p:cNvPr id="2" name="Title 1"/>
           <p:cNvSpPr>
             <a:spLocks noGrp="1"/>
@@ -4717,7 +4916,7 @@
 </p:sld>
 </file>
 
-<file path=ppt/slides/slide12.xml><?xml version="1.0" encoding="utf-8"?>
+<file path=ppt/slides/slide13.xml><?xml version="1.0" encoding="utf-8"?>
 <p:sld xmlns:a="http://schemas.openxmlformats.org/drawingml/2006/main" xmlns:r="http://schemas.openxmlformats.org/officeDocument/2006/relationships" xmlns:p="http://schemas.openxmlformats.org/presentationml/2006/main">
   <p:cSld>
     <p:spTree>
@@ -4798,80 +4997,6 @@
 </p:sld>
 </file>
 
-<file path=ppt/slides/slide13.xml><?xml version="1.0" encoding="utf-8"?>
-<p:sld xmlns:a="http://schemas.openxmlformats.org/drawingml/2006/main" xmlns:r="http://schemas.openxmlformats.org/officeDocument/2006/relationships" xmlns:p="http://schemas.openxmlformats.org/presentationml/2006/main">
-  <p:cSld>
-    <p:spTree>
-      <p:nvGrpSpPr>
-        <p:cNvPr id="1" name=""/>
-        <p:cNvGrpSpPr/>
-        <p:nvPr/>
-      </p:nvGrpSpPr>
-      <p:grpSpPr>
-        <a:xfrm>
-          <a:off x="0" y="0"/>
-          <a:ext cx="0" cy="0"/>
-          <a:chOff x="0" y="0"/>
-          <a:chExt cx="0" cy="0"/>
-        </a:xfrm>
-      </p:grpSpPr>
-      <p:sp>
-        <p:nvSpPr>
-          <p:cNvPr id="4" name="Title 3"/>
-          <p:cNvSpPr>
-            <a:spLocks noGrp="1"/>
-          </p:cNvSpPr>
-          <p:nvPr>
-            <p:ph type="title"/>
-          </p:nvPr>
-        </p:nvSpPr>
-        <p:spPr/>
-        <p:txBody>
-          <a:bodyPr/>
-          <a:lstStyle/>
-          <a:p>
-            <a:r>
-              <a:rPr lang="en-US" dirty="0"/>
-              <a:t>Demo</a:t>
-            </a:r>
-          </a:p>
-        </p:txBody>
-      </p:sp>
-      <p:sp>
-        <p:nvSpPr>
-          <p:cNvPr id="5" name="Text Placeholder 4"/>
-          <p:cNvSpPr>
-            <a:spLocks noGrp="1"/>
-          </p:cNvSpPr>
-          <p:nvPr>
-            <p:ph type="body" idx="1"/>
-          </p:nvPr>
-        </p:nvSpPr>
-        <p:spPr/>
-        <p:txBody>
-          <a:bodyPr/>
-          <a:lstStyle/>
-          <a:p>
-            <a:r>
-              <a:rPr lang="en-US" dirty="0"/>
-              <a:t>Always Encrypted </a:t>
-            </a:r>
-          </a:p>
-        </p:txBody>
-      </p:sp>
-    </p:spTree>
-    <p:extLst>
-      <p:ext uri="{BB962C8B-B14F-4D97-AF65-F5344CB8AC3E}">
-        <p14:creationId xmlns:p14="http://schemas.microsoft.com/office/powerpoint/2010/main" val="2237251329"/>
-      </p:ext>
-    </p:extLst>
-  </p:cSld>
-  <p:clrMapOvr>
-    <a:masterClrMapping/>
-  </p:clrMapOvr>
-</p:sld>
-</file>
-
 <file path=ppt/slides/slide14.xml><?xml version="1.0" encoding="utf-8"?>
 <p:sld xmlns:a="http://schemas.openxmlformats.org/drawingml/2006/main" xmlns:r="http://schemas.openxmlformats.org/officeDocument/2006/relationships" xmlns:p="http://schemas.openxmlformats.org/presentationml/2006/main">
   <p:cSld>
@@ -4891,7 +5016,7 @@
       </p:grpSpPr>
       <p:sp>
         <p:nvSpPr>
-          <p:cNvPr id="2" name="Title 1"/>
+          <p:cNvPr id="4" name="Title 3"/>
           <p:cNvSpPr>
             <a:spLocks noGrp="1"/>
           </p:cNvSpPr>
@@ -4906,19 +5031,19 @@
           <a:p>
             <a:r>
               <a:rPr lang="en-US" dirty="0"/>
-              <a:t>Always Encrypted Limitations</a:t>
-            </a:r>
-          </a:p>
-        </p:txBody>
-      </p:sp>
-      <p:sp>
-        <p:nvSpPr>
-          <p:cNvPr id="3" name="Content Placeholder 2"/>
-          <p:cNvSpPr>
-            <a:spLocks noGrp="1"/>
-          </p:cNvSpPr>
-          <p:nvPr>
-            <p:ph idx="1"/>
+              <a:t>Demo</a:t>
+            </a:r>
+          </a:p>
+        </p:txBody>
+      </p:sp>
+      <p:sp>
+        <p:nvSpPr>
+          <p:cNvPr id="5" name="Text Placeholder 4"/>
+          <p:cNvSpPr>
+            <a:spLocks noGrp="1"/>
+          </p:cNvSpPr>
+          <p:nvPr>
+            <p:ph type="body" idx="1"/>
           </p:nvPr>
         </p:nvSpPr>
         <p:spPr/>
@@ -4926,99 +5051,17 @@
           <a:bodyPr/>
           <a:lstStyle/>
           <a:p>
-            <a:pPr marL="325438">
-              <a:buFont typeface="Wingdings" panose="05000000000000000000" pitchFamily="2" charset="2"/>
-              <a:buChar char="§"/>
-            </a:pPr>
-            <a:r>
-              <a:rPr lang="en-US" altLang="en-US" dirty="0"/>
-              <a:t>Strings require _BIN2 collation</a:t>
-            </a:r>
-          </a:p>
-          <a:p>
-            <a:pPr marL="325438">
-              <a:buFont typeface="Wingdings" panose="05000000000000000000" pitchFamily="2" charset="2"/>
-              <a:buChar char="§"/>
-            </a:pPr>
-            <a:r>
-              <a:rPr lang="en-US" altLang="en-US" dirty="0"/>
-              <a:t>Limited datatypes</a:t>
-            </a:r>
-          </a:p>
-          <a:p>
-            <a:pPr marL="325438">
-              <a:buFont typeface="Wingdings" panose="05000000000000000000" pitchFamily="2" charset="2"/>
-              <a:buChar char="§"/>
-            </a:pPr>
-            <a:r>
-              <a:rPr lang="en-US" altLang="en-US" dirty="0"/>
-              <a:t>Only </a:t>
-            </a:r>
-            <a:r>
-              <a:rPr lang="en-US" altLang="en-US"/>
-              <a:t>equality comparisons (no &lt;, &gt;, like)</a:t>
-            </a:r>
-            <a:endParaRPr lang="en-US" altLang="en-US" dirty="0"/>
-          </a:p>
-          <a:p>
-            <a:pPr marL="325438">
-              <a:buFont typeface="Wingdings" panose="05000000000000000000" pitchFamily="2" charset="2"/>
-              <a:buChar char="§"/>
-            </a:pPr>
-            <a:r>
-              <a:rPr lang="en-US" altLang="en-US" dirty="0"/>
-              <a:t>No statistics on encrypted columns</a:t>
-            </a:r>
-          </a:p>
-          <a:p>
-            <a:pPr marL="325438">
-              <a:buFont typeface="Wingdings" panose="05000000000000000000" pitchFamily="2" charset="2"/>
-              <a:buChar char="§"/>
-            </a:pPr>
-            <a:r>
-              <a:rPr lang="en-US" altLang="en-US" dirty="0"/>
-              <a:t>Max two Column Master Keys can be used</a:t>
-            </a:r>
-          </a:p>
-          <a:p>
-            <a:pPr marL="325438">
-              <a:buFont typeface="Wingdings" panose="05000000000000000000" pitchFamily="2" charset="2"/>
-              <a:buChar char="§"/>
-            </a:pPr>
-            <a:r>
-              <a:rPr lang="en-US" altLang="en-US" dirty="0"/>
-              <a:t>No Defaults on encrypted columns</a:t>
-            </a:r>
-          </a:p>
-          <a:p>
-            <a:pPr marL="325438">
-              <a:buFont typeface="Wingdings" panose="05000000000000000000" pitchFamily="2" charset="2"/>
-              <a:buChar char="§"/>
-            </a:pPr>
-            <a:r>
-              <a:rPr lang="en-US" altLang="en-US" dirty="0"/>
-              <a:t>No replication</a:t>
-            </a:r>
-          </a:p>
-          <a:p>
-            <a:pPr marL="325438">
-              <a:buFont typeface="Wingdings" panose="05000000000000000000" pitchFamily="2" charset="2"/>
-              <a:buChar char="§"/>
-            </a:pPr>
-            <a:r>
-              <a:rPr lang="en-US" altLang="en-US" dirty="0">
-                <a:hlinkClick r:id="rId2"/>
-              </a:rPr>
-              <a:t>More</a:t>
-            </a:r>
-            <a:endParaRPr lang="en-US" altLang="en-US" dirty="0"/>
+            <a:r>
+              <a:rPr lang="en-US" dirty="0"/>
+              <a:t>Always Encrypted </a:t>
+            </a:r>
           </a:p>
         </p:txBody>
       </p:sp>
     </p:spTree>
     <p:extLst>
       <p:ext uri="{BB962C8B-B14F-4D97-AF65-F5344CB8AC3E}">
-        <p14:creationId xmlns:p14="http://schemas.microsoft.com/office/powerpoint/2010/main" val="3021317188"/>
+        <p14:creationId xmlns:p14="http://schemas.microsoft.com/office/powerpoint/2010/main" val="2237251329"/>
       </p:ext>
     </p:extLst>
   </p:cSld>
@@ -5062,7 +5105,7 @@
           <a:p>
             <a:r>
               <a:rPr lang="en-US" dirty="0"/>
-              <a:t>Row Level Security (RLS) </a:t>
+              <a:t>Always Encrypted Limitations</a:t>
             </a:r>
           </a:p>
         </p:txBody>
@@ -5082,29 +5125,99 @@
           <a:bodyPr/>
           <a:lstStyle/>
           <a:p>
-            <a:r>
-              <a:rPr lang="en-US" dirty="0"/>
-              <a:t>Allow rows of data to be screened based on user characteristics</a:t>
-            </a:r>
-          </a:p>
-          <a:p>
-            <a:r>
-              <a:rPr lang="en-US" dirty="0"/>
-              <a:t>Independent of other SQL Server security.</a:t>
-            </a:r>
-          </a:p>
-          <a:p>
-            <a:r>
-              <a:rPr lang="en-US" dirty="0"/>
-              <a:t>Available in SQL Server 2016+ and Azure SQL Database</a:t>
-            </a:r>
+            <a:pPr marL="325438">
+              <a:buFont typeface="Wingdings" panose="05000000000000000000" pitchFamily="2" charset="2"/>
+              <a:buChar char="§"/>
+            </a:pPr>
+            <a:r>
+              <a:rPr lang="en-US" altLang="en-US" dirty="0"/>
+              <a:t>Strings require _BIN2 collation</a:t>
+            </a:r>
+          </a:p>
+          <a:p>
+            <a:pPr marL="325438">
+              <a:buFont typeface="Wingdings" panose="05000000000000000000" pitchFamily="2" charset="2"/>
+              <a:buChar char="§"/>
+            </a:pPr>
+            <a:r>
+              <a:rPr lang="en-US" altLang="en-US" dirty="0"/>
+              <a:t>Limited datatypes</a:t>
+            </a:r>
+          </a:p>
+          <a:p>
+            <a:pPr marL="325438">
+              <a:buFont typeface="Wingdings" panose="05000000000000000000" pitchFamily="2" charset="2"/>
+              <a:buChar char="§"/>
+            </a:pPr>
+            <a:r>
+              <a:rPr lang="en-US" altLang="en-US" dirty="0"/>
+              <a:t>Only </a:t>
+            </a:r>
+            <a:r>
+              <a:rPr lang="en-US" altLang="en-US"/>
+              <a:t>equality comparisons (no &lt;, &gt;, like)</a:t>
+            </a:r>
+            <a:endParaRPr lang="en-US" altLang="en-US" dirty="0"/>
+          </a:p>
+          <a:p>
+            <a:pPr marL="325438">
+              <a:buFont typeface="Wingdings" panose="05000000000000000000" pitchFamily="2" charset="2"/>
+              <a:buChar char="§"/>
+            </a:pPr>
+            <a:r>
+              <a:rPr lang="en-US" altLang="en-US" dirty="0"/>
+              <a:t>No statistics on encrypted columns</a:t>
+            </a:r>
+          </a:p>
+          <a:p>
+            <a:pPr marL="325438">
+              <a:buFont typeface="Wingdings" panose="05000000000000000000" pitchFamily="2" charset="2"/>
+              <a:buChar char="§"/>
+            </a:pPr>
+            <a:r>
+              <a:rPr lang="en-US" altLang="en-US" dirty="0"/>
+              <a:t>Max two Column Master Keys can be used</a:t>
+            </a:r>
+          </a:p>
+          <a:p>
+            <a:pPr marL="325438">
+              <a:buFont typeface="Wingdings" panose="05000000000000000000" pitchFamily="2" charset="2"/>
+              <a:buChar char="§"/>
+            </a:pPr>
+            <a:r>
+              <a:rPr lang="en-US" altLang="en-US" dirty="0"/>
+              <a:t>No Defaults on encrypted columns</a:t>
+            </a:r>
+          </a:p>
+          <a:p>
+            <a:pPr marL="325438">
+              <a:buFont typeface="Wingdings" panose="05000000000000000000" pitchFamily="2" charset="2"/>
+              <a:buChar char="§"/>
+            </a:pPr>
+            <a:r>
+              <a:rPr lang="en-US" altLang="en-US" dirty="0"/>
+              <a:t>No replication</a:t>
+            </a:r>
+          </a:p>
+          <a:p>
+            <a:pPr marL="325438">
+              <a:buFont typeface="Wingdings" panose="05000000000000000000" pitchFamily="2" charset="2"/>
+              <a:buChar char="§"/>
+            </a:pPr>
+            <a:r>
+              <a:rPr lang="en-US" altLang="en-US" dirty="0">
+                <a:hlinkClick r:id="rId2"/>
+              </a:rPr>
+              <a:t>More</a:t>
+            </a:r>
+            <a:endParaRPr lang="en-US" altLang="en-US" dirty="0"/>
           </a:p>
         </p:txBody>
       </p:sp>
     </p:spTree>
     <p:extLst>
       <p:ext uri="{BB962C8B-B14F-4D97-AF65-F5344CB8AC3E}">
-        <p14:creationId xmlns:p14="http://schemas.microsoft.com/office/powerpoint/2010/main" val="1408306452"/>
+        <p14:creationId xmlns:p14="http://schemas.microsoft.com/office/powerpoint/2010/main" val="3021317188"/>
       </p:ext>
     </p:extLst>
   </p:cSld>
@@ -5131,6 +5244,92 @@
           <a:chExt cx="0" cy="0"/>
         </a:xfrm>
       </p:grpSpPr>
+      <p:sp>
+        <p:nvSpPr>
+          <p:cNvPr id="2" name="Title 1"/>
+          <p:cNvSpPr>
+            <a:spLocks noGrp="1"/>
+          </p:cNvSpPr>
+          <p:nvPr>
+            <p:ph type="title"/>
+          </p:nvPr>
+        </p:nvSpPr>
+        <p:spPr/>
+        <p:txBody>
+          <a:bodyPr/>
+          <a:lstStyle/>
+          <a:p>
+            <a:r>
+              <a:rPr lang="en-US" dirty="0"/>
+              <a:t>Row Level Security (RLS) </a:t>
+            </a:r>
+          </a:p>
+        </p:txBody>
+      </p:sp>
+      <p:sp>
+        <p:nvSpPr>
+          <p:cNvPr id="3" name="Content Placeholder 2"/>
+          <p:cNvSpPr>
+            <a:spLocks noGrp="1"/>
+          </p:cNvSpPr>
+          <p:nvPr>
+            <p:ph idx="1"/>
+          </p:nvPr>
+        </p:nvSpPr>
+        <p:spPr/>
+        <p:txBody>
+          <a:bodyPr/>
+          <a:lstStyle/>
+          <a:p>
+            <a:r>
+              <a:rPr lang="en-US" dirty="0"/>
+              <a:t>Allow rows of data to be screened based on user characteristics</a:t>
+            </a:r>
+          </a:p>
+          <a:p>
+            <a:r>
+              <a:rPr lang="en-US" dirty="0"/>
+              <a:t>Independent of other SQL Server security.</a:t>
+            </a:r>
+          </a:p>
+          <a:p>
+            <a:r>
+              <a:rPr lang="en-US" dirty="0"/>
+              <a:t>Available in SQL Server 2016+ and Azure SQL Database</a:t>
+            </a:r>
+          </a:p>
+        </p:txBody>
+      </p:sp>
+    </p:spTree>
+    <p:extLst>
+      <p:ext uri="{BB962C8B-B14F-4D97-AF65-F5344CB8AC3E}">
+        <p14:creationId xmlns:p14="http://schemas.microsoft.com/office/powerpoint/2010/main" val="1408306452"/>
+      </p:ext>
+    </p:extLst>
+  </p:cSld>
+  <p:clrMapOvr>
+    <a:masterClrMapping/>
+  </p:clrMapOvr>
+</p:sld>
+</file>
+
+<file path=ppt/slides/slide17.xml><?xml version="1.0" encoding="utf-8"?>
+<p:sld xmlns:a="http://schemas.openxmlformats.org/drawingml/2006/main" xmlns:r="http://schemas.openxmlformats.org/officeDocument/2006/relationships" xmlns:p="http://schemas.openxmlformats.org/presentationml/2006/main">
+  <p:cSld>
+    <p:spTree>
+      <p:nvGrpSpPr>
+        <p:cNvPr id="1" name=""/>
+        <p:cNvGrpSpPr/>
+        <p:nvPr/>
+      </p:nvGrpSpPr>
+      <p:grpSpPr>
+        <a:xfrm>
+          <a:off x="0" y="0"/>
+          <a:ext cx="0" cy="0"/>
+          <a:chOff x="0" y="0"/>
+          <a:chExt cx="0" cy="0"/>
+        </a:xfrm>
+      </p:grpSpPr>
       <p:graphicFrame>
         <p:nvGraphicFramePr>
           <p:cNvPr id="4" name="Content Placeholder 3"/>
@@ -5160,21 +5359,21 @@
                 <a:gridCol w="919577">
                   <a:extLst>
                     <a:ext uri="{9D8B030D-6E8A-4147-A177-3AD203B41FA5}">
-                      <a16:colId xmlns:a16="http://schemas.microsoft.com/office/drawing/2014/main" val="20000"/>
+                      <a16:colId xmlns:a16="http://schemas.microsoft.com/office/drawing/2014/main" xmlns="" val="20000"/>
                     </a:ext>
                   </a:extLst>
                 </a:gridCol>
                 <a:gridCol w="1509204">
                   <a:extLst>
                     <a:ext uri="{9D8B030D-6E8A-4147-A177-3AD203B41FA5}">
-                      <a16:colId xmlns:a16="http://schemas.microsoft.com/office/drawing/2014/main" val="20001"/>
+                      <a16:colId xmlns:a16="http://schemas.microsoft.com/office/drawing/2014/main" xmlns="" val="20001"/>
                     </a:ext>
                   </a:extLst>
                 </a:gridCol>
                 <a:gridCol w="1695634">
                   <a:extLst>
                     <a:ext uri="{9D8B030D-6E8A-4147-A177-3AD203B41FA5}">
-                      <a16:colId xmlns:a16="http://schemas.microsoft.com/office/drawing/2014/main" val="20002"/>
+                      <a16:colId xmlns:a16="http://schemas.microsoft.com/office/drawing/2014/main" xmlns="" val="20002"/>
                     </a:ext>
                   </a:extLst>
                 </a:gridCol>
@@ -5224,7 +5423,7 @@
                 </a:tc>
                 <a:extLst>
                   <a:ext uri="{0D108BD9-81ED-4DB2-BD59-A6C34878D82A}">
-                    <a16:rowId xmlns:a16="http://schemas.microsoft.com/office/drawing/2014/main" val="10000"/>
+                    <a16:rowId xmlns:a16="http://schemas.microsoft.com/office/drawing/2014/main" xmlns="" val="10000"/>
                   </a:ext>
                 </a:extLst>
               </a:tr>
@@ -5270,7 +5469,7 @@
                 </a:tc>
                 <a:extLst>
                   <a:ext uri="{0D108BD9-81ED-4DB2-BD59-A6C34878D82A}">
-                    <a16:rowId xmlns:a16="http://schemas.microsoft.com/office/drawing/2014/main" val="10001"/>
+                    <a16:rowId xmlns:a16="http://schemas.microsoft.com/office/drawing/2014/main" xmlns="" val="10001"/>
                   </a:ext>
                 </a:extLst>
               </a:tr>
@@ -5316,7 +5515,7 @@
                 </a:tc>
                 <a:extLst>
                   <a:ext uri="{0D108BD9-81ED-4DB2-BD59-A6C34878D82A}">
-                    <a16:rowId xmlns:a16="http://schemas.microsoft.com/office/drawing/2014/main" val="10002"/>
+                    <a16:rowId xmlns:a16="http://schemas.microsoft.com/office/drawing/2014/main" xmlns="" val="10002"/>
                   </a:ext>
                 </a:extLst>
               </a:tr>
@@ -5362,7 +5561,7 @@
                 </a:tc>
                 <a:extLst>
                   <a:ext uri="{0D108BD9-81ED-4DB2-BD59-A6C34878D82A}">
-                    <a16:rowId xmlns:a16="http://schemas.microsoft.com/office/drawing/2014/main" val="10003"/>
+                    <a16:rowId xmlns:a16="http://schemas.microsoft.com/office/drawing/2014/main" xmlns="" val="10003"/>
                   </a:ext>
                 </a:extLst>
               </a:tr>
@@ -5408,7 +5607,7 @@
                 </a:tc>
                 <a:extLst>
                   <a:ext uri="{0D108BD9-81ED-4DB2-BD59-A6C34878D82A}">
-                    <a16:rowId xmlns:a16="http://schemas.microsoft.com/office/drawing/2014/main" val="10004"/>
+                    <a16:rowId xmlns:a16="http://schemas.microsoft.com/office/drawing/2014/main" xmlns="" val="10004"/>
                   </a:ext>
                 </a:extLst>
               </a:tr>
@@ -5454,7 +5653,7 @@
                 </a:tc>
                 <a:extLst>
                   <a:ext uri="{0D108BD9-81ED-4DB2-BD59-A6C34878D82A}">
-                    <a16:rowId xmlns:a16="http://schemas.microsoft.com/office/drawing/2014/main" val="10005"/>
+                    <a16:rowId xmlns:a16="http://schemas.microsoft.com/office/drawing/2014/main" xmlns="" val="10005"/>
                   </a:ext>
                 </a:extLst>
               </a:tr>
@@ -5500,7 +5699,7 @@
                 </a:tc>
                 <a:extLst>
                   <a:ext uri="{0D108BD9-81ED-4DB2-BD59-A6C34878D82A}">
-                    <a16:rowId xmlns:a16="http://schemas.microsoft.com/office/drawing/2014/main" val="10006"/>
+                    <a16:rowId xmlns:a16="http://schemas.microsoft.com/office/drawing/2014/main" xmlns="" val="10006"/>
                   </a:ext>
                 </a:extLst>
               </a:tr>
@@ -5536,21 +5735,21 @@
                 <a:gridCol w="966420">
                   <a:extLst>
                     <a:ext uri="{9D8B030D-6E8A-4147-A177-3AD203B41FA5}">
-                      <a16:colId xmlns:a16="http://schemas.microsoft.com/office/drawing/2014/main" val="20000"/>
+                      <a16:colId xmlns:a16="http://schemas.microsoft.com/office/drawing/2014/main" xmlns="" val="20000"/>
                     </a:ext>
                   </a:extLst>
                 </a:gridCol>
                 <a:gridCol w="1556061">
                   <a:extLst>
                     <a:ext uri="{9D8B030D-6E8A-4147-A177-3AD203B41FA5}">
-                      <a16:colId xmlns:a16="http://schemas.microsoft.com/office/drawing/2014/main" val="20001"/>
+                      <a16:colId xmlns:a16="http://schemas.microsoft.com/office/drawing/2014/main" xmlns="" val="20001"/>
                     </a:ext>
                   </a:extLst>
                 </a:gridCol>
                 <a:gridCol w="1714013">
                   <a:extLst>
                     <a:ext uri="{9D8B030D-6E8A-4147-A177-3AD203B41FA5}">
-                      <a16:colId xmlns:a16="http://schemas.microsoft.com/office/drawing/2014/main" val="20002"/>
+                      <a16:colId xmlns:a16="http://schemas.microsoft.com/office/drawing/2014/main" xmlns="" val="20002"/>
                     </a:ext>
                   </a:extLst>
                 </a:gridCol>
@@ -5600,7 +5799,7 @@
                 </a:tc>
                 <a:extLst>
                   <a:ext uri="{0D108BD9-81ED-4DB2-BD59-A6C34878D82A}">
-                    <a16:rowId xmlns:a16="http://schemas.microsoft.com/office/drawing/2014/main" val="10000"/>
+                    <a16:rowId xmlns:a16="http://schemas.microsoft.com/office/drawing/2014/main" xmlns="" val="10000"/>
                   </a:ext>
                 </a:extLst>
               </a:tr>
@@ -5646,7 +5845,7 @@
                 </a:tc>
                 <a:extLst>
                   <a:ext uri="{0D108BD9-81ED-4DB2-BD59-A6C34878D82A}">
-                    <a16:rowId xmlns:a16="http://schemas.microsoft.com/office/drawing/2014/main" val="10001"/>
+                    <a16:rowId xmlns:a16="http://schemas.microsoft.com/office/drawing/2014/main" xmlns="" val="10001"/>
                   </a:ext>
                 </a:extLst>
               </a:tr>
@@ -5692,7 +5891,7 @@
                 </a:tc>
                 <a:extLst>
                   <a:ext uri="{0D108BD9-81ED-4DB2-BD59-A6C34878D82A}">
-                    <a16:rowId xmlns:a16="http://schemas.microsoft.com/office/drawing/2014/main" val="10002"/>
+                    <a16:rowId xmlns:a16="http://schemas.microsoft.com/office/drawing/2014/main" xmlns="" val="10002"/>
                   </a:ext>
                 </a:extLst>
               </a:tr>
@@ -5832,21 +6031,21 @@
                 <a:gridCol w="998552">
                   <a:extLst>
                     <a:ext uri="{9D8B030D-6E8A-4147-A177-3AD203B41FA5}">
-                      <a16:colId xmlns:a16="http://schemas.microsoft.com/office/drawing/2014/main" val="20000"/>
+                      <a16:colId xmlns:a16="http://schemas.microsoft.com/office/drawing/2014/main" xmlns="" val="20000"/>
                     </a:ext>
                   </a:extLst>
                 </a:gridCol>
                 <a:gridCol w="1580225">
                   <a:extLst>
                     <a:ext uri="{9D8B030D-6E8A-4147-A177-3AD203B41FA5}">
-                      <a16:colId xmlns:a16="http://schemas.microsoft.com/office/drawing/2014/main" val="20001"/>
+                      <a16:colId xmlns:a16="http://schemas.microsoft.com/office/drawing/2014/main" xmlns="" val="20001"/>
                     </a:ext>
                   </a:extLst>
                 </a:gridCol>
                 <a:gridCol w="1553592">
                   <a:extLst>
                     <a:ext uri="{9D8B030D-6E8A-4147-A177-3AD203B41FA5}">
-                      <a16:colId xmlns:a16="http://schemas.microsoft.com/office/drawing/2014/main" val="20002"/>
+                      <a16:colId xmlns:a16="http://schemas.microsoft.com/office/drawing/2014/main" xmlns="" val="20002"/>
                     </a:ext>
                   </a:extLst>
                 </a:gridCol>
@@ -5896,7 +6095,7 @@
                 </a:tc>
                 <a:extLst>
                   <a:ext uri="{0D108BD9-81ED-4DB2-BD59-A6C34878D82A}">
-                    <a16:rowId xmlns:a16="http://schemas.microsoft.com/office/drawing/2014/main" val="10000"/>
+                    <a16:rowId xmlns:a16="http://schemas.microsoft.com/office/drawing/2014/main" xmlns="" val="10000"/>
                   </a:ext>
                 </a:extLst>
               </a:tr>
@@ -5942,7 +6141,7 @@
                 </a:tc>
                 <a:extLst>
                   <a:ext uri="{0D108BD9-81ED-4DB2-BD59-A6C34878D82A}">
-                    <a16:rowId xmlns:a16="http://schemas.microsoft.com/office/drawing/2014/main" val="10001"/>
+                    <a16:rowId xmlns:a16="http://schemas.microsoft.com/office/drawing/2014/main" xmlns="" val="10001"/>
                   </a:ext>
                 </a:extLst>
               </a:tr>
@@ -5988,7 +6187,7 @@
                 </a:tc>
                 <a:extLst>
                   <a:ext uri="{0D108BD9-81ED-4DB2-BD59-A6C34878D82A}">
-                    <a16:rowId xmlns:a16="http://schemas.microsoft.com/office/drawing/2014/main" val="10004"/>
+                    <a16:rowId xmlns:a16="http://schemas.microsoft.com/office/drawing/2014/main" xmlns="" val="10004"/>
                   </a:ext>
                 </a:extLst>
               </a:tr>
@@ -6034,7 +6233,7 @@
                 </a:tc>
                 <a:extLst>
                   <a:ext uri="{0D108BD9-81ED-4DB2-BD59-A6C34878D82A}">
-                    <a16:rowId xmlns:a16="http://schemas.microsoft.com/office/drawing/2014/main" val="10005"/>
+                    <a16:rowId xmlns:a16="http://schemas.microsoft.com/office/drawing/2014/main" xmlns="" val="10005"/>
                   </a:ext>
                 </a:extLst>
               </a:tr>
@@ -6696,80 +6895,6 @@
 </p:sld>
 </file>
 
-<file path=ppt/slides/slide17.xml><?xml version="1.0" encoding="utf-8"?>
-<p:sld xmlns:a="http://schemas.openxmlformats.org/drawingml/2006/main" xmlns:r="http://schemas.openxmlformats.org/officeDocument/2006/relationships" xmlns:p="http://schemas.openxmlformats.org/presentationml/2006/main">
-  <p:cSld>
-    <p:spTree>
-      <p:nvGrpSpPr>
-        <p:cNvPr id="1" name=""/>
-        <p:cNvGrpSpPr/>
-        <p:nvPr/>
-      </p:nvGrpSpPr>
-      <p:grpSpPr>
-        <a:xfrm>
-          <a:off x="0" y="0"/>
-          <a:ext cx="0" cy="0"/>
-          <a:chOff x="0" y="0"/>
-          <a:chExt cx="0" cy="0"/>
-        </a:xfrm>
-      </p:grpSpPr>
-      <p:sp>
-        <p:nvSpPr>
-          <p:cNvPr id="4" name="Title 3"/>
-          <p:cNvSpPr>
-            <a:spLocks noGrp="1"/>
-          </p:cNvSpPr>
-          <p:nvPr>
-            <p:ph type="title"/>
-          </p:nvPr>
-        </p:nvSpPr>
-        <p:spPr/>
-        <p:txBody>
-          <a:bodyPr/>
-          <a:lstStyle/>
-          <a:p>
-            <a:r>
-              <a:rPr lang="en-US" dirty="0"/>
-              <a:t>Demo</a:t>
-            </a:r>
-          </a:p>
-        </p:txBody>
-      </p:sp>
-      <p:sp>
-        <p:nvSpPr>
-          <p:cNvPr id="5" name="Text Placeholder 4"/>
-          <p:cNvSpPr>
-            <a:spLocks noGrp="1"/>
-          </p:cNvSpPr>
-          <p:nvPr>
-            <p:ph type="body" idx="1"/>
-          </p:nvPr>
-        </p:nvSpPr>
-        <p:spPr/>
-        <p:txBody>
-          <a:bodyPr/>
-          <a:lstStyle/>
-          <a:p>
-            <a:r>
-              <a:rPr lang="en-US" dirty="0"/>
-              <a:t>Row Level Security </a:t>
-            </a:r>
-          </a:p>
-        </p:txBody>
-      </p:sp>
-    </p:spTree>
-    <p:extLst>
-      <p:ext uri="{BB962C8B-B14F-4D97-AF65-F5344CB8AC3E}">
-        <p14:creationId xmlns:p14="http://schemas.microsoft.com/office/powerpoint/2010/main" val="1574631825"/>
-      </p:ext>
-    </p:extLst>
-  </p:cSld>
-  <p:clrMapOvr>
-    <a:masterClrMapping/>
-  </p:clrMapOvr>
-</p:sld>
-</file>
-
 <file path=ppt/slides/slide18.xml><?xml version="1.0" encoding="utf-8"?>
 <p:sld xmlns:a="http://schemas.openxmlformats.org/drawingml/2006/main" xmlns:r="http://schemas.openxmlformats.org/officeDocument/2006/relationships" xmlns:p="http://schemas.openxmlformats.org/presentationml/2006/main">
   <p:cSld>
@@ -6789,6 +6914,80 @@
       </p:grpSpPr>
       <p:sp>
         <p:nvSpPr>
+          <p:cNvPr id="4" name="Title 3"/>
+          <p:cNvSpPr>
+            <a:spLocks noGrp="1"/>
+          </p:cNvSpPr>
+          <p:nvPr>
+            <p:ph type="title"/>
+          </p:nvPr>
+        </p:nvSpPr>
+        <p:spPr/>
+        <p:txBody>
+          <a:bodyPr/>
+          <a:lstStyle/>
+          <a:p>
+            <a:r>
+              <a:rPr lang="en-US" dirty="0"/>
+              <a:t>Demo</a:t>
+            </a:r>
+          </a:p>
+        </p:txBody>
+      </p:sp>
+      <p:sp>
+        <p:nvSpPr>
+          <p:cNvPr id="5" name="Text Placeholder 4"/>
+          <p:cNvSpPr>
+            <a:spLocks noGrp="1"/>
+          </p:cNvSpPr>
+          <p:nvPr>
+            <p:ph type="body" idx="1"/>
+          </p:nvPr>
+        </p:nvSpPr>
+        <p:spPr/>
+        <p:txBody>
+          <a:bodyPr/>
+          <a:lstStyle/>
+          <a:p>
+            <a:r>
+              <a:rPr lang="en-US" dirty="0"/>
+              <a:t>Row Level Security </a:t>
+            </a:r>
+          </a:p>
+        </p:txBody>
+      </p:sp>
+    </p:spTree>
+    <p:extLst>
+      <p:ext uri="{BB962C8B-B14F-4D97-AF65-F5344CB8AC3E}">
+        <p14:creationId xmlns:p14="http://schemas.microsoft.com/office/powerpoint/2010/main" val="1574631825"/>
+      </p:ext>
+    </p:extLst>
+  </p:cSld>
+  <p:clrMapOvr>
+    <a:masterClrMapping/>
+  </p:clrMapOvr>
+</p:sld>
+</file>
+
+<file path=ppt/slides/slide19.xml><?xml version="1.0" encoding="utf-8"?>
+<p:sld xmlns:a="http://schemas.openxmlformats.org/drawingml/2006/main" xmlns:r="http://schemas.openxmlformats.org/officeDocument/2006/relationships" xmlns:p="http://schemas.openxmlformats.org/presentationml/2006/main">
+  <p:cSld>
+    <p:spTree>
+      <p:nvGrpSpPr>
+        <p:cNvPr id="1" name=""/>
+        <p:cNvGrpSpPr/>
+        <p:nvPr/>
+      </p:nvGrpSpPr>
+      <p:grpSpPr>
+        <a:xfrm>
+          <a:off x="0" y="0"/>
+          <a:ext cx="0" cy="0"/>
+          <a:chOff x="0" y="0"/>
+          <a:chExt cx="0" cy="0"/>
+        </a:xfrm>
+      </p:grpSpPr>
+      <p:sp>
+        <p:nvSpPr>
           <p:cNvPr id="2" name="Title 1"/>
           <p:cNvSpPr>
             <a:spLocks noGrp="1"/>
@@ -6875,7 +7074,126 @@
 </p:sld>
 </file>
 
-<file path=ppt/slides/slide19.xml><?xml version="1.0" encoding="utf-8"?>
+<file path=ppt/slides/slide2.xml><?xml version="1.0" encoding="utf-8"?>
+<p:sld xmlns:a="http://schemas.openxmlformats.org/drawingml/2006/main" xmlns:r="http://schemas.openxmlformats.org/officeDocument/2006/relationships" xmlns:p="http://schemas.openxmlformats.org/presentationml/2006/main">
+  <p:cSld>
+    <p:spTree>
+      <p:nvGrpSpPr>
+        <p:cNvPr id="1" name=""/>
+        <p:cNvGrpSpPr/>
+        <p:nvPr/>
+      </p:nvGrpSpPr>
+      <p:grpSpPr>
+        <a:xfrm>
+          <a:off x="0" y="0"/>
+          <a:ext cx="0" cy="0"/>
+          <a:chOff x="0" y="0"/>
+          <a:chExt cx="0" cy="0"/>
+        </a:xfrm>
+      </p:grpSpPr>
+      <p:sp>
+        <p:nvSpPr>
+          <p:cNvPr id="2" name="Title 1"/>
+          <p:cNvSpPr>
+            <a:spLocks noGrp="1"/>
+          </p:cNvSpPr>
+          <p:nvPr>
+            <p:ph type="title"/>
+          </p:nvPr>
+        </p:nvSpPr>
+        <p:spPr/>
+        <p:txBody>
+          <a:bodyPr/>
+          <a:lstStyle/>
+          <a:p>
+            <a:r>
+              <a:rPr lang="en-US" dirty="0"/>
+              <a:t>Agenda</a:t>
+            </a:r>
+          </a:p>
+        </p:txBody>
+      </p:sp>
+      <p:sp>
+        <p:nvSpPr>
+          <p:cNvPr id="3" name="Content Placeholder 2"/>
+          <p:cNvSpPr>
+            <a:spLocks noGrp="1"/>
+          </p:cNvSpPr>
+          <p:nvPr>
+            <p:ph idx="1"/>
+          </p:nvPr>
+        </p:nvSpPr>
+        <p:spPr/>
+        <p:txBody>
+          <a:bodyPr/>
+          <a:lstStyle/>
+          <a:p>
+            <a:r>
+              <a:rPr lang="en-US" dirty="0"/>
+              <a:t>Who am I?</a:t>
+            </a:r>
+          </a:p>
+          <a:p>
+            <a:r>
+              <a:rPr lang="en-US" dirty="0"/>
+              <a:t>Encryption Overview</a:t>
+            </a:r>
+          </a:p>
+          <a:p>
+            <a:r>
+              <a:rPr lang="en-US" dirty="0"/>
+              <a:t>Transparent Data Encryption (TDE)</a:t>
+            </a:r>
+          </a:p>
+          <a:p>
+            <a:r>
+              <a:rPr lang="en-US" dirty="0"/>
+              <a:t>Always Encrypted </a:t>
+            </a:r>
+          </a:p>
+          <a:p>
+            <a:r>
+              <a:rPr lang="en-US" dirty="0"/>
+              <a:t>Row Level Security (RLS)</a:t>
+            </a:r>
+          </a:p>
+          <a:p>
+            <a:r>
+              <a:rPr lang="en-US" dirty="0"/>
+              <a:t>Dynamic Data Masking (DDM)</a:t>
+            </a:r>
+          </a:p>
+          <a:p>
+            <a:r>
+              <a:rPr lang="en-US" dirty="0"/>
+              <a:t>Column Level Encryption </a:t>
+            </a:r>
+          </a:p>
+          <a:p>
+            <a:r>
+              <a:rPr lang="en-US" dirty="0"/>
+              <a:t>Summary</a:t>
+            </a:r>
+          </a:p>
+          <a:p>
+            <a:endParaRPr lang="en-US" dirty="0"/>
+          </a:p>
+        </p:txBody>
+      </p:sp>
+    </p:spTree>
+    <p:extLst>
+      <p:ext uri="{BB962C8B-B14F-4D97-AF65-F5344CB8AC3E}">
+        <p14:creationId xmlns:p14="http://schemas.microsoft.com/office/powerpoint/2010/main" val="2794339729"/>
+      </p:ext>
+    </p:extLst>
+  </p:cSld>
+  <p:clrMapOvr>
+    <a:masterClrMapping/>
+  </p:clrMapOvr>
+</p:sld>
+</file>
+
+<file path=ppt/slides/slide20.xml><?xml version="1.0" encoding="utf-8"?>
 <p:sld xmlns:a="http://schemas.openxmlformats.org/drawingml/2006/main" xmlns:r="http://schemas.openxmlformats.org/officeDocument/2006/relationships" xmlns:p="http://schemas.openxmlformats.org/presentationml/2006/main">
   <p:cSld>
     <p:spTree>
@@ -6956,211 +7274,6 @@
 </p:sld>
 </file>
 
-<file path=ppt/slides/slide2.xml><?xml version="1.0" encoding="utf-8"?>
-<p:sld xmlns:a="http://schemas.openxmlformats.org/drawingml/2006/main" xmlns:r="http://schemas.openxmlformats.org/officeDocument/2006/relationships" xmlns:p="http://schemas.openxmlformats.org/presentationml/2006/main">
-  <p:cSld>
-    <p:spTree>
-      <p:nvGrpSpPr>
-        <p:cNvPr id="1" name=""/>
-        <p:cNvGrpSpPr/>
-        <p:nvPr/>
-      </p:nvGrpSpPr>
-      <p:grpSpPr>
-        <a:xfrm>
-          <a:off x="0" y="0"/>
-          <a:ext cx="0" cy="0"/>
-          <a:chOff x="0" y="0"/>
-          <a:chExt cx="0" cy="0"/>
-        </a:xfrm>
-      </p:grpSpPr>
-      <p:sp>
-        <p:nvSpPr>
-          <p:cNvPr id="2" name="Title 1"/>
-          <p:cNvSpPr>
-            <a:spLocks noGrp="1"/>
-          </p:cNvSpPr>
-          <p:nvPr>
-            <p:ph type="title"/>
-          </p:nvPr>
-        </p:nvSpPr>
-        <p:spPr/>
-        <p:txBody>
-          <a:bodyPr/>
-          <a:lstStyle/>
-          <a:p>
-            <a:r>
-              <a:rPr lang="en-US" dirty="0"/>
-              <a:t>Agenda</a:t>
-            </a:r>
-          </a:p>
-        </p:txBody>
-      </p:sp>
-      <p:sp>
-        <p:nvSpPr>
-          <p:cNvPr id="3" name="Content Placeholder 2"/>
-          <p:cNvSpPr>
-            <a:spLocks noGrp="1"/>
-          </p:cNvSpPr>
-          <p:nvPr>
-            <p:ph idx="1"/>
-          </p:nvPr>
-        </p:nvSpPr>
-        <p:spPr/>
-        <p:txBody>
-          <a:bodyPr/>
-          <a:lstStyle/>
-          <a:p>
-            <a:r>
-              <a:rPr lang="en-US" dirty="0"/>
-              <a:t>Who am I?</a:t>
-            </a:r>
-          </a:p>
-          <a:p>
-            <a:r>
-              <a:rPr lang="en-US" dirty="0"/>
-              <a:t>Encryption Overview</a:t>
-            </a:r>
-          </a:p>
-          <a:p>
-            <a:r>
-              <a:rPr lang="en-US" dirty="0"/>
-              <a:t>Transparent Data Encryption (TDE)</a:t>
-            </a:r>
-          </a:p>
-          <a:p>
-            <a:r>
-              <a:rPr lang="en-US" dirty="0"/>
-              <a:t>Always Encrypted </a:t>
-            </a:r>
-          </a:p>
-          <a:p>
-            <a:r>
-              <a:rPr lang="en-US" dirty="0"/>
-              <a:t>Row Level Security (RLS)</a:t>
-            </a:r>
-          </a:p>
-          <a:p>
-            <a:r>
-              <a:rPr lang="en-US" dirty="0"/>
-              <a:t>Dynamic Data Masking (DDM)</a:t>
-            </a:r>
-          </a:p>
-          <a:p>
-            <a:r>
-              <a:rPr lang="en-US" dirty="0"/>
-              <a:t>Column Level Encryption </a:t>
-            </a:r>
-          </a:p>
-          <a:p>
-            <a:r>
-              <a:rPr lang="en-US" dirty="0"/>
-              <a:t>Summary</a:t>
-            </a:r>
-          </a:p>
-          <a:p>
-            <a:endParaRPr lang="en-US" dirty="0"/>
-          </a:p>
-        </p:txBody>
-      </p:sp>
-    </p:spTree>
-    <p:extLst>
-      <p:ext uri="{BB962C8B-B14F-4D97-AF65-F5344CB8AC3E}">
-        <p14:creationId xmlns:p14="http://schemas.microsoft.com/office/powerpoint/2010/main" val="2794339729"/>
-      </p:ext>
-    </p:extLst>
-  </p:cSld>
-  <p:clrMapOvr>
-    <a:masterClrMapping/>
-  </p:clrMapOvr>
-</p:sld>
-</file>
-
-<file path=ppt/slides/slide20.xml><?xml version="1.0" encoding="utf-8"?>
-<p:sld xmlns:a="http://schemas.openxmlformats.org/drawingml/2006/main" xmlns:r="http://schemas.openxmlformats.org/officeDocument/2006/relationships" xmlns:p="http://schemas.openxmlformats.org/presentationml/2006/main">
-  <p:cSld>
-    <p:spTree>
-      <p:nvGrpSpPr>
-        <p:cNvPr id="1" name=""/>
-        <p:cNvGrpSpPr/>
-        <p:nvPr/>
-      </p:nvGrpSpPr>
-      <p:grpSpPr>
-        <a:xfrm>
-          <a:off x="0" y="0"/>
-          <a:ext cx="0" cy="0"/>
-          <a:chOff x="0" y="0"/>
-          <a:chExt cx="0" cy="0"/>
-        </a:xfrm>
-      </p:grpSpPr>
-      <p:sp>
-        <p:nvSpPr>
-          <p:cNvPr id="2" name="Title 1"/>
-          <p:cNvSpPr>
-            <a:spLocks noGrp="1"/>
-          </p:cNvSpPr>
-          <p:nvPr>
-            <p:ph type="title"/>
-          </p:nvPr>
-        </p:nvSpPr>
-        <p:spPr/>
-        <p:txBody>
-          <a:bodyPr/>
-          <a:lstStyle/>
-          <a:p>
-            <a:r>
-              <a:rPr lang="en-US" dirty="0"/>
-              <a:t>Dynamic Data Masking (DDM) </a:t>
-            </a:r>
-          </a:p>
-        </p:txBody>
-      </p:sp>
-      <p:sp>
-        <p:nvSpPr>
-          <p:cNvPr id="3" name="Content Placeholder 2"/>
-          <p:cNvSpPr>
-            <a:spLocks noGrp="1"/>
-          </p:cNvSpPr>
-          <p:nvPr>
-            <p:ph idx="1"/>
-          </p:nvPr>
-        </p:nvSpPr>
-        <p:spPr/>
-        <p:txBody>
-          <a:bodyPr/>
-          <a:lstStyle/>
-          <a:p>
-            <a:r>
-              <a:rPr lang="en-US" dirty="0"/>
-              <a:t>No changes to data or storage</a:t>
-            </a:r>
-          </a:p>
-          <a:p>
-            <a:r>
-              <a:rPr lang="en-US" dirty="0"/>
-              <a:t>DDM defines how data appears when queried.</a:t>
-            </a:r>
-          </a:p>
-          <a:p>
-            <a:r>
-              <a:rPr lang="en-US" dirty="0"/>
-              <a:t>Does not require changes to application code</a:t>
-            </a:r>
-          </a:p>
-        </p:txBody>
-      </p:sp>
-    </p:spTree>
-    <p:extLst>
-      <p:ext uri="{BB962C8B-B14F-4D97-AF65-F5344CB8AC3E}">
-        <p14:creationId xmlns:p14="http://schemas.microsoft.com/office/powerpoint/2010/main" val="2899329802"/>
-      </p:ext>
-    </p:extLst>
-  </p:cSld>
-  <p:clrMapOvr>
-    <a:masterClrMapping/>
-  </p:clrMapOvr>
-</p:sld>
-</file>
-
 <file path=ppt/slides/slide21.xml><?xml version="1.0" encoding="utf-8"?>
 <p:sld xmlns:a="http://schemas.openxmlformats.org/drawingml/2006/main" xmlns:r="http://schemas.openxmlformats.org/officeDocument/2006/relationships" xmlns:p="http://schemas.openxmlformats.org/presentationml/2006/main">
   <p:cSld>
@@ -7180,7 +7293,7 @@
       </p:grpSpPr>
       <p:sp>
         <p:nvSpPr>
-          <p:cNvPr id="4" name="Title 3"/>
+          <p:cNvPr id="2" name="Title 1"/>
           <p:cNvSpPr>
             <a:spLocks noGrp="1"/>
           </p:cNvSpPr>
@@ -7195,19 +7308,19 @@
           <a:p>
             <a:r>
               <a:rPr lang="en-US" dirty="0"/>
-              <a:t>Demo</a:t>
-            </a:r>
-          </a:p>
-        </p:txBody>
-      </p:sp>
-      <p:sp>
-        <p:nvSpPr>
-          <p:cNvPr id="5" name="Text Placeholder 4"/>
-          <p:cNvSpPr>
-            <a:spLocks noGrp="1"/>
-          </p:cNvSpPr>
-          <p:nvPr>
-            <p:ph type="body" idx="1"/>
+              <a:t>Dynamic Data Masking (DDM) </a:t>
+            </a:r>
+          </a:p>
+        </p:txBody>
+      </p:sp>
+      <p:sp>
+        <p:nvSpPr>
+          <p:cNvPr id="3" name="Content Placeholder 2"/>
+          <p:cNvSpPr>
+            <a:spLocks noGrp="1"/>
+          </p:cNvSpPr>
+          <p:nvPr>
+            <p:ph idx="1"/>
           </p:nvPr>
         </p:nvSpPr>
         <p:spPr/>
@@ -7217,7 +7330,19 @@
           <a:p>
             <a:r>
               <a:rPr lang="en-US" dirty="0"/>
-              <a:t>Always Encrypted </a:t>
+              <a:t>No changes to data or storage</a:t>
+            </a:r>
+          </a:p>
+          <a:p>
+            <a:r>
+              <a:rPr lang="en-US" dirty="0"/>
+              <a:t>DDM defines how data appears when queried.</a:t>
+            </a:r>
+          </a:p>
+          <a:p>
+            <a:r>
+              <a:rPr lang="en-US" dirty="0"/>
+              <a:t>Does not require changes to application code</a:t>
             </a:r>
           </a:p>
         </p:txBody>
@@ -7225,7 +7350,7 @@
     </p:spTree>
     <p:extLst>
       <p:ext uri="{BB962C8B-B14F-4D97-AF65-F5344CB8AC3E}">
-        <p14:creationId xmlns:p14="http://schemas.microsoft.com/office/powerpoint/2010/main" val="2990823839"/>
+        <p14:creationId xmlns:p14="http://schemas.microsoft.com/office/powerpoint/2010/main" val="2899329802"/>
       </p:ext>
     </p:extLst>
   </p:cSld>
@@ -7254,7 +7379,7 @@
       </p:grpSpPr>
       <p:sp>
         <p:nvSpPr>
-          <p:cNvPr id="2" name="Title 1"/>
+          <p:cNvPr id="4" name="Title 3"/>
           <p:cNvSpPr>
             <a:spLocks noGrp="1"/>
           </p:cNvSpPr>
@@ -7269,19 +7394,19 @@
           <a:p>
             <a:r>
               <a:rPr lang="en-US" dirty="0"/>
-              <a:t>Dynamic Data Masking - Limitations </a:t>
-            </a:r>
-          </a:p>
-        </p:txBody>
-      </p:sp>
-      <p:sp>
-        <p:nvSpPr>
-          <p:cNvPr id="3" name="Content Placeholder 2"/>
-          <p:cNvSpPr>
-            <a:spLocks noGrp="1"/>
-          </p:cNvSpPr>
-          <p:nvPr>
-            <p:ph idx="1"/>
+              <a:t>Demo</a:t>
+            </a:r>
+          </a:p>
+        </p:txBody>
+      </p:sp>
+      <p:sp>
+        <p:nvSpPr>
+          <p:cNvPr id="5" name="Text Placeholder 4"/>
+          <p:cNvSpPr>
+            <a:spLocks noGrp="1"/>
+          </p:cNvSpPr>
+          <p:nvPr>
+            <p:ph type="body" idx="1"/>
           </p:nvPr>
         </p:nvSpPr>
         <p:spPr/>
@@ -7291,24 +7416,15 @@
           <a:p>
             <a:r>
               <a:rPr lang="en-US" dirty="0"/>
-              <a:t>Does not work with Always Encrypted columns.</a:t>
-            </a:r>
-          </a:p>
-          <a:p>
-            <a:r>
-              <a:rPr lang="en-US" dirty="0"/>
-              <a:t>UNMASK is by database, not by table or column.</a:t>
-            </a:r>
-          </a:p>
-          <a:p>
-            <a:endParaRPr lang="en-US" dirty="0"/>
+              <a:t>Always Encrypted </a:t>
+            </a:r>
           </a:p>
         </p:txBody>
       </p:sp>
     </p:spTree>
     <p:extLst>
       <p:ext uri="{BB962C8B-B14F-4D97-AF65-F5344CB8AC3E}">
-        <p14:creationId xmlns:p14="http://schemas.microsoft.com/office/powerpoint/2010/main" val="639806232"/>
+        <p14:creationId xmlns:p14="http://schemas.microsoft.com/office/powerpoint/2010/main" val="2990823839"/>
       </p:ext>
     </p:extLst>
   </p:cSld>
@@ -7352,6 +7468,89 @@
           <a:p>
             <a:r>
               <a:rPr lang="en-US" dirty="0"/>
+              <a:t>Dynamic Data Masking - Limitations </a:t>
+            </a:r>
+          </a:p>
+        </p:txBody>
+      </p:sp>
+      <p:sp>
+        <p:nvSpPr>
+          <p:cNvPr id="3" name="Content Placeholder 2"/>
+          <p:cNvSpPr>
+            <a:spLocks noGrp="1"/>
+          </p:cNvSpPr>
+          <p:nvPr>
+            <p:ph idx="1"/>
+          </p:nvPr>
+        </p:nvSpPr>
+        <p:spPr/>
+        <p:txBody>
+          <a:bodyPr/>
+          <a:lstStyle/>
+          <a:p>
+            <a:r>
+              <a:rPr lang="en-US" dirty="0"/>
+              <a:t>Does not work with Always Encrypted columns.</a:t>
+            </a:r>
+          </a:p>
+          <a:p>
+            <a:r>
+              <a:rPr lang="en-US" dirty="0"/>
+              <a:t>UNMASK is by database, not by table or column.</a:t>
+            </a:r>
+          </a:p>
+          <a:p>
+            <a:endParaRPr lang="en-US" dirty="0"/>
+          </a:p>
+        </p:txBody>
+      </p:sp>
+    </p:spTree>
+    <p:extLst>
+      <p:ext uri="{BB962C8B-B14F-4D97-AF65-F5344CB8AC3E}">
+        <p14:creationId xmlns:p14="http://schemas.microsoft.com/office/powerpoint/2010/main" val="639806232"/>
+      </p:ext>
+    </p:extLst>
+  </p:cSld>
+  <p:clrMapOvr>
+    <a:masterClrMapping/>
+  </p:clrMapOvr>
+</p:sld>
+</file>
+
+<file path=ppt/slides/slide24.xml><?xml version="1.0" encoding="utf-8"?>
+<p:sld xmlns:a="http://schemas.openxmlformats.org/drawingml/2006/main" xmlns:r="http://schemas.openxmlformats.org/officeDocument/2006/relationships" xmlns:p="http://schemas.openxmlformats.org/presentationml/2006/main">
+  <p:cSld>
+    <p:spTree>
+      <p:nvGrpSpPr>
+        <p:cNvPr id="1" name=""/>
+        <p:cNvGrpSpPr/>
+        <p:nvPr/>
+      </p:nvGrpSpPr>
+      <p:grpSpPr>
+        <a:xfrm>
+          <a:off x="0" y="0"/>
+          <a:ext cx="0" cy="0"/>
+          <a:chOff x="0" y="0"/>
+          <a:chExt cx="0" cy="0"/>
+        </a:xfrm>
+      </p:grpSpPr>
+      <p:sp>
+        <p:nvSpPr>
+          <p:cNvPr id="2" name="Title 1"/>
+          <p:cNvSpPr>
+            <a:spLocks noGrp="1"/>
+          </p:cNvSpPr>
+          <p:nvPr>
+            <p:ph type="title"/>
+          </p:nvPr>
+        </p:nvSpPr>
+        <p:spPr/>
+        <p:txBody>
+          <a:bodyPr/>
+          <a:lstStyle/>
+          <a:p>
+            <a:r>
+              <a:rPr lang="en-US" dirty="0"/>
               <a:t>Column Level Encryption </a:t>
             </a:r>
           </a:p>
@@ -7419,7 +7618,7 @@
 </p:sld>
 </file>
 
-<file path=ppt/slides/slide24.xml><?xml version="1.0" encoding="utf-8"?>
+<file path=ppt/slides/slide25.xml><?xml version="1.0" encoding="utf-8"?>
 <p:sld xmlns:a="http://schemas.openxmlformats.org/drawingml/2006/main" xmlns:r="http://schemas.openxmlformats.org/officeDocument/2006/relationships" xmlns:p="http://schemas.openxmlformats.org/presentationml/2006/main">
   <p:cSld>
     <p:spTree>
@@ -7529,80 +7728,6 @@
 </p:sld>
 </file>
 
-<file path=ppt/slides/slide25.xml><?xml version="1.0" encoding="utf-8"?>
-<p:sld xmlns:a="http://schemas.openxmlformats.org/drawingml/2006/main" xmlns:r="http://schemas.openxmlformats.org/officeDocument/2006/relationships" xmlns:p="http://schemas.openxmlformats.org/presentationml/2006/main">
-  <p:cSld>
-    <p:spTree>
-      <p:nvGrpSpPr>
-        <p:cNvPr id="1" name=""/>
-        <p:cNvGrpSpPr/>
-        <p:nvPr/>
-      </p:nvGrpSpPr>
-      <p:grpSpPr>
-        <a:xfrm>
-          <a:off x="0" y="0"/>
-          <a:ext cx="0" cy="0"/>
-          <a:chOff x="0" y="0"/>
-          <a:chExt cx="0" cy="0"/>
-        </a:xfrm>
-      </p:grpSpPr>
-      <p:sp>
-        <p:nvSpPr>
-          <p:cNvPr id="4" name="Title 3"/>
-          <p:cNvSpPr>
-            <a:spLocks noGrp="1"/>
-          </p:cNvSpPr>
-          <p:nvPr>
-            <p:ph type="title"/>
-          </p:nvPr>
-        </p:nvSpPr>
-        <p:spPr/>
-        <p:txBody>
-          <a:bodyPr/>
-          <a:lstStyle/>
-          <a:p>
-            <a:r>
-              <a:rPr lang="en-US" dirty="0"/>
-              <a:t>Demo</a:t>
-            </a:r>
-          </a:p>
-        </p:txBody>
-      </p:sp>
-      <p:sp>
-        <p:nvSpPr>
-          <p:cNvPr id="5" name="Text Placeholder 4"/>
-          <p:cNvSpPr>
-            <a:spLocks noGrp="1"/>
-          </p:cNvSpPr>
-          <p:nvPr>
-            <p:ph type="body" idx="1"/>
-          </p:nvPr>
-        </p:nvSpPr>
-        <p:spPr/>
-        <p:txBody>
-          <a:bodyPr/>
-          <a:lstStyle/>
-          <a:p>
-            <a:r>
-              <a:rPr lang="en-US" dirty="0"/>
-              <a:t>Column Level Encryption </a:t>
-            </a:r>
-          </a:p>
-        </p:txBody>
-      </p:sp>
-    </p:spTree>
-    <p:extLst>
-      <p:ext uri="{BB962C8B-B14F-4D97-AF65-F5344CB8AC3E}">
-        <p14:creationId xmlns:p14="http://schemas.microsoft.com/office/powerpoint/2010/main" val="1454127985"/>
-      </p:ext>
-    </p:extLst>
-  </p:cSld>
-  <p:clrMapOvr>
-    <a:masterClrMapping/>
-  </p:clrMapOvr>
-</p:sld>
-</file>
-
 <file path=ppt/slides/slide26.xml><?xml version="1.0" encoding="utf-8"?>
 <p:sld xmlns:a="http://schemas.openxmlformats.org/drawingml/2006/main" xmlns:r="http://schemas.openxmlformats.org/officeDocument/2006/relationships" xmlns:p="http://schemas.openxmlformats.org/presentationml/2006/main">
   <p:cSld>
@@ -7622,7 +7747,7 @@
       </p:grpSpPr>
       <p:sp>
         <p:nvSpPr>
-          <p:cNvPr id="2" name="Title 1"/>
+          <p:cNvPr id="4" name="Title 3"/>
           <p:cNvSpPr>
             <a:spLocks noGrp="1"/>
           </p:cNvSpPr>
@@ -7637,19 +7762,19 @@
           <a:p>
             <a:r>
               <a:rPr lang="en-US" dirty="0"/>
-              <a:t>Column Level Encryption – Limitations </a:t>
-            </a:r>
-          </a:p>
-        </p:txBody>
-      </p:sp>
-      <p:sp>
-        <p:nvSpPr>
-          <p:cNvPr id="3" name="Content Placeholder 2"/>
-          <p:cNvSpPr>
-            <a:spLocks noGrp="1"/>
-          </p:cNvSpPr>
-          <p:nvPr>
-            <p:ph idx="1"/>
+              <a:t>Demo</a:t>
+            </a:r>
+          </a:p>
+        </p:txBody>
+      </p:sp>
+      <p:sp>
+        <p:nvSpPr>
+          <p:cNvPr id="5" name="Text Placeholder 4"/>
+          <p:cNvSpPr>
+            <a:spLocks noGrp="1"/>
+          </p:cNvSpPr>
+          <p:nvPr>
+            <p:ph type="body" idx="1"/>
           </p:nvPr>
         </p:nvSpPr>
         <p:spPr/>
@@ -7659,48 +7784,15 @@
           <a:p>
             <a:r>
               <a:rPr lang="en-US" dirty="0"/>
-              <a:t>Quiet a few algorithms are old</a:t>
-            </a:r>
-          </a:p>
-          <a:p>
-            <a:r>
-              <a:rPr lang="en-US" dirty="0"/>
-              <a:t>Data is not necessarily protected from the DBA (can be. A little)</a:t>
-            </a:r>
-          </a:p>
-          <a:p>
-            <a:r>
-              <a:rPr lang="en-US" dirty="0"/>
-              <a:t>Requires CPU resources on the server.</a:t>
-            </a:r>
-          </a:p>
-          <a:p>
-            <a:r>
-              <a:rPr lang="en-US" dirty="0"/>
-              <a:t>Encrypted data does not compress. (compress, then encrypt)</a:t>
-            </a:r>
-          </a:p>
-          <a:p>
-            <a:r>
-              <a:rPr lang="en-US" dirty="0"/>
-              <a:t>Symmetric keys are deterministic</a:t>
-            </a:r>
-          </a:p>
-          <a:p>
-            <a:r>
-              <a:rPr lang="en-US" dirty="0"/>
-              <a:t>Requires code changes</a:t>
-            </a:r>
-          </a:p>
-          <a:p>
-            <a:endParaRPr lang="en-US" dirty="0"/>
+              <a:t>Column Level Encryption </a:t>
+            </a:r>
           </a:p>
         </p:txBody>
       </p:sp>
     </p:spTree>
     <p:extLst>
       <p:ext uri="{BB962C8B-B14F-4D97-AF65-F5344CB8AC3E}">
-        <p14:creationId xmlns:p14="http://schemas.microsoft.com/office/powerpoint/2010/main" val="1297784369"/>
+        <p14:creationId xmlns:p14="http://schemas.microsoft.com/office/powerpoint/2010/main" val="1454127985"/>
       </p:ext>
     </p:extLst>
   </p:cSld>
@@ -7744,6 +7836,113 @@
           <a:p>
             <a:r>
               <a:rPr lang="en-US" dirty="0"/>
+              <a:t>Column Level Encryption – Limitations </a:t>
+            </a:r>
+          </a:p>
+        </p:txBody>
+      </p:sp>
+      <p:sp>
+        <p:nvSpPr>
+          <p:cNvPr id="3" name="Content Placeholder 2"/>
+          <p:cNvSpPr>
+            <a:spLocks noGrp="1"/>
+          </p:cNvSpPr>
+          <p:nvPr>
+            <p:ph idx="1"/>
+          </p:nvPr>
+        </p:nvSpPr>
+        <p:spPr/>
+        <p:txBody>
+          <a:bodyPr/>
+          <a:lstStyle/>
+          <a:p>
+            <a:r>
+              <a:rPr lang="en-US" dirty="0"/>
+              <a:t>Quiet a few algorithms are old</a:t>
+            </a:r>
+          </a:p>
+          <a:p>
+            <a:r>
+              <a:rPr lang="en-US" dirty="0"/>
+              <a:t>Data is not necessarily protected from the DBA (can be. A little)</a:t>
+            </a:r>
+          </a:p>
+          <a:p>
+            <a:r>
+              <a:rPr lang="en-US" dirty="0"/>
+              <a:t>Requires CPU resources on the server.</a:t>
+            </a:r>
+          </a:p>
+          <a:p>
+            <a:r>
+              <a:rPr lang="en-US" dirty="0"/>
+              <a:t>Encrypted data does not compress. (compress, then encrypt)</a:t>
+            </a:r>
+          </a:p>
+          <a:p>
+            <a:r>
+              <a:rPr lang="en-US" dirty="0"/>
+              <a:t>Symmetric keys are deterministic</a:t>
+            </a:r>
+          </a:p>
+          <a:p>
+            <a:r>
+              <a:rPr lang="en-US" dirty="0"/>
+              <a:t>Requires code changes</a:t>
+            </a:r>
+          </a:p>
+          <a:p>
+            <a:endParaRPr lang="en-US" dirty="0"/>
+          </a:p>
+        </p:txBody>
+      </p:sp>
+    </p:spTree>
+    <p:extLst>
+      <p:ext uri="{BB962C8B-B14F-4D97-AF65-F5344CB8AC3E}">
+        <p14:creationId xmlns:p14="http://schemas.microsoft.com/office/powerpoint/2010/main" val="1297784369"/>
+      </p:ext>
+    </p:extLst>
+  </p:cSld>
+  <p:clrMapOvr>
+    <a:masterClrMapping/>
+  </p:clrMapOvr>
+</p:sld>
+</file>
+
+<file path=ppt/slides/slide28.xml><?xml version="1.0" encoding="utf-8"?>
+<p:sld xmlns:a="http://schemas.openxmlformats.org/drawingml/2006/main" xmlns:r="http://schemas.openxmlformats.org/officeDocument/2006/relationships" xmlns:p="http://schemas.openxmlformats.org/presentationml/2006/main">
+  <p:cSld>
+    <p:spTree>
+      <p:nvGrpSpPr>
+        <p:cNvPr id="1" name=""/>
+        <p:cNvGrpSpPr/>
+        <p:nvPr/>
+      </p:nvGrpSpPr>
+      <p:grpSpPr>
+        <a:xfrm>
+          <a:off x="0" y="0"/>
+          <a:ext cx="0" cy="0"/>
+          <a:chOff x="0" y="0"/>
+          <a:chExt cx="0" cy="0"/>
+        </a:xfrm>
+      </p:grpSpPr>
+      <p:sp>
+        <p:nvSpPr>
+          <p:cNvPr id="2" name="Title 1"/>
+          <p:cNvSpPr>
+            <a:spLocks noGrp="1"/>
+          </p:cNvSpPr>
+          <p:nvPr>
+            <p:ph type="title"/>
+          </p:nvPr>
+        </p:nvSpPr>
+        <p:spPr/>
+        <p:txBody>
+          <a:bodyPr/>
+          <a:lstStyle/>
+          <a:p>
+            <a:r>
+              <a:rPr lang="en-US" dirty="0"/>
               <a:t>Summary </a:t>
             </a:r>
           </a:p>
@@ -7817,7 +8016,7 @@
 </p:sld>
 </file>
 
-<file path=ppt/slides/slide28.xml><?xml version="1.0" encoding="utf-8"?>
+<file path=ppt/slides/slide29.xml><?xml version="1.0" encoding="utf-8"?>
 <p:sld xmlns:a="http://schemas.openxmlformats.org/drawingml/2006/main" xmlns:r="http://schemas.openxmlformats.org/officeDocument/2006/relationships" xmlns:p="http://schemas.openxmlformats.org/presentationml/2006/main">
   <p:cSld>
     <p:spTree>
@@ -8381,125 +8580,6 @@
 </p:sld>
 </file>
 
-<file path=ppt/slides/slide29.xml><?xml version="1.0" encoding="utf-8"?>
-<p:sld xmlns:a="http://schemas.openxmlformats.org/drawingml/2006/main" xmlns:r="http://schemas.openxmlformats.org/officeDocument/2006/relationships" xmlns:p="http://schemas.openxmlformats.org/presentationml/2006/main">
-  <p:cSld>
-    <p:spTree>
-      <p:nvGrpSpPr>
-        <p:cNvPr id="1" name=""/>
-        <p:cNvGrpSpPr/>
-        <p:nvPr/>
-      </p:nvGrpSpPr>
-      <p:grpSpPr>
-        <a:xfrm>
-          <a:off x="0" y="0"/>
-          <a:ext cx="0" cy="0"/>
-          <a:chOff x="0" y="0"/>
-          <a:chExt cx="0" cy="0"/>
-        </a:xfrm>
-      </p:grpSpPr>
-      <p:sp>
-        <p:nvSpPr>
-          <p:cNvPr id="2" name="Title 1"/>
-          <p:cNvSpPr>
-            <a:spLocks noGrp="1"/>
-          </p:cNvSpPr>
-          <p:nvPr>
-            <p:ph type="title"/>
-          </p:nvPr>
-        </p:nvSpPr>
-        <p:spPr/>
-        <p:txBody>
-          <a:bodyPr/>
-          <a:lstStyle/>
-          <a:p>
-            <a:r>
-              <a:rPr lang="en-US" dirty="0"/>
-              <a:t>References</a:t>
-            </a:r>
-          </a:p>
-        </p:txBody>
-      </p:sp>
-      <p:sp>
-        <p:nvSpPr>
-          <p:cNvPr id="3" name="Content Placeholder 2"/>
-          <p:cNvSpPr>
-            <a:spLocks noGrp="1"/>
-          </p:cNvSpPr>
-          <p:nvPr>
-            <p:ph idx="1"/>
-          </p:nvPr>
-        </p:nvSpPr>
-        <p:spPr/>
-        <p:txBody>
-          <a:bodyPr/>
-          <a:lstStyle/>
-          <a:p>
-            <a:r>
-              <a:rPr lang="en-US" dirty="0"/>
-              <a:t>DDM</a:t>
-            </a:r>
-          </a:p>
-          <a:p>
-            <a:pPr lvl="1"/>
-            <a:r>
-              <a:rPr lang="en-US" dirty="0">
-                <a:hlinkClick r:id="rId2"/>
-              </a:rPr>
-              <a:t>Dynamic Data Masking (BOL) - https://msdn.microsoft.com/en-us/library/mt130841.aspx?f=255&amp;MSPPError=-2147217396</a:t>
-            </a:r>
-          </a:p>
-          <a:p>
-            <a:pPr lvl="1"/>
-            <a:r>
-              <a:rPr lang="en-US" dirty="0">
-                <a:hlinkClick r:id="rId2"/>
-              </a:rPr>
-              <a:t>https://blogs.technet.microsoft.com/dataplatforminsider/2016/01/25/use-dynamic-data-masking-to-obfuscate-your-sensitive-data/</a:t>
-            </a:r>
-            <a:endParaRPr lang="en-US" dirty="0"/>
-          </a:p>
-          <a:p>
-            <a:pPr lvl="1"/>
-            <a:r>
-              <a:rPr lang="en-US" dirty="0"/>
-              <a:t>A Very Quick Post on SQL Server 2016 Dynamic Data Masking - </a:t>
-            </a:r>
-            <a:r>
-              <a:rPr lang="en-US" dirty="0">
-                <a:hlinkClick r:id="rId3"/>
-              </a:rPr>
-              <a:t>https://www.simple-talk.com/blogs/2015/06/10/a-very-quick-post-on-sql-server-2016-dynamic-data-masking/</a:t>
-            </a:r>
-            <a:endParaRPr lang="en-US" dirty="0"/>
-          </a:p>
-          <a:p>
-            <a:pPr lvl="1"/>
-            <a:endParaRPr lang="en-US" dirty="0"/>
-          </a:p>
-          <a:p>
-            <a:pPr lvl="1"/>
-            <a:endParaRPr lang="en-US" dirty="0"/>
-          </a:p>
-          <a:p>
-            <a:pPr lvl="1"/>
-            <a:endParaRPr lang="en-US" dirty="0"/>
-          </a:p>
-        </p:txBody>
-      </p:sp>
-    </p:spTree>
-    <p:extLst>
-      <p:ext uri="{BB962C8B-B14F-4D97-AF65-F5344CB8AC3E}">
-        <p14:creationId xmlns:p14="http://schemas.microsoft.com/office/powerpoint/2010/main" val="1571852807"/>
-      </p:ext>
-    </p:extLst>
-  </p:cSld>
-  <p:clrMapOvr>
-    <a:masterClrMapping/>
-  </p:clrMapOvr>
-</p:sld>
-</file>
-
 <file path=ppt/slides/slide3.xml><?xml version="1.0" encoding="utf-8"?>
 <p:sld xmlns:a="http://schemas.openxmlformats.org/drawingml/2006/main" xmlns:r="http://schemas.openxmlformats.org/officeDocument/2006/relationships" xmlns:p="http://schemas.openxmlformats.org/presentationml/2006/main">
   <p:cSld>
@@ -9404,6 +9484,125 @@
         </p:nvSpPr>
         <p:spPr/>
         <p:txBody>
+          <a:bodyPr/>
+          <a:lstStyle/>
+          <a:p>
+            <a:r>
+              <a:rPr lang="en-US" dirty="0"/>
+              <a:t>DDM</a:t>
+            </a:r>
+          </a:p>
+          <a:p>
+            <a:pPr lvl="1"/>
+            <a:r>
+              <a:rPr lang="en-US" dirty="0">
+                <a:hlinkClick r:id="rId2"/>
+              </a:rPr>
+              <a:t>Dynamic Data Masking (BOL) - https://msdn.microsoft.com/en-us/library/mt130841.aspx?f=255&amp;MSPPError=-2147217396</a:t>
+            </a:r>
+          </a:p>
+          <a:p>
+            <a:pPr lvl="1"/>
+            <a:r>
+              <a:rPr lang="en-US" dirty="0">
+                <a:hlinkClick r:id="rId2"/>
+              </a:rPr>
+              <a:t>https://blogs.technet.microsoft.com/dataplatforminsider/2016/01/25/use-dynamic-data-masking-to-obfuscate-your-sensitive-data/</a:t>
+            </a:r>
+            <a:endParaRPr lang="en-US" dirty="0"/>
+          </a:p>
+          <a:p>
+            <a:pPr lvl="1"/>
+            <a:r>
+              <a:rPr lang="en-US" dirty="0"/>
+              <a:t>A Very Quick Post on SQL Server 2016 Dynamic Data Masking - </a:t>
+            </a:r>
+            <a:r>
+              <a:rPr lang="en-US" dirty="0">
+                <a:hlinkClick r:id="rId3"/>
+              </a:rPr>
+              <a:t>https://www.simple-talk.com/blogs/2015/06/10/a-very-quick-post-on-sql-server-2016-dynamic-data-masking/</a:t>
+            </a:r>
+            <a:endParaRPr lang="en-US" dirty="0"/>
+          </a:p>
+          <a:p>
+            <a:pPr lvl="1"/>
+            <a:endParaRPr lang="en-US" dirty="0"/>
+          </a:p>
+          <a:p>
+            <a:pPr lvl="1"/>
+            <a:endParaRPr lang="en-US" dirty="0"/>
+          </a:p>
+          <a:p>
+            <a:pPr lvl="1"/>
+            <a:endParaRPr lang="en-US" dirty="0"/>
+          </a:p>
+        </p:txBody>
+      </p:sp>
+    </p:spTree>
+    <p:extLst>
+      <p:ext uri="{BB962C8B-B14F-4D97-AF65-F5344CB8AC3E}">
+        <p14:creationId xmlns:p14="http://schemas.microsoft.com/office/powerpoint/2010/main" val="1571852807"/>
+      </p:ext>
+    </p:extLst>
+  </p:cSld>
+  <p:clrMapOvr>
+    <a:masterClrMapping/>
+  </p:clrMapOvr>
+</p:sld>
+</file>
+
+<file path=ppt/slides/slide31.xml><?xml version="1.0" encoding="utf-8"?>
+<p:sld xmlns:a="http://schemas.openxmlformats.org/drawingml/2006/main" xmlns:r="http://schemas.openxmlformats.org/officeDocument/2006/relationships" xmlns:p="http://schemas.openxmlformats.org/presentationml/2006/main">
+  <p:cSld>
+    <p:spTree>
+      <p:nvGrpSpPr>
+        <p:cNvPr id="1" name=""/>
+        <p:cNvGrpSpPr/>
+        <p:nvPr/>
+      </p:nvGrpSpPr>
+      <p:grpSpPr>
+        <a:xfrm>
+          <a:off x="0" y="0"/>
+          <a:ext cx="0" cy="0"/>
+          <a:chOff x="0" y="0"/>
+          <a:chExt cx="0" cy="0"/>
+        </a:xfrm>
+      </p:grpSpPr>
+      <p:sp>
+        <p:nvSpPr>
+          <p:cNvPr id="2" name="Title 1"/>
+          <p:cNvSpPr>
+            <a:spLocks noGrp="1"/>
+          </p:cNvSpPr>
+          <p:nvPr>
+            <p:ph type="title"/>
+          </p:nvPr>
+        </p:nvSpPr>
+        <p:spPr/>
+        <p:txBody>
+          <a:bodyPr/>
+          <a:lstStyle/>
+          <a:p>
+            <a:r>
+              <a:rPr lang="en-US" dirty="0"/>
+              <a:t>References</a:t>
+            </a:r>
+          </a:p>
+        </p:txBody>
+      </p:sp>
+      <p:sp>
+        <p:nvSpPr>
+          <p:cNvPr id="3" name="Content Placeholder 2"/>
+          <p:cNvSpPr>
+            <a:spLocks noGrp="1"/>
+          </p:cNvSpPr>
+          <p:nvPr>
+            <p:ph idx="1"/>
+          </p:nvPr>
+        </p:nvSpPr>
+        <p:spPr/>
+        <p:txBody>
           <a:bodyPr>
             <a:normAutofit/>
           </a:bodyPr>
@@ -9482,13 +9681,7 @@
               <a:rPr lang="en-US">
                 <a:hlinkClick r:id="rId5"/>
               </a:rPr>
-              <a:t>https</a:t>
-            </a:r>
-            <a:r>
-              <a:rPr lang="en-US">
-                <a:hlinkClick r:id="rId5"/>
-              </a:rPr>
-              <a:t>://msdn.microsoft.com/en-us/library/mt163865.aspx</a:t>
+              <a:t>https://msdn.microsoft.com/en-us/library/mt163865.aspx</a:t>
             </a:r>
             <a:endParaRPr lang="en-US"/>
           </a:p>
@@ -9548,6 +9741,118 @@
       </p:grpSpPr>
       <p:sp>
         <p:nvSpPr>
+          <p:cNvPr id="2" name="Title 1"/>
+          <p:cNvSpPr>
+            <a:spLocks noGrp="1"/>
+          </p:cNvSpPr>
+          <p:nvPr>
+            <p:ph type="title"/>
+          </p:nvPr>
+        </p:nvSpPr>
+        <p:spPr/>
+        <p:txBody>
+          <a:bodyPr/>
+          <a:lstStyle/>
+          <a:p>
+            <a:r>
+              <a:rPr lang="en-US" dirty="0"/>
+              <a:t>Who are you?</a:t>
+            </a:r>
+          </a:p>
+        </p:txBody>
+      </p:sp>
+      <p:sp>
+        <p:nvSpPr>
+          <p:cNvPr id="3" name="Content Placeholder 2"/>
+          <p:cNvSpPr>
+            <a:spLocks noGrp="1"/>
+          </p:cNvSpPr>
+          <p:nvPr>
+            <p:ph idx="1"/>
+          </p:nvPr>
+        </p:nvSpPr>
+        <p:spPr/>
+        <p:txBody>
+          <a:bodyPr/>
+          <a:lstStyle/>
+          <a:p>
+            <a:r>
+              <a:rPr lang="en-US" dirty="0"/>
+              <a:t>DBAs/sysadmins?</a:t>
+            </a:r>
+          </a:p>
+          <a:p>
+            <a:r>
+              <a:rPr lang="en-US" dirty="0"/>
+              <a:t>Developers?</a:t>
+            </a:r>
+          </a:p>
+          <a:p>
+            <a:r>
+              <a:rPr lang="en-US" dirty="0"/>
+              <a:t>Other?</a:t>
+            </a:r>
+          </a:p>
+          <a:p>
+            <a:r>
+              <a:rPr lang="en-US" dirty="0"/>
+              <a:t>Using </a:t>
+            </a:r>
+            <a:r>
+              <a:rPr lang="en-US" dirty="0" err="1"/>
+              <a:t>tSQLt</a:t>
+            </a:r>
+            <a:r>
+              <a:rPr lang="en-US" dirty="0"/>
+              <a:t>?</a:t>
+            </a:r>
+          </a:p>
+          <a:p>
+            <a:r>
+              <a:rPr lang="en-US" dirty="0"/>
+              <a:t>Redgate?</a:t>
+            </a:r>
+          </a:p>
+          <a:p>
+            <a:r>
+              <a:rPr lang="en-US" dirty="0"/>
+              <a:t>Use Redgate tools?</a:t>
+            </a:r>
+          </a:p>
+        </p:txBody>
+      </p:sp>
+    </p:spTree>
+    <p:extLst>
+      <p:ext uri="{BB962C8B-B14F-4D97-AF65-F5344CB8AC3E}">
+        <p14:creationId xmlns:p14="http://schemas.microsoft.com/office/powerpoint/2010/main" val="1560249394"/>
+      </p:ext>
+    </p:extLst>
+  </p:cSld>
+  <p:clrMapOvr>
+    <a:masterClrMapping/>
+  </p:clrMapOvr>
+</p:sld>
+</file>
+
+<file path=ppt/slides/slide5.xml><?xml version="1.0" encoding="utf-8"?>
+<p:sld xmlns:a="http://schemas.openxmlformats.org/drawingml/2006/main" xmlns:r="http://schemas.openxmlformats.org/officeDocument/2006/relationships" xmlns:p="http://schemas.openxmlformats.org/presentationml/2006/main">
+  <p:cSld>
+    <p:spTree>
+      <p:nvGrpSpPr>
+        <p:cNvPr id="1" name=""/>
+        <p:cNvGrpSpPr/>
+        <p:nvPr/>
+      </p:nvGrpSpPr>
+      <p:grpSpPr>
+        <a:xfrm>
+          <a:off x="0" y="0"/>
+          <a:ext cx="0" cy="0"/>
+          <a:chOff x="0" y="0"/>
+          <a:chExt cx="0" cy="0"/>
+        </a:xfrm>
+      </p:grpSpPr>
+      <p:sp>
+        <p:nvSpPr>
           <p:cNvPr id="21506" name="Rectangle 3"/>
           <p:cNvSpPr>
             <a:spLocks noGrp="1" noChangeArrowheads="1"/>
@@ -9707,7 +10012,7 @@
 </p:sld>
 </file>
 
-<file path=ppt/slides/slide5.xml><?xml version="1.0" encoding="utf-8"?>
+<file path=ppt/slides/slide6.xml><?xml version="1.0" encoding="utf-8"?>
 <p:sld xmlns:a="http://schemas.openxmlformats.org/drawingml/2006/main" xmlns:r="http://schemas.openxmlformats.org/officeDocument/2006/relationships" xmlns:p="http://schemas.openxmlformats.org/presentationml/2006/main">
   <p:cSld>
     <p:spTree>
@@ -10022,7 +10327,7 @@
 </p:sld>
 </file>
 
-<file path=ppt/slides/slide6.xml><?xml version="1.0" encoding="utf-8"?>
+<file path=ppt/slides/slide7.xml><?xml version="1.0" encoding="utf-8"?>
 <p:sld xmlns:a="http://schemas.openxmlformats.org/drawingml/2006/main" xmlns:r="http://schemas.openxmlformats.org/officeDocument/2006/relationships" xmlns:p="http://schemas.openxmlformats.org/presentationml/2006/main">
   <p:cSld>
     <p:spTree>
@@ -10081,7 +10386,7 @@
 </p:sld>
 </file>
 
-<file path=ppt/slides/slide7.xml><?xml version="1.0" encoding="utf-8"?>
+<file path=ppt/slides/slide8.xml><?xml version="1.0" encoding="utf-8"?>
 <p:sld xmlns:a="http://schemas.openxmlformats.org/drawingml/2006/main" xmlns:r="http://schemas.openxmlformats.org/officeDocument/2006/relationships" xmlns:p="http://schemas.openxmlformats.org/presentationml/2006/main">
   <p:cSld>
     <p:spTree>
@@ -10140,7 +10445,7 @@
 </p:sld>
 </file>
 
-<file path=ppt/slides/slide8.xml><?xml version="1.0" encoding="utf-8"?>
+<file path=ppt/slides/slide9.xml><?xml version="1.0" encoding="utf-8"?>
 <p:sld xmlns:a="http://schemas.openxmlformats.org/drawingml/2006/main" xmlns:r="http://schemas.openxmlformats.org/officeDocument/2006/relationships" xmlns:p="http://schemas.openxmlformats.org/presentationml/2006/main">
   <p:cSld>
     <p:spTree>
@@ -10575,144 +10880,6 @@
     <p:extLst>
       <p:ext uri="{BB962C8B-B14F-4D97-AF65-F5344CB8AC3E}">
         <p14:creationId xmlns:p14="http://schemas.microsoft.com/office/powerpoint/2010/main" val="779544939"/>
-      </p:ext>
-    </p:extLst>
-  </p:cSld>
-  <p:clrMapOvr>
-    <a:masterClrMapping/>
-  </p:clrMapOvr>
-</p:sld>
-</file>
-
-<file path=ppt/slides/slide9.xml><?xml version="1.0" encoding="utf-8"?>
-<p:sld xmlns:a="http://schemas.openxmlformats.org/drawingml/2006/main" xmlns:r="http://schemas.openxmlformats.org/officeDocument/2006/relationships" xmlns:p="http://schemas.openxmlformats.org/presentationml/2006/main">
-  <p:cSld>
-    <p:spTree>
-      <p:nvGrpSpPr>
-        <p:cNvPr id="1" name=""/>
-        <p:cNvGrpSpPr/>
-        <p:nvPr/>
-      </p:nvGrpSpPr>
-      <p:grpSpPr>
-        <a:xfrm>
-          <a:off x="0" y="0"/>
-          <a:ext cx="0" cy="0"/>
-          <a:chOff x="0" y="0"/>
-          <a:chExt cx="0" cy="0"/>
-        </a:xfrm>
-      </p:grpSpPr>
-      <p:sp>
-        <p:nvSpPr>
-          <p:cNvPr id="2" name="Title 1"/>
-          <p:cNvSpPr>
-            <a:spLocks noGrp="1"/>
-          </p:cNvSpPr>
-          <p:nvPr>
-            <p:ph type="title"/>
-          </p:nvPr>
-        </p:nvSpPr>
-        <p:spPr/>
-        <p:txBody>
-          <a:bodyPr/>
-          <a:lstStyle/>
-          <a:p>
-            <a:r>
-              <a:rPr lang="en-US" dirty="0"/>
-              <a:t>Transparent Data Encryption </a:t>
-            </a:r>
-          </a:p>
-        </p:txBody>
-      </p:sp>
-      <p:sp>
-        <p:nvSpPr>
-          <p:cNvPr id="3" name="Content Placeholder 2"/>
-          <p:cNvSpPr>
-            <a:spLocks noGrp="1"/>
-          </p:cNvSpPr>
-          <p:nvPr>
-            <p:ph idx="1"/>
-          </p:nvPr>
-        </p:nvSpPr>
-        <p:spPr/>
-        <p:txBody>
-          <a:bodyPr/>
-          <a:lstStyle/>
-          <a:p>
-            <a:r>
-              <a:rPr lang="en-US" dirty="0"/>
-              <a:t>Protects data at rest</a:t>
-            </a:r>
-          </a:p>
-          <a:p>
-            <a:r>
-              <a:rPr lang="en-US" dirty="0"/>
-              <a:t>Encrypts data and log files (</a:t>
-            </a:r>
-            <a:r>
-              <a:rPr lang="en-US" dirty="0" err="1"/>
-              <a:t>mdf</a:t>
-            </a:r>
-            <a:r>
-              <a:rPr lang="en-US" dirty="0"/>
-              <a:t>, </a:t>
-            </a:r>
-            <a:r>
-              <a:rPr lang="en-US" dirty="0" err="1"/>
-              <a:t>ndf</a:t>
-            </a:r>
-            <a:r>
-              <a:rPr lang="en-US" dirty="0"/>
-              <a:t>, </a:t>
-            </a:r>
-            <a:r>
-              <a:rPr lang="en-US" dirty="0" err="1"/>
-              <a:t>ldf</a:t>
-            </a:r>
-            <a:r>
-              <a:rPr lang="en-US" dirty="0"/>
-              <a:t>)</a:t>
-            </a:r>
-          </a:p>
-          <a:p>
-            <a:r>
-              <a:rPr lang="en-US" dirty="0"/>
-              <a:t>SQL Server 2008+ and Azure</a:t>
-            </a:r>
-          </a:p>
-          <a:p>
-            <a:r>
-              <a:rPr lang="en-US" dirty="0"/>
-              <a:t>Backup files encrypted </a:t>
-            </a:r>
-          </a:p>
-          <a:p>
-            <a:r>
-              <a:rPr lang="en-US" dirty="0" err="1"/>
-              <a:t>Tempdb</a:t>
-            </a:r>
-            <a:r>
-              <a:rPr lang="en-US" dirty="0"/>
-              <a:t> encrypted</a:t>
-            </a:r>
-          </a:p>
-          <a:p>
-            <a:r>
-              <a:rPr lang="en-US" dirty="0"/>
-              <a:t>Many auditors will want this</a:t>
-            </a:r>
-          </a:p>
-          <a:p>
-            <a:r>
-              <a:rPr lang="en-US" dirty="0"/>
-              <a:t>Enterprise Edition only. </a:t>
-            </a:r>
-          </a:p>
-        </p:txBody>
-      </p:sp>
-    </p:spTree>
-    <p:extLst>
-      <p:ext uri="{BB962C8B-B14F-4D97-AF65-F5344CB8AC3E}">
-        <p14:creationId xmlns:p14="http://schemas.microsoft.com/office/powerpoint/2010/main" val="3848089310"/>
       </p:ext>
     </p:extLst>
   </p:cSld>

--- a/Getting Started with Encryption in SQL 2016.pptx
+++ b/Getting Started with Encryption in SQL 2016.pptx
@@ -4576,6 +4576,13 @@
   <p:clrMapOvr>
     <a:masterClrMapping/>
   </p:clrMapOvr>
+  <p:timing>
+    <p:tnLst>
+      <p:par>
+        <p:cTn id="1" dur="indefinite" restart="never" nodeType="tmRoot"/>
+      </p:par>
+    </p:tnLst>
+  </p:timing>
 </p:sld>
 </file>
 
@@ -5359,21 +5366,21 @@
                 <a:gridCol w="919577">
                   <a:extLst>
                     <a:ext uri="{9D8B030D-6E8A-4147-A177-3AD203B41FA5}">
-                      <a16:colId xmlns:a16="http://schemas.microsoft.com/office/drawing/2014/main" xmlns="" val="20000"/>
+                      <a16:colId xmlns="" xmlns:a16="http://schemas.microsoft.com/office/drawing/2014/main" val="20000"/>
                     </a:ext>
                   </a:extLst>
                 </a:gridCol>
                 <a:gridCol w="1509204">
                   <a:extLst>
                     <a:ext uri="{9D8B030D-6E8A-4147-A177-3AD203B41FA5}">
-                      <a16:colId xmlns:a16="http://schemas.microsoft.com/office/drawing/2014/main" xmlns="" val="20001"/>
+                      <a16:colId xmlns="" xmlns:a16="http://schemas.microsoft.com/office/drawing/2014/main" val="20001"/>
                     </a:ext>
                   </a:extLst>
                 </a:gridCol>
                 <a:gridCol w="1695634">
                   <a:extLst>
                     <a:ext uri="{9D8B030D-6E8A-4147-A177-3AD203B41FA5}">
-                      <a16:colId xmlns:a16="http://schemas.microsoft.com/office/drawing/2014/main" xmlns="" val="20002"/>
+                      <a16:colId xmlns="" xmlns:a16="http://schemas.microsoft.com/office/drawing/2014/main" val="20002"/>
                     </a:ext>
                   </a:extLst>
                 </a:gridCol>
@@ -5423,7 +5430,7 @@
                 </a:tc>
                 <a:extLst>
                   <a:ext uri="{0D108BD9-81ED-4DB2-BD59-A6C34878D82A}">
-                    <a16:rowId xmlns:a16="http://schemas.microsoft.com/office/drawing/2014/main" xmlns="" val="10000"/>
+                    <a16:rowId xmlns="" xmlns:a16="http://schemas.microsoft.com/office/drawing/2014/main" val="10000"/>
                   </a:ext>
                 </a:extLst>
               </a:tr>
@@ -5469,7 +5476,7 @@
                 </a:tc>
                 <a:extLst>
                   <a:ext uri="{0D108BD9-81ED-4DB2-BD59-A6C34878D82A}">
-                    <a16:rowId xmlns:a16="http://schemas.microsoft.com/office/drawing/2014/main" xmlns="" val="10001"/>
+                    <a16:rowId xmlns="" xmlns:a16="http://schemas.microsoft.com/office/drawing/2014/main" val="10001"/>
                   </a:ext>
                 </a:extLst>
               </a:tr>
@@ -5515,7 +5522,7 @@
                 </a:tc>
                 <a:extLst>
                   <a:ext uri="{0D108BD9-81ED-4DB2-BD59-A6C34878D82A}">
-                    <a16:rowId xmlns:a16="http://schemas.microsoft.com/office/drawing/2014/main" xmlns="" val="10002"/>
+                    <a16:rowId xmlns="" xmlns:a16="http://schemas.microsoft.com/office/drawing/2014/main" val="10002"/>
                   </a:ext>
                 </a:extLst>
               </a:tr>
@@ -5561,7 +5568,7 @@
                 </a:tc>
                 <a:extLst>
                   <a:ext uri="{0D108BD9-81ED-4DB2-BD59-A6C34878D82A}">
-                    <a16:rowId xmlns:a16="http://schemas.microsoft.com/office/drawing/2014/main" xmlns="" val="10003"/>
+                    <a16:rowId xmlns="" xmlns:a16="http://schemas.microsoft.com/office/drawing/2014/main" val="10003"/>
                   </a:ext>
                 </a:extLst>
               </a:tr>
@@ -5607,7 +5614,7 @@
                 </a:tc>
                 <a:extLst>
                   <a:ext uri="{0D108BD9-81ED-4DB2-BD59-A6C34878D82A}">
-                    <a16:rowId xmlns:a16="http://schemas.microsoft.com/office/drawing/2014/main" xmlns="" val="10004"/>
+                    <a16:rowId xmlns="" xmlns:a16="http://schemas.microsoft.com/office/drawing/2014/main" val="10004"/>
                   </a:ext>
                 </a:extLst>
               </a:tr>
@@ -5653,7 +5660,7 @@
                 </a:tc>
                 <a:extLst>
                   <a:ext uri="{0D108BD9-81ED-4DB2-BD59-A6C34878D82A}">
-                    <a16:rowId xmlns:a16="http://schemas.microsoft.com/office/drawing/2014/main" xmlns="" val="10005"/>
+                    <a16:rowId xmlns="" xmlns:a16="http://schemas.microsoft.com/office/drawing/2014/main" val="10005"/>
                   </a:ext>
                 </a:extLst>
               </a:tr>
@@ -5699,7 +5706,7 @@
                 </a:tc>
                 <a:extLst>
                   <a:ext uri="{0D108BD9-81ED-4DB2-BD59-A6C34878D82A}">
-                    <a16:rowId xmlns:a16="http://schemas.microsoft.com/office/drawing/2014/main" xmlns="" val="10006"/>
+                    <a16:rowId xmlns="" xmlns:a16="http://schemas.microsoft.com/office/drawing/2014/main" val="10006"/>
                   </a:ext>
                 </a:extLst>
               </a:tr>
@@ -5735,21 +5742,21 @@
                 <a:gridCol w="966420">
                   <a:extLst>
                     <a:ext uri="{9D8B030D-6E8A-4147-A177-3AD203B41FA5}">
-                      <a16:colId xmlns:a16="http://schemas.microsoft.com/office/drawing/2014/main" xmlns="" val="20000"/>
+                      <a16:colId xmlns="" xmlns:a16="http://schemas.microsoft.com/office/drawing/2014/main" val="20000"/>
                     </a:ext>
                   </a:extLst>
                 </a:gridCol>
                 <a:gridCol w="1556061">
                   <a:extLst>
                     <a:ext uri="{9D8B030D-6E8A-4147-A177-3AD203B41FA5}">
-                      <a16:colId xmlns:a16="http://schemas.microsoft.com/office/drawing/2014/main" xmlns="" val="20001"/>
+                      <a16:colId xmlns="" xmlns:a16="http://schemas.microsoft.com/office/drawing/2014/main" val="20001"/>
                     </a:ext>
                   </a:extLst>
                 </a:gridCol>
                 <a:gridCol w="1714013">
                   <a:extLst>
                     <a:ext uri="{9D8B030D-6E8A-4147-A177-3AD203B41FA5}">
-                      <a16:colId xmlns:a16="http://schemas.microsoft.com/office/drawing/2014/main" xmlns="" val="20002"/>
+                      <a16:colId xmlns="" xmlns:a16="http://schemas.microsoft.com/office/drawing/2014/main" val="20002"/>
                     </a:ext>
                   </a:extLst>
                 </a:gridCol>
@@ -5799,7 +5806,7 @@
                 </a:tc>
                 <a:extLst>
                   <a:ext uri="{0D108BD9-81ED-4DB2-BD59-A6C34878D82A}">
-                    <a16:rowId xmlns:a16="http://schemas.microsoft.com/office/drawing/2014/main" xmlns="" val="10000"/>
+                    <a16:rowId xmlns="" xmlns:a16="http://schemas.microsoft.com/office/drawing/2014/main" val="10000"/>
                   </a:ext>
                 </a:extLst>
               </a:tr>
@@ -5845,7 +5852,7 @@
                 </a:tc>
                 <a:extLst>
                   <a:ext uri="{0D108BD9-81ED-4DB2-BD59-A6C34878D82A}">
-                    <a16:rowId xmlns:a16="http://schemas.microsoft.com/office/drawing/2014/main" xmlns="" val="10001"/>
+                    <a16:rowId xmlns="" xmlns:a16="http://schemas.microsoft.com/office/drawing/2014/main" val="10001"/>
                   </a:ext>
                 </a:extLst>
               </a:tr>
@@ -5891,7 +5898,7 @@
                 </a:tc>
                 <a:extLst>
                   <a:ext uri="{0D108BD9-81ED-4DB2-BD59-A6C34878D82A}">
-                    <a16:rowId xmlns:a16="http://schemas.microsoft.com/office/drawing/2014/main" xmlns="" val="10002"/>
+                    <a16:rowId xmlns="" xmlns:a16="http://schemas.microsoft.com/office/drawing/2014/main" val="10002"/>
                   </a:ext>
                 </a:extLst>
               </a:tr>
@@ -6031,21 +6038,21 @@
                 <a:gridCol w="998552">
                   <a:extLst>
                     <a:ext uri="{9D8B030D-6E8A-4147-A177-3AD203B41FA5}">
-                      <a16:colId xmlns:a16="http://schemas.microsoft.com/office/drawing/2014/main" xmlns="" val="20000"/>
+                      <a16:colId xmlns="" xmlns:a16="http://schemas.microsoft.com/office/drawing/2014/main" val="20000"/>
                     </a:ext>
                   </a:extLst>
                 </a:gridCol>
                 <a:gridCol w="1580225">
                   <a:extLst>
                     <a:ext uri="{9D8B030D-6E8A-4147-A177-3AD203B41FA5}">
-                      <a16:colId xmlns:a16="http://schemas.microsoft.com/office/drawing/2014/main" xmlns="" val="20001"/>
+                      <a16:colId xmlns="" xmlns:a16="http://schemas.microsoft.com/office/drawing/2014/main" val="20001"/>
                     </a:ext>
                   </a:extLst>
                 </a:gridCol>
                 <a:gridCol w="1553592">
                   <a:extLst>
                     <a:ext uri="{9D8B030D-6E8A-4147-A177-3AD203B41FA5}">
-                      <a16:colId xmlns:a16="http://schemas.microsoft.com/office/drawing/2014/main" xmlns="" val="20002"/>
+                      <a16:colId xmlns="" xmlns:a16="http://schemas.microsoft.com/office/drawing/2014/main" val="20002"/>
                     </a:ext>
                   </a:extLst>
                 </a:gridCol>
@@ -6095,7 +6102,7 @@
                 </a:tc>
                 <a:extLst>
                   <a:ext uri="{0D108BD9-81ED-4DB2-BD59-A6C34878D82A}">
-                    <a16:rowId xmlns:a16="http://schemas.microsoft.com/office/drawing/2014/main" xmlns="" val="10000"/>
+                    <a16:rowId xmlns="" xmlns:a16="http://schemas.microsoft.com/office/drawing/2014/main" val="10000"/>
                   </a:ext>
                 </a:extLst>
               </a:tr>
@@ -6141,7 +6148,7 @@
                 </a:tc>
                 <a:extLst>
                   <a:ext uri="{0D108BD9-81ED-4DB2-BD59-A6C34878D82A}">
-                    <a16:rowId xmlns:a16="http://schemas.microsoft.com/office/drawing/2014/main" xmlns="" val="10001"/>
+                    <a16:rowId xmlns="" xmlns:a16="http://schemas.microsoft.com/office/drawing/2014/main" val="10001"/>
                   </a:ext>
                 </a:extLst>
               </a:tr>
@@ -6187,7 +6194,7 @@
                 </a:tc>
                 <a:extLst>
                   <a:ext uri="{0D108BD9-81ED-4DB2-BD59-A6C34878D82A}">
-                    <a16:rowId xmlns:a16="http://schemas.microsoft.com/office/drawing/2014/main" xmlns="" val="10004"/>
+                    <a16:rowId xmlns="" xmlns:a16="http://schemas.microsoft.com/office/drawing/2014/main" val="10004"/>
                   </a:ext>
                 </a:extLst>
               </a:tr>
@@ -6233,7 +6240,7 @@
                 </a:tc>
                 <a:extLst>
                   <a:ext uri="{0D108BD9-81ED-4DB2-BD59-A6C34878D82A}">
-                    <a16:rowId xmlns:a16="http://schemas.microsoft.com/office/drawing/2014/main" xmlns="" val="10005"/>
+                    <a16:rowId xmlns="" xmlns:a16="http://schemas.microsoft.com/office/drawing/2014/main" val="10005"/>
                   </a:ext>
                 </a:extLst>
               </a:tr>
@@ -7190,6 +7197,13 @@
   <p:clrMapOvr>
     <a:masterClrMapping/>
   </p:clrMapOvr>
+  <p:timing>
+    <p:tnLst>
+      <p:par>
+        <p:cTn id="1" dur="indefinite" restart="never" nodeType="tmRoot"/>
+      </p:par>
+    </p:tnLst>
+  </p:timing>
 </p:sld>
 </file>
 
@@ -9430,6 +9444,13 @@
   <p:transition>
     <p:fade/>
   </p:transition>
+  <p:timing>
+    <p:tnLst>
+      <p:par>
+        <p:cTn id="1" dur="indefinite" restart="never" nodeType="tmRoot"/>
+      </p:par>
+    </p:tnLst>
+  </p:timing>
 </p:sld>
 </file>
 
@@ -9789,28 +9810,22 @@
           </a:p>
           <a:p>
             <a:r>
-              <a:rPr lang="en-US" dirty="0"/>
-              <a:t>Other?</a:t>
-            </a:r>
-          </a:p>
-          <a:p>
-            <a:r>
-              <a:rPr lang="en-US" dirty="0"/>
-              <a:t>Using </a:t>
-            </a:r>
-            <a:r>
-              <a:rPr lang="en-US" dirty="0" err="1"/>
-              <a:t>tSQLt</a:t>
+              <a:rPr lang="en-US"/>
+              <a:t>Other</a:t>
+            </a:r>
+            <a:r>
+              <a:rPr lang="en-US" smtClean="0"/>
+              <a:t>?</a:t>
+            </a:r>
+          </a:p>
+          <a:p>
+            <a:r>
+              <a:rPr lang="en-US" smtClean="0"/>
+              <a:t>Redgate</a:t>
             </a:r>
             <a:r>
               <a:rPr lang="en-US" dirty="0"/>
               <a:t>?</a:t>
-            </a:r>
-          </a:p>
-          <a:p>
-            <a:r>
-              <a:rPr lang="en-US" dirty="0"/>
-              <a:t>Redgate?</a:t>
             </a:r>
           </a:p>
           <a:p>
@@ -9831,6 +9846,13 @@
   <p:clrMapOvr>
     <a:masterClrMapping/>
   </p:clrMapOvr>
+  <p:timing>
+    <p:tnLst>
+      <p:par>
+        <p:cTn id="1" dur="indefinite" restart="never" nodeType="tmRoot"/>
+      </p:par>
+    </p:tnLst>
+  </p:timing>
 </p:sld>
 </file>
 
@@ -10009,6 +10031,13 @@
     <a:masterClrMapping/>
   </p:clrMapOvr>
   <p:transition/>
+  <p:timing>
+    <p:tnLst>
+      <p:par>
+        <p:cTn id="1" dur="indefinite" restart="never" nodeType="tmRoot"/>
+      </p:par>
+    </p:tnLst>
+  </p:timing>
 </p:sld>
 </file>
 

--- a/Getting Started with Encryption in SQL 2016.pptx
+++ b/Getting Started with Encryption in SQL 2016.pptx
@@ -3,42 +3,45 @@
 <p:presentation xmlns:a="http://schemas.openxmlformats.org/drawingml/2006/main" xmlns:r="http://schemas.openxmlformats.org/officeDocument/2006/relationships" xmlns:p="http://schemas.openxmlformats.org/presentationml/2006/main" saveSubsetFonts="1">
   <p:sldMasterIdLst>
     <p:sldMasterId id="2147483648" r:id="rId1"/>
+    <p:sldMasterId id="2147483660" r:id="rId2"/>
   </p:sldMasterIdLst>
   <p:notesMasterIdLst>
-    <p:notesMasterId r:id="rId33"/>
+    <p:notesMasterId r:id="rId36"/>
   </p:notesMasterIdLst>
   <p:sldIdLst>
-    <p:sldId id="256" r:id="rId2"/>
-    <p:sldId id="257" r:id="rId3"/>
-    <p:sldId id="275" r:id="rId4"/>
-    <p:sldId id="291" r:id="rId5"/>
-    <p:sldId id="281" r:id="rId6"/>
-    <p:sldId id="287" r:id="rId7"/>
-    <p:sldId id="288" r:id="rId8"/>
-    <p:sldId id="289" r:id="rId9"/>
-    <p:sldId id="290" r:id="rId10"/>
-    <p:sldId id="259" r:id="rId11"/>
-    <p:sldId id="272" r:id="rId12"/>
-    <p:sldId id="284" r:id="rId13"/>
-    <p:sldId id="263" r:id="rId14"/>
-    <p:sldId id="271" r:id="rId15"/>
-    <p:sldId id="285" r:id="rId16"/>
-    <p:sldId id="274" r:id="rId17"/>
-    <p:sldId id="269" r:id="rId18"/>
-    <p:sldId id="270" r:id="rId19"/>
-    <p:sldId id="286" r:id="rId20"/>
-    <p:sldId id="266" r:id="rId21"/>
-    <p:sldId id="279" r:id="rId22"/>
-    <p:sldId id="273" r:id="rId23"/>
-    <p:sldId id="280" r:id="rId24"/>
-    <p:sldId id="265" r:id="rId25"/>
-    <p:sldId id="282" r:id="rId26"/>
-    <p:sldId id="283" r:id="rId27"/>
-    <p:sldId id="267" r:id="rId28"/>
-    <p:sldId id="260" r:id="rId29"/>
-    <p:sldId id="261" r:id="rId30"/>
-    <p:sldId id="277" r:id="rId31"/>
-    <p:sldId id="278" r:id="rId32"/>
+    <p:sldId id="292" r:id="rId3"/>
+    <p:sldId id="257" r:id="rId4"/>
+    <p:sldId id="275" r:id="rId5"/>
+    <p:sldId id="291" r:id="rId6"/>
+    <p:sldId id="281" r:id="rId7"/>
+    <p:sldId id="287" r:id="rId8"/>
+    <p:sldId id="288" r:id="rId9"/>
+    <p:sldId id="289" r:id="rId10"/>
+    <p:sldId id="290" r:id="rId11"/>
+    <p:sldId id="259" r:id="rId12"/>
+    <p:sldId id="272" r:id="rId13"/>
+    <p:sldId id="284" r:id="rId14"/>
+    <p:sldId id="263" r:id="rId15"/>
+    <p:sldId id="271" r:id="rId16"/>
+    <p:sldId id="285" r:id="rId17"/>
+    <p:sldId id="274" r:id="rId18"/>
+    <p:sldId id="269" r:id="rId19"/>
+    <p:sldId id="270" r:id="rId20"/>
+    <p:sldId id="286" r:id="rId21"/>
+    <p:sldId id="266" r:id="rId22"/>
+    <p:sldId id="279" r:id="rId23"/>
+    <p:sldId id="273" r:id="rId24"/>
+    <p:sldId id="280" r:id="rId25"/>
+    <p:sldId id="265" r:id="rId26"/>
+    <p:sldId id="282" r:id="rId27"/>
+    <p:sldId id="283" r:id="rId28"/>
+    <p:sldId id="267" r:id="rId29"/>
+    <p:sldId id="260" r:id="rId30"/>
+    <p:sldId id="261" r:id="rId31"/>
+    <p:sldId id="294" r:id="rId32"/>
+    <p:sldId id="293" r:id="rId33"/>
+    <p:sldId id="277" r:id="rId34"/>
+    <p:sldId id="278" r:id="rId35"/>
   </p:sldIdLst>
   <p:sldSz cx="12192000" cy="6858000"/>
   <p:notesSz cx="6858000" cy="9144000"/>
@@ -227,7 +230,7 @@
           <a:p>
             <a:fld id="{D4C1D33F-78D8-4750-A964-FE7F02492D2E}" type="datetimeFigureOut">
               <a:rPr lang="en-US" smtClean="0"/>
-              <a:t>4/20/2016</a:t>
+              <a:t>5/3/2016</a:t>
             </a:fld>
             <a:endParaRPr lang="en-US"/>
           </a:p>
@@ -671,6 +674,191 @@
 </p:notes>
 </file>
 
+<file path=ppt/notesSlides/notesSlide11.xml><?xml version="1.0" encoding="utf-8"?>
+<p:notes xmlns:a="http://schemas.openxmlformats.org/drawingml/2006/main" xmlns:r="http://schemas.openxmlformats.org/officeDocument/2006/relationships" xmlns:p="http://schemas.openxmlformats.org/presentationml/2006/main">
+  <p:cSld>
+    <p:spTree>
+      <p:nvGrpSpPr>
+        <p:cNvPr id="1" name=""/>
+        <p:cNvGrpSpPr/>
+        <p:nvPr/>
+      </p:nvGrpSpPr>
+      <p:grpSpPr>
+        <a:xfrm>
+          <a:off x="0" y="0"/>
+          <a:ext cx="0" cy="0"/>
+          <a:chOff x="0" y="0"/>
+          <a:chExt cx="0" cy="0"/>
+        </a:xfrm>
+      </p:grpSpPr>
+      <p:sp>
+        <p:nvSpPr>
+          <p:cNvPr id="2" name="Slide Image Placeholder 1"/>
+          <p:cNvSpPr>
+            <a:spLocks noGrp="1" noRot="1" noChangeAspect="1"/>
+          </p:cNvSpPr>
+          <p:nvPr>
+            <p:ph type="sldImg"/>
+          </p:nvPr>
+        </p:nvSpPr>
+        <p:spPr/>
+      </p:sp>
+      <p:sp>
+        <p:nvSpPr>
+          <p:cNvPr id="3" name="Notes Placeholder 2"/>
+          <p:cNvSpPr>
+            <a:spLocks noGrp="1"/>
+          </p:cNvSpPr>
+          <p:nvPr>
+            <p:ph type="body" idx="1"/>
+          </p:nvPr>
+        </p:nvSpPr>
+        <p:spPr/>
+        <p:txBody>
+          <a:bodyPr/>
+          <a:lstStyle/>
+          <a:p>
+            <a:endParaRPr lang="en-US"/>
+          </a:p>
+        </p:txBody>
+      </p:sp>
+      <p:sp>
+        <p:nvSpPr>
+          <p:cNvPr id="4" name="Slide Number Placeholder 3"/>
+          <p:cNvSpPr>
+            <a:spLocks noGrp="1"/>
+          </p:cNvSpPr>
+          <p:nvPr>
+            <p:ph type="sldNum" sz="quarter" idx="10"/>
+          </p:nvPr>
+        </p:nvSpPr>
+        <p:spPr/>
+        <p:txBody>
+          <a:bodyPr/>
+          <a:lstStyle/>
+          <a:p>
+            <a:fld id="{4C1E21E2-845F-4E3D-AC47-F68CA142ED00}" type="slidenum">
+              <a:rPr lang="en-US" smtClean="0">
+                <a:solidFill>
+                  <a:prstClr val="black"/>
+                </a:solidFill>
+              </a:rPr>
+              <a:pPr/>
+              <a:t>30</a:t>
+            </a:fld>
+            <a:endParaRPr lang="en-US">
+              <a:solidFill>
+                <a:prstClr val="black"/>
+              </a:solidFill>
+            </a:endParaRPr>
+          </a:p>
+        </p:txBody>
+      </p:sp>
+    </p:spTree>
+    <p:extLst>
+      <p:ext uri="{BB962C8B-B14F-4D97-AF65-F5344CB8AC3E}">
+        <p14:creationId xmlns:p14="http://schemas.microsoft.com/office/powerpoint/2010/main" val="2583208108"/>
+      </p:ext>
+    </p:extLst>
+  </p:cSld>
+  <p:clrMapOvr>
+    <a:masterClrMapping/>
+  </p:clrMapOvr>
+</p:notes>
+</file>
+
+<file path=ppt/notesSlides/notesSlide12.xml><?xml version="1.0" encoding="utf-8"?>
+<p:notes xmlns:a="http://schemas.openxmlformats.org/drawingml/2006/main" xmlns:r="http://schemas.openxmlformats.org/officeDocument/2006/relationships" xmlns:p="http://schemas.openxmlformats.org/presentationml/2006/main">
+  <p:cSld>
+    <p:spTree>
+      <p:nvGrpSpPr>
+        <p:cNvPr id="1" name=""/>
+        <p:cNvGrpSpPr/>
+        <p:nvPr/>
+      </p:nvGrpSpPr>
+      <p:grpSpPr>
+        <a:xfrm>
+          <a:off x="0" y="0"/>
+          <a:ext cx="0" cy="0"/>
+          <a:chOff x="0" y="0"/>
+          <a:chExt cx="0" cy="0"/>
+        </a:xfrm>
+      </p:grpSpPr>
+      <p:sp>
+        <p:nvSpPr>
+          <p:cNvPr id="2" name="Slide Image Placeholder 1"/>
+          <p:cNvSpPr>
+            <a:spLocks noGrp="1" noRot="1" noChangeAspect="1"/>
+          </p:cNvSpPr>
+          <p:nvPr>
+            <p:ph type="sldImg"/>
+          </p:nvPr>
+        </p:nvSpPr>
+        <p:spPr/>
+      </p:sp>
+      <p:sp>
+        <p:nvSpPr>
+          <p:cNvPr id="3" name="Notes Placeholder 2"/>
+          <p:cNvSpPr>
+            <a:spLocks noGrp="1"/>
+          </p:cNvSpPr>
+          <p:nvPr>
+            <p:ph type="body" idx="1"/>
+          </p:nvPr>
+        </p:nvSpPr>
+        <p:spPr/>
+        <p:txBody>
+          <a:bodyPr/>
+          <a:lstStyle/>
+          <a:p>
+            <a:r>
+              <a:rPr lang="en-US" dirty="0"/>
+              <a:t>IMPORTANT : ONLY</a:t>
+            </a:r>
+            <a:r>
+              <a:rPr lang="en-US" baseline="0" dirty="0"/>
+              <a:t> SHOW THIS SLIDE IF YOU HAVE COMMITED TO BE AT THE COMMUNITY ZONE</a:t>
+            </a:r>
+            <a:endParaRPr lang="en-US" dirty="0"/>
+          </a:p>
+        </p:txBody>
+      </p:sp>
+      <p:sp>
+        <p:nvSpPr>
+          <p:cNvPr id="4" name="Slide Number Placeholder 3"/>
+          <p:cNvSpPr>
+            <a:spLocks noGrp="1"/>
+          </p:cNvSpPr>
+          <p:nvPr>
+            <p:ph type="sldNum" sz="quarter" idx="10"/>
+          </p:nvPr>
+        </p:nvSpPr>
+        <p:spPr/>
+        <p:txBody>
+          <a:bodyPr/>
+          <a:lstStyle/>
+          <a:p>
+            <a:fld id="{4C1E21E2-845F-4E3D-AC47-F68CA142ED00}" type="slidenum">
+              <a:rPr lang="en-US" smtClean="0"/>
+              <a:t>31</a:t>
+            </a:fld>
+            <a:endParaRPr lang="en-US"/>
+          </a:p>
+        </p:txBody>
+      </p:sp>
+    </p:spTree>
+    <p:extLst>
+      <p:ext uri="{BB962C8B-B14F-4D97-AF65-F5344CB8AC3E}">
+        <p14:creationId xmlns:p14="http://schemas.microsoft.com/office/powerpoint/2010/main" val="992237295"/>
+      </p:ext>
+    </p:extLst>
+  </p:cSld>
+  <p:clrMapOvr>
+    <a:masterClrMapping/>
+  </p:clrMapOvr>
+</p:notes>
+</file>
+
 <file path=ppt/notesSlides/notesSlide2.xml><?xml version="1.0" encoding="utf-8"?>
 <p:notes xmlns:a="http://schemas.openxmlformats.org/drawingml/2006/main" xmlns:r="http://schemas.openxmlformats.org/officeDocument/2006/relationships" xmlns:p="http://schemas.openxmlformats.org/presentationml/2006/main">
   <p:cSld>
@@ -700,8 +888,8 @@
         </p:nvSpPr>
         <p:spPr bwMode="auto">
           <a:xfrm>
-            <a:off x="1371600" y="1143000"/>
-            <a:ext cx="4114800" cy="3086100"/>
+            <a:off x="685800" y="1143000"/>
+            <a:ext cx="5486400" cy="3086100"/>
           </a:xfrm>
           <a:noFill/>
           <a:ln>
@@ -1726,7 +1914,7 @@
           <a:p>
             <a:fld id="{38B92EED-EC5D-481D-8393-A7289D5F8955}" type="datetimeFigureOut">
               <a:rPr lang="en-US" smtClean="0"/>
-              <a:t>4/20/2016</a:t>
+              <a:t>5/3/2016</a:t>
             </a:fld>
             <a:endParaRPr lang="en-US"/>
           </a:p>
@@ -1894,7 +2082,7 @@
           <a:p>
             <a:fld id="{38B92EED-EC5D-481D-8393-A7289D5F8955}" type="datetimeFigureOut">
               <a:rPr lang="en-US" smtClean="0"/>
-              <a:t>4/20/2016</a:t>
+              <a:t>5/3/2016</a:t>
             </a:fld>
             <a:endParaRPr lang="en-US"/>
           </a:p>
@@ -2072,7 +2260,7 @@
           <a:p>
             <a:fld id="{38B92EED-EC5D-481D-8393-A7289D5F8955}" type="datetimeFigureOut">
               <a:rPr lang="en-US" smtClean="0"/>
-              <a:t>4/20/2016</a:t>
+              <a:t>5/3/2016</a:t>
             </a:fld>
             <a:endParaRPr lang="en-US"/>
           </a:p>
@@ -2133,7 +2321,475 @@
 </p:sldLayout>
 </file>
 
-<file path=ppt/slideLayouts/slideLayout2.xml><?xml version="1.0" encoding="utf-8"?>
+<file path=ppt/slideLayouts/slideLayout12.xml><?xml version="1.0" encoding="utf-8"?>
+<p:sldLayout xmlns:a="http://schemas.openxmlformats.org/drawingml/2006/main" xmlns:r="http://schemas.openxmlformats.org/officeDocument/2006/relationships" xmlns:p="http://schemas.openxmlformats.org/presentationml/2006/main" showMasterSp="0" userDrawn="1">
+  <p:cSld name="Custom Layout">
+    <p:bg>
+      <p:bgPr>
+        <a:blipFill dpi="0" rotWithShape="1">
+          <a:blip r:embed="rId2">
+            <a:lum/>
+          </a:blip>
+          <a:srcRect/>
+          <a:stretch>
+            <a:fillRect/>
+          </a:stretch>
+        </a:blipFill>
+        <a:effectLst/>
+      </p:bgPr>
+    </p:bg>
+    <p:spTree>
+      <p:nvGrpSpPr>
+        <p:cNvPr id="1" name=""/>
+        <p:cNvGrpSpPr/>
+        <p:nvPr/>
+      </p:nvGrpSpPr>
+      <p:grpSpPr>
+        <a:xfrm>
+          <a:off x="0" y="0"/>
+          <a:ext cx="0" cy="0"/>
+          <a:chOff x="0" y="0"/>
+          <a:chExt cx="0" cy="0"/>
+        </a:xfrm>
+      </p:grpSpPr>
+      <p:sp>
+        <p:nvSpPr>
+          <p:cNvPr id="2" name="Title 1"/>
+          <p:cNvSpPr>
+            <a:spLocks noGrp="1"/>
+          </p:cNvSpPr>
+          <p:nvPr>
+            <p:ph type="title"/>
+          </p:nvPr>
+        </p:nvSpPr>
+        <p:spPr/>
+        <p:txBody>
+          <a:bodyPr/>
+          <a:lstStyle/>
+          <a:p>
+            <a:r>
+              <a:rPr lang="en-US" dirty="0"/>
+              <a:t>Click to edit Master title style</a:t>
+            </a:r>
+            <a:endParaRPr lang="da-DK" dirty="0"/>
+          </a:p>
+        </p:txBody>
+      </p:sp>
+      <p:sp>
+        <p:nvSpPr>
+          <p:cNvPr id="3" name="Content Placeholder 2"/>
+          <p:cNvSpPr>
+            <a:spLocks noGrp="1"/>
+          </p:cNvSpPr>
+          <p:nvPr>
+            <p:ph idx="1"/>
+          </p:nvPr>
+        </p:nvSpPr>
+        <p:spPr>
+          <a:xfrm>
+            <a:off x="838200" y="1825625"/>
+            <a:ext cx="10515600" cy="4109661"/>
+          </a:xfrm>
+        </p:spPr>
+        <p:txBody>
+          <a:bodyPr/>
+          <a:lstStyle>
+            <a:lvl1pPr>
+              <a:defRPr>
+                <a:solidFill>
+                  <a:srgbClr val="0E0F21"/>
+                </a:solidFill>
+              </a:defRPr>
+            </a:lvl1pPr>
+            <a:lvl2pPr>
+              <a:defRPr>
+                <a:solidFill>
+                  <a:srgbClr val="0E0F21"/>
+                </a:solidFill>
+              </a:defRPr>
+            </a:lvl2pPr>
+            <a:lvl3pPr>
+              <a:defRPr>
+                <a:solidFill>
+                  <a:srgbClr val="0E0F21"/>
+                </a:solidFill>
+              </a:defRPr>
+            </a:lvl3pPr>
+            <a:lvl4pPr>
+              <a:defRPr>
+                <a:solidFill>
+                  <a:srgbClr val="0E0F21"/>
+                </a:solidFill>
+              </a:defRPr>
+            </a:lvl4pPr>
+            <a:lvl5pPr>
+              <a:defRPr>
+                <a:solidFill>
+                  <a:srgbClr val="0E0F21"/>
+                </a:solidFill>
+              </a:defRPr>
+            </a:lvl5pPr>
+          </a:lstStyle>
+          <a:p>
+            <a:pPr lvl="0"/>
+            <a:r>
+              <a:rPr lang="en-US" dirty="0"/>
+              <a:t>Edit Master text styles</a:t>
+            </a:r>
+          </a:p>
+          <a:p>
+            <a:pPr lvl="1"/>
+            <a:r>
+              <a:rPr lang="en-US" dirty="0"/>
+              <a:t>Second level</a:t>
+            </a:r>
+          </a:p>
+          <a:p>
+            <a:pPr lvl="2"/>
+            <a:r>
+              <a:rPr lang="en-US" dirty="0"/>
+              <a:t>Third level</a:t>
+            </a:r>
+          </a:p>
+          <a:p>
+            <a:pPr lvl="3"/>
+            <a:r>
+              <a:rPr lang="en-US" dirty="0"/>
+              <a:t>Fourth level</a:t>
+            </a:r>
+          </a:p>
+          <a:p>
+            <a:pPr lvl="4"/>
+            <a:r>
+              <a:rPr lang="en-US" dirty="0"/>
+              <a:t>Fifth level</a:t>
+            </a:r>
+          </a:p>
+        </p:txBody>
+      </p:sp>
+    </p:spTree>
+    <p:extLst>
+      <p:ext uri="{BB962C8B-B14F-4D97-AF65-F5344CB8AC3E}">
+        <p14:creationId xmlns:p14="http://schemas.microsoft.com/office/powerpoint/2010/main" val="2399570040"/>
+      </p:ext>
+    </p:extLst>
+  </p:cSld>
+  <p:clrMapOvr>
+    <a:masterClrMapping/>
+  </p:clrMapOvr>
+</p:sldLayout>
+</file>
+
+<file path=ppt/slideLayouts/slideLayout13.xml><?xml version="1.0" encoding="utf-8"?>
+<p:sldLayout xmlns:a="http://schemas.openxmlformats.org/drawingml/2006/main" xmlns:r="http://schemas.openxmlformats.org/officeDocument/2006/relationships" xmlns:p="http://schemas.openxmlformats.org/presentationml/2006/main" showMasterSp="0" preserve="1" userDrawn="1">
+  <p:cSld name="1_Title and  Non-Bulleted Content">
+    <p:bg>
+      <p:bgPr>
+        <a:blipFill dpi="0" rotWithShape="1">
+          <a:blip r:embed="rId2">
+            <a:lum/>
+          </a:blip>
+          <a:srcRect/>
+          <a:stretch>
+            <a:fillRect/>
+          </a:stretch>
+        </a:blipFill>
+        <a:effectLst/>
+      </p:bgPr>
+    </p:bg>
+    <p:spTree>
+      <p:nvGrpSpPr>
+        <p:cNvPr id="1" name=""/>
+        <p:cNvGrpSpPr/>
+        <p:nvPr/>
+      </p:nvGrpSpPr>
+      <p:grpSpPr>
+        <a:xfrm>
+          <a:off x="0" y="0"/>
+          <a:ext cx="0" cy="0"/>
+          <a:chOff x="0" y="0"/>
+          <a:chExt cx="0" cy="0"/>
+        </a:xfrm>
+      </p:grpSpPr>
+      <p:sp>
+        <p:nvSpPr>
+          <p:cNvPr id="3" name="Title 1"/>
+          <p:cNvSpPr>
+            <a:spLocks noGrp="1"/>
+          </p:cNvSpPr>
+          <p:nvPr>
+            <p:ph type="ctrTitle" hasCustomPrompt="1"/>
+          </p:nvPr>
+        </p:nvSpPr>
+        <p:spPr>
+          <a:xfrm>
+            <a:off x="1524000" y="1903757"/>
+            <a:ext cx="9144000" cy="1479523"/>
+          </a:xfrm>
+        </p:spPr>
+        <p:txBody>
+          <a:bodyPr anchor="b"/>
+          <a:lstStyle>
+            <a:lvl1pPr algn="l">
+              <a:defRPr sz="6000">
+                <a:solidFill>
+                  <a:schemeClr val="bg1"/>
+                </a:solidFill>
+              </a:defRPr>
+            </a:lvl1pPr>
+          </a:lstStyle>
+          <a:p>
+            <a:r>
+              <a:rPr lang="en-US" dirty="0"/>
+              <a:t>Session Title</a:t>
+            </a:r>
+          </a:p>
+        </p:txBody>
+      </p:sp>
+      <p:sp>
+        <p:nvSpPr>
+          <p:cNvPr id="4" name="Subtitle 2"/>
+          <p:cNvSpPr>
+            <a:spLocks noGrp="1"/>
+          </p:cNvSpPr>
+          <p:nvPr>
+            <p:ph type="subTitle" idx="1" hasCustomPrompt="1"/>
+          </p:nvPr>
+        </p:nvSpPr>
+        <p:spPr>
+          <a:xfrm>
+            <a:off x="1524000" y="3518909"/>
+            <a:ext cx="9144000" cy="778771"/>
+          </a:xfrm>
+        </p:spPr>
+        <p:txBody>
+          <a:bodyPr/>
+          <a:lstStyle>
+            <a:lvl1pPr marL="0" indent="0" algn="l">
+              <a:buNone/>
+              <a:defRPr sz="2400"/>
+            </a:lvl1pPr>
+            <a:lvl2pPr marL="457200" indent="0" algn="ctr">
+              <a:buNone/>
+              <a:defRPr sz="2000"/>
+            </a:lvl2pPr>
+            <a:lvl3pPr marL="914400" indent="0" algn="ctr">
+              <a:buNone/>
+              <a:defRPr sz="1800"/>
+            </a:lvl3pPr>
+            <a:lvl4pPr marL="1371600" indent="0" algn="ctr">
+              <a:buNone/>
+              <a:defRPr sz="1600"/>
+            </a:lvl4pPr>
+            <a:lvl5pPr marL="1828800" indent="0" algn="ctr">
+              <a:buNone/>
+              <a:defRPr sz="1600"/>
+            </a:lvl5pPr>
+            <a:lvl6pPr marL="2286000" indent="0" algn="ctr">
+              <a:buNone/>
+              <a:defRPr sz="1600"/>
+            </a:lvl6pPr>
+            <a:lvl7pPr marL="2743200" indent="0" algn="ctr">
+              <a:buNone/>
+              <a:defRPr sz="1600"/>
+            </a:lvl7pPr>
+            <a:lvl8pPr marL="3200400" indent="0" algn="ctr">
+              <a:buNone/>
+              <a:defRPr sz="1600"/>
+            </a:lvl8pPr>
+            <a:lvl9pPr marL="3657600" indent="0" algn="ctr">
+              <a:buNone/>
+              <a:defRPr sz="1600"/>
+            </a:lvl9pPr>
+          </a:lstStyle>
+          <a:p>
+            <a:r>
+              <a:rPr lang="en-US" dirty="0"/>
+              <a:t>Speaker Name</a:t>
+            </a:r>
+          </a:p>
+        </p:txBody>
+      </p:sp>
+      <p:pic>
+        <p:nvPicPr>
+          <p:cNvPr id="5" name="Picture 6" descr="C:\Users\rba\AppData\Local\Temp\SNAGHTMLa2cf022.PNG"/>
+          <p:cNvPicPr>
+            <a:picLocks noChangeAspect="1" noChangeArrowheads="1"/>
+          </p:cNvPicPr>
+          <p:nvPr userDrawn="1"/>
+        </p:nvPicPr>
+        <p:blipFill>
+          <a:blip r:embed="rId3">
+            <a:extLst>
+              <a:ext uri="{28A0092B-C50C-407E-A947-70E740481C1C}">
+                <a14:useLocalDpi xmlns:a14="http://schemas.microsoft.com/office/drawing/2010/main" val="0"/>
+              </a:ext>
+            </a:extLst>
+          </a:blip>
+          <a:srcRect/>
+          <a:stretch>
+            <a:fillRect/>
+          </a:stretch>
+        </p:blipFill>
+        <p:spPr bwMode="auto">
+          <a:xfrm>
+            <a:off x="1524000" y="4433309"/>
+            <a:ext cx="5619750" cy="990601"/>
+          </a:xfrm>
+          <a:prstGeom prst="rect">
+            <a:avLst/>
+          </a:prstGeom>
+          <a:noFill/>
+          <a:extLst>
+            <a:ext uri="{909E8E84-426E-40DD-AFC4-6F175D3DCCD1}">
+              <a14:hiddenFill xmlns:a14="http://schemas.microsoft.com/office/drawing/2010/main">
+                <a:solidFill>
+                  <a:srgbClr val="FFFFFF"/>
+                </a:solidFill>
+              </a14:hiddenFill>
+            </a:ext>
+          </a:extLst>
+        </p:spPr>
+      </p:pic>
+    </p:spTree>
+    <p:extLst>
+      <p:ext uri="{BB962C8B-B14F-4D97-AF65-F5344CB8AC3E}">
+        <p14:creationId xmlns:p14="http://schemas.microsoft.com/office/powerpoint/2010/main" val="3470575762"/>
+      </p:ext>
+    </p:extLst>
+  </p:cSld>
+  <p:clrMapOvr>
+    <a:masterClrMapping/>
+  </p:clrMapOvr>
+</p:sldLayout>
+</file>
+
+<file path=ppt/slideLayouts/slideLayout14.xml><?xml version="1.0" encoding="utf-8"?>
+<p:sldLayout xmlns:a="http://schemas.openxmlformats.org/drawingml/2006/main" xmlns:r="http://schemas.openxmlformats.org/officeDocument/2006/relationships" xmlns:p="http://schemas.openxmlformats.org/presentationml/2006/main" type="title" preserve="1">
+  <p:cSld name="Title Slide">
+    <p:spTree>
+      <p:nvGrpSpPr>
+        <p:cNvPr id="1" name=""/>
+        <p:cNvGrpSpPr/>
+        <p:nvPr/>
+      </p:nvGrpSpPr>
+      <p:grpSpPr>
+        <a:xfrm>
+          <a:off x="0" y="0"/>
+          <a:ext cx="0" cy="0"/>
+          <a:chOff x="0" y="0"/>
+          <a:chExt cx="0" cy="0"/>
+        </a:xfrm>
+      </p:grpSpPr>
+      <p:sp>
+        <p:nvSpPr>
+          <p:cNvPr id="2" name="Title 1"/>
+          <p:cNvSpPr>
+            <a:spLocks noGrp="1"/>
+          </p:cNvSpPr>
+          <p:nvPr>
+            <p:ph type="ctrTitle"/>
+          </p:nvPr>
+        </p:nvSpPr>
+        <p:spPr>
+          <a:xfrm>
+            <a:off x="1524000" y="1903757"/>
+            <a:ext cx="9144000" cy="2387600"/>
+          </a:xfrm>
+        </p:spPr>
+        <p:txBody>
+          <a:bodyPr anchor="b"/>
+          <a:lstStyle>
+            <a:lvl1pPr algn="ctr">
+              <a:defRPr sz="6000"/>
+            </a:lvl1pPr>
+          </a:lstStyle>
+          <a:p>
+            <a:r>
+              <a:rPr lang="en-US" dirty="0"/>
+              <a:t>Click to edit Master title style</a:t>
+            </a:r>
+          </a:p>
+        </p:txBody>
+      </p:sp>
+      <p:sp>
+        <p:nvSpPr>
+          <p:cNvPr id="3" name="Subtitle 2"/>
+          <p:cNvSpPr>
+            <a:spLocks noGrp="1"/>
+          </p:cNvSpPr>
+          <p:nvPr>
+            <p:ph type="subTitle" idx="1"/>
+          </p:nvPr>
+        </p:nvSpPr>
+        <p:spPr>
+          <a:xfrm>
+            <a:off x="1524000" y="4383432"/>
+            <a:ext cx="9144000" cy="1655762"/>
+          </a:xfrm>
+        </p:spPr>
+        <p:txBody>
+          <a:bodyPr/>
+          <a:lstStyle>
+            <a:lvl1pPr marL="0" indent="0" algn="ctr">
+              <a:buNone/>
+              <a:defRPr sz="2400"/>
+            </a:lvl1pPr>
+            <a:lvl2pPr marL="457200" indent="0" algn="ctr">
+              <a:buNone/>
+              <a:defRPr sz="2000"/>
+            </a:lvl2pPr>
+            <a:lvl3pPr marL="914400" indent="0" algn="ctr">
+              <a:buNone/>
+              <a:defRPr sz="1800"/>
+            </a:lvl3pPr>
+            <a:lvl4pPr marL="1371600" indent="0" algn="ctr">
+              <a:buNone/>
+              <a:defRPr sz="1600"/>
+            </a:lvl4pPr>
+            <a:lvl5pPr marL="1828800" indent="0" algn="ctr">
+              <a:buNone/>
+              <a:defRPr sz="1600"/>
+            </a:lvl5pPr>
+            <a:lvl6pPr marL="2286000" indent="0" algn="ctr">
+              <a:buNone/>
+              <a:defRPr sz="1600"/>
+            </a:lvl6pPr>
+            <a:lvl7pPr marL="2743200" indent="0" algn="ctr">
+              <a:buNone/>
+              <a:defRPr sz="1600"/>
+            </a:lvl7pPr>
+            <a:lvl8pPr marL="3200400" indent="0" algn="ctr">
+              <a:buNone/>
+              <a:defRPr sz="1600"/>
+            </a:lvl8pPr>
+            <a:lvl9pPr marL="3657600" indent="0" algn="ctr">
+              <a:buNone/>
+              <a:defRPr sz="1600"/>
+            </a:lvl9pPr>
+          </a:lstStyle>
+          <a:p>
+            <a:r>
+              <a:rPr lang="en-US"/>
+              <a:t>Click to edit Master subtitle style</a:t>
+            </a:r>
+          </a:p>
+        </p:txBody>
+      </p:sp>
+    </p:spTree>
+    <p:extLst>
+      <p:ext uri="{BB962C8B-B14F-4D97-AF65-F5344CB8AC3E}">
+        <p14:creationId xmlns:p14="http://schemas.microsoft.com/office/powerpoint/2010/main" val="2349465538"/>
+      </p:ext>
+    </p:extLst>
+  </p:cSld>
+  <p:clrMapOvr>
+    <a:masterClrMapping/>
+  </p:clrMapOvr>
+</p:sldLayout>
+</file>
+
+<file path=ppt/slideLayouts/slideLayout15.xml><?xml version="1.0" encoding="utf-8"?>
 <p:sldLayout xmlns:a="http://schemas.openxmlformats.org/drawingml/2006/main" xmlns:r="http://schemas.openxmlformats.org/officeDocument/2006/relationships" xmlns:p="http://schemas.openxmlformats.org/presentationml/2006/main" type="obj" preserve="1">
   <p:cSld name="Title and Content">
     <p:spTree>
@@ -2190,7 +2846,7 @@
             <a:pPr lvl="0"/>
             <a:r>
               <a:rPr lang="en-US"/>
-              <a:t>Click to edit Master text styles</a:t>
+              <a:t>Edit Master text styles</a:t>
             </a:r>
           </a:p>
           <a:p>
@@ -2220,78 +2876,13 @@
               <a:rPr lang="en-US"/>
               <a:t>Fifth level</a:t>
             </a:r>
-          </a:p>
-        </p:txBody>
-      </p:sp>
-      <p:sp>
-        <p:nvSpPr>
-          <p:cNvPr id="4" name="Date Placeholder 3"/>
-          <p:cNvSpPr>
-            <a:spLocks noGrp="1"/>
-          </p:cNvSpPr>
-          <p:nvPr>
-            <p:ph type="dt" sz="half" idx="10"/>
-          </p:nvPr>
-        </p:nvSpPr>
-        <p:spPr/>
-        <p:txBody>
-          <a:bodyPr/>
-          <a:lstStyle/>
-          <a:p>
-            <a:fld id="{38B92EED-EC5D-481D-8393-A7289D5F8955}" type="datetimeFigureOut">
-              <a:rPr lang="en-US" smtClean="0"/>
-              <a:t>4/20/2016</a:t>
-            </a:fld>
-            <a:endParaRPr lang="en-US"/>
-          </a:p>
-        </p:txBody>
-      </p:sp>
-      <p:sp>
-        <p:nvSpPr>
-          <p:cNvPr id="5" name="Footer Placeholder 4"/>
-          <p:cNvSpPr>
-            <a:spLocks noGrp="1"/>
-          </p:cNvSpPr>
-          <p:nvPr>
-            <p:ph type="ftr" sz="quarter" idx="11"/>
-          </p:nvPr>
-        </p:nvSpPr>
-        <p:spPr/>
-        <p:txBody>
-          <a:bodyPr/>
-          <a:lstStyle/>
-          <a:p>
-            <a:endParaRPr lang="en-US"/>
-          </a:p>
-        </p:txBody>
-      </p:sp>
-      <p:sp>
-        <p:nvSpPr>
-          <p:cNvPr id="6" name="Slide Number Placeholder 5"/>
-          <p:cNvSpPr>
-            <a:spLocks noGrp="1"/>
-          </p:cNvSpPr>
-          <p:nvPr>
-            <p:ph type="sldNum" sz="quarter" idx="12"/>
-          </p:nvPr>
-        </p:nvSpPr>
-        <p:spPr/>
-        <p:txBody>
-          <a:bodyPr/>
-          <a:lstStyle/>
-          <a:p>
-            <a:fld id="{34E77ACB-9F7D-4A47-B7B2-4201AE6BAC78}" type="slidenum">
-              <a:rPr lang="en-US" smtClean="0"/>
-              <a:t>‹#›</a:t>
-            </a:fld>
-            <a:endParaRPr lang="en-US"/>
           </a:p>
         </p:txBody>
       </p:sp>
     </p:spTree>
     <p:extLst>
       <p:ext uri="{BB962C8B-B14F-4D97-AF65-F5344CB8AC3E}">
-        <p14:creationId xmlns:p14="http://schemas.microsoft.com/office/powerpoint/2010/main" val="16051369"/>
+        <p14:creationId xmlns:p14="http://schemas.microsoft.com/office/powerpoint/2010/main" val="2184807352"/>
       </p:ext>
     </p:extLst>
   </p:cSld>
@@ -2301,7 +2892,7 @@
 </p:sldLayout>
 </file>
 
-<file path=ppt/slideLayouts/slideLayout3.xml><?xml version="1.0" encoding="utf-8"?>
+<file path=ppt/slideLayouts/slideLayout16.xml><?xml version="1.0" encoding="utf-8"?>
 <p:sldLayout xmlns:a="http://schemas.openxmlformats.org/drawingml/2006/main" xmlns:r="http://schemas.openxmlformats.org/officeDocument/2006/relationships" xmlns:p="http://schemas.openxmlformats.org/presentationml/2006/main" type="secHead" preserve="1">
   <p:cSld name="Section Header">
     <p:spTree>
@@ -2463,80 +3054,15 @@
             <a:pPr lvl="0"/>
             <a:r>
               <a:rPr lang="en-US"/>
-              <a:t>Click to edit Master text styles</a:t>
-            </a:r>
-          </a:p>
-        </p:txBody>
-      </p:sp>
-      <p:sp>
-        <p:nvSpPr>
-          <p:cNvPr id="4" name="Date Placeholder 3"/>
-          <p:cNvSpPr>
-            <a:spLocks noGrp="1"/>
-          </p:cNvSpPr>
-          <p:nvPr>
-            <p:ph type="dt" sz="half" idx="10"/>
-          </p:nvPr>
-        </p:nvSpPr>
-        <p:spPr/>
-        <p:txBody>
-          <a:bodyPr/>
-          <a:lstStyle/>
-          <a:p>
-            <a:fld id="{38B92EED-EC5D-481D-8393-A7289D5F8955}" type="datetimeFigureOut">
-              <a:rPr lang="en-US" smtClean="0"/>
-              <a:t>4/20/2016</a:t>
-            </a:fld>
-            <a:endParaRPr lang="en-US"/>
-          </a:p>
-        </p:txBody>
-      </p:sp>
-      <p:sp>
-        <p:nvSpPr>
-          <p:cNvPr id="5" name="Footer Placeholder 4"/>
-          <p:cNvSpPr>
-            <a:spLocks noGrp="1"/>
-          </p:cNvSpPr>
-          <p:nvPr>
-            <p:ph type="ftr" sz="quarter" idx="11"/>
-          </p:nvPr>
-        </p:nvSpPr>
-        <p:spPr/>
-        <p:txBody>
-          <a:bodyPr/>
-          <a:lstStyle/>
-          <a:p>
-            <a:endParaRPr lang="en-US"/>
-          </a:p>
-        </p:txBody>
-      </p:sp>
-      <p:sp>
-        <p:nvSpPr>
-          <p:cNvPr id="6" name="Slide Number Placeholder 5"/>
-          <p:cNvSpPr>
-            <a:spLocks noGrp="1"/>
-          </p:cNvSpPr>
-          <p:nvPr>
-            <p:ph type="sldNum" sz="quarter" idx="12"/>
-          </p:nvPr>
-        </p:nvSpPr>
-        <p:spPr/>
-        <p:txBody>
-          <a:bodyPr/>
-          <a:lstStyle/>
-          <a:p>
-            <a:fld id="{34E77ACB-9F7D-4A47-B7B2-4201AE6BAC78}" type="slidenum">
-              <a:rPr lang="en-US" smtClean="0"/>
-              <a:t>‹#›</a:t>
-            </a:fld>
-            <a:endParaRPr lang="en-US"/>
+              <a:t>Edit Master text styles</a:t>
+            </a:r>
           </a:p>
         </p:txBody>
       </p:sp>
     </p:spTree>
     <p:extLst>
       <p:ext uri="{BB962C8B-B14F-4D97-AF65-F5344CB8AC3E}">
-        <p14:creationId xmlns:p14="http://schemas.microsoft.com/office/powerpoint/2010/main" val="3815552033"/>
+        <p14:creationId xmlns:p14="http://schemas.microsoft.com/office/powerpoint/2010/main" val="1020825488"/>
       </p:ext>
     </p:extLst>
   </p:cSld>
@@ -2546,7 +3072,7 @@
 </p:sldLayout>
 </file>
 
-<file path=ppt/slideLayouts/slideLayout4.xml><?xml version="1.0" encoding="utf-8"?>
+<file path=ppt/slideLayouts/slideLayout17.xml><?xml version="1.0" encoding="utf-8"?>
 <p:sldLayout xmlns:a="http://schemas.openxmlformats.org/drawingml/2006/main" xmlns:r="http://schemas.openxmlformats.org/officeDocument/2006/relationships" xmlns:p="http://schemas.openxmlformats.org/presentationml/2006/main" type="twoObj" preserve="1">
   <p:cSld name="Two Content">
     <p:spTree>
@@ -2608,7 +3134,7 @@
             <a:pPr lvl="0"/>
             <a:r>
               <a:rPr lang="en-US"/>
-              <a:t>Click to edit Master text styles</a:t>
+              <a:t>Edit Master text styles</a:t>
             </a:r>
           </a:p>
           <a:p>
@@ -2664,7 +3190,7 @@
             <a:pPr lvl="0"/>
             <a:r>
               <a:rPr lang="en-US"/>
-              <a:t>Click to edit Master text styles</a:t>
+              <a:t>Edit Master text styles</a:t>
             </a:r>
           </a:p>
           <a:p>
@@ -2694,78 +3220,13 @@
               <a:rPr lang="en-US"/>
               <a:t>Fifth level</a:t>
             </a:r>
-          </a:p>
-        </p:txBody>
-      </p:sp>
-      <p:sp>
-        <p:nvSpPr>
-          <p:cNvPr id="5" name="Date Placeholder 4"/>
-          <p:cNvSpPr>
-            <a:spLocks noGrp="1"/>
-          </p:cNvSpPr>
-          <p:nvPr>
-            <p:ph type="dt" sz="half" idx="10"/>
-          </p:nvPr>
-        </p:nvSpPr>
-        <p:spPr/>
-        <p:txBody>
-          <a:bodyPr/>
-          <a:lstStyle/>
-          <a:p>
-            <a:fld id="{38B92EED-EC5D-481D-8393-A7289D5F8955}" type="datetimeFigureOut">
-              <a:rPr lang="en-US" smtClean="0"/>
-              <a:t>4/20/2016</a:t>
-            </a:fld>
-            <a:endParaRPr lang="en-US"/>
-          </a:p>
-        </p:txBody>
-      </p:sp>
-      <p:sp>
-        <p:nvSpPr>
-          <p:cNvPr id="6" name="Footer Placeholder 5"/>
-          <p:cNvSpPr>
-            <a:spLocks noGrp="1"/>
-          </p:cNvSpPr>
-          <p:nvPr>
-            <p:ph type="ftr" sz="quarter" idx="11"/>
-          </p:nvPr>
-        </p:nvSpPr>
-        <p:spPr/>
-        <p:txBody>
-          <a:bodyPr/>
-          <a:lstStyle/>
-          <a:p>
-            <a:endParaRPr lang="en-US"/>
-          </a:p>
-        </p:txBody>
-      </p:sp>
-      <p:sp>
-        <p:nvSpPr>
-          <p:cNvPr id="7" name="Slide Number Placeholder 6"/>
-          <p:cNvSpPr>
-            <a:spLocks noGrp="1"/>
-          </p:cNvSpPr>
-          <p:nvPr>
-            <p:ph type="sldNum" sz="quarter" idx="12"/>
-          </p:nvPr>
-        </p:nvSpPr>
-        <p:spPr/>
-        <p:txBody>
-          <a:bodyPr/>
-          <a:lstStyle/>
-          <a:p>
-            <a:fld id="{34E77ACB-9F7D-4A47-B7B2-4201AE6BAC78}" type="slidenum">
-              <a:rPr lang="en-US" smtClean="0"/>
-              <a:t>‹#›</a:t>
-            </a:fld>
-            <a:endParaRPr lang="en-US"/>
           </a:p>
         </p:txBody>
       </p:sp>
     </p:spTree>
     <p:extLst>
       <p:ext uri="{BB962C8B-B14F-4D97-AF65-F5344CB8AC3E}">
-        <p14:creationId xmlns:p14="http://schemas.microsoft.com/office/powerpoint/2010/main" val="2885525123"/>
+        <p14:creationId xmlns:p14="http://schemas.microsoft.com/office/powerpoint/2010/main" val="441170255"/>
       </p:ext>
     </p:extLst>
   </p:cSld>
@@ -2775,8 +3236,8 @@
 </p:sldLayout>
 </file>
 
-<file path=ppt/slideLayouts/slideLayout5.xml><?xml version="1.0" encoding="utf-8"?>
-<p:sldLayout xmlns:a="http://schemas.openxmlformats.org/drawingml/2006/main" xmlns:r="http://schemas.openxmlformats.org/officeDocument/2006/relationships" xmlns:p="http://schemas.openxmlformats.org/presentationml/2006/main" type="twoTxTwoObj" preserve="1">
+<file path=ppt/slideLayouts/slideLayout18.xml><?xml version="1.0" encoding="utf-8"?>
+<p:sldLayout xmlns:a="http://schemas.openxmlformats.org/drawingml/2006/main" xmlns:r="http://schemas.openxmlformats.org/officeDocument/2006/relationships" xmlns:p="http://schemas.openxmlformats.org/presentationml/2006/main" preserve="1" userDrawn="1">
   <p:cSld name="Comparison">
     <p:spTree>
       <p:nvGrpSpPr>
@@ -2792,33 +3253,6 @@
           <a:chExt cx="0" cy="0"/>
         </a:xfrm>
       </p:grpSpPr>
-      <p:sp>
-        <p:nvSpPr>
-          <p:cNvPr id="2" name="Title 1"/>
-          <p:cNvSpPr>
-            <a:spLocks noGrp="1"/>
-          </p:cNvSpPr>
-          <p:nvPr>
-            <p:ph type="title"/>
-          </p:nvPr>
-        </p:nvSpPr>
-        <p:spPr>
-          <a:xfrm>
-            <a:off x="839788" y="365125"/>
-            <a:ext cx="10515600" cy="1325563"/>
-          </a:xfrm>
-        </p:spPr>
-        <p:txBody>
-          <a:bodyPr/>
-          <a:lstStyle/>
-          <a:p>
-            <a:r>
-              <a:rPr lang="en-US"/>
-              <a:t>Click to edit Master title style</a:t>
-            </a:r>
-          </a:p>
-        </p:txBody>
-      </p:sp>
       <p:sp>
         <p:nvSpPr>
           <p:cNvPr id="3" name="Text Placeholder 2"/>
@@ -2879,7 +3313,7 @@
             <a:pPr lvl="0"/>
             <a:r>
               <a:rPr lang="en-US"/>
-              <a:t>Click to edit Master text styles</a:t>
+              <a:t>Edit Master text styles</a:t>
             </a:r>
           </a:p>
         </p:txBody>
@@ -2906,35 +3340,35 @@
           <a:p>
             <a:pPr lvl="0"/>
             <a:r>
-              <a:rPr lang="en-US"/>
-              <a:t>Click to edit Master text styles</a:t>
+              <a:rPr lang="en-US" dirty="0"/>
+              <a:t>Edit Master text styles</a:t>
             </a:r>
           </a:p>
           <a:p>
             <a:pPr lvl="1"/>
             <a:r>
-              <a:rPr lang="en-US"/>
+              <a:rPr lang="en-US" dirty="0"/>
               <a:t>Second level</a:t>
             </a:r>
           </a:p>
           <a:p>
             <a:pPr lvl="2"/>
             <a:r>
-              <a:rPr lang="en-US"/>
+              <a:rPr lang="en-US" dirty="0"/>
               <a:t>Third level</a:t>
             </a:r>
           </a:p>
           <a:p>
             <a:pPr lvl="3"/>
             <a:r>
-              <a:rPr lang="en-US"/>
+              <a:rPr lang="en-US" dirty="0"/>
               <a:t>Fourth level</a:t>
             </a:r>
           </a:p>
           <a:p>
             <a:pPr lvl="4"/>
             <a:r>
-              <a:rPr lang="en-US"/>
+              <a:rPr lang="en-US" dirty="0"/>
               <a:t>Fifth level</a:t>
             </a:r>
           </a:p>
@@ -2999,8 +3433,8 @@
           <a:p>
             <a:pPr lvl="0"/>
             <a:r>
-              <a:rPr lang="en-US"/>
-              <a:t>Click to edit Master text styles</a:t>
+              <a:rPr lang="en-US" dirty="0"/>
+              <a:t>Edit Master text styles</a:t>
             </a:r>
           </a:p>
         </p:txBody>
@@ -3028,7 +3462,7 @@
             <a:pPr lvl="0"/>
             <a:r>
               <a:rPr lang="en-US"/>
-              <a:t>Click to edit Master text styles</a:t>
+              <a:t>Edit Master text styles</a:t>
             </a:r>
           </a:p>
           <a:p>
@@ -3063,73 +3497,35 @@
       </p:sp>
       <p:sp>
         <p:nvSpPr>
-          <p:cNvPr id="7" name="Date Placeholder 6"/>
-          <p:cNvSpPr>
-            <a:spLocks noGrp="1"/>
-          </p:cNvSpPr>
-          <p:nvPr>
-            <p:ph type="dt" sz="half" idx="10"/>
-          </p:nvPr>
-        </p:nvSpPr>
-        <p:spPr/>
+          <p:cNvPr id="11" name="Title 1"/>
+          <p:cNvSpPr>
+            <a:spLocks noGrp="1"/>
+          </p:cNvSpPr>
+          <p:nvPr>
+            <p:ph type="title"/>
+          </p:nvPr>
+        </p:nvSpPr>
+        <p:spPr>
+          <a:xfrm>
+            <a:off x="1731522" y="270460"/>
+            <a:ext cx="9622277" cy="1234122"/>
+          </a:xfrm>
+        </p:spPr>
         <p:txBody>
           <a:bodyPr/>
           <a:lstStyle/>
           <a:p>
-            <a:fld id="{38B92EED-EC5D-481D-8393-A7289D5F8955}" type="datetimeFigureOut">
-              <a:rPr lang="en-US" smtClean="0"/>
-              <a:t>4/20/2016</a:t>
-            </a:fld>
-            <a:endParaRPr lang="en-US"/>
-          </a:p>
-        </p:txBody>
-      </p:sp>
-      <p:sp>
-        <p:nvSpPr>
-          <p:cNvPr id="8" name="Footer Placeholder 7"/>
-          <p:cNvSpPr>
-            <a:spLocks noGrp="1"/>
-          </p:cNvSpPr>
-          <p:nvPr>
-            <p:ph type="ftr" sz="quarter" idx="11"/>
-          </p:nvPr>
-        </p:nvSpPr>
-        <p:spPr/>
-        <p:txBody>
-          <a:bodyPr/>
-          <a:lstStyle/>
-          <a:p>
-            <a:endParaRPr lang="en-US"/>
-          </a:p>
-        </p:txBody>
-      </p:sp>
-      <p:sp>
-        <p:nvSpPr>
-          <p:cNvPr id="9" name="Slide Number Placeholder 8"/>
-          <p:cNvSpPr>
-            <a:spLocks noGrp="1"/>
-          </p:cNvSpPr>
-          <p:nvPr>
-            <p:ph type="sldNum" sz="quarter" idx="12"/>
-          </p:nvPr>
-        </p:nvSpPr>
-        <p:spPr/>
-        <p:txBody>
-          <a:bodyPr/>
-          <a:lstStyle/>
-          <a:p>
-            <a:fld id="{34E77ACB-9F7D-4A47-B7B2-4201AE6BAC78}" type="slidenum">
-              <a:rPr lang="en-US" smtClean="0"/>
-              <a:t>‹#›</a:t>
-            </a:fld>
-            <a:endParaRPr lang="en-US"/>
+            <a:r>
+              <a:rPr lang="en-US" dirty="0"/>
+              <a:t>Click to edit Master title style</a:t>
+            </a:r>
           </a:p>
         </p:txBody>
       </p:sp>
     </p:spTree>
     <p:extLst>
       <p:ext uri="{BB962C8B-B14F-4D97-AF65-F5344CB8AC3E}">
-        <p14:creationId xmlns:p14="http://schemas.microsoft.com/office/powerpoint/2010/main" val="241352086"/>
+        <p14:creationId xmlns:p14="http://schemas.microsoft.com/office/powerpoint/2010/main" val="589473505"/>
       </p:ext>
     </p:extLst>
   </p:cSld>
@@ -3139,7 +3535,7 @@
 </p:sldLayout>
 </file>
 
-<file path=ppt/slideLayouts/slideLayout6.xml><?xml version="1.0" encoding="utf-8"?>
+<file path=ppt/slideLayouts/slideLayout19.xml><?xml version="1.0" encoding="utf-8"?>
 <p:sldLayout xmlns:a="http://schemas.openxmlformats.org/drawingml/2006/main" xmlns:r="http://schemas.openxmlformats.org/officeDocument/2006/relationships" xmlns:p="http://schemas.openxmlformats.org/presentationml/2006/main" type="titleOnly" preserve="1">
   <p:cSld name="Title Only">
     <p:spTree>
@@ -3178,75 +3574,10 @@
           </a:p>
         </p:txBody>
       </p:sp>
-      <p:sp>
-        <p:nvSpPr>
-          <p:cNvPr id="3" name="Date Placeholder 2"/>
-          <p:cNvSpPr>
-            <a:spLocks noGrp="1"/>
-          </p:cNvSpPr>
-          <p:nvPr>
-            <p:ph type="dt" sz="half" idx="10"/>
-          </p:nvPr>
-        </p:nvSpPr>
-        <p:spPr/>
-        <p:txBody>
-          <a:bodyPr/>
-          <a:lstStyle/>
-          <a:p>
-            <a:fld id="{38B92EED-EC5D-481D-8393-A7289D5F8955}" type="datetimeFigureOut">
-              <a:rPr lang="en-US" smtClean="0"/>
-              <a:t>4/20/2016</a:t>
-            </a:fld>
-            <a:endParaRPr lang="en-US"/>
-          </a:p>
-        </p:txBody>
-      </p:sp>
-      <p:sp>
-        <p:nvSpPr>
-          <p:cNvPr id="4" name="Footer Placeholder 3"/>
-          <p:cNvSpPr>
-            <a:spLocks noGrp="1"/>
-          </p:cNvSpPr>
-          <p:nvPr>
-            <p:ph type="ftr" sz="quarter" idx="11"/>
-          </p:nvPr>
-        </p:nvSpPr>
-        <p:spPr/>
-        <p:txBody>
-          <a:bodyPr/>
-          <a:lstStyle/>
-          <a:p>
-            <a:endParaRPr lang="en-US"/>
-          </a:p>
-        </p:txBody>
-      </p:sp>
-      <p:sp>
-        <p:nvSpPr>
-          <p:cNvPr id="5" name="Slide Number Placeholder 4"/>
-          <p:cNvSpPr>
-            <a:spLocks noGrp="1"/>
-          </p:cNvSpPr>
-          <p:nvPr>
-            <p:ph type="sldNum" sz="quarter" idx="12"/>
-          </p:nvPr>
-        </p:nvSpPr>
-        <p:spPr/>
-        <p:txBody>
-          <a:bodyPr/>
-          <a:lstStyle/>
-          <a:p>
-            <a:fld id="{34E77ACB-9F7D-4A47-B7B2-4201AE6BAC78}" type="slidenum">
-              <a:rPr lang="en-US" smtClean="0"/>
-              <a:t>‹#›</a:t>
-            </a:fld>
-            <a:endParaRPr lang="en-US"/>
-          </a:p>
-        </p:txBody>
-      </p:sp>
     </p:spTree>
     <p:extLst>
       <p:ext uri="{BB962C8B-B14F-4D97-AF65-F5344CB8AC3E}">
-        <p14:creationId xmlns:p14="http://schemas.microsoft.com/office/powerpoint/2010/main" val="1732171233"/>
+        <p14:creationId xmlns:p14="http://schemas.microsoft.com/office/powerpoint/2010/main" val="241836804"/>
       </p:ext>
     </p:extLst>
   </p:cSld>
@@ -3256,7 +3587,334 @@
 </p:sldLayout>
 </file>
 
-<file path=ppt/slideLayouts/slideLayout7.xml><?xml version="1.0" encoding="utf-8"?>
+<file path=ppt/slideLayouts/slideLayout2.xml><?xml version="1.0" encoding="utf-8"?>
+<p:sldLayout xmlns:a="http://schemas.openxmlformats.org/drawingml/2006/main" xmlns:r="http://schemas.openxmlformats.org/officeDocument/2006/relationships" xmlns:p="http://schemas.openxmlformats.org/presentationml/2006/main" type="obj" preserve="1">
+  <p:cSld name="Title and Content">
+    <p:spTree>
+      <p:nvGrpSpPr>
+        <p:cNvPr id="1" name=""/>
+        <p:cNvGrpSpPr/>
+        <p:nvPr/>
+      </p:nvGrpSpPr>
+      <p:grpSpPr>
+        <a:xfrm>
+          <a:off x="0" y="0"/>
+          <a:ext cx="0" cy="0"/>
+          <a:chOff x="0" y="0"/>
+          <a:chExt cx="0" cy="0"/>
+        </a:xfrm>
+      </p:grpSpPr>
+      <p:sp>
+        <p:nvSpPr>
+          <p:cNvPr id="2" name="Title 1"/>
+          <p:cNvSpPr>
+            <a:spLocks noGrp="1"/>
+          </p:cNvSpPr>
+          <p:nvPr>
+            <p:ph type="title"/>
+          </p:nvPr>
+        </p:nvSpPr>
+        <p:spPr/>
+        <p:txBody>
+          <a:bodyPr/>
+          <a:lstStyle/>
+          <a:p>
+            <a:r>
+              <a:rPr lang="en-US"/>
+              <a:t>Click to edit Master title style</a:t>
+            </a:r>
+          </a:p>
+        </p:txBody>
+      </p:sp>
+      <p:sp>
+        <p:nvSpPr>
+          <p:cNvPr id="3" name="Content Placeholder 2"/>
+          <p:cNvSpPr>
+            <a:spLocks noGrp="1"/>
+          </p:cNvSpPr>
+          <p:nvPr>
+            <p:ph idx="1"/>
+          </p:nvPr>
+        </p:nvSpPr>
+        <p:spPr/>
+        <p:txBody>
+          <a:bodyPr/>
+          <a:lstStyle/>
+          <a:p>
+            <a:pPr lvl="0"/>
+            <a:r>
+              <a:rPr lang="en-US"/>
+              <a:t>Click to edit Master text styles</a:t>
+            </a:r>
+          </a:p>
+          <a:p>
+            <a:pPr lvl="1"/>
+            <a:r>
+              <a:rPr lang="en-US"/>
+              <a:t>Second level</a:t>
+            </a:r>
+          </a:p>
+          <a:p>
+            <a:pPr lvl="2"/>
+            <a:r>
+              <a:rPr lang="en-US"/>
+              <a:t>Third level</a:t>
+            </a:r>
+          </a:p>
+          <a:p>
+            <a:pPr lvl="3"/>
+            <a:r>
+              <a:rPr lang="en-US"/>
+              <a:t>Fourth level</a:t>
+            </a:r>
+          </a:p>
+          <a:p>
+            <a:pPr lvl="4"/>
+            <a:r>
+              <a:rPr lang="en-US"/>
+              <a:t>Fifth level</a:t>
+            </a:r>
+          </a:p>
+        </p:txBody>
+      </p:sp>
+      <p:sp>
+        <p:nvSpPr>
+          <p:cNvPr id="4" name="Date Placeholder 3"/>
+          <p:cNvSpPr>
+            <a:spLocks noGrp="1"/>
+          </p:cNvSpPr>
+          <p:nvPr>
+            <p:ph type="dt" sz="half" idx="10"/>
+          </p:nvPr>
+        </p:nvSpPr>
+        <p:spPr/>
+        <p:txBody>
+          <a:bodyPr/>
+          <a:lstStyle/>
+          <a:p>
+            <a:fld id="{38B92EED-EC5D-481D-8393-A7289D5F8955}" type="datetimeFigureOut">
+              <a:rPr lang="en-US" smtClean="0"/>
+              <a:t>5/3/2016</a:t>
+            </a:fld>
+            <a:endParaRPr lang="en-US"/>
+          </a:p>
+        </p:txBody>
+      </p:sp>
+      <p:sp>
+        <p:nvSpPr>
+          <p:cNvPr id="5" name="Footer Placeholder 4"/>
+          <p:cNvSpPr>
+            <a:spLocks noGrp="1"/>
+          </p:cNvSpPr>
+          <p:nvPr>
+            <p:ph type="ftr" sz="quarter" idx="11"/>
+          </p:nvPr>
+        </p:nvSpPr>
+        <p:spPr/>
+        <p:txBody>
+          <a:bodyPr/>
+          <a:lstStyle/>
+          <a:p>
+            <a:endParaRPr lang="en-US"/>
+          </a:p>
+        </p:txBody>
+      </p:sp>
+      <p:sp>
+        <p:nvSpPr>
+          <p:cNvPr id="6" name="Slide Number Placeholder 5"/>
+          <p:cNvSpPr>
+            <a:spLocks noGrp="1"/>
+          </p:cNvSpPr>
+          <p:nvPr>
+            <p:ph type="sldNum" sz="quarter" idx="12"/>
+          </p:nvPr>
+        </p:nvSpPr>
+        <p:spPr/>
+        <p:txBody>
+          <a:bodyPr/>
+          <a:lstStyle/>
+          <a:p>
+            <a:fld id="{34E77ACB-9F7D-4A47-B7B2-4201AE6BAC78}" type="slidenum">
+              <a:rPr lang="en-US" smtClean="0"/>
+              <a:t>‹#›</a:t>
+            </a:fld>
+            <a:endParaRPr lang="en-US"/>
+          </a:p>
+        </p:txBody>
+      </p:sp>
+    </p:spTree>
+    <p:extLst>
+      <p:ext uri="{BB962C8B-B14F-4D97-AF65-F5344CB8AC3E}">
+        <p14:creationId xmlns:p14="http://schemas.microsoft.com/office/powerpoint/2010/main" val="16051369"/>
+      </p:ext>
+    </p:extLst>
+  </p:cSld>
+  <p:clrMapOvr>
+    <a:masterClrMapping/>
+  </p:clrMapOvr>
+</p:sldLayout>
+</file>
+
+<file path=ppt/slideLayouts/slideLayout20.xml><?xml version="1.0" encoding="utf-8"?>
+<p:sldLayout xmlns:a="http://schemas.openxmlformats.org/drawingml/2006/main" xmlns:r="http://schemas.openxmlformats.org/officeDocument/2006/relationships" xmlns:p="http://schemas.openxmlformats.org/presentationml/2006/main" showMasterSp="0" preserve="1" userDrawn="1">
+  <p:cSld name="Custom Layout">
+    <p:bg>
+      <p:bgPr>
+        <a:blipFill dpi="0" rotWithShape="1">
+          <a:blip r:embed="rId2">
+            <a:lum/>
+          </a:blip>
+          <a:srcRect/>
+          <a:stretch>
+            <a:fillRect/>
+          </a:stretch>
+        </a:blipFill>
+        <a:effectLst/>
+      </p:bgPr>
+    </p:bg>
+    <p:spTree>
+      <p:nvGrpSpPr>
+        <p:cNvPr id="1" name=""/>
+        <p:cNvGrpSpPr/>
+        <p:nvPr/>
+      </p:nvGrpSpPr>
+      <p:grpSpPr>
+        <a:xfrm>
+          <a:off x="0" y="0"/>
+          <a:ext cx="0" cy="0"/>
+          <a:chOff x="0" y="0"/>
+          <a:chExt cx="0" cy="0"/>
+        </a:xfrm>
+      </p:grpSpPr>
+      <p:sp>
+        <p:nvSpPr>
+          <p:cNvPr id="2" name="Title 1"/>
+          <p:cNvSpPr>
+            <a:spLocks noGrp="1"/>
+          </p:cNvSpPr>
+          <p:nvPr>
+            <p:ph type="title"/>
+          </p:nvPr>
+        </p:nvSpPr>
+        <p:spPr/>
+        <p:txBody>
+          <a:bodyPr/>
+          <a:lstStyle/>
+          <a:p>
+            <a:r>
+              <a:rPr lang="en-US" dirty="0"/>
+              <a:t>Click to edit Master title style</a:t>
+            </a:r>
+            <a:endParaRPr lang="da-DK" dirty="0"/>
+          </a:p>
+        </p:txBody>
+      </p:sp>
+      <p:sp>
+        <p:nvSpPr>
+          <p:cNvPr id="3" name="Content Placeholder 2"/>
+          <p:cNvSpPr>
+            <a:spLocks noGrp="1"/>
+          </p:cNvSpPr>
+          <p:nvPr>
+            <p:ph idx="1"/>
+          </p:nvPr>
+        </p:nvSpPr>
+        <p:spPr>
+          <a:xfrm>
+            <a:off x="838200" y="1825625"/>
+            <a:ext cx="10515600" cy="4109661"/>
+          </a:xfrm>
+        </p:spPr>
+        <p:txBody>
+          <a:bodyPr/>
+          <a:lstStyle>
+            <a:lvl1pPr>
+              <a:defRPr>
+                <a:solidFill>
+                  <a:srgbClr val="0E0F21"/>
+                </a:solidFill>
+              </a:defRPr>
+            </a:lvl1pPr>
+            <a:lvl2pPr>
+              <a:defRPr>
+                <a:solidFill>
+                  <a:srgbClr val="0E0F21"/>
+                </a:solidFill>
+              </a:defRPr>
+            </a:lvl2pPr>
+            <a:lvl3pPr>
+              <a:defRPr>
+                <a:solidFill>
+                  <a:srgbClr val="0E0F21"/>
+                </a:solidFill>
+              </a:defRPr>
+            </a:lvl3pPr>
+            <a:lvl4pPr>
+              <a:defRPr>
+                <a:solidFill>
+                  <a:srgbClr val="0E0F21"/>
+                </a:solidFill>
+              </a:defRPr>
+            </a:lvl4pPr>
+            <a:lvl5pPr>
+              <a:defRPr>
+                <a:solidFill>
+                  <a:srgbClr val="0E0F21"/>
+                </a:solidFill>
+              </a:defRPr>
+            </a:lvl5pPr>
+          </a:lstStyle>
+          <a:p>
+            <a:pPr lvl="0"/>
+            <a:r>
+              <a:rPr lang="en-US" dirty="0"/>
+              <a:t>Edit Master text styles</a:t>
+            </a:r>
+          </a:p>
+          <a:p>
+            <a:pPr lvl="1"/>
+            <a:r>
+              <a:rPr lang="en-US" dirty="0"/>
+              <a:t>Second level</a:t>
+            </a:r>
+          </a:p>
+          <a:p>
+            <a:pPr lvl="2"/>
+            <a:r>
+              <a:rPr lang="en-US" dirty="0"/>
+              <a:t>Third level</a:t>
+            </a:r>
+          </a:p>
+          <a:p>
+            <a:pPr lvl="3"/>
+            <a:r>
+              <a:rPr lang="en-US" dirty="0"/>
+              <a:t>Fourth level</a:t>
+            </a:r>
+          </a:p>
+          <a:p>
+            <a:pPr lvl="4"/>
+            <a:r>
+              <a:rPr lang="en-US" dirty="0"/>
+              <a:t>Fifth level</a:t>
+            </a:r>
+          </a:p>
+        </p:txBody>
+      </p:sp>
+    </p:spTree>
+    <p:extLst>
+      <p:ext uri="{BB962C8B-B14F-4D97-AF65-F5344CB8AC3E}">
+        <p14:creationId xmlns:p14="http://schemas.microsoft.com/office/powerpoint/2010/main" val="1476470052"/>
+      </p:ext>
+    </p:extLst>
+  </p:cSld>
+  <p:clrMapOvr>
+    <a:masterClrMapping/>
+  </p:clrMapOvr>
+</p:sldLayout>
+</file>
+
+<file path=ppt/slideLayouts/slideLayout21.xml><?xml version="1.0" encoding="utf-8"?>
 <p:sldLayout xmlns:a="http://schemas.openxmlformats.org/drawingml/2006/main" xmlns:r="http://schemas.openxmlformats.org/officeDocument/2006/relationships" xmlns:p="http://schemas.openxmlformats.org/presentationml/2006/main" type="blank" preserve="1">
   <p:cSld name="Blank">
     <p:spTree>
@@ -3273,75 +3931,10 @@
           <a:chExt cx="0" cy="0"/>
         </a:xfrm>
       </p:grpSpPr>
-      <p:sp>
-        <p:nvSpPr>
-          <p:cNvPr id="2" name="Date Placeholder 1"/>
-          <p:cNvSpPr>
-            <a:spLocks noGrp="1"/>
-          </p:cNvSpPr>
-          <p:nvPr>
-            <p:ph type="dt" sz="half" idx="10"/>
-          </p:nvPr>
-        </p:nvSpPr>
-        <p:spPr/>
-        <p:txBody>
-          <a:bodyPr/>
-          <a:lstStyle/>
-          <a:p>
-            <a:fld id="{38B92EED-EC5D-481D-8393-A7289D5F8955}" type="datetimeFigureOut">
-              <a:rPr lang="en-US" smtClean="0"/>
-              <a:t>4/20/2016</a:t>
-            </a:fld>
-            <a:endParaRPr lang="en-US"/>
-          </a:p>
-        </p:txBody>
-      </p:sp>
-      <p:sp>
-        <p:nvSpPr>
-          <p:cNvPr id="3" name="Footer Placeholder 2"/>
-          <p:cNvSpPr>
-            <a:spLocks noGrp="1"/>
-          </p:cNvSpPr>
-          <p:nvPr>
-            <p:ph type="ftr" sz="quarter" idx="11"/>
-          </p:nvPr>
-        </p:nvSpPr>
-        <p:spPr/>
-        <p:txBody>
-          <a:bodyPr/>
-          <a:lstStyle/>
-          <a:p>
-            <a:endParaRPr lang="en-US"/>
-          </a:p>
-        </p:txBody>
-      </p:sp>
-      <p:sp>
-        <p:nvSpPr>
-          <p:cNvPr id="4" name="Slide Number Placeholder 3"/>
-          <p:cNvSpPr>
-            <a:spLocks noGrp="1"/>
-          </p:cNvSpPr>
-          <p:nvPr>
-            <p:ph type="sldNum" sz="quarter" idx="12"/>
-          </p:nvPr>
-        </p:nvSpPr>
-        <p:spPr/>
-        <p:txBody>
-          <a:bodyPr/>
-          <a:lstStyle/>
-          <a:p>
-            <a:fld id="{34E77ACB-9F7D-4A47-B7B2-4201AE6BAC78}" type="slidenum">
-              <a:rPr lang="en-US" smtClean="0"/>
-              <a:t>‹#›</a:t>
-            </a:fld>
-            <a:endParaRPr lang="en-US"/>
-          </a:p>
-        </p:txBody>
-      </p:sp>
     </p:spTree>
     <p:extLst>
       <p:ext uri="{BB962C8B-B14F-4D97-AF65-F5344CB8AC3E}">
-        <p14:creationId xmlns:p14="http://schemas.microsoft.com/office/powerpoint/2010/main" val="1798485249"/>
+        <p14:creationId xmlns:p14="http://schemas.microsoft.com/office/powerpoint/2010/main" val="1971506894"/>
       </p:ext>
     </p:extLst>
   </p:cSld>
@@ -3351,7 +3944,7 @@
 </p:sldLayout>
 </file>
 
-<file path=ppt/slideLayouts/slideLayout8.xml><?xml version="1.0" encoding="utf-8"?>
+<file path=ppt/slideLayouts/slideLayout22.xml><?xml version="1.0" encoding="utf-8"?>
 <p:sldLayout xmlns:a="http://schemas.openxmlformats.org/drawingml/2006/main" xmlns:r="http://schemas.openxmlformats.org/officeDocument/2006/relationships" xmlns:p="http://schemas.openxmlformats.org/presentationml/2006/main" type="objTx" preserve="1">
   <p:cSld name="Content with Caption">
     <p:spTree>
@@ -3380,20 +3973,24 @@
         </p:nvSpPr>
         <p:spPr>
           <a:xfrm>
-            <a:off x="839788" y="457200"/>
-            <a:ext cx="3932237" cy="1600200"/>
+            <a:off x="1338349" y="1803862"/>
+            <a:ext cx="3433676" cy="1600200"/>
           </a:xfrm>
         </p:spPr>
         <p:txBody>
           <a:bodyPr anchor="b"/>
           <a:lstStyle>
             <a:lvl1pPr>
-              <a:defRPr sz="3200"/>
+              <a:defRPr sz="3200">
+                <a:solidFill>
+                  <a:schemeClr val="bg1"/>
+                </a:solidFill>
+              </a:defRPr>
             </a:lvl1pPr>
           </a:lstStyle>
           <a:p>
             <a:r>
-              <a:rPr lang="en-US"/>
+              <a:rPr lang="en-US" dirty="0"/>
               <a:t>Click to edit Master title style</a:t>
             </a:r>
           </a:p>
@@ -3411,8 +4008,8 @@
         </p:nvSpPr>
         <p:spPr>
           <a:xfrm>
-            <a:off x="5183188" y="987425"/>
-            <a:ext cx="6172200" cy="4873625"/>
+            <a:off x="5183188" y="1803862"/>
+            <a:ext cx="6172200" cy="4057188"/>
           </a:xfrm>
         </p:spPr>
         <p:txBody>
@@ -3450,7 +4047,7 @@
             <a:pPr lvl="0"/>
             <a:r>
               <a:rPr lang="en-US"/>
-              <a:t>Click to edit Master text styles</a:t>
+              <a:t>Edit Master text styles</a:t>
             </a:r>
           </a:p>
           <a:p>
@@ -3495,8 +4092,8 @@
         </p:nvSpPr>
         <p:spPr>
           <a:xfrm>
-            <a:off x="839788" y="2057400"/>
-            <a:ext cx="3932237" cy="3811588"/>
+            <a:off x="1338349" y="3524596"/>
+            <a:ext cx="3433676" cy="2344392"/>
           </a:xfrm>
         </p:spPr>
         <p:txBody>
@@ -3542,81 +4139,16 @@
           <a:p>
             <a:pPr lvl="0"/>
             <a:r>
-              <a:rPr lang="en-US"/>
-              <a:t>Click to edit Master text styles</a:t>
-            </a:r>
-          </a:p>
-        </p:txBody>
-      </p:sp>
-      <p:sp>
-        <p:nvSpPr>
-          <p:cNvPr id="5" name="Date Placeholder 4"/>
-          <p:cNvSpPr>
-            <a:spLocks noGrp="1"/>
-          </p:cNvSpPr>
-          <p:nvPr>
-            <p:ph type="dt" sz="half" idx="10"/>
-          </p:nvPr>
-        </p:nvSpPr>
-        <p:spPr/>
-        <p:txBody>
-          <a:bodyPr/>
-          <a:lstStyle/>
-          <a:p>
-            <a:fld id="{38B92EED-EC5D-481D-8393-A7289D5F8955}" type="datetimeFigureOut">
-              <a:rPr lang="en-US" smtClean="0"/>
-              <a:t>4/20/2016</a:t>
-            </a:fld>
-            <a:endParaRPr lang="en-US"/>
-          </a:p>
-        </p:txBody>
-      </p:sp>
-      <p:sp>
-        <p:nvSpPr>
-          <p:cNvPr id="6" name="Footer Placeholder 5"/>
-          <p:cNvSpPr>
-            <a:spLocks noGrp="1"/>
-          </p:cNvSpPr>
-          <p:nvPr>
-            <p:ph type="ftr" sz="quarter" idx="11"/>
-          </p:nvPr>
-        </p:nvSpPr>
-        <p:spPr/>
-        <p:txBody>
-          <a:bodyPr/>
-          <a:lstStyle/>
-          <a:p>
-            <a:endParaRPr lang="en-US"/>
-          </a:p>
-        </p:txBody>
-      </p:sp>
-      <p:sp>
-        <p:nvSpPr>
-          <p:cNvPr id="7" name="Slide Number Placeholder 6"/>
-          <p:cNvSpPr>
-            <a:spLocks noGrp="1"/>
-          </p:cNvSpPr>
-          <p:nvPr>
-            <p:ph type="sldNum" sz="quarter" idx="12"/>
-          </p:nvPr>
-        </p:nvSpPr>
-        <p:spPr/>
-        <p:txBody>
-          <a:bodyPr/>
-          <a:lstStyle/>
-          <a:p>
-            <a:fld id="{34E77ACB-9F7D-4A47-B7B2-4201AE6BAC78}" type="slidenum">
-              <a:rPr lang="en-US" smtClean="0"/>
-              <a:t>‹#›</a:t>
-            </a:fld>
-            <a:endParaRPr lang="en-US"/>
+              <a:rPr lang="en-US" dirty="0"/>
+              <a:t>Edit Master text styles</a:t>
+            </a:r>
           </a:p>
         </p:txBody>
       </p:sp>
     </p:spTree>
     <p:extLst>
       <p:ext uri="{BB962C8B-B14F-4D97-AF65-F5344CB8AC3E}">
-        <p14:creationId xmlns:p14="http://schemas.microsoft.com/office/powerpoint/2010/main" val="4048021025"/>
+        <p14:creationId xmlns:p14="http://schemas.microsoft.com/office/powerpoint/2010/main" val="3024135133"/>
       </p:ext>
     </p:extLst>
   </p:cSld>
@@ -3626,8 +4158,8 @@
 </p:sldLayout>
 </file>
 
-<file path=ppt/slideLayouts/slideLayout9.xml><?xml version="1.0" encoding="utf-8"?>
-<p:sldLayout xmlns:a="http://schemas.openxmlformats.org/drawingml/2006/main" xmlns:r="http://schemas.openxmlformats.org/officeDocument/2006/relationships" xmlns:p="http://schemas.openxmlformats.org/presentationml/2006/main" type="picTx" preserve="1">
+<file path=ppt/slideLayouts/slideLayout23.xml><?xml version="1.0" encoding="utf-8"?>
+<p:sldLayout xmlns:a="http://schemas.openxmlformats.org/drawingml/2006/main" xmlns:r="http://schemas.openxmlformats.org/officeDocument/2006/relationships" xmlns:p="http://schemas.openxmlformats.org/presentationml/2006/main" preserve="1" userDrawn="1">
   <p:cSld name="Picture with Caption">
     <p:spTree>
       <p:nvGrpSpPr>
@@ -3645,49 +4177,18 @@
       </p:grpSpPr>
       <p:sp>
         <p:nvSpPr>
-          <p:cNvPr id="2" name="Title 1"/>
-          <p:cNvSpPr>
-            <a:spLocks noGrp="1"/>
-          </p:cNvSpPr>
-          <p:nvPr>
-            <p:ph type="title"/>
+          <p:cNvPr id="3" name="Picture Placeholder 2"/>
+          <p:cNvSpPr>
+            <a:spLocks noGrp="1"/>
+          </p:cNvSpPr>
+          <p:nvPr>
+            <p:ph type="pic" idx="1"/>
           </p:nvPr>
         </p:nvSpPr>
         <p:spPr>
           <a:xfrm>
-            <a:off x="839788" y="457200"/>
-            <a:ext cx="3932237" cy="1600200"/>
-          </a:xfrm>
-        </p:spPr>
-        <p:txBody>
-          <a:bodyPr anchor="b"/>
-          <a:lstStyle>
-            <a:lvl1pPr>
-              <a:defRPr sz="3200"/>
-            </a:lvl1pPr>
-          </a:lstStyle>
-          <a:p>
-            <a:r>
-              <a:rPr lang="en-US"/>
-              <a:t>Click to edit Master title style</a:t>
-            </a:r>
-          </a:p>
-        </p:txBody>
-      </p:sp>
-      <p:sp>
-        <p:nvSpPr>
-          <p:cNvPr id="3" name="Picture Placeholder 2"/>
-          <p:cNvSpPr>
-            <a:spLocks noGrp="1"/>
-          </p:cNvSpPr>
-          <p:nvPr>
-            <p:ph type="pic" idx="1"/>
-          </p:nvPr>
-        </p:nvSpPr>
-        <p:spPr>
-          <a:xfrm>
-            <a:off x="5183188" y="987425"/>
-            <a:ext cx="6172200" cy="4873625"/>
+            <a:off x="5183188" y="1778924"/>
+            <a:ext cx="6172200" cy="4082126"/>
           </a:xfrm>
         </p:spPr>
         <p:txBody>
@@ -3737,18 +4238,53 @@
       </p:sp>
       <p:sp>
         <p:nvSpPr>
-          <p:cNvPr id="4" name="Text Placeholder 3"/>
-          <p:cNvSpPr>
-            <a:spLocks noGrp="1"/>
-          </p:cNvSpPr>
-          <p:nvPr>
-            <p:ph type="body" sz="half" idx="2"/>
+          <p:cNvPr id="8" name="Title 1"/>
+          <p:cNvSpPr>
+            <a:spLocks noGrp="1"/>
+          </p:cNvSpPr>
+          <p:nvPr>
+            <p:ph type="title"/>
           </p:nvPr>
         </p:nvSpPr>
         <p:spPr>
           <a:xfrm>
-            <a:off x="839788" y="2057400"/>
-            <a:ext cx="3932237" cy="3811588"/>
+            <a:off x="1338349" y="1803862"/>
+            <a:ext cx="3433676" cy="1600200"/>
+          </a:xfrm>
+        </p:spPr>
+        <p:txBody>
+          <a:bodyPr anchor="b"/>
+          <a:lstStyle>
+            <a:lvl1pPr>
+              <a:defRPr sz="3200">
+                <a:solidFill>
+                  <a:schemeClr val="bg1"/>
+                </a:solidFill>
+              </a:defRPr>
+            </a:lvl1pPr>
+          </a:lstStyle>
+          <a:p>
+            <a:r>
+              <a:rPr lang="en-US" dirty="0"/>
+              <a:t>Click to edit Master title style</a:t>
+            </a:r>
+          </a:p>
+        </p:txBody>
+      </p:sp>
+      <p:sp>
+        <p:nvSpPr>
+          <p:cNvPr id="9" name="Text Placeholder 3"/>
+          <p:cNvSpPr>
+            <a:spLocks noGrp="1"/>
+          </p:cNvSpPr>
+          <p:nvPr>
+            <p:ph type="body" sz="half" idx="2"/>
+          </p:nvPr>
+        </p:nvSpPr>
+        <p:spPr>
+          <a:xfrm>
+            <a:off x="1338349" y="3524596"/>
+            <a:ext cx="3433676" cy="2344392"/>
           </a:xfrm>
         </p:spPr>
         <p:txBody>
@@ -3794,6 +4330,289 @@
           <a:p>
             <a:pPr lvl="0"/>
             <a:r>
+              <a:rPr lang="en-US" dirty="0"/>
+              <a:t>Edit Master text styles</a:t>
+            </a:r>
+          </a:p>
+        </p:txBody>
+      </p:sp>
+    </p:spTree>
+    <p:extLst>
+      <p:ext uri="{BB962C8B-B14F-4D97-AF65-F5344CB8AC3E}">
+        <p14:creationId xmlns:p14="http://schemas.microsoft.com/office/powerpoint/2010/main" val="2529230450"/>
+      </p:ext>
+    </p:extLst>
+  </p:cSld>
+  <p:clrMapOvr>
+    <a:masterClrMapping/>
+  </p:clrMapOvr>
+</p:sldLayout>
+</file>
+
+<file path=ppt/slideLayouts/slideLayout24.xml><?xml version="1.0" encoding="utf-8"?>
+<p:sldLayout xmlns:a="http://schemas.openxmlformats.org/drawingml/2006/main" xmlns:r="http://schemas.openxmlformats.org/officeDocument/2006/relationships" xmlns:p="http://schemas.openxmlformats.org/presentationml/2006/main" type="vertTx" preserve="1">
+  <p:cSld name="Title and Vertical Text">
+    <p:spTree>
+      <p:nvGrpSpPr>
+        <p:cNvPr id="1" name=""/>
+        <p:cNvGrpSpPr/>
+        <p:nvPr/>
+      </p:nvGrpSpPr>
+      <p:grpSpPr>
+        <a:xfrm>
+          <a:off x="0" y="0"/>
+          <a:ext cx="0" cy="0"/>
+          <a:chOff x="0" y="0"/>
+          <a:chExt cx="0" cy="0"/>
+        </a:xfrm>
+      </p:grpSpPr>
+      <p:sp>
+        <p:nvSpPr>
+          <p:cNvPr id="2" name="Title 1"/>
+          <p:cNvSpPr>
+            <a:spLocks noGrp="1"/>
+          </p:cNvSpPr>
+          <p:nvPr>
+            <p:ph type="title"/>
+          </p:nvPr>
+        </p:nvSpPr>
+        <p:spPr/>
+        <p:txBody>
+          <a:bodyPr/>
+          <a:lstStyle/>
+          <a:p>
+            <a:r>
+              <a:rPr lang="en-US"/>
+              <a:t>Click to edit Master title style</a:t>
+            </a:r>
+          </a:p>
+        </p:txBody>
+      </p:sp>
+      <p:sp>
+        <p:nvSpPr>
+          <p:cNvPr id="3" name="Vertical Text Placeholder 2"/>
+          <p:cNvSpPr>
+            <a:spLocks noGrp="1"/>
+          </p:cNvSpPr>
+          <p:nvPr>
+            <p:ph type="body" orient="vert" idx="1"/>
+          </p:nvPr>
+        </p:nvSpPr>
+        <p:spPr/>
+        <p:txBody>
+          <a:bodyPr vert="eaVert"/>
+          <a:lstStyle/>
+          <a:p>
+            <a:pPr lvl="0"/>
+            <a:r>
+              <a:rPr lang="en-US"/>
+              <a:t>Edit Master text styles</a:t>
+            </a:r>
+          </a:p>
+          <a:p>
+            <a:pPr lvl="1"/>
+            <a:r>
+              <a:rPr lang="en-US"/>
+              <a:t>Second level</a:t>
+            </a:r>
+          </a:p>
+          <a:p>
+            <a:pPr lvl="2"/>
+            <a:r>
+              <a:rPr lang="en-US"/>
+              <a:t>Third level</a:t>
+            </a:r>
+          </a:p>
+          <a:p>
+            <a:pPr lvl="3"/>
+            <a:r>
+              <a:rPr lang="en-US"/>
+              <a:t>Fourth level</a:t>
+            </a:r>
+          </a:p>
+          <a:p>
+            <a:pPr lvl="4"/>
+            <a:r>
+              <a:rPr lang="en-US"/>
+              <a:t>Fifth level</a:t>
+            </a:r>
+          </a:p>
+        </p:txBody>
+      </p:sp>
+    </p:spTree>
+    <p:extLst>
+      <p:ext uri="{BB962C8B-B14F-4D97-AF65-F5344CB8AC3E}">
+        <p14:creationId xmlns:p14="http://schemas.microsoft.com/office/powerpoint/2010/main" val="1686110077"/>
+      </p:ext>
+    </p:extLst>
+  </p:cSld>
+  <p:clrMapOvr>
+    <a:masterClrMapping/>
+  </p:clrMapOvr>
+</p:sldLayout>
+</file>
+
+<file path=ppt/slideLayouts/slideLayout3.xml><?xml version="1.0" encoding="utf-8"?>
+<p:sldLayout xmlns:a="http://schemas.openxmlformats.org/drawingml/2006/main" xmlns:r="http://schemas.openxmlformats.org/officeDocument/2006/relationships" xmlns:p="http://schemas.openxmlformats.org/presentationml/2006/main" type="secHead" preserve="1">
+  <p:cSld name="Section Header">
+    <p:spTree>
+      <p:nvGrpSpPr>
+        <p:cNvPr id="1" name=""/>
+        <p:cNvGrpSpPr/>
+        <p:nvPr/>
+      </p:nvGrpSpPr>
+      <p:grpSpPr>
+        <a:xfrm>
+          <a:off x="0" y="0"/>
+          <a:ext cx="0" cy="0"/>
+          <a:chOff x="0" y="0"/>
+          <a:chExt cx="0" cy="0"/>
+        </a:xfrm>
+      </p:grpSpPr>
+      <p:sp>
+        <p:nvSpPr>
+          <p:cNvPr id="2" name="Title 1"/>
+          <p:cNvSpPr>
+            <a:spLocks noGrp="1"/>
+          </p:cNvSpPr>
+          <p:nvPr>
+            <p:ph type="title"/>
+          </p:nvPr>
+        </p:nvSpPr>
+        <p:spPr>
+          <a:xfrm>
+            <a:off x="831850" y="1709738"/>
+            <a:ext cx="10515600" cy="2852737"/>
+          </a:xfrm>
+        </p:spPr>
+        <p:txBody>
+          <a:bodyPr anchor="b"/>
+          <a:lstStyle>
+            <a:lvl1pPr>
+              <a:defRPr sz="6000"/>
+            </a:lvl1pPr>
+          </a:lstStyle>
+          <a:p>
+            <a:r>
+              <a:rPr lang="en-US"/>
+              <a:t>Click to edit Master title style</a:t>
+            </a:r>
+          </a:p>
+        </p:txBody>
+      </p:sp>
+      <p:sp>
+        <p:nvSpPr>
+          <p:cNvPr id="3" name="Text Placeholder 2"/>
+          <p:cNvSpPr>
+            <a:spLocks noGrp="1"/>
+          </p:cNvSpPr>
+          <p:nvPr>
+            <p:ph type="body" idx="1"/>
+          </p:nvPr>
+        </p:nvSpPr>
+        <p:spPr>
+          <a:xfrm>
+            <a:off x="831850" y="4589463"/>
+            <a:ext cx="10515600" cy="1500187"/>
+          </a:xfrm>
+        </p:spPr>
+        <p:txBody>
+          <a:bodyPr/>
+          <a:lstStyle>
+            <a:lvl1pPr marL="0" indent="0">
+              <a:buNone/>
+              <a:defRPr sz="2400">
+                <a:solidFill>
+                  <a:schemeClr val="tx1">
+                    <a:tint val="75000"/>
+                  </a:schemeClr>
+                </a:solidFill>
+              </a:defRPr>
+            </a:lvl1pPr>
+            <a:lvl2pPr marL="457200" indent="0">
+              <a:buNone/>
+              <a:defRPr sz="2000">
+                <a:solidFill>
+                  <a:schemeClr val="tx1">
+                    <a:tint val="75000"/>
+                  </a:schemeClr>
+                </a:solidFill>
+              </a:defRPr>
+            </a:lvl2pPr>
+            <a:lvl3pPr marL="914400" indent="0">
+              <a:buNone/>
+              <a:defRPr sz="1800">
+                <a:solidFill>
+                  <a:schemeClr val="tx1">
+                    <a:tint val="75000"/>
+                  </a:schemeClr>
+                </a:solidFill>
+              </a:defRPr>
+            </a:lvl3pPr>
+            <a:lvl4pPr marL="1371600" indent="0">
+              <a:buNone/>
+              <a:defRPr sz="1600">
+                <a:solidFill>
+                  <a:schemeClr val="tx1">
+                    <a:tint val="75000"/>
+                  </a:schemeClr>
+                </a:solidFill>
+              </a:defRPr>
+            </a:lvl4pPr>
+            <a:lvl5pPr marL="1828800" indent="0">
+              <a:buNone/>
+              <a:defRPr sz="1600">
+                <a:solidFill>
+                  <a:schemeClr val="tx1">
+                    <a:tint val="75000"/>
+                  </a:schemeClr>
+                </a:solidFill>
+              </a:defRPr>
+            </a:lvl5pPr>
+            <a:lvl6pPr marL="2286000" indent="0">
+              <a:buNone/>
+              <a:defRPr sz="1600">
+                <a:solidFill>
+                  <a:schemeClr val="tx1">
+                    <a:tint val="75000"/>
+                  </a:schemeClr>
+                </a:solidFill>
+              </a:defRPr>
+            </a:lvl6pPr>
+            <a:lvl7pPr marL="2743200" indent="0">
+              <a:buNone/>
+              <a:defRPr sz="1600">
+                <a:solidFill>
+                  <a:schemeClr val="tx1">
+                    <a:tint val="75000"/>
+                  </a:schemeClr>
+                </a:solidFill>
+              </a:defRPr>
+            </a:lvl7pPr>
+            <a:lvl8pPr marL="3200400" indent="0">
+              <a:buNone/>
+              <a:defRPr sz="1600">
+                <a:solidFill>
+                  <a:schemeClr val="tx1">
+                    <a:tint val="75000"/>
+                  </a:schemeClr>
+                </a:solidFill>
+              </a:defRPr>
+            </a:lvl8pPr>
+            <a:lvl9pPr marL="3657600" indent="0">
+              <a:buNone/>
+              <a:defRPr sz="1600">
+                <a:solidFill>
+                  <a:schemeClr val="tx1">
+                    <a:tint val="75000"/>
+                  </a:schemeClr>
+                </a:solidFill>
+              </a:defRPr>
+            </a:lvl9pPr>
+          </a:lstStyle>
+          <a:p>
+            <a:pPr lvl="0"/>
+            <a:r>
               <a:rPr lang="en-US"/>
               <a:t>Click to edit Master text styles</a:t>
             </a:r>
@@ -3802,7 +4621,7 @@
       </p:sp>
       <p:sp>
         <p:nvSpPr>
-          <p:cNvPr id="5" name="Date Placeholder 4"/>
+          <p:cNvPr id="4" name="Date Placeholder 3"/>
           <p:cNvSpPr>
             <a:spLocks noGrp="1"/>
           </p:cNvSpPr>
@@ -3817,7 +4636,1339 @@
           <a:p>
             <a:fld id="{38B92EED-EC5D-481D-8393-A7289D5F8955}" type="datetimeFigureOut">
               <a:rPr lang="en-US" smtClean="0"/>
-              <a:t>4/20/2016</a:t>
+              <a:t>5/3/2016</a:t>
+            </a:fld>
+            <a:endParaRPr lang="en-US"/>
+          </a:p>
+        </p:txBody>
+      </p:sp>
+      <p:sp>
+        <p:nvSpPr>
+          <p:cNvPr id="5" name="Footer Placeholder 4"/>
+          <p:cNvSpPr>
+            <a:spLocks noGrp="1"/>
+          </p:cNvSpPr>
+          <p:nvPr>
+            <p:ph type="ftr" sz="quarter" idx="11"/>
+          </p:nvPr>
+        </p:nvSpPr>
+        <p:spPr/>
+        <p:txBody>
+          <a:bodyPr/>
+          <a:lstStyle/>
+          <a:p>
+            <a:endParaRPr lang="en-US"/>
+          </a:p>
+        </p:txBody>
+      </p:sp>
+      <p:sp>
+        <p:nvSpPr>
+          <p:cNvPr id="6" name="Slide Number Placeholder 5"/>
+          <p:cNvSpPr>
+            <a:spLocks noGrp="1"/>
+          </p:cNvSpPr>
+          <p:nvPr>
+            <p:ph type="sldNum" sz="quarter" idx="12"/>
+          </p:nvPr>
+        </p:nvSpPr>
+        <p:spPr/>
+        <p:txBody>
+          <a:bodyPr/>
+          <a:lstStyle/>
+          <a:p>
+            <a:fld id="{34E77ACB-9F7D-4A47-B7B2-4201AE6BAC78}" type="slidenum">
+              <a:rPr lang="en-US" smtClean="0"/>
+              <a:t>‹#›</a:t>
+            </a:fld>
+            <a:endParaRPr lang="en-US"/>
+          </a:p>
+        </p:txBody>
+      </p:sp>
+    </p:spTree>
+    <p:extLst>
+      <p:ext uri="{BB962C8B-B14F-4D97-AF65-F5344CB8AC3E}">
+        <p14:creationId xmlns:p14="http://schemas.microsoft.com/office/powerpoint/2010/main" val="3815552033"/>
+      </p:ext>
+    </p:extLst>
+  </p:cSld>
+  <p:clrMapOvr>
+    <a:masterClrMapping/>
+  </p:clrMapOvr>
+</p:sldLayout>
+</file>
+
+<file path=ppt/slideLayouts/slideLayout4.xml><?xml version="1.0" encoding="utf-8"?>
+<p:sldLayout xmlns:a="http://schemas.openxmlformats.org/drawingml/2006/main" xmlns:r="http://schemas.openxmlformats.org/officeDocument/2006/relationships" xmlns:p="http://schemas.openxmlformats.org/presentationml/2006/main" type="twoObj" preserve="1">
+  <p:cSld name="Two Content">
+    <p:spTree>
+      <p:nvGrpSpPr>
+        <p:cNvPr id="1" name=""/>
+        <p:cNvGrpSpPr/>
+        <p:nvPr/>
+      </p:nvGrpSpPr>
+      <p:grpSpPr>
+        <a:xfrm>
+          <a:off x="0" y="0"/>
+          <a:ext cx="0" cy="0"/>
+          <a:chOff x="0" y="0"/>
+          <a:chExt cx="0" cy="0"/>
+        </a:xfrm>
+      </p:grpSpPr>
+      <p:sp>
+        <p:nvSpPr>
+          <p:cNvPr id="2" name="Title 1"/>
+          <p:cNvSpPr>
+            <a:spLocks noGrp="1"/>
+          </p:cNvSpPr>
+          <p:nvPr>
+            <p:ph type="title"/>
+          </p:nvPr>
+        </p:nvSpPr>
+        <p:spPr/>
+        <p:txBody>
+          <a:bodyPr/>
+          <a:lstStyle/>
+          <a:p>
+            <a:r>
+              <a:rPr lang="en-US"/>
+              <a:t>Click to edit Master title style</a:t>
+            </a:r>
+          </a:p>
+        </p:txBody>
+      </p:sp>
+      <p:sp>
+        <p:nvSpPr>
+          <p:cNvPr id="3" name="Content Placeholder 2"/>
+          <p:cNvSpPr>
+            <a:spLocks noGrp="1"/>
+          </p:cNvSpPr>
+          <p:nvPr>
+            <p:ph sz="half" idx="1"/>
+          </p:nvPr>
+        </p:nvSpPr>
+        <p:spPr>
+          <a:xfrm>
+            <a:off x="838200" y="1825625"/>
+            <a:ext cx="5181600" cy="4351338"/>
+          </a:xfrm>
+        </p:spPr>
+        <p:txBody>
+          <a:bodyPr/>
+          <a:lstStyle/>
+          <a:p>
+            <a:pPr lvl="0"/>
+            <a:r>
+              <a:rPr lang="en-US"/>
+              <a:t>Click to edit Master text styles</a:t>
+            </a:r>
+          </a:p>
+          <a:p>
+            <a:pPr lvl="1"/>
+            <a:r>
+              <a:rPr lang="en-US"/>
+              <a:t>Second level</a:t>
+            </a:r>
+          </a:p>
+          <a:p>
+            <a:pPr lvl="2"/>
+            <a:r>
+              <a:rPr lang="en-US"/>
+              <a:t>Third level</a:t>
+            </a:r>
+          </a:p>
+          <a:p>
+            <a:pPr lvl="3"/>
+            <a:r>
+              <a:rPr lang="en-US"/>
+              <a:t>Fourth level</a:t>
+            </a:r>
+          </a:p>
+          <a:p>
+            <a:pPr lvl="4"/>
+            <a:r>
+              <a:rPr lang="en-US"/>
+              <a:t>Fifth level</a:t>
+            </a:r>
+          </a:p>
+        </p:txBody>
+      </p:sp>
+      <p:sp>
+        <p:nvSpPr>
+          <p:cNvPr id="4" name="Content Placeholder 3"/>
+          <p:cNvSpPr>
+            <a:spLocks noGrp="1"/>
+          </p:cNvSpPr>
+          <p:nvPr>
+            <p:ph sz="half" idx="2"/>
+          </p:nvPr>
+        </p:nvSpPr>
+        <p:spPr>
+          <a:xfrm>
+            <a:off x="6172200" y="1825625"/>
+            <a:ext cx="5181600" cy="4351338"/>
+          </a:xfrm>
+        </p:spPr>
+        <p:txBody>
+          <a:bodyPr/>
+          <a:lstStyle/>
+          <a:p>
+            <a:pPr lvl="0"/>
+            <a:r>
+              <a:rPr lang="en-US"/>
+              <a:t>Click to edit Master text styles</a:t>
+            </a:r>
+          </a:p>
+          <a:p>
+            <a:pPr lvl="1"/>
+            <a:r>
+              <a:rPr lang="en-US"/>
+              <a:t>Second level</a:t>
+            </a:r>
+          </a:p>
+          <a:p>
+            <a:pPr lvl="2"/>
+            <a:r>
+              <a:rPr lang="en-US"/>
+              <a:t>Third level</a:t>
+            </a:r>
+          </a:p>
+          <a:p>
+            <a:pPr lvl="3"/>
+            <a:r>
+              <a:rPr lang="en-US"/>
+              <a:t>Fourth level</a:t>
+            </a:r>
+          </a:p>
+          <a:p>
+            <a:pPr lvl="4"/>
+            <a:r>
+              <a:rPr lang="en-US"/>
+              <a:t>Fifth level</a:t>
+            </a:r>
+          </a:p>
+        </p:txBody>
+      </p:sp>
+      <p:sp>
+        <p:nvSpPr>
+          <p:cNvPr id="5" name="Date Placeholder 4"/>
+          <p:cNvSpPr>
+            <a:spLocks noGrp="1"/>
+          </p:cNvSpPr>
+          <p:nvPr>
+            <p:ph type="dt" sz="half" idx="10"/>
+          </p:nvPr>
+        </p:nvSpPr>
+        <p:spPr/>
+        <p:txBody>
+          <a:bodyPr/>
+          <a:lstStyle/>
+          <a:p>
+            <a:fld id="{38B92EED-EC5D-481D-8393-A7289D5F8955}" type="datetimeFigureOut">
+              <a:rPr lang="en-US" smtClean="0"/>
+              <a:t>5/3/2016</a:t>
+            </a:fld>
+            <a:endParaRPr lang="en-US"/>
+          </a:p>
+        </p:txBody>
+      </p:sp>
+      <p:sp>
+        <p:nvSpPr>
+          <p:cNvPr id="6" name="Footer Placeholder 5"/>
+          <p:cNvSpPr>
+            <a:spLocks noGrp="1"/>
+          </p:cNvSpPr>
+          <p:nvPr>
+            <p:ph type="ftr" sz="quarter" idx="11"/>
+          </p:nvPr>
+        </p:nvSpPr>
+        <p:spPr/>
+        <p:txBody>
+          <a:bodyPr/>
+          <a:lstStyle/>
+          <a:p>
+            <a:endParaRPr lang="en-US"/>
+          </a:p>
+        </p:txBody>
+      </p:sp>
+      <p:sp>
+        <p:nvSpPr>
+          <p:cNvPr id="7" name="Slide Number Placeholder 6"/>
+          <p:cNvSpPr>
+            <a:spLocks noGrp="1"/>
+          </p:cNvSpPr>
+          <p:nvPr>
+            <p:ph type="sldNum" sz="quarter" idx="12"/>
+          </p:nvPr>
+        </p:nvSpPr>
+        <p:spPr/>
+        <p:txBody>
+          <a:bodyPr/>
+          <a:lstStyle/>
+          <a:p>
+            <a:fld id="{34E77ACB-9F7D-4A47-B7B2-4201AE6BAC78}" type="slidenum">
+              <a:rPr lang="en-US" smtClean="0"/>
+              <a:t>‹#›</a:t>
+            </a:fld>
+            <a:endParaRPr lang="en-US"/>
+          </a:p>
+        </p:txBody>
+      </p:sp>
+    </p:spTree>
+    <p:extLst>
+      <p:ext uri="{BB962C8B-B14F-4D97-AF65-F5344CB8AC3E}">
+        <p14:creationId xmlns:p14="http://schemas.microsoft.com/office/powerpoint/2010/main" val="2885525123"/>
+      </p:ext>
+    </p:extLst>
+  </p:cSld>
+  <p:clrMapOvr>
+    <a:masterClrMapping/>
+  </p:clrMapOvr>
+</p:sldLayout>
+</file>
+
+<file path=ppt/slideLayouts/slideLayout5.xml><?xml version="1.0" encoding="utf-8"?>
+<p:sldLayout xmlns:a="http://schemas.openxmlformats.org/drawingml/2006/main" xmlns:r="http://schemas.openxmlformats.org/officeDocument/2006/relationships" xmlns:p="http://schemas.openxmlformats.org/presentationml/2006/main" type="twoTxTwoObj" preserve="1">
+  <p:cSld name="Comparison">
+    <p:spTree>
+      <p:nvGrpSpPr>
+        <p:cNvPr id="1" name=""/>
+        <p:cNvGrpSpPr/>
+        <p:nvPr/>
+      </p:nvGrpSpPr>
+      <p:grpSpPr>
+        <a:xfrm>
+          <a:off x="0" y="0"/>
+          <a:ext cx="0" cy="0"/>
+          <a:chOff x="0" y="0"/>
+          <a:chExt cx="0" cy="0"/>
+        </a:xfrm>
+      </p:grpSpPr>
+      <p:sp>
+        <p:nvSpPr>
+          <p:cNvPr id="2" name="Title 1"/>
+          <p:cNvSpPr>
+            <a:spLocks noGrp="1"/>
+          </p:cNvSpPr>
+          <p:nvPr>
+            <p:ph type="title"/>
+          </p:nvPr>
+        </p:nvSpPr>
+        <p:spPr>
+          <a:xfrm>
+            <a:off x="839788" y="365125"/>
+            <a:ext cx="10515600" cy="1325563"/>
+          </a:xfrm>
+        </p:spPr>
+        <p:txBody>
+          <a:bodyPr/>
+          <a:lstStyle/>
+          <a:p>
+            <a:r>
+              <a:rPr lang="en-US"/>
+              <a:t>Click to edit Master title style</a:t>
+            </a:r>
+          </a:p>
+        </p:txBody>
+      </p:sp>
+      <p:sp>
+        <p:nvSpPr>
+          <p:cNvPr id="3" name="Text Placeholder 2"/>
+          <p:cNvSpPr>
+            <a:spLocks noGrp="1"/>
+          </p:cNvSpPr>
+          <p:nvPr>
+            <p:ph type="body" idx="1"/>
+          </p:nvPr>
+        </p:nvSpPr>
+        <p:spPr>
+          <a:xfrm>
+            <a:off x="839788" y="1681163"/>
+            <a:ext cx="5157787" cy="823912"/>
+          </a:xfrm>
+        </p:spPr>
+        <p:txBody>
+          <a:bodyPr anchor="b"/>
+          <a:lstStyle>
+            <a:lvl1pPr marL="0" indent="0">
+              <a:buNone/>
+              <a:defRPr sz="2400" b="1"/>
+            </a:lvl1pPr>
+            <a:lvl2pPr marL="457200" indent="0">
+              <a:buNone/>
+              <a:defRPr sz="2000" b="1"/>
+            </a:lvl2pPr>
+            <a:lvl3pPr marL="914400" indent="0">
+              <a:buNone/>
+              <a:defRPr sz="1800" b="1"/>
+            </a:lvl3pPr>
+            <a:lvl4pPr marL="1371600" indent="0">
+              <a:buNone/>
+              <a:defRPr sz="1600" b="1"/>
+            </a:lvl4pPr>
+            <a:lvl5pPr marL="1828800" indent="0">
+              <a:buNone/>
+              <a:defRPr sz="1600" b="1"/>
+            </a:lvl5pPr>
+            <a:lvl6pPr marL="2286000" indent="0">
+              <a:buNone/>
+              <a:defRPr sz="1600" b="1"/>
+            </a:lvl6pPr>
+            <a:lvl7pPr marL="2743200" indent="0">
+              <a:buNone/>
+              <a:defRPr sz="1600" b="1"/>
+            </a:lvl7pPr>
+            <a:lvl8pPr marL="3200400" indent="0">
+              <a:buNone/>
+              <a:defRPr sz="1600" b="1"/>
+            </a:lvl8pPr>
+            <a:lvl9pPr marL="3657600" indent="0">
+              <a:buNone/>
+              <a:defRPr sz="1600" b="1"/>
+            </a:lvl9pPr>
+          </a:lstStyle>
+          <a:p>
+            <a:pPr lvl="0"/>
+            <a:r>
+              <a:rPr lang="en-US"/>
+              <a:t>Click to edit Master text styles</a:t>
+            </a:r>
+          </a:p>
+        </p:txBody>
+      </p:sp>
+      <p:sp>
+        <p:nvSpPr>
+          <p:cNvPr id="4" name="Content Placeholder 3"/>
+          <p:cNvSpPr>
+            <a:spLocks noGrp="1"/>
+          </p:cNvSpPr>
+          <p:nvPr>
+            <p:ph sz="half" idx="2"/>
+          </p:nvPr>
+        </p:nvSpPr>
+        <p:spPr>
+          <a:xfrm>
+            <a:off x="839788" y="2505075"/>
+            <a:ext cx="5157787" cy="3684588"/>
+          </a:xfrm>
+        </p:spPr>
+        <p:txBody>
+          <a:bodyPr/>
+          <a:lstStyle/>
+          <a:p>
+            <a:pPr lvl="0"/>
+            <a:r>
+              <a:rPr lang="en-US"/>
+              <a:t>Click to edit Master text styles</a:t>
+            </a:r>
+          </a:p>
+          <a:p>
+            <a:pPr lvl="1"/>
+            <a:r>
+              <a:rPr lang="en-US"/>
+              <a:t>Second level</a:t>
+            </a:r>
+          </a:p>
+          <a:p>
+            <a:pPr lvl="2"/>
+            <a:r>
+              <a:rPr lang="en-US"/>
+              <a:t>Third level</a:t>
+            </a:r>
+          </a:p>
+          <a:p>
+            <a:pPr lvl="3"/>
+            <a:r>
+              <a:rPr lang="en-US"/>
+              <a:t>Fourth level</a:t>
+            </a:r>
+          </a:p>
+          <a:p>
+            <a:pPr lvl="4"/>
+            <a:r>
+              <a:rPr lang="en-US"/>
+              <a:t>Fifth level</a:t>
+            </a:r>
+          </a:p>
+        </p:txBody>
+      </p:sp>
+      <p:sp>
+        <p:nvSpPr>
+          <p:cNvPr id="5" name="Text Placeholder 4"/>
+          <p:cNvSpPr>
+            <a:spLocks noGrp="1"/>
+          </p:cNvSpPr>
+          <p:nvPr>
+            <p:ph type="body" sz="quarter" idx="3"/>
+          </p:nvPr>
+        </p:nvSpPr>
+        <p:spPr>
+          <a:xfrm>
+            <a:off x="6172200" y="1681163"/>
+            <a:ext cx="5183188" cy="823912"/>
+          </a:xfrm>
+        </p:spPr>
+        <p:txBody>
+          <a:bodyPr anchor="b"/>
+          <a:lstStyle>
+            <a:lvl1pPr marL="0" indent="0">
+              <a:buNone/>
+              <a:defRPr sz="2400" b="1"/>
+            </a:lvl1pPr>
+            <a:lvl2pPr marL="457200" indent="0">
+              <a:buNone/>
+              <a:defRPr sz="2000" b="1"/>
+            </a:lvl2pPr>
+            <a:lvl3pPr marL="914400" indent="0">
+              <a:buNone/>
+              <a:defRPr sz="1800" b="1"/>
+            </a:lvl3pPr>
+            <a:lvl4pPr marL="1371600" indent="0">
+              <a:buNone/>
+              <a:defRPr sz="1600" b="1"/>
+            </a:lvl4pPr>
+            <a:lvl5pPr marL="1828800" indent="0">
+              <a:buNone/>
+              <a:defRPr sz="1600" b="1"/>
+            </a:lvl5pPr>
+            <a:lvl6pPr marL="2286000" indent="0">
+              <a:buNone/>
+              <a:defRPr sz="1600" b="1"/>
+            </a:lvl6pPr>
+            <a:lvl7pPr marL="2743200" indent="0">
+              <a:buNone/>
+              <a:defRPr sz="1600" b="1"/>
+            </a:lvl7pPr>
+            <a:lvl8pPr marL="3200400" indent="0">
+              <a:buNone/>
+              <a:defRPr sz="1600" b="1"/>
+            </a:lvl8pPr>
+            <a:lvl9pPr marL="3657600" indent="0">
+              <a:buNone/>
+              <a:defRPr sz="1600" b="1"/>
+            </a:lvl9pPr>
+          </a:lstStyle>
+          <a:p>
+            <a:pPr lvl="0"/>
+            <a:r>
+              <a:rPr lang="en-US"/>
+              <a:t>Click to edit Master text styles</a:t>
+            </a:r>
+          </a:p>
+        </p:txBody>
+      </p:sp>
+      <p:sp>
+        <p:nvSpPr>
+          <p:cNvPr id="6" name="Content Placeholder 5"/>
+          <p:cNvSpPr>
+            <a:spLocks noGrp="1"/>
+          </p:cNvSpPr>
+          <p:nvPr>
+            <p:ph sz="quarter" idx="4"/>
+          </p:nvPr>
+        </p:nvSpPr>
+        <p:spPr>
+          <a:xfrm>
+            <a:off x="6172200" y="2505075"/>
+            <a:ext cx="5183188" cy="3684588"/>
+          </a:xfrm>
+        </p:spPr>
+        <p:txBody>
+          <a:bodyPr/>
+          <a:lstStyle/>
+          <a:p>
+            <a:pPr lvl="0"/>
+            <a:r>
+              <a:rPr lang="en-US"/>
+              <a:t>Click to edit Master text styles</a:t>
+            </a:r>
+          </a:p>
+          <a:p>
+            <a:pPr lvl="1"/>
+            <a:r>
+              <a:rPr lang="en-US"/>
+              <a:t>Second level</a:t>
+            </a:r>
+          </a:p>
+          <a:p>
+            <a:pPr lvl="2"/>
+            <a:r>
+              <a:rPr lang="en-US"/>
+              <a:t>Third level</a:t>
+            </a:r>
+          </a:p>
+          <a:p>
+            <a:pPr lvl="3"/>
+            <a:r>
+              <a:rPr lang="en-US"/>
+              <a:t>Fourth level</a:t>
+            </a:r>
+          </a:p>
+          <a:p>
+            <a:pPr lvl="4"/>
+            <a:r>
+              <a:rPr lang="en-US"/>
+              <a:t>Fifth level</a:t>
+            </a:r>
+          </a:p>
+        </p:txBody>
+      </p:sp>
+      <p:sp>
+        <p:nvSpPr>
+          <p:cNvPr id="7" name="Date Placeholder 6"/>
+          <p:cNvSpPr>
+            <a:spLocks noGrp="1"/>
+          </p:cNvSpPr>
+          <p:nvPr>
+            <p:ph type="dt" sz="half" idx="10"/>
+          </p:nvPr>
+        </p:nvSpPr>
+        <p:spPr/>
+        <p:txBody>
+          <a:bodyPr/>
+          <a:lstStyle/>
+          <a:p>
+            <a:fld id="{38B92EED-EC5D-481D-8393-A7289D5F8955}" type="datetimeFigureOut">
+              <a:rPr lang="en-US" smtClean="0"/>
+              <a:t>5/3/2016</a:t>
+            </a:fld>
+            <a:endParaRPr lang="en-US"/>
+          </a:p>
+        </p:txBody>
+      </p:sp>
+      <p:sp>
+        <p:nvSpPr>
+          <p:cNvPr id="8" name="Footer Placeholder 7"/>
+          <p:cNvSpPr>
+            <a:spLocks noGrp="1"/>
+          </p:cNvSpPr>
+          <p:nvPr>
+            <p:ph type="ftr" sz="quarter" idx="11"/>
+          </p:nvPr>
+        </p:nvSpPr>
+        <p:spPr/>
+        <p:txBody>
+          <a:bodyPr/>
+          <a:lstStyle/>
+          <a:p>
+            <a:endParaRPr lang="en-US"/>
+          </a:p>
+        </p:txBody>
+      </p:sp>
+      <p:sp>
+        <p:nvSpPr>
+          <p:cNvPr id="9" name="Slide Number Placeholder 8"/>
+          <p:cNvSpPr>
+            <a:spLocks noGrp="1"/>
+          </p:cNvSpPr>
+          <p:nvPr>
+            <p:ph type="sldNum" sz="quarter" idx="12"/>
+          </p:nvPr>
+        </p:nvSpPr>
+        <p:spPr/>
+        <p:txBody>
+          <a:bodyPr/>
+          <a:lstStyle/>
+          <a:p>
+            <a:fld id="{34E77ACB-9F7D-4A47-B7B2-4201AE6BAC78}" type="slidenum">
+              <a:rPr lang="en-US" smtClean="0"/>
+              <a:t>‹#›</a:t>
+            </a:fld>
+            <a:endParaRPr lang="en-US"/>
+          </a:p>
+        </p:txBody>
+      </p:sp>
+    </p:spTree>
+    <p:extLst>
+      <p:ext uri="{BB962C8B-B14F-4D97-AF65-F5344CB8AC3E}">
+        <p14:creationId xmlns:p14="http://schemas.microsoft.com/office/powerpoint/2010/main" val="241352086"/>
+      </p:ext>
+    </p:extLst>
+  </p:cSld>
+  <p:clrMapOvr>
+    <a:masterClrMapping/>
+  </p:clrMapOvr>
+</p:sldLayout>
+</file>
+
+<file path=ppt/slideLayouts/slideLayout6.xml><?xml version="1.0" encoding="utf-8"?>
+<p:sldLayout xmlns:a="http://schemas.openxmlformats.org/drawingml/2006/main" xmlns:r="http://schemas.openxmlformats.org/officeDocument/2006/relationships" xmlns:p="http://schemas.openxmlformats.org/presentationml/2006/main" type="titleOnly" preserve="1">
+  <p:cSld name="Title Only">
+    <p:spTree>
+      <p:nvGrpSpPr>
+        <p:cNvPr id="1" name=""/>
+        <p:cNvGrpSpPr/>
+        <p:nvPr/>
+      </p:nvGrpSpPr>
+      <p:grpSpPr>
+        <a:xfrm>
+          <a:off x="0" y="0"/>
+          <a:ext cx="0" cy="0"/>
+          <a:chOff x="0" y="0"/>
+          <a:chExt cx="0" cy="0"/>
+        </a:xfrm>
+      </p:grpSpPr>
+      <p:sp>
+        <p:nvSpPr>
+          <p:cNvPr id="2" name="Title 1"/>
+          <p:cNvSpPr>
+            <a:spLocks noGrp="1"/>
+          </p:cNvSpPr>
+          <p:nvPr>
+            <p:ph type="title"/>
+          </p:nvPr>
+        </p:nvSpPr>
+        <p:spPr/>
+        <p:txBody>
+          <a:bodyPr/>
+          <a:lstStyle/>
+          <a:p>
+            <a:r>
+              <a:rPr lang="en-US"/>
+              <a:t>Click to edit Master title style</a:t>
+            </a:r>
+          </a:p>
+        </p:txBody>
+      </p:sp>
+      <p:sp>
+        <p:nvSpPr>
+          <p:cNvPr id="3" name="Date Placeholder 2"/>
+          <p:cNvSpPr>
+            <a:spLocks noGrp="1"/>
+          </p:cNvSpPr>
+          <p:nvPr>
+            <p:ph type="dt" sz="half" idx="10"/>
+          </p:nvPr>
+        </p:nvSpPr>
+        <p:spPr/>
+        <p:txBody>
+          <a:bodyPr/>
+          <a:lstStyle/>
+          <a:p>
+            <a:fld id="{38B92EED-EC5D-481D-8393-A7289D5F8955}" type="datetimeFigureOut">
+              <a:rPr lang="en-US" smtClean="0"/>
+              <a:t>5/3/2016</a:t>
+            </a:fld>
+            <a:endParaRPr lang="en-US"/>
+          </a:p>
+        </p:txBody>
+      </p:sp>
+      <p:sp>
+        <p:nvSpPr>
+          <p:cNvPr id="4" name="Footer Placeholder 3"/>
+          <p:cNvSpPr>
+            <a:spLocks noGrp="1"/>
+          </p:cNvSpPr>
+          <p:nvPr>
+            <p:ph type="ftr" sz="quarter" idx="11"/>
+          </p:nvPr>
+        </p:nvSpPr>
+        <p:spPr/>
+        <p:txBody>
+          <a:bodyPr/>
+          <a:lstStyle/>
+          <a:p>
+            <a:endParaRPr lang="en-US"/>
+          </a:p>
+        </p:txBody>
+      </p:sp>
+      <p:sp>
+        <p:nvSpPr>
+          <p:cNvPr id="5" name="Slide Number Placeholder 4"/>
+          <p:cNvSpPr>
+            <a:spLocks noGrp="1"/>
+          </p:cNvSpPr>
+          <p:nvPr>
+            <p:ph type="sldNum" sz="quarter" idx="12"/>
+          </p:nvPr>
+        </p:nvSpPr>
+        <p:spPr/>
+        <p:txBody>
+          <a:bodyPr/>
+          <a:lstStyle/>
+          <a:p>
+            <a:fld id="{34E77ACB-9F7D-4A47-B7B2-4201AE6BAC78}" type="slidenum">
+              <a:rPr lang="en-US" smtClean="0"/>
+              <a:t>‹#›</a:t>
+            </a:fld>
+            <a:endParaRPr lang="en-US"/>
+          </a:p>
+        </p:txBody>
+      </p:sp>
+    </p:spTree>
+    <p:extLst>
+      <p:ext uri="{BB962C8B-B14F-4D97-AF65-F5344CB8AC3E}">
+        <p14:creationId xmlns:p14="http://schemas.microsoft.com/office/powerpoint/2010/main" val="1732171233"/>
+      </p:ext>
+    </p:extLst>
+  </p:cSld>
+  <p:clrMapOvr>
+    <a:masterClrMapping/>
+  </p:clrMapOvr>
+</p:sldLayout>
+</file>
+
+<file path=ppt/slideLayouts/slideLayout7.xml><?xml version="1.0" encoding="utf-8"?>
+<p:sldLayout xmlns:a="http://schemas.openxmlformats.org/drawingml/2006/main" xmlns:r="http://schemas.openxmlformats.org/officeDocument/2006/relationships" xmlns:p="http://schemas.openxmlformats.org/presentationml/2006/main" type="blank" preserve="1">
+  <p:cSld name="Blank">
+    <p:spTree>
+      <p:nvGrpSpPr>
+        <p:cNvPr id="1" name=""/>
+        <p:cNvGrpSpPr/>
+        <p:nvPr/>
+      </p:nvGrpSpPr>
+      <p:grpSpPr>
+        <a:xfrm>
+          <a:off x="0" y="0"/>
+          <a:ext cx="0" cy="0"/>
+          <a:chOff x="0" y="0"/>
+          <a:chExt cx="0" cy="0"/>
+        </a:xfrm>
+      </p:grpSpPr>
+      <p:sp>
+        <p:nvSpPr>
+          <p:cNvPr id="2" name="Date Placeholder 1"/>
+          <p:cNvSpPr>
+            <a:spLocks noGrp="1"/>
+          </p:cNvSpPr>
+          <p:nvPr>
+            <p:ph type="dt" sz="half" idx="10"/>
+          </p:nvPr>
+        </p:nvSpPr>
+        <p:spPr/>
+        <p:txBody>
+          <a:bodyPr/>
+          <a:lstStyle/>
+          <a:p>
+            <a:fld id="{38B92EED-EC5D-481D-8393-A7289D5F8955}" type="datetimeFigureOut">
+              <a:rPr lang="en-US" smtClean="0"/>
+              <a:t>5/3/2016</a:t>
+            </a:fld>
+            <a:endParaRPr lang="en-US"/>
+          </a:p>
+        </p:txBody>
+      </p:sp>
+      <p:sp>
+        <p:nvSpPr>
+          <p:cNvPr id="3" name="Footer Placeholder 2"/>
+          <p:cNvSpPr>
+            <a:spLocks noGrp="1"/>
+          </p:cNvSpPr>
+          <p:nvPr>
+            <p:ph type="ftr" sz="quarter" idx="11"/>
+          </p:nvPr>
+        </p:nvSpPr>
+        <p:spPr/>
+        <p:txBody>
+          <a:bodyPr/>
+          <a:lstStyle/>
+          <a:p>
+            <a:endParaRPr lang="en-US"/>
+          </a:p>
+        </p:txBody>
+      </p:sp>
+      <p:sp>
+        <p:nvSpPr>
+          <p:cNvPr id="4" name="Slide Number Placeholder 3"/>
+          <p:cNvSpPr>
+            <a:spLocks noGrp="1"/>
+          </p:cNvSpPr>
+          <p:nvPr>
+            <p:ph type="sldNum" sz="quarter" idx="12"/>
+          </p:nvPr>
+        </p:nvSpPr>
+        <p:spPr/>
+        <p:txBody>
+          <a:bodyPr/>
+          <a:lstStyle/>
+          <a:p>
+            <a:fld id="{34E77ACB-9F7D-4A47-B7B2-4201AE6BAC78}" type="slidenum">
+              <a:rPr lang="en-US" smtClean="0"/>
+              <a:t>‹#›</a:t>
+            </a:fld>
+            <a:endParaRPr lang="en-US"/>
+          </a:p>
+        </p:txBody>
+      </p:sp>
+    </p:spTree>
+    <p:extLst>
+      <p:ext uri="{BB962C8B-B14F-4D97-AF65-F5344CB8AC3E}">
+        <p14:creationId xmlns:p14="http://schemas.microsoft.com/office/powerpoint/2010/main" val="1798485249"/>
+      </p:ext>
+    </p:extLst>
+  </p:cSld>
+  <p:clrMapOvr>
+    <a:masterClrMapping/>
+  </p:clrMapOvr>
+</p:sldLayout>
+</file>
+
+<file path=ppt/slideLayouts/slideLayout8.xml><?xml version="1.0" encoding="utf-8"?>
+<p:sldLayout xmlns:a="http://schemas.openxmlformats.org/drawingml/2006/main" xmlns:r="http://schemas.openxmlformats.org/officeDocument/2006/relationships" xmlns:p="http://schemas.openxmlformats.org/presentationml/2006/main" type="objTx" preserve="1">
+  <p:cSld name="Content with Caption">
+    <p:spTree>
+      <p:nvGrpSpPr>
+        <p:cNvPr id="1" name=""/>
+        <p:cNvGrpSpPr/>
+        <p:nvPr/>
+      </p:nvGrpSpPr>
+      <p:grpSpPr>
+        <a:xfrm>
+          <a:off x="0" y="0"/>
+          <a:ext cx="0" cy="0"/>
+          <a:chOff x="0" y="0"/>
+          <a:chExt cx="0" cy="0"/>
+        </a:xfrm>
+      </p:grpSpPr>
+      <p:sp>
+        <p:nvSpPr>
+          <p:cNvPr id="2" name="Title 1"/>
+          <p:cNvSpPr>
+            <a:spLocks noGrp="1"/>
+          </p:cNvSpPr>
+          <p:nvPr>
+            <p:ph type="title"/>
+          </p:nvPr>
+        </p:nvSpPr>
+        <p:spPr>
+          <a:xfrm>
+            <a:off x="839788" y="457200"/>
+            <a:ext cx="3932237" cy="1600200"/>
+          </a:xfrm>
+        </p:spPr>
+        <p:txBody>
+          <a:bodyPr anchor="b"/>
+          <a:lstStyle>
+            <a:lvl1pPr>
+              <a:defRPr sz="3200"/>
+            </a:lvl1pPr>
+          </a:lstStyle>
+          <a:p>
+            <a:r>
+              <a:rPr lang="en-US"/>
+              <a:t>Click to edit Master title style</a:t>
+            </a:r>
+          </a:p>
+        </p:txBody>
+      </p:sp>
+      <p:sp>
+        <p:nvSpPr>
+          <p:cNvPr id="3" name="Content Placeholder 2"/>
+          <p:cNvSpPr>
+            <a:spLocks noGrp="1"/>
+          </p:cNvSpPr>
+          <p:nvPr>
+            <p:ph idx="1"/>
+          </p:nvPr>
+        </p:nvSpPr>
+        <p:spPr>
+          <a:xfrm>
+            <a:off x="5183188" y="987425"/>
+            <a:ext cx="6172200" cy="4873625"/>
+          </a:xfrm>
+        </p:spPr>
+        <p:txBody>
+          <a:bodyPr/>
+          <a:lstStyle>
+            <a:lvl1pPr>
+              <a:defRPr sz="3200"/>
+            </a:lvl1pPr>
+            <a:lvl2pPr>
+              <a:defRPr sz="2800"/>
+            </a:lvl2pPr>
+            <a:lvl3pPr>
+              <a:defRPr sz="2400"/>
+            </a:lvl3pPr>
+            <a:lvl4pPr>
+              <a:defRPr sz="2000"/>
+            </a:lvl4pPr>
+            <a:lvl5pPr>
+              <a:defRPr sz="2000"/>
+            </a:lvl5pPr>
+            <a:lvl6pPr>
+              <a:defRPr sz="2000"/>
+            </a:lvl6pPr>
+            <a:lvl7pPr>
+              <a:defRPr sz="2000"/>
+            </a:lvl7pPr>
+            <a:lvl8pPr>
+              <a:defRPr sz="2000"/>
+            </a:lvl8pPr>
+            <a:lvl9pPr>
+              <a:defRPr sz="2000"/>
+            </a:lvl9pPr>
+          </a:lstStyle>
+          <a:p>
+            <a:pPr lvl="0"/>
+            <a:r>
+              <a:rPr lang="en-US"/>
+              <a:t>Click to edit Master text styles</a:t>
+            </a:r>
+          </a:p>
+          <a:p>
+            <a:pPr lvl="1"/>
+            <a:r>
+              <a:rPr lang="en-US"/>
+              <a:t>Second level</a:t>
+            </a:r>
+          </a:p>
+          <a:p>
+            <a:pPr lvl="2"/>
+            <a:r>
+              <a:rPr lang="en-US"/>
+              <a:t>Third level</a:t>
+            </a:r>
+          </a:p>
+          <a:p>
+            <a:pPr lvl="3"/>
+            <a:r>
+              <a:rPr lang="en-US"/>
+              <a:t>Fourth level</a:t>
+            </a:r>
+          </a:p>
+          <a:p>
+            <a:pPr lvl="4"/>
+            <a:r>
+              <a:rPr lang="en-US"/>
+              <a:t>Fifth level</a:t>
+            </a:r>
+          </a:p>
+        </p:txBody>
+      </p:sp>
+      <p:sp>
+        <p:nvSpPr>
+          <p:cNvPr id="4" name="Text Placeholder 3"/>
+          <p:cNvSpPr>
+            <a:spLocks noGrp="1"/>
+          </p:cNvSpPr>
+          <p:nvPr>
+            <p:ph type="body" sz="half" idx="2"/>
+          </p:nvPr>
+        </p:nvSpPr>
+        <p:spPr>
+          <a:xfrm>
+            <a:off x="839788" y="2057400"/>
+            <a:ext cx="3932237" cy="3811588"/>
+          </a:xfrm>
+        </p:spPr>
+        <p:txBody>
+          <a:bodyPr/>
+          <a:lstStyle>
+            <a:lvl1pPr marL="0" indent="0">
+              <a:buNone/>
+              <a:defRPr sz="1600"/>
+            </a:lvl1pPr>
+            <a:lvl2pPr marL="457200" indent="0">
+              <a:buNone/>
+              <a:defRPr sz="1400"/>
+            </a:lvl2pPr>
+            <a:lvl3pPr marL="914400" indent="0">
+              <a:buNone/>
+              <a:defRPr sz="1200"/>
+            </a:lvl3pPr>
+            <a:lvl4pPr marL="1371600" indent="0">
+              <a:buNone/>
+              <a:defRPr sz="1000"/>
+            </a:lvl4pPr>
+            <a:lvl5pPr marL="1828800" indent="0">
+              <a:buNone/>
+              <a:defRPr sz="1000"/>
+            </a:lvl5pPr>
+            <a:lvl6pPr marL="2286000" indent="0">
+              <a:buNone/>
+              <a:defRPr sz="1000"/>
+            </a:lvl6pPr>
+            <a:lvl7pPr marL="2743200" indent="0">
+              <a:buNone/>
+              <a:defRPr sz="1000"/>
+            </a:lvl7pPr>
+            <a:lvl8pPr marL="3200400" indent="0">
+              <a:buNone/>
+              <a:defRPr sz="1000"/>
+            </a:lvl8pPr>
+            <a:lvl9pPr marL="3657600" indent="0">
+              <a:buNone/>
+              <a:defRPr sz="1000"/>
+            </a:lvl9pPr>
+          </a:lstStyle>
+          <a:p>
+            <a:pPr lvl="0"/>
+            <a:r>
+              <a:rPr lang="en-US"/>
+              <a:t>Click to edit Master text styles</a:t>
+            </a:r>
+          </a:p>
+        </p:txBody>
+      </p:sp>
+      <p:sp>
+        <p:nvSpPr>
+          <p:cNvPr id="5" name="Date Placeholder 4"/>
+          <p:cNvSpPr>
+            <a:spLocks noGrp="1"/>
+          </p:cNvSpPr>
+          <p:nvPr>
+            <p:ph type="dt" sz="half" idx="10"/>
+          </p:nvPr>
+        </p:nvSpPr>
+        <p:spPr/>
+        <p:txBody>
+          <a:bodyPr/>
+          <a:lstStyle/>
+          <a:p>
+            <a:fld id="{38B92EED-EC5D-481D-8393-A7289D5F8955}" type="datetimeFigureOut">
+              <a:rPr lang="en-US" smtClean="0"/>
+              <a:t>5/3/2016</a:t>
+            </a:fld>
+            <a:endParaRPr lang="en-US"/>
+          </a:p>
+        </p:txBody>
+      </p:sp>
+      <p:sp>
+        <p:nvSpPr>
+          <p:cNvPr id="6" name="Footer Placeholder 5"/>
+          <p:cNvSpPr>
+            <a:spLocks noGrp="1"/>
+          </p:cNvSpPr>
+          <p:nvPr>
+            <p:ph type="ftr" sz="quarter" idx="11"/>
+          </p:nvPr>
+        </p:nvSpPr>
+        <p:spPr/>
+        <p:txBody>
+          <a:bodyPr/>
+          <a:lstStyle/>
+          <a:p>
+            <a:endParaRPr lang="en-US"/>
+          </a:p>
+        </p:txBody>
+      </p:sp>
+      <p:sp>
+        <p:nvSpPr>
+          <p:cNvPr id="7" name="Slide Number Placeholder 6"/>
+          <p:cNvSpPr>
+            <a:spLocks noGrp="1"/>
+          </p:cNvSpPr>
+          <p:nvPr>
+            <p:ph type="sldNum" sz="quarter" idx="12"/>
+          </p:nvPr>
+        </p:nvSpPr>
+        <p:spPr/>
+        <p:txBody>
+          <a:bodyPr/>
+          <a:lstStyle/>
+          <a:p>
+            <a:fld id="{34E77ACB-9F7D-4A47-B7B2-4201AE6BAC78}" type="slidenum">
+              <a:rPr lang="en-US" smtClean="0"/>
+              <a:t>‹#›</a:t>
+            </a:fld>
+            <a:endParaRPr lang="en-US"/>
+          </a:p>
+        </p:txBody>
+      </p:sp>
+    </p:spTree>
+    <p:extLst>
+      <p:ext uri="{BB962C8B-B14F-4D97-AF65-F5344CB8AC3E}">
+        <p14:creationId xmlns:p14="http://schemas.microsoft.com/office/powerpoint/2010/main" val="4048021025"/>
+      </p:ext>
+    </p:extLst>
+  </p:cSld>
+  <p:clrMapOvr>
+    <a:masterClrMapping/>
+  </p:clrMapOvr>
+</p:sldLayout>
+</file>
+
+<file path=ppt/slideLayouts/slideLayout9.xml><?xml version="1.0" encoding="utf-8"?>
+<p:sldLayout xmlns:a="http://schemas.openxmlformats.org/drawingml/2006/main" xmlns:r="http://schemas.openxmlformats.org/officeDocument/2006/relationships" xmlns:p="http://schemas.openxmlformats.org/presentationml/2006/main" type="picTx" preserve="1">
+  <p:cSld name="Picture with Caption">
+    <p:spTree>
+      <p:nvGrpSpPr>
+        <p:cNvPr id="1" name=""/>
+        <p:cNvGrpSpPr/>
+        <p:nvPr/>
+      </p:nvGrpSpPr>
+      <p:grpSpPr>
+        <a:xfrm>
+          <a:off x="0" y="0"/>
+          <a:ext cx="0" cy="0"/>
+          <a:chOff x="0" y="0"/>
+          <a:chExt cx="0" cy="0"/>
+        </a:xfrm>
+      </p:grpSpPr>
+      <p:sp>
+        <p:nvSpPr>
+          <p:cNvPr id="2" name="Title 1"/>
+          <p:cNvSpPr>
+            <a:spLocks noGrp="1"/>
+          </p:cNvSpPr>
+          <p:nvPr>
+            <p:ph type="title"/>
+          </p:nvPr>
+        </p:nvSpPr>
+        <p:spPr>
+          <a:xfrm>
+            <a:off x="839788" y="457200"/>
+            <a:ext cx="3932237" cy="1600200"/>
+          </a:xfrm>
+        </p:spPr>
+        <p:txBody>
+          <a:bodyPr anchor="b"/>
+          <a:lstStyle>
+            <a:lvl1pPr>
+              <a:defRPr sz="3200"/>
+            </a:lvl1pPr>
+          </a:lstStyle>
+          <a:p>
+            <a:r>
+              <a:rPr lang="en-US"/>
+              <a:t>Click to edit Master title style</a:t>
+            </a:r>
+          </a:p>
+        </p:txBody>
+      </p:sp>
+      <p:sp>
+        <p:nvSpPr>
+          <p:cNvPr id="3" name="Picture Placeholder 2"/>
+          <p:cNvSpPr>
+            <a:spLocks noGrp="1"/>
+          </p:cNvSpPr>
+          <p:nvPr>
+            <p:ph type="pic" idx="1"/>
+          </p:nvPr>
+        </p:nvSpPr>
+        <p:spPr>
+          <a:xfrm>
+            <a:off x="5183188" y="987425"/>
+            <a:ext cx="6172200" cy="4873625"/>
+          </a:xfrm>
+        </p:spPr>
+        <p:txBody>
+          <a:bodyPr/>
+          <a:lstStyle>
+            <a:lvl1pPr marL="0" indent="0">
+              <a:buNone/>
+              <a:defRPr sz="3200"/>
+            </a:lvl1pPr>
+            <a:lvl2pPr marL="457200" indent="0">
+              <a:buNone/>
+              <a:defRPr sz="2800"/>
+            </a:lvl2pPr>
+            <a:lvl3pPr marL="914400" indent="0">
+              <a:buNone/>
+              <a:defRPr sz="2400"/>
+            </a:lvl3pPr>
+            <a:lvl4pPr marL="1371600" indent="0">
+              <a:buNone/>
+              <a:defRPr sz="2000"/>
+            </a:lvl4pPr>
+            <a:lvl5pPr marL="1828800" indent="0">
+              <a:buNone/>
+              <a:defRPr sz="2000"/>
+            </a:lvl5pPr>
+            <a:lvl6pPr marL="2286000" indent="0">
+              <a:buNone/>
+              <a:defRPr sz="2000"/>
+            </a:lvl6pPr>
+            <a:lvl7pPr marL="2743200" indent="0">
+              <a:buNone/>
+              <a:defRPr sz="2000"/>
+            </a:lvl7pPr>
+            <a:lvl8pPr marL="3200400" indent="0">
+              <a:buNone/>
+              <a:defRPr sz="2000"/>
+            </a:lvl8pPr>
+            <a:lvl9pPr marL="3657600" indent="0">
+              <a:buNone/>
+              <a:defRPr sz="2000"/>
+            </a:lvl9pPr>
+          </a:lstStyle>
+          <a:p>
+            <a:endParaRPr lang="en-US"/>
+          </a:p>
+        </p:txBody>
+      </p:sp>
+      <p:sp>
+        <p:nvSpPr>
+          <p:cNvPr id="4" name="Text Placeholder 3"/>
+          <p:cNvSpPr>
+            <a:spLocks noGrp="1"/>
+          </p:cNvSpPr>
+          <p:nvPr>
+            <p:ph type="body" sz="half" idx="2"/>
+          </p:nvPr>
+        </p:nvSpPr>
+        <p:spPr>
+          <a:xfrm>
+            <a:off x="839788" y="2057400"/>
+            <a:ext cx="3932237" cy="3811588"/>
+          </a:xfrm>
+        </p:spPr>
+        <p:txBody>
+          <a:bodyPr/>
+          <a:lstStyle>
+            <a:lvl1pPr marL="0" indent="0">
+              <a:buNone/>
+              <a:defRPr sz="1600"/>
+            </a:lvl1pPr>
+            <a:lvl2pPr marL="457200" indent="0">
+              <a:buNone/>
+              <a:defRPr sz="1400"/>
+            </a:lvl2pPr>
+            <a:lvl3pPr marL="914400" indent="0">
+              <a:buNone/>
+              <a:defRPr sz="1200"/>
+            </a:lvl3pPr>
+            <a:lvl4pPr marL="1371600" indent="0">
+              <a:buNone/>
+              <a:defRPr sz="1000"/>
+            </a:lvl4pPr>
+            <a:lvl5pPr marL="1828800" indent="0">
+              <a:buNone/>
+              <a:defRPr sz="1000"/>
+            </a:lvl5pPr>
+            <a:lvl6pPr marL="2286000" indent="0">
+              <a:buNone/>
+              <a:defRPr sz="1000"/>
+            </a:lvl6pPr>
+            <a:lvl7pPr marL="2743200" indent="0">
+              <a:buNone/>
+              <a:defRPr sz="1000"/>
+            </a:lvl7pPr>
+            <a:lvl8pPr marL="3200400" indent="0">
+              <a:buNone/>
+              <a:defRPr sz="1000"/>
+            </a:lvl8pPr>
+            <a:lvl9pPr marL="3657600" indent="0">
+              <a:buNone/>
+              <a:defRPr sz="1000"/>
+            </a:lvl9pPr>
+          </a:lstStyle>
+          <a:p>
+            <a:pPr lvl="0"/>
+            <a:r>
+              <a:rPr lang="en-US"/>
+              <a:t>Click to edit Master text styles</a:t>
+            </a:r>
+          </a:p>
+        </p:txBody>
+      </p:sp>
+      <p:sp>
+        <p:nvSpPr>
+          <p:cNvPr id="5" name="Date Placeholder 4"/>
+          <p:cNvSpPr>
+            <a:spLocks noGrp="1"/>
+          </p:cNvSpPr>
+          <p:nvPr>
+            <p:ph type="dt" sz="half" idx="10"/>
+          </p:nvPr>
+        </p:nvSpPr>
+        <p:spPr/>
+        <p:txBody>
+          <a:bodyPr/>
+          <a:lstStyle/>
+          <a:p>
+            <a:fld id="{38B92EED-EC5D-481D-8393-A7289D5F8955}" type="datetimeFigureOut">
+              <a:rPr lang="en-US" smtClean="0"/>
+              <a:t>5/3/2016</a:t>
             </a:fld>
             <a:endParaRPr lang="en-US"/>
           </a:p>
@@ -4028,7 +6179,7 @@
           <a:p>
             <a:fld id="{38B92EED-EC5D-481D-8393-A7289D5F8955}" type="datetimeFigureOut">
               <a:rPr lang="en-US" smtClean="0"/>
-              <a:t>4/20/2016</a:t>
+              <a:t>5/3/2016</a:t>
             </a:fld>
             <a:endParaRPr lang="en-US"/>
           </a:p>
@@ -4132,6 +6283,7 @@
     <p:sldLayoutId id="2147483657" r:id="rId9"/>
     <p:sldLayoutId id="2147483658" r:id="rId10"/>
     <p:sldLayoutId id="2147483659" r:id="rId11"/>
+    <p:sldLayoutId id="2147483673" r:id="rId12"/>
   </p:sldLayoutIdLst>
   <p:txStyles>
     <p:titleStyle>
@@ -4416,6 +6568,435 @@
 </p:sldMaster>
 </file>
 
+<file path=ppt/slideMasters/slideMaster2.xml><?xml version="1.0" encoding="utf-8"?>
+<p:sldMaster xmlns:a="http://schemas.openxmlformats.org/drawingml/2006/main" xmlns:r="http://schemas.openxmlformats.org/officeDocument/2006/relationships" xmlns:p="http://schemas.openxmlformats.org/presentationml/2006/main">
+  <p:cSld>
+    <p:bg>
+      <p:bgPr>
+        <a:blipFill dpi="0" rotWithShape="1">
+          <a:blip r:embed="rId14">
+            <a:lum/>
+          </a:blip>
+          <a:srcRect/>
+          <a:stretch>
+            <a:fillRect/>
+          </a:stretch>
+        </a:blipFill>
+        <a:effectLst/>
+      </p:bgPr>
+    </p:bg>
+    <p:spTree>
+      <p:nvGrpSpPr>
+        <p:cNvPr id="1" name=""/>
+        <p:cNvGrpSpPr/>
+        <p:nvPr/>
+      </p:nvGrpSpPr>
+      <p:grpSpPr>
+        <a:xfrm>
+          <a:off x="0" y="0"/>
+          <a:ext cx="0" cy="0"/>
+          <a:chOff x="0" y="0"/>
+          <a:chExt cx="0" cy="0"/>
+        </a:xfrm>
+      </p:grpSpPr>
+      <p:sp>
+        <p:nvSpPr>
+          <p:cNvPr id="2" name="Title Placeholder 1"/>
+          <p:cNvSpPr>
+            <a:spLocks noGrp="1"/>
+          </p:cNvSpPr>
+          <p:nvPr>
+            <p:ph type="title"/>
+          </p:nvPr>
+        </p:nvSpPr>
+        <p:spPr>
+          <a:xfrm>
+            <a:off x="1750978" y="270460"/>
+            <a:ext cx="9602821" cy="906587"/>
+          </a:xfrm>
+          <a:prstGeom prst="rect">
+            <a:avLst/>
+          </a:prstGeom>
+        </p:spPr>
+        <p:txBody>
+          <a:bodyPr vert="horz" lIns="91440" tIns="45720" rIns="91440" bIns="45720" rtlCol="0" anchor="ctr">
+            <a:normAutofit/>
+          </a:bodyPr>
+          <a:lstStyle/>
+          <a:p>
+            <a:r>
+              <a:rPr lang="en-US" dirty="0"/>
+              <a:t>Click to edit Master title style</a:t>
+            </a:r>
+          </a:p>
+        </p:txBody>
+      </p:sp>
+      <p:sp>
+        <p:nvSpPr>
+          <p:cNvPr id="3" name="Text Placeholder 2"/>
+          <p:cNvSpPr>
+            <a:spLocks noGrp="1"/>
+          </p:cNvSpPr>
+          <p:nvPr>
+            <p:ph type="body" idx="1"/>
+          </p:nvPr>
+        </p:nvSpPr>
+        <p:spPr>
+          <a:xfrm>
+            <a:off x="838200" y="1825625"/>
+            <a:ext cx="10515600" cy="4109661"/>
+          </a:xfrm>
+          <a:prstGeom prst="rect">
+            <a:avLst/>
+          </a:prstGeom>
+        </p:spPr>
+        <p:txBody>
+          <a:bodyPr vert="horz" lIns="91440" tIns="45720" rIns="91440" bIns="45720" rtlCol="0">
+            <a:normAutofit/>
+          </a:bodyPr>
+          <a:lstStyle/>
+          <a:p>
+            <a:pPr lvl="0"/>
+            <a:r>
+              <a:rPr lang="en-US" dirty="0"/>
+              <a:t>Edit Master text styles</a:t>
+            </a:r>
+          </a:p>
+          <a:p>
+            <a:pPr lvl="1"/>
+            <a:r>
+              <a:rPr lang="en-US" dirty="0"/>
+              <a:t>Second level</a:t>
+            </a:r>
+          </a:p>
+          <a:p>
+            <a:pPr lvl="2"/>
+            <a:r>
+              <a:rPr lang="en-US" dirty="0"/>
+              <a:t>Third level</a:t>
+            </a:r>
+          </a:p>
+          <a:p>
+            <a:pPr lvl="3"/>
+            <a:r>
+              <a:rPr lang="en-US" dirty="0"/>
+              <a:t>Fourth level</a:t>
+            </a:r>
+          </a:p>
+          <a:p>
+            <a:pPr lvl="4"/>
+            <a:r>
+              <a:rPr lang="en-US" dirty="0"/>
+              <a:t>Fifth level</a:t>
+            </a:r>
+          </a:p>
+        </p:txBody>
+      </p:sp>
+    </p:spTree>
+    <p:extLst>
+      <p:ext uri="{BB962C8B-B14F-4D97-AF65-F5344CB8AC3E}">
+        <p14:creationId xmlns:p14="http://schemas.microsoft.com/office/powerpoint/2010/main" val="3020561292"/>
+      </p:ext>
+    </p:extLst>
+  </p:cSld>
+  <p:clrMap bg1="lt1" tx1="dk1" bg2="lt2" tx2="dk2" accent1="accent1" accent2="accent2" accent3="accent3" accent4="accent4" accent5="accent5" accent6="accent6" hlink="hlink" folHlink="folHlink"/>
+  <p:sldLayoutIdLst>
+    <p:sldLayoutId id="2147483661" r:id="rId1"/>
+    <p:sldLayoutId id="2147483662" r:id="rId2"/>
+    <p:sldLayoutId id="2147483663" r:id="rId3"/>
+    <p:sldLayoutId id="2147483664" r:id="rId4"/>
+    <p:sldLayoutId id="2147483665" r:id="rId5"/>
+    <p:sldLayoutId id="2147483666" r:id="rId6"/>
+    <p:sldLayoutId id="2147483667" r:id="rId7"/>
+    <p:sldLayoutId id="2147483668" r:id="rId8"/>
+    <p:sldLayoutId id="2147483669" r:id="rId9"/>
+    <p:sldLayoutId id="2147483670" r:id="rId10"/>
+    <p:sldLayoutId id="2147483671" r:id="rId11"/>
+    <p:sldLayoutId id="2147483672" r:id="rId12"/>
+  </p:sldLayoutIdLst>
+  <p:txStyles>
+    <p:titleStyle>
+      <a:lvl1pPr algn="l" defTabSz="914400" rtl="0" eaLnBrk="1" latinLnBrk="0" hangingPunct="1">
+        <a:lnSpc>
+          <a:spcPct val="90000"/>
+        </a:lnSpc>
+        <a:spcBef>
+          <a:spcPct val="0"/>
+        </a:spcBef>
+        <a:buNone/>
+        <a:defRPr sz="4400" kern="1200">
+          <a:solidFill>
+            <a:srgbClr val="0E0F21"/>
+          </a:solidFill>
+          <a:latin typeface="+mj-lt"/>
+          <a:ea typeface="+mj-ea"/>
+          <a:cs typeface="+mj-cs"/>
+        </a:defRPr>
+      </a:lvl1pPr>
+    </p:titleStyle>
+    <p:bodyStyle>
+      <a:lvl1pPr marL="228600" indent="-228600" algn="l" defTabSz="914400" rtl="0" eaLnBrk="1" latinLnBrk="0" hangingPunct="1">
+        <a:lnSpc>
+          <a:spcPct val="90000"/>
+        </a:lnSpc>
+        <a:spcBef>
+          <a:spcPts val="1000"/>
+        </a:spcBef>
+        <a:buFont typeface="Arial" panose="020B0604020202020204" pitchFamily="34" charset="0"/>
+        <a:buChar char="•"/>
+        <a:defRPr sz="2800" kern="1200">
+          <a:solidFill>
+            <a:schemeClr val="bg1"/>
+          </a:solidFill>
+          <a:latin typeface="+mn-lt"/>
+          <a:ea typeface="+mn-ea"/>
+          <a:cs typeface="+mn-cs"/>
+        </a:defRPr>
+      </a:lvl1pPr>
+      <a:lvl2pPr marL="685800" indent="-228600" algn="l" defTabSz="914400" rtl="0" eaLnBrk="1" latinLnBrk="0" hangingPunct="1">
+        <a:lnSpc>
+          <a:spcPct val="90000"/>
+        </a:lnSpc>
+        <a:spcBef>
+          <a:spcPts val="500"/>
+        </a:spcBef>
+        <a:buFont typeface="Arial" panose="020B0604020202020204" pitchFamily="34" charset="0"/>
+        <a:buChar char="•"/>
+        <a:defRPr sz="2400" kern="1200">
+          <a:solidFill>
+            <a:schemeClr val="bg1"/>
+          </a:solidFill>
+          <a:latin typeface="+mn-lt"/>
+          <a:ea typeface="+mn-ea"/>
+          <a:cs typeface="+mn-cs"/>
+        </a:defRPr>
+      </a:lvl2pPr>
+      <a:lvl3pPr marL="1143000" indent="-228600" algn="l" defTabSz="914400" rtl="0" eaLnBrk="1" latinLnBrk="0" hangingPunct="1">
+        <a:lnSpc>
+          <a:spcPct val="90000"/>
+        </a:lnSpc>
+        <a:spcBef>
+          <a:spcPts val="500"/>
+        </a:spcBef>
+        <a:buFont typeface="Arial" panose="020B0604020202020204" pitchFamily="34" charset="0"/>
+        <a:buChar char="•"/>
+        <a:defRPr sz="2000" kern="1200">
+          <a:solidFill>
+            <a:schemeClr val="bg1"/>
+          </a:solidFill>
+          <a:latin typeface="+mn-lt"/>
+          <a:ea typeface="+mn-ea"/>
+          <a:cs typeface="+mn-cs"/>
+        </a:defRPr>
+      </a:lvl3pPr>
+      <a:lvl4pPr marL="1600200" indent="-228600" algn="l" defTabSz="914400" rtl="0" eaLnBrk="1" latinLnBrk="0" hangingPunct="1">
+        <a:lnSpc>
+          <a:spcPct val="90000"/>
+        </a:lnSpc>
+        <a:spcBef>
+          <a:spcPts val="500"/>
+        </a:spcBef>
+        <a:buFont typeface="Arial" panose="020B0604020202020204" pitchFamily="34" charset="0"/>
+        <a:buChar char="•"/>
+        <a:defRPr sz="1800" kern="1200">
+          <a:solidFill>
+            <a:schemeClr val="bg1"/>
+          </a:solidFill>
+          <a:latin typeface="+mn-lt"/>
+          <a:ea typeface="+mn-ea"/>
+          <a:cs typeface="+mn-cs"/>
+        </a:defRPr>
+      </a:lvl4pPr>
+      <a:lvl5pPr marL="2057400" indent="-228600" algn="l" defTabSz="914400" rtl="0" eaLnBrk="1" latinLnBrk="0" hangingPunct="1">
+        <a:lnSpc>
+          <a:spcPct val="90000"/>
+        </a:lnSpc>
+        <a:spcBef>
+          <a:spcPts val="500"/>
+        </a:spcBef>
+        <a:buFont typeface="Arial" panose="020B0604020202020204" pitchFamily="34" charset="0"/>
+        <a:buChar char="•"/>
+        <a:defRPr sz="1800" kern="1200">
+          <a:solidFill>
+            <a:schemeClr val="bg1"/>
+          </a:solidFill>
+          <a:latin typeface="+mn-lt"/>
+          <a:ea typeface="+mn-ea"/>
+          <a:cs typeface="+mn-cs"/>
+        </a:defRPr>
+      </a:lvl5pPr>
+      <a:lvl6pPr marL="2514600" indent="-228600" algn="l" defTabSz="914400" rtl="0" eaLnBrk="1" latinLnBrk="0" hangingPunct="1">
+        <a:lnSpc>
+          <a:spcPct val="90000"/>
+        </a:lnSpc>
+        <a:spcBef>
+          <a:spcPts val="500"/>
+        </a:spcBef>
+        <a:buFont typeface="Arial" panose="020B0604020202020204" pitchFamily="34" charset="0"/>
+        <a:buChar char="•"/>
+        <a:defRPr sz="1800" kern="1200">
+          <a:solidFill>
+            <a:schemeClr val="tx1"/>
+          </a:solidFill>
+          <a:latin typeface="+mn-lt"/>
+          <a:ea typeface="+mn-ea"/>
+          <a:cs typeface="+mn-cs"/>
+        </a:defRPr>
+      </a:lvl6pPr>
+      <a:lvl7pPr marL="2971800" indent="-228600" algn="l" defTabSz="914400" rtl="0" eaLnBrk="1" latinLnBrk="0" hangingPunct="1">
+        <a:lnSpc>
+          <a:spcPct val="90000"/>
+        </a:lnSpc>
+        <a:spcBef>
+          <a:spcPts val="500"/>
+        </a:spcBef>
+        <a:buFont typeface="Arial" panose="020B0604020202020204" pitchFamily="34" charset="0"/>
+        <a:buChar char="•"/>
+        <a:defRPr sz="1800" kern="1200">
+          <a:solidFill>
+            <a:schemeClr val="tx1"/>
+          </a:solidFill>
+          <a:latin typeface="+mn-lt"/>
+          <a:ea typeface="+mn-ea"/>
+          <a:cs typeface="+mn-cs"/>
+        </a:defRPr>
+      </a:lvl7pPr>
+      <a:lvl8pPr marL="3429000" indent="-228600" algn="l" defTabSz="914400" rtl="0" eaLnBrk="1" latinLnBrk="0" hangingPunct="1">
+        <a:lnSpc>
+          <a:spcPct val="90000"/>
+        </a:lnSpc>
+        <a:spcBef>
+          <a:spcPts val="500"/>
+        </a:spcBef>
+        <a:buFont typeface="Arial" panose="020B0604020202020204" pitchFamily="34" charset="0"/>
+        <a:buChar char="•"/>
+        <a:defRPr sz="1800" kern="1200">
+          <a:solidFill>
+            <a:schemeClr val="tx1"/>
+          </a:solidFill>
+          <a:latin typeface="+mn-lt"/>
+          <a:ea typeface="+mn-ea"/>
+          <a:cs typeface="+mn-cs"/>
+        </a:defRPr>
+      </a:lvl8pPr>
+      <a:lvl9pPr marL="3886200" indent="-228600" algn="l" defTabSz="914400" rtl="0" eaLnBrk="1" latinLnBrk="0" hangingPunct="1">
+        <a:lnSpc>
+          <a:spcPct val="90000"/>
+        </a:lnSpc>
+        <a:spcBef>
+          <a:spcPts val="500"/>
+        </a:spcBef>
+        <a:buFont typeface="Arial" panose="020B0604020202020204" pitchFamily="34" charset="0"/>
+        <a:buChar char="•"/>
+        <a:defRPr sz="1800" kern="1200">
+          <a:solidFill>
+            <a:schemeClr val="tx1"/>
+          </a:solidFill>
+          <a:latin typeface="+mn-lt"/>
+          <a:ea typeface="+mn-ea"/>
+          <a:cs typeface="+mn-cs"/>
+        </a:defRPr>
+      </a:lvl9pPr>
+    </p:bodyStyle>
+    <p:otherStyle>
+      <a:defPPr>
+        <a:defRPr lang="en-US"/>
+      </a:defPPr>
+      <a:lvl1pPr marL="0" algn="l" defTabSz="914400" rtl="0" eaLnBrk="1" latinLnBrk="0" hangingPunct="1">
+        <a:defRPr sz="1800" kern="1200">
+          <a:solidFill>
+            <a:schemeClr val="tx1"/>
+          </a:solidFill>
+          <a:latin typeface="+mn-lt"/>
+          <a:ea typeface="+mn-ea"/>
+          <a:cs typeface="+mn-cs"/>
+        </a:defRPr>
+      </a:lvl1pPr>
+      <a:lvl2pPr marL="457200" algn="l" defTabSz="914400" rtl="0" eaLnBrk="1" latinLnBrk="0" hangingPunct="1">
+        <a:defRPr sz="1800" kern="1200">
+          <a:solidFill>
+            <a:schemeClr val="tx1"/>
+          </a:solidFill>
+          <a:latin typeface="+mn-lt"/>
+          <a:ea typeface="+mn-ea"/>
+          <a:cs typeface="+mn-cs"/>
+        </a:defRPr>
+      </a:lvl2pPr>
+      <a:lvl3pPr marL="914400" algn="l" defTabSz="914400" rtl="0" eaLnBrk="1" latinLnBrk="0" hangingPunct="1">
+        <a:defRPr sz="1800" kern="1200">
+          <a:solidFill>
+            <a:schemeClr val="tx1"/>
+          </a:solidFill>
+          <a:latin typeface="+mn-lt"/>
+          <a:ea typeface="+mn-ea"/>
+          <a:cs typeface="+mn-cs"/>
+        </a:defRPr>
+      </a:lvl3pPr>
+      <a:lvl4pPr marL="1371600" algn="l" defTabSz="914400" rtl="0" eaLnBrk="1" latinLnBrk="0" hangingPunct="1">
+        <a:defRPr sz="1800" kern="1200">
+          <a:solidFill>
+            <a:schemeClr val="tx1"/>
+          </a:solidFill>
+          <a:latin typeface="+mn-lt"/>
+          <a:ea typeface="+mn-ea"/>
+          <a:cs typeface="+mn-cs"/>
+        </a:defRPr>
+      </a:lvl4pPr>
+      <a:lvl5pPr marL="1828800" algn="l" defTabSz="914400" rtl="0" eaLnBrk="1" latinLnBrk="0" hangingPunct="1">
+        <a:defRPr sz="1800" kern="1200">
+          <a:solidFill>
+            <a:schemeClr val="tx1"/>
+          </a:solidFill>
+          <a:latin typeface="+mn-lt"/>
+          <a:ea typeface="+mn-ea"/>
+          <a:cs typeface="+mn-cs"/>
+        </a:defRPr>
+      </a:lvl5pPr>
+      <a:lvl6pPr marL="2286000" algn="l" defTabSz="914400" rtl="0" eaLnBrk="1" latinLnBrk="0" hangingPunct="1">
+        <a:defRPr sz="1800" kern="1200">
+          <a:solidFill>
+            <a:schemeClr val="tx1"/>
+          </a:solidFill>
+          <a:latin typeface="+mn-lt"/>
+          <a:ea typeface="+mn-ea"/>
+          <a:cs typeface="+mn-cs"/>
+        </a:defRPr>
+      </a:lvl6pPr>
+      <a:lvl7pPr marL="2743200" algn="l" defTabSz="914400" rtl="0" eaLnBrk="1" latinLnBrk="0" hangingPunct="1">
+        <a:defRPr sz="1800" kern="1200">
+          <a:solidFill>
+            <a:schemeClr val="tx1"/>
+          </a:solidFill>
+          <a:latin typeface="+mn-lt"/>
+          <a:ea typeface="+mn-ea"/>
+          <a:cs typeface="+mn-cs"/>
+        </a:defRPr>
+      </a:lvl7pPr>
+      <a:lvl8pPr marL="3200400" algn="l" defTabSz="914400" rtl="0" eaLnBrk="1" latinLnBrk="0" hangingPunct="1">
+        <a:defRPr sz="1800" kern="1200">
+          <a:solidFill>
+            <a:schemeClr val="tx1"/>
+          </a:solidFill>
+          <a:latin typeface="+mn-lt"/>
+          <a:ea typeface="+mn-ea"/>
+          <a:cs typeface="+mn-cs"/>
+        </a:defRPr>
+      </a:lvl8pPr>
+      <a:lvl9pPr marL="3657600" algn="l" defTabSz="914400" rtl="0" eaLnBrk="1" latinLnBrk="0" hangingPunct="1">
+        <a:defRPr sz="1800" kern="1200">
+          <a:solidFill>
+            <a:schemeClr val="tx1"/>
+          </a:solidFill>
+          <a:latin typeface="+mn-lt"/>
+          <a:ea typeface="+mn-ea"/>
+          <a:cs typeface="+mn-cs"/>
+        </a:defRPr>
+      </a:lvl9pPr>
+    </p:otherStyle>
+  </p:txStyles>
+</p:sldMaster>
+</file>
+
 <file path=ppt/slides/slide1.xml><?xml version="1.0" encoding="utf-8"?>
 <p:sld xmlns:a="http://schemas.openxmlformats.org/drawingml/2006/main" xmlns:r="http://schemas.openxmlformats.org/officeDocument/2006/relationships" xmlns:p="http://schemas.openxmlformats.org/presentationml/2006/main">
   <p:cSld>
@@ -4435,7 +7016,7 @@
       </p:grpSpPr>
       <p:sp>
         <p:nvSpPr>
-          <p:cNvPr id="2" name="Title 1"/>
+          <p:cNvPr id="5" name="Title 4"/>
           <p:cNvSpPr>
             <a:spLocks noGrp="1"/>
           </p:cNvSpPr>
@@ -4451,29 +7032,16 @@
           <a:lstStyle/>
           <a:p>
             <a:r>
-              <a:rPr lang="en-US" dirty="0"/>
-              <a:t>End to End Encryption </a:t>
-            </a:r>
-            <a:br>
-              <a:rPr lang="en-US" dirty="0"/>
-            </a:br>
-            <a:r>
-              <a:rPr lang="en-US" dirty="0"/>
-              <a:t>with</a:t>
-            </a:r>
-            <a:br>
-              <a:rPr lang="en-US" dirty="0"/>
-            </a:br>
-            <a:r>
-              <a:rPr lang="en-US" dirty="0"/>
-              <a:t>SQL Server 2016</a:t>
-            </a:r>
-          </a:p>
-        </p:txBody>
-      </p:sp>
-      <p:sp>
-        <p:nvSpPr>
-          <p:cNvPr id="3" name="Subtitle 2"/>
+              <a:rPr lang="en-US" dirty="0" smtClean="0"/>
+              <a:t>End to End Encryption with SQL Server 2016</a:t>
+            </a:r>
+            <a:endParaRPr lang="en-US" dirty="0"/>
+          </a:p>
+        </p:txBody>
+      </p:sp>
+      <p:sp>
+        <p:nvSpPr>
+          <p:cNvPr id="6" name="Subtitle 5"/>
           <p:cNvSpPr>
             <a:spLocks noGrp="1"/>
           </p:cNvSpPr>
@@ -4487,102 +7055,39 @@
           <a:lstStyle/>
           <a:p>
             <a:r>
-              <a:rPr lang="en-US" dirty="0"/>
-              <a:t>Steve Jones</a:t>
-            </a:r>
-          </a:p>
-          <a:p>
-            <a:r>
-              <a:rPr lang="en-US" dirty="0" err="1"/>
+              <a:rPr lang="en-US" dirty="0" smtClean="0"/>
+              <a:t>Steve Jones, </a:t>
+            </a:r>
+            <a:r>
+              <a:rPr lang="en-US" dirty="0" err="1" smtClean="0"/>
               <a:t>SQLServerCentral</a:t>
             </a:r>
+            <a:r>
+              <a:rPr lang="en-US" dirty="0" smtClean="0"/>
+              <a:t>, </a:t>
+            </a:r>
+            <a:r>
+              <a:rPr lang="en-US" dirty="0" err="1" smtClean="0"/>
+              <a:t>Redgate</a:t>
+            </a:r>
+            <a:r>
+              <a:rPr lang="en-US" dirty="0" smtClean="0"/>
+              <a:t> Software</a:t>
+            </a:r>
             <a:endParaRPr lang="en-US" dirty="0"/>
           </a:p>
-          <a:p>
-            <a:r>
-              <a:rPr lang="en-US" dirty="0"/>
-              <a:t>Red-gate Software</a:t>
-            </a:r>
-          </a:p>
-        </p:txBody>
-      </p:sp>
-      <p:pic>
-        <p:nvPicPr>
-          <p:cNvPr id="4" name="Picture 3"/>
-          <p:cNvPicPr>
-            <a:picLocks noChangeAspect="1"/>
-          </p:cNvPicPr>
-          <p:nvPr/>
-        </p:nvPicPr>
-        <p:blipFill>
-          <a:blip r:embed="rId2">
-            <a:extLst>
-              <a:ext uri="{28A0092B-C50C-407E-A947-70E740481C1C}">
-                <a14:useLocalDpi xmlns:a14="http://schemas.microsoft.com/office/drawing/2010/main" val="0"/>
-              </a:ext>
-            </a:extLst>
-          </a:blip>
-          <a:stretch>
-            <a:fillRect/>
-          </a:stretch>
-        </p:blipFill>
-        <p:spPr>
-          <a:xfrm>
-            <a:off x="909222" y="3851938"/>
-            <a:ext cx="2634712" cy="933127"/>
-          </a:xfrm>
-          <a:prstGeom prst="rect">
-            <a:avLst/>
-          </a:prstGeom>
-        </p:spPr>
-      </p:pic>
-      <p:pic>
-        <p:nvPicPr>
-          <p:cNvPr id="5" name="Picture 4"/>
-          <p:cNvPicPr>
-            <a:picLocks noChangeAspect="1"/>
-          </p:cNvPicPr>
-          <p:nvPr/>
-        </p:nvPicPr>
-        <p:blipFill>
-          <a:blip r:embed="rId3" cstate="print">
-            <a:extLst>
-              <a:ext uri="{28A0092B-C50C-407E-A947-70E740481C1C}">
-                <a14:useLocalDpi xmlns:a14="http://schemas.microsoft.com/office/drawing/2010/main" val="0"/>
-              </a:ext>
-            </a:extLst>
-          </a:blip>
-          <a:stretch>
-            <a:fillRect/>
-          </a:stretch>
-        </p:blipFill>
-        <p:spPr>
-          <a:xfrm>
-            <a:off x="8481227" y="3982710"/>
-            <a:ext cx="2801551" cy="671582"/>
-          </a:xfrm>
-          <a:prstGeom prst="rect">
-            <a:avLst/>
-          </a:prstGeom>
-        </p:spPr>
-      </p:pic>
+        </p:txBody>
+      </p:sp>
     </p:spTree>
     <p:extLst>
       <p:ext uri="{BB962C8B-B14F-4D97-AF65-F5344CB8AC3E}">
-        <p14:creationId xmlns:p14="http://schemas.microsoft.com/office/powerpoint/2010/main" val="46606267"/>
+        <p14:creationId xmlns:p14="http://schemas.microsoft.com/office/powerpoint/2010/main" val="575650858"/>
       </p:ext>
     </p:extLst>
   </p:cSld>
   <p:clrMapOvr>
     <a:masterClrMapping/>
   </p:clrMapOvr>
-  <p:timing>
-    <p:tnLst>
-      <p:par>
-        <p:cTn id="1" dur="indefinite" restart="never" nodeType="tmRoot"/>
-      </p:par>
-    </p:tnLst>
-  </p:timing>
 </p:sld>
 </file>
 
@@ -4721,6 +7226,13 @@
   <p:clrMapOvr>
     <a:masterClrMapping/>
   </p:clrMapOvr>
+  <p:timing>
+    <p:tnLst>
+      <p:par>
+        <p:cTn id="1" dur="indefinite" restart="never" nodeType="tmRoot"/>
+      </p:par>
+    </p:tnLst>
+  </p:timing>
 </p:sld>
 </file>
 
@@ -4795,6 +7307,13 @@
   <p:clrMapOvr>
     <a:masterClrMapping/>
   </p:clrMapOvr>
+  <p:timing>
+    <p:tnLst>
+      <p:par>
+        <p:cTn id="1" dur="indefinite" restart="never" nodeType="tmRoot"/>
+      </p:par>
+    </p:tnLst>
+  </p:timing>
 </p:sld>
 </file>
 
@@ -4920,6 +7439,13 @@
   <p:clrMapOvr>
     <a:masterClrMapping/>
   </p:clrMapOvr>
+  <p:timing>
+    <p:tnLst>
+      <p:par>
+        <p:cTn id="1" dur="indefinite" restart="never" nodeType="tmRoot"/>
+      </p:par>
+    </p:tnLst>
+  </p:timing>
 </p:sld>
 </file>
 
@@ -5001,6 +7527,13 @@
   <p:clrMapOvr>
     <a:masterClrMapping/>
   </p:clrMapOvr>
+  <p:timing>
+    <p:tnLst>
+      <p:par>
+        <p:cTn id="1" dur="indefinite" restart="never" nodeType="tmRoot"/>
+      </p:par>
+    </p:tnLst>
+  </p:timing>
 </p:sld>
 </file>
 
@@ -5075,6 +7608,13 @@
   <p:clrMapOvr>
     <a:masterClrMapping/>
   </p:clrMapOvr>
+  <p:timing>
+    <p:tnLst>
+      <p:par>
+        <p:cTn id="1" dur="indefinite" restart="never" nodeType="tmRoot"/>
+      </p:par>
+    </p:tnLst>
+  </p:timing>
 </p:sld>
 </file>
 
@@ -5231,6 +7771,13 @@
   <p:clrMapOvr>
     <a:masterClrMapping/>
   </p:clrMapOvr>
+  <p:timing>
+    <p:tnLst>
+      <p:par>
+        <p:cTn id="1" dur="indefinite" restart="never" nodeType="tmRoot"/>
+      </p:par>
+    </p:tnLst>
+  </p:timing>
 </p:sld>
 </file>
 
@@ -5317,6 +7864,13 @@
   <p:clrMapOvr>
     <a:masterClrMapping/>
   </p:clrMapOvr>
+  <p:timing>
+    <p:tnLst>
+      <p:par>
+        <p:cTn id="1" dur="indefinite" restart="never" nodeType="tmRoot"/>
+      </p:par>
+    </p:tnLst>
+  </p:timing>
 </p:sld>
 </file>
 
@@ -6899,6 +9453,13 @@
   <p:clrMapOvr>
     <a:masterClrMapping/>
   </p:clrMapOvr>
+  <p:timing>
+    <p:tnLst>
+      <p:par>
+        <p:cTn id="1" dur="indefinite" restart="never" nodeType="tmRoot"/>
+      </p:par>
+    </p:tnLst>
+  </p:timing>
 </p:sld>
 </file>
 
@@ -6973,6 +9534,13 @@
   <p:clrMapOvr>
     <a:masterClrMapping/>
   </p:clrMapOvr>
+  <p:timing>
+    <p:tnLst>
+      <p:par>
+        <p:cTn id="1" dur="indefinite" restart="never" nodeType="tmRoot"/>
+      </p:par>
+    </p:tnLst>
+  </p:timing>
 </p:sld>
 </file>
 
@@ -7078,6 +9646,13 @@
   <p:clrMapOvr>
     <a:masterClrMapping/>
   </p:clrMapOvr>
+  <p:timing>
+    <p:tnLst>
+      <p:par>
+        <p:cTn id="1" dur="indefinite" restart="never" nodeType="tmRoot"/>
+      </p:par>
+    </p:tnLst>
+  </p:timing>
 </p:sld>
 </file>
 
@@ -7285,6 +9860,13 @@
   <p:clrMapOvr>
     <a:masterClrMapping/>
   </p:clrMapOvr>
+  <p:timing>
+    <p:tnLst>
+      <p:par>
+        <p:cTn id="1" dur="indefinite" restart="never" nodeType="tmRoot"/>
+      </p:par>
+    </p:tnLst>
+  </p:timing>
 </p:sld>
 </file>
 
@@ -7371,6 +9953,13 @@
   <p:clrMapOvr>
     <a:masterClrMapping/>
   </p:clrMapOvr>
+  <p:timing>
+    <p:tnLst>
+      <p:par>
+        <p:cTn id="1" dur="indefinite" restart="never" nodeType="tmRoot"/>
+      </p:par>
+    </p:tnLst>
+  </p:timing>
 </p:sld>
 </file>
 
@@ -7429,9 +10018,10 @@
           <a:lstStyle/>
           <a:p>
             <a:r>
-              <a:rPr lang="en-US" dirty="0"/>
-              <a:t>Always Encrypted </a:t>
-            </a:r>
+              <a:rPr lang="en-US" dirty="0" smtClean="0"/>
+              <a:t>Dynamic Data Masking </a:t>
+            </a:r>
+            <a:endParaRPr lang="en-US" dirty="0"/>
           </a:p>
         </p:txBody>
       </p:sp>
@@ -7445,6 +10035,13 @@
   <p:clrMapOvr>
     <a:masterClrMapping/>
   </p:clrMapOvr>
+  <p:timing>
+    <p:tnLst>
+      <p:par>
+        <p:cTn id="1" dur="indefinite" restart="never" nodeType="tmRoot"/>
+      </p:par>
+    </p:tnLst>
+  </p:timing>
 </p:sld>
 </file>
 
@@ -7528,6 +10125,13 @@
   <p:clrMapOvr>
     <a:masterClrMapping/>
   </p:clrMapOvr>
+  <p:timing>
+    <p:tnLst>
+      <p:par>
+        <p:cTn id="1" dur="indefinite" restart="never" nodeType="tmRoot"/>
+      </p:par>
+    </p:tnLst>
+  </p:timing>
 </p:sld>
 </file>
 
@@ -7629,6 +10233,13 @@
   <p:clrMapOvr>
     <a:masterClrMapping/>
   </p:clrMapOvr>
+  <p:timing>
+    <p:tnLst>
+      <p:par>
+        <p:cTn id="1" dur="indefinite" restart="never" nodeType="tmRoot"/>
+      </p:par>
+    </p:tnLst>
+  </p:timing>
 </p:sld>
 </file>
 
@@ -7739,6 +10350,13 @@
     <a:masterClrMapping/>
   </p:clrMapOvr>
   <p:transition/>
+  <p:timing>
+    <p:tnLst>
+      <p:par>
+        <p:cTn id="1" dur="indefinite" restart="never" nodeType="tmRoot"/>
+      </p:par>
+    </p:tnLst>
+  </p:timing>
 </p:sld>
 </file>
 
@@ -7813,6 +10431,13 @@
   <p:clrMapOvr>
     <a:masterClrMapping/>
   </p:clrMapOvr>
+  <p:timing>
+    <p:tnLst>
+      <p:par>
+        <p:cTn id="1" dur="indefinite" restart="never" nodeType="tmRoot"/>
+      </p:par>
+    </p:tnLst>
+  </p:timing>
 </p:sld>
 </file>
 
@@ -7920,6 +10545,13 @@
   <p:clrMapOvr>
     <a:masterClrMapping/>
   </p:clrMapOvr>
+  <p:timing>
+    <p:tnLst>
+      <p:par>
+        <p:cTn id="1" dur="indefinite" restart="never" nodeType="tmRoot"/>
+      </p:par>
+    </p:tnLst>
+  </p:timing>
 </p:sld>
 </file>
 
@@ -8027,6 +10659,13 @@
   <p:clrMapOvr>
     <a:masterClrMapping/>
   </p:clrMapOvr>
+  <p:timing>
+    <p:tnLst>
+      <p:par>
+        <p:cTn id="1" dur="indefinite" restart="never" nodeType="tmRoot"/>
+      </p:par>
+    </p:tnLst>
+  </p:timing>
 </p:sld>
 </file>
 
@@ -8591,6 +11230,13 @@
   <p:clrMapOvr>
     <a:masterClrMapping/>
   </p:clrMapOvr>
+  <p:timing>
+    <p:tnLst>
+      <p:par>
+        <p:cTn id="1" dur="indefinite" restart="never" nodeType="tmRoot"/>
+      </p:par>
+    </p:tnLst>
+  </p:timing>
 </p:sld>
 </file>
 
@@ -9488,6 +12134,648 @@
           <a:p>
             <a:r>
               <a:rPr lang="en-US" dirty="0"/>
+              <a:t>Please evaluate this session</a:t>
+            </a:r>
+          </a:p>
+        </p:txBody>
+      </p:sp>
+      <p:pic>
+        <p:nvPicPr>
+          <p:cNvPr id="4" name="Content Placeholder 3"/>
+          <p:cNvPicPr>
+            <a:picLocks noGrp="1" noChangeAspect="1"/>
+          </p:cNvPicPr>
+          <p:nvPr>
+            <p:ph idx="1"/>
+          </p:nvPr>
+        </p:nvPicPr>
+        <p:blipFill>
+          <a:blip r:embed="rId3" cstate="print">
+            <a:extLst>
+              <a:ext uri="{28A0092B-C50C-407E-A947-70E740481C1C}">
+                <a14:useLocalDpi xmlns:a14="http://schemas.microsoft.com/office/drawing/2010/main" val="0"/>
+              </a:ext>
+            </a:extLst>
+          </a:blip>
+          <a:stretch>
+            <a:fillRect/>
+          </a:stretch>
+        </p:blipFill>
+        <p:spPr>
+          <a:xfrm>
+            <a:off x="6742052" y="2007181"/>
+            <a:ext cx="3777608" cy="4110038"/>
+          </a:xfrm>
+        </p:spPr>
+      </p:pic>
+      <p:sp>
+        <p:nvSpPr>
+          <p:cNvPr id="5" name="TextBox 4"/>
+          <p:cNvSpPr txBox="1"/>
+          <p:nvPr/>
+        </p:nvSpPr>
+        <p:spPr>
+          <a:xfrm>
+            <a:off x="810229" y="2199190"/>
+            <a:ext cx="5469318" cy="3139321"/>
+          </a:xfrm>
+          <a:prstGeom prst="rect">
+            <a:avLst/>
+          </a:prstGeom>
+          <a:noFill/>
+        </p:spPr>
+        <p:txBody>
+          <a:bodyPr wrap="none" rtlCol="0">
+            <a:spAutoFit/>
+          </a:bodyPr>
+          <a:lstStyle/>
+          <a:p>
+            <a:r>
+              <a:rPr lang="en-US" sz="6600" dirty="0">
+                <a:solidFill>
+                  <a:prstClr val="white"/>
+                </a:solidFill>
+              </a:rPr>
+              <a:t>Just scan the </a:t>
+            </a:r>
+          </a:p>
+          <a:p>
+            <a:r>
+              <a:rPr lang="en-US" sz="6600" dirty="0">
+                <a:solidFill>
+                  <a:prstClr val="white"/>
+                </a:solidFill>
+              </a:rPr>
+              <a:t>QR code at the </a:t>
+            </a:r>
+          </a:p>
+          <a:p>
+            <a:r>
+              <a:rPr lang="en-US" sz="6600" dirty="0">
+                <a:solidFill>
+                  <a:prstClr val="white"/>
+                </a:solidFill>
+              </a:rPr>
+              <a:t>entrance</a:t>
+            </a:r>
+          </a:p>
+        </p:txBody>
+      </p:sp>
+    </p:spTree>
+    <p:extLst>
+      <p:ext uri="{BB962C8B-B14F-4D97-AF65-F5344CB8AC3E}">
+        <p14:creationId xmlns:p14="http://schemas.microsoft.com/office/powerpoint/2010/main" val="481219505"/>
+      </p:ext>
+    </p:extLst>
+  </p:cSld>
+  <p:clrMapOvr>
+    <a:masterClrMapping/>
+  </p:clrMapOvr>
+</p:sld>
+</file>
+
+<file path=ppt/slides/slide31.xml><?xml version="1.0" encoding="utf-8"?>
+<p:sld xmlns:a="http://schemas.openxmlformats.org/drawingml/2006/main" xmlns:r="http://schemas.openxmlformats.org/officeDocument/2006/relationships" xmlns:p="http://schemas.openxmlformats.org/presentationml/2006/main">
+  <p:cSld>
+    <p:spTree>
+      <p:nvGrpSpPr>
+        <p:cNvPr id="1" name=""/>
+        <p:cNvGrpSpPr/>
+        <p:nvPr/>
+      </p:nvGrpSpPr>
+      <p:grpSpPr>
+        <a:xfrm>
+          <a:off x="0" y="0"/>
+          <a:ext cx="0" cy="0"/>
+          <a:chOff x="0" y="0"/>
+          <a:chExt cx="0" cy="0"/>
+        </a:xfrm>
+      </p:grpSpPr>
+      <p:sp>
+        <p:nvSpPr>
+          <p:cNvPr id="4" name="Title 3"/>
+          <p:cNvSpPr>
+            <a:spLocks noGrp="1"/>
+          </p:cNvSpPr>
+          <p:nvPr>
+            <p:ph type="title"/>
+          </p:nvPr>
+        </p:nvSpPr>
+        <p:spPr/>
+        <p:txBody>
+          <a:bodyPr/>
+          <a:lstStyle/>
+          <a:p>
+            <a:r>
+              <a:rPr lang="da-DK" dirty="0" err="1"/>
+              <a:t>Meet</a:t>
+            </a:r>
+            <a:r>
+              <a:rPr lang="da-DK" dirty="0"/>
+              <a:t> </a:t>
+            </a:r>
+            <a:r>
+              <a:rPr lang="da-DK" dirty="0" err="1"/>
+              <a:t>me</a:t>
+            </a:r>
+            <a:r>
+              <a:rPr lang="da-DK" dirty="0"/>
+              <a:t> at the Community Zone</a:t>
+            </a:r>
+          </a:p>
+        </p:txBody>
+      </p:sp>
+      <p:pic>
+        <p:nvPicPr>
+          <p:cNvPr id="11" name="Content Placeholder 10"/>
+          <p:cNvPicPr>
+            <a:picLocks noGrp="1" noChangeAspect="1"/>
+          </p:cNvPicPr>
+          <p:nvPr>
+            <p:ph idx="1"/>
+          </p:nvPr>
+        </p:nvPicPr>
+        <p:blipFill>
+          <a:blip r:embed="rId3" cstate="print">
+            <a:extLst>
+              <a:ext uri="{28A0092B-C50C-407E-A947-70E740481C1C}">
+                <a14:useLocalDpi xmlns:a14="http://schemas.microsoft.com/office/drawing/2010/main" val="0"/>
+              </a:ext>
+            </a:extLst>
+          </a:blip>
+          <a:stretch>
+            <a:fillRect/>
+          </a:stretch>
+        </p:blipFill>
+        <p:spPr>
+          <a:xfrm>
+            <a:off x="1088248" y="3305262"/>
+            <a:ext cx="5187437" cy="816297"/>
+          </a:xfrm>
+        </p:spPr>
+      </p:pic>
+      <p:sp>
+        <p:nvSpPr>
+          <p:cNvPr id="10" name="Content Placeholder 9"/>
+          <p:cNvSpPr>
+            <a:spLocks noGrp="1"/>
+          </p:cNvSpPr>
+          <p:nvPr>
+            <p:ph sz="half" idx="4294967295"/>
+          </p:nvPr>
+        </p:nvSpPr>
+        <p:spPr>
+          <a:xfrm>
+            <a:off x="5964572" y="1825625"/>
+            <a:ext cx="6227428" cy="4351338"/>
+          </a:xfrm>
+        </p:spPr>
+        <p:txBody>
+          <a:bodyPr>
+            <a:normAutofit/>
+          </a:bodyPr>
+          <a:lstStyle/>
+          <a:p>
+            <a:r>
+              <a:rPr lang="da-DK" dirty="0" err="1">
+                <a:solidFill>
+                  <a:srgbClr val="0E0F21"/>
+                </a:solidFill>
+                <a:latin typeface="+mj-lt"/>
+                <a:ea typeface="+mj-ea"/>
+                <a:cs typeface="+mj-cs"/>
+              </a:rPr>
+              <a:t>After</a:t>
+            </a:r>
+            <a:r>
+              <a:rPr lang="da-DK" dirty="0">
+                <a:solidFill>
+                  <a:srgbClr val="0E0F21"/>
+                </a:solidFill>
+                <a:latin typeface="+mj-lt"/>
+                <a:ea typeface="+mj-ea"/>
+                <a:cs typeface="+mj-cs"/>
+              </a:rPr>
+              <a:t> </a:t>
+            </a:r>
+            <a:r>
+              <a:rPr lang="da-DK" dirty="0" err="1">
+                <a:solidFill>
+                  <a:srgbClr val="0E0F21"/>
+                </a:solidFill>
+                <a:latin typeface="+mj-lt"/>
+                <a:ea typeface="+mj-ea"/>
+                <a:cs typeface="+mj-cs"/>
+              </a:rPr>
+              <a:t>this</a:t>
+            </a:r>
+            <a:r>
+              <a:rPr lang="da-DK" dirty="0">
+                <a:solidFill>
+                  <a:srgbClr val="0E0F21"/>
+                </a:solidFill>
+                <a:latin typeface="+mj-lt"/>
+                <a:ea typeface="+mj-ea"/>
+                <a:cs typeface="+mj-cs"/>
+              </a:rPr>
+              <a:t> talk, I </a:t>
+            </a:r>
+            <a:r>
+              <a:rPr lang="da-DK" dirty="0" err="1">
+                <a:solidFill>
+                  <a:srgbClr val="0E0F21"/>
+                </a:solidFill>
+                <a:latin typeface="+mj-lt"/>
+                <a:ea typeface="+mj-ea"/>
+                <a:cs typeface="+mj-cs"/>
+              </a:rPr>
+              <a:t>will</a:t>
+            </a:r>
+            <a:r>
+              <a:rPr lang="da-DK" dirty="0">
+                <a:solidFill>
+                  <a:srgbClr val="0E0F21"/>
+                </a:solidFill>
+                <a:latin typeface="+mj-lt"/>
+                <a:ea typeface="+mj-ea"/>
+                <a:cs typeface="+mj-cs"/>
+              </a:rPr>
+              <a:t> </a:t>
+            </a:r>
+            <a:r>
+              <a:rPr lang="da-DK" dirty="0" err="1">
+                <a:solidFill>
+                  <a:srgbClr val="0E0F21"/>
+                </a:solidFill>
+                <a:latin typeface="+mj-lt"/>
+                <a:ea typeface="+mj-ea"/>
+                <a:cs typeface="+mj-cs"/>
+              </a:rPr>
+              <a:t>be</a:t>
+            </a:r>
+            <a:r>
+              <a:rPr lang="da-DK" dirty="0">
+                <a:solidFill>
+                  <a:srgbClr val="0E0F21"/>
+                </a:solidFill>
+                <a:latin typeface="+mj-lt"/>
+                <a:ea typeface="+mj-ea"/>
+                <a:cs typeface="+mj-cs"/>
+              </a:rPr>
+              <a:t> present in the Community Zone</a:t>
+            </a:r>
+          </a:p>
+          <a:p>
+            <a:endParaRPr lang="da-DK" dirty="0">
+              <a:solidFill>
+                <a:srgbClr val="0E0F21"/>
+              </a:solidFill>
+              <a:latin typeface="+mj-lt"/>
+              <a:ea typeface="+mj-ea"/>
+              <a:cs typeface="+mj-cs"/>
+            </a:endParaRPr>
+          </a:p>
+          <a:p>
+            <a:r>
+              <a:rPr lang="da-DK" dirty="0" err="1">
+                <a:solidFill>
+                  <a:srgbClr val="0E0F21"/>
+                </a:solidFill>
+                <a:latin typeface="+mj-lt"/>
+                <a:ea typeface="+mj-ea"/>
+                <a:cs typeface="+mj-cs"/>
+              </a:rPr>
+              <a:t>We</a:t>
+            </a:r>
+            <a:r>
+              <a:rPr lang="da-DK" dirty="0">
+                <a:solidFill>
+                  <a:srgbClr val="0E0F21"/>
+                </a:solidFill>
+                <a:latin typeface="+mj-lt"/>
+                <a:ea typeface="+mj-ea"/>
+                <a:cs typeface="+mj-cs"/>
+              </a:rPr>
+              <a:t> </a:t>
+            </a:r>
+            <a:r>
+              <a:rPr lang="da-DK" dirty="0" err="1">
+                <a:solidFill>
+                  <a:srgbClr val="0E0F21"/>
+                </a:solidFill>
+                <a:latin typeface="+mj-lt"/>
+                <a:ea typeface="+mj-ea"/>
+                <a:cs typeface="+mj-cs"/>
+              </a:rPr>
+              <a:t>might</a:t>
+            </a:r>
+            <a:r>
+              <a:rPr lang="da-DK" dirty="0">
+                <a:solidFill>
+                  <a:srgbClr val="0E0F21"/>
+                </a:solidFill>
+                <a:latin typeface="+mj-lt"/>
+                <a:ea typeface="+mj-ea"/>
+                <a:cs typeface="+mj-cs"/>
+              </a:rPr>
+              <a:t> </a:t>
+            </a:r>
+          </a:p>
+          <a:p>
+            <a:pPr lvl="1"/>
+            <a:r>
+              <a:rPr lang="da-DK" sz="2800" dirty="0" err="1">
+                <a:solidFill>
+                  <a:srgbClr val="0E0F21"/>
+                </a:solidFill>
+                <a:latin typeface="+mj-lt"/>
+                <a:ea typeface="+mj-ea"/>
+                <a:cs typeface="+mj-cs"/>
+              </a:rPr>
+              <a:t>take</a:t>
+            </a:r>
+            <a:r>
+              <a:rPr lang="da-DK" sz="2800" dirty="0">
+                <a:solidFill>
+                  <a:srgbClr val="0E0F21"/>
+                </a:solidFill>
+                <a:latin typeface="+mj-lt"/>
+                <a:ea typeface="+mj-ea"/>
+                <a:cs typeface="+mj-cs"/>
+              </a:rPr>
+              <a:t> the last </a:t>
+            </a:r>
+            <a:r>
+              <a:rPr lang="da-DK" sz="2800" dirty="0" err="1">
+                <a:solidFill>
+                  <a:srgbClr val="0E0F21"/>
+                </a:solidFill>
+                <a:latin typeface="+mj-lt"/>
+                <a:ea typeface="+mj-ea"/>
+                <a:cs typeface="+mj-cs"/>
+              </a:rPr>
+              <a:t>questions</a:t>
+            </a:r>
+            <a:r>
+              <a:rPr lang="da-DK" sz="2800" dirty="0">
+                <a:solidFill>
+                  <a:srgbClr val="0E0F21"/>
+                </a:solidFill>
+                <a:latin typeface="+mj-lt"/>
+                <a:ea typeface="+mj-ea"/>
+                <a:cs typeface="+mj-cs"/>
+              </a:rPr>
+              <a:t> </a:t>
+            </a:r>
+            <a:r>
+              <a:rPr lang="da-DK" sz="2800" dirty="0" err="1">
+                <a:solidFill>
+                  <a:srgbClr val="0E0F21"/>
+                </a:solidFill>
+                <a:latin typeface="+mj-lt"/>
+                <a:ea typeface="+mj-ea"/>
+                <a:cs typeface="+mj-cs"/>
+              </a:rPr>
+              <a:t>there</a:t>
+            </a:r>
+            <a:endParaRPr lang="da-DK" sz="2800" dirty="0">
+              <a:solidFill>
+                <a:srgbClr val="0E0F21"/>
+              </a:solidFill>
+              <a:latin typeface="+mj-lt"/>
+              <a:ea typeface="+mj-ea"/>
+              <a:cs typeface="+mj-cs"/>
+            </a:endParaRPr>
+          </a:p>
+          <a:p>
+            <a:pPr lvl="1"/>
+            <a:r>
+              <a:rPr lang="da-DK" sz="2800" dirty="0" err="1">
+                <a:solidFill>
+                  <a:srgbClr val="0E0F21"/>
+                </a:solidFill>
+                <a:latin typeface="+mj-lt"/>
+                <a:ea typeface="+mj-ea"/>
+                <a:cs typeface="+mj-cs"/>
+              </a:rPr>
+              <a:t>discuss</a:t>
+            </a:r>
+            <a:r>
+              <a:rPr lang="da-DK" sz="2800" dirty="0">
+                <a:solidFill>
+                  <a:srgbClr val="0E0F21"/>
+                </a:solidFill>
+                <a:latin typeface="+mj-lt"/>
+                <a:ea typeface="+mj-ea"/>
+                <a:cs typeface="+mj-cs"/>
+              </a:rPr>
+              <a:t> </a:t>
+            </a:r>
+            <a:r>
+              <a:rPr lang="da-DK" sz="2800" dirty="0" err="1">
+                <a:solidFill>
+                  <a:srgbClr val="0E0F21"/>
+                </a:solidFill>
+                <a:latin typeface="+mj-lt"/>
+                <a:ea typeface="+mj-ea"/>
+                <a:cs typeface="+mj-cs"/>
+              </a:rPr>
+              <a:t>matters</a:t>
+            </a:r>
+            <a:r>
+              <a:rPr lang="da-DK" sz="2800" dirty="0">
+                <a:solidFill>
+                  <a:srgbClr val="0E0F21"/>
+                </a:solidFill>
+                <a:latin typeface="+mj-lt"/>
+                <a:ea typeface="+mj-ea"/>
+                <a:cs typeface="+mj-cs"/>
+              </a:rPr>
+              <a:t> from </a:t>
+            </a:r>
+            <a:r>
+              <a:rPr lang="da-DK" sz="2800" dirty="0" err="1">
+                <a:solidFill>
+                  <a:srgbClr val="0E0F21"/>
+                </a:solidFill>
+                <a:latin typeface="+mj-lt"/>
+                <a:ea typeface="+mj-ea"/>
+                <a:cs typeface="+mj-cs"/>
+              </a:rPr>
+              <a:t>my</a:t>
+            </a:r>
+            <a:r>
+              <a:rPr lang="da-DK" sz="2800" dirty="0">
+                <a:solidFill>
+                  <a:srgbClr val="0E0F21"/>
+                </a:solidFill>
+                <a:latin typeface="+mj-lt"/>
+                <a:ea typeface="+mj-ea"/>
+                <a:cs typeface="+mj-cs"/>
+              </a:rPr>
+              <a:t> talk in more </a:t>
+            </a:r>
+            <a:r>
+              <a:rPr lang="da-DK" sz="2800" dirty="0" err="1">
+                <a:solidFill>
+                  <a:srgbClr val="0E0F21"/>
+                </a:solidFill>
+                <a:latin typeface="+mj-lt"/>
+                <a:ea typeface="+mj-ea"/>
+                <a:cs typeface="+mj-cs"/>
+              </a:rPr>
+              <a:t>details</a:t>
+            </a:r>
+            <a:endParaRPr lang="da-DK" sz="2800" dirty="0">
+              <a:solidFill>
+                <a:srgbClr val="0E0F21"/>
+              </a:solidFill>
+              <a:latin typeface="+mj-lt"/>
+              <a:ea typeface="+mj-ea"/>
+              <a:cs typeface="+mj-cs"/>
+            </a:endParaRPr>
+          </a:p>
+          <a:p>
+            <a:pPr lvl="1"/>
+            <a:r>
+              <a:rPr lang="da-DK" sz="2800" dirty="0" err="1">
+                <a:solidFill>
+                  <a:srgbClr val="0E0F21"/>
+                </a:solidFill>
+                <a:latin typeface="+mj-lt"/>
+                <a:ea typeface="+mj-ea"/>
+                <a:cs typeface="+mj-cs"/>
+              </a:rPr>
+              <a:t>network</a:t>
+            </a:r>
+            <a:endParaRPr lang="da-DK" sz="2800" dirty="0">
+              <a:solidFill>
+                <a:srgbClr val="0E0F21"/>
+              </a:solidFill>
+              <a:latin typeface="+mj-lt"/>
+              <a:ea typeface="+mj-ea"/>
+              <a:cs typeface="+mj-cs"/>
+            </a:endParaRPr>
+          </a:p>
+          <a:p>
+            <a:pPr lvl="1"/>
+            <a:r>
+              <a:rPr lang="da-DK" sz="2800" dirty="0" err="1">
+                <a:solidFill>
+                  <a:srgbClr val="0E0F21"/>
+                </a:solidFill>
+                <a:latin typeface="+mj-lt"/>
+                <a:ea typeface="+mj-ea"/>
+                <a:cs typeface="+mj-cs"/>
+              </a:rPr>
+              <a:t>take</a:t>
+            </a:r>
+            <a:r>
+              <a:rPr lang="da-DK" sz="2800" dirty="0">
+                <a:solidFill>
+                  <a:srgbClr val="0E0F21"/>
+                </a:solidFill>
+                <a:latin typeface="+mj-lt"/>
+                <a:ea typeface="+mj-ea"/>
+                <a:cs typeface="+mj-cs"/>
+              </a:rPr>
+              <a:t> </a:t>
+            </a:r>
+            <a:r>
+              <a:rPr lang="da-DK" sz="2800" dirty="0" err="1">
+                <a:solidFill>
+                  <a:srgbClr val="0E0F21"/>
+                </a:solidFill>
+                <a:latin typeface="+mj-lt"/>
+                <a:ea typeface="+mj-ea"/>
+                <a:cs typeface="+mj-cs"/>
+              </a:rPr>
+              <a:t>selfies</a:t>
+            </a:r>
+            <a:r>
+              <a:rPr lang="da-DK" sz="2800" dirty="0">
+                <a:solidFill>
+                  <a:srgbClr val="0E0F21"/>
+                </a:solidFill>
+                <a:latin typeface="+mj-lt"/>
+                <a:ea typeface="+mj-ea"/>
+                <a:cs typeface="+mj-cs"/>
+              </a:rPr>
+              <a:t>… </a:t>
+            </a:r>
+            <a:r>
+              <a:rPr lang="da-DK" sz="2800" dirty="0">
+                <a:solidFill>
+                  <a:srgbClr val="0E0F21"/>
+                </a:solidFill>
+                <a:latin typeface="+mj-lt"/>
+                <a:ea typeface="+mj-ea"/>
+                <a:cs typeface="+mj-cs"/>
+                <a:sym typeface="Wingdings" panose="05000000000000000000" pitchFamily="2" charset="2"/>
+              </a:rPr>
+              <a:t></a:t>
+            </a:r>
+            <a:endParaRPr lang="da-DK" sz="2800" dirty="0">
+              <a:solidFill>
+                <a:srgbClr val="0E0F21"/>
+              </a:solidFill>
+              <a:latin typeface="+mj-lt"/>
+              <a:ea typeface="+mj-ea"/>
+              <a:cs typeface="+mj-cs"/>
+            </a:endParaRPr>
+          </a:p>
+          <a:p>
+            <a:endParaRPr lang="da-DK" dirty="0"/>
+          </a:p>
+        </p:txBody>
+      </p:sp>
+    </p:spTree>
+    <p:extLst>
+      <p:ext uri="{BB962C8B-B14F-4D97-AF65-F5344CB8AC3E}">
+        <p14:creationId xmlns:p14="http://schemas.microsoft.com/office/powerpoint/2010/main" val="2427976438"/>
+      </p:ext>
+    </p:extLst>
+  </p:cSld>
+  <p:clrMapOvr>
+    <a:masterClrMapping/>
+  </p:clrMapOvr>
+</p:sld>
+</file>
+
+<file path=ppt/slides/slide32.xml><?xml version="1.0" encoding="utf-8"?>
+<p:sld xmlns:a="http://schemas.openxmlformats.org/drawingml/2006/main" xmlns:r="http://schemas.openxmlformats.org/officeDocument/2006/relationships" xmlns:p="http://schemas.openxmlformats.org/presentationml/2006/main">
+  <p:cSld>
+    <p:spTree>
+      <p:nvGrpSpPr>
+        <p:cNvPr id="1" name=""/>
+        <p:cNvGrpSpPr/>
+        <p:nvPr/>
+      </p:nvGrpSpPr>
+      <p:grpSpPr>
+        <a:xfrm>
+          <a:off x="0" y="0"/>
+          <a:ext cx="0" cy="0"/>
+          <a:chOff x="0" y="0"/>
+          <a:chExt cx="0" cy="0"/>
+        </a:xfrm>
+      </p:grpSpPr>
+      <p:sp>
+        <p:nvSpPr>
+          <p:cNvPr id="2" name="Title 1"/>
+          <p:cNvSpPr>
+            <a:spLocks noGrp="1"/>
+          </p:cNvSpPr>
+          <p:nvPr>
+            <p:ph type="title"/>
+          </p:nvPr>
+        </p:nvSpPr>
+        <p:spPr/>
+        <p:txBody>
+          <a:bodyPr/>
+          <a:lstStyle/>
+          <a:p>
+            <a:r>
+              <a:rPr lang="en-US" dirty="0"/>
               <a:t>References</a:t>
             </a:r>
           </a:p>
@@ -9570,10 +12858,17 @@
   <p:clrMapOvr>
     <a:masterClrMapping/>
   </p:clrMapOvr>
+  <p:timing>
+    <p:tnLst>
+      <p:par>
+        <p:cTn id="1" dur="indefinite" restart="never" nodeType="tmRoot"/>
+      </p:par>
+    </p:tnLst>
+  </p:timing>
 </p:sld>
 </file>
 
-<file path=ppt/slides/slide31.xml><?xml version="1.0" encoding="utf-8"?>
+<file path=ppt/slides/slide33.xml><?xml version="1.0" encoding="utf-8"?>
 <p:sld xmlns:a="http://schemas.openxmlformats.org/drawingml/2006/main" xmlns:r="http://schemas.openxmlformats.org/officeDocument/2006/relationships" xmlns:p="http://schemas.openxmlformats.org/presentationml/2006/main">
   <p:cSld>
     <p:spTree>
@@ -10353,6 +13648,13 @@
   <p:clrMapOvr>
     <a:masterClrMapping/>
   </p:clrMapOvr>
+  <p:timing>
+    <p:tnLst>
+      <p:par>
+        <p:cTn id="1" dur="indefinite" restart="never" nodeType="tmRoot"/>
+      </p:par>
+    </p:tnLst>
+  </p:timing>
 </p:sld>
 </file>
 
@@ -10412,6 +13714,13 @@
   <p:clrMapOvr>
     <a:masterClrMapping/>
   </p:clrMapOvr>
+  <p:timing>
+    <p:tnLst>
+      <p:par>
+        <p:cTn id="1" dur="indefinite" restart="never" nodeType="tmRoot"/>
+      </p:par>
+    </p:tnLst>
+  </p:timing>
 </p:sld>
 </file>
 
@@ -10471,6 +13780,13 @@
   <p:clrMapOvr>
     <a:masterClrMapping/>
   </p:clrMapOvr>
+  <p:timing>
+    <p:tnLst>
+      <p:par>
+        <p:cTn id="1" dur="indefinite" restart="never" nodeType="tmRoot"/>
+      </p:par>
+    </p:tnLst>
+  </p:timing>
 </p:sld>
 </file>
 
@@ -10915,6 +14231,13 @@
   <p:clrMapOvr>
     <a:masterClrMapping/>
   </p:clrMapOvr>
+  <p:timing>
+    <p:tnLst>
+      <p:par>
+        <p:cTn id="1" dur="indefinite" restart="never" nodeType="tmRoot"/>
+      </p:par>
+    </p:tnLst>
+  </p:timing>
 </p:sld>
 </file>
 
@@ -11180,6 +14503,301 @@
 </file>
 
 <file path=ppt/theme/theme2.xml><?xml version="1.0" encoding="utf-8"?>
+<a:theme xmlns:a="http://schemas.openxmlformats.org/drawingml/2006/main" name="1_Office Theme">
+  <a:themeElements>
+    <a:clrScheme name="Office">
+      <a:dk1>
+        <a:sysClr val="windowText" lastClr="000000"/>
+      </a:dk1>
+      <a:lt1>
+        <a:sysClr val="window" lastClr="FFFFFF"/>
+      </a:lt1>
+      <a:dk2>
+        <a:srgbClr val="44546A"/>
+      </a:dk2>
+      <a:lt2>
+        <a:srgbClr val="E7E6E6"/>
+      </a:lt2>
+      <a:accent1>
+        <a:srgbClr val="5B9BD5"/>
+      </a:accent1>
+      <a:accent2>
+        <a:srgbClr val="ED7D31"/>
+      </a:accent2>
+      <a:accent3>
+        <a:srgbClr val="A5A5A5"/>
+      </a:accent3>
+      <a:accent4>
+        <a:srgbClr val="FFC000"/>
+      </a:accent4>
+      <a:accent5>
+        <a:srgbClr val="4472C4"/>
+      </a:accent5>
+      <a:accent6>
+        <a:srgbClr val="70AD47"/>
+      </a:accent6>
+      <a:hlink>
+        <a:srgbClr val="0563C1"/>
+      </a:hlink>
+      <a:folHlink>
+        <a:srgbClr val="954F72"/>
+      </a:folHlink>
+    </a:clrScheme>
+    <a:fontScheme name="Office">
+      <a:majorFont>
+        <a:latin typeface="Calibri Light" panose="020F0302020204030204"/>
+        <a:ea typeface=""/>
+        <a:cs typeface=""/>
+        <a:font script="Jpan" typeface="游ゴシック Light"/>
+        <a:font script="Hang" typeface="맑은 고딕"/>
+        <a:font script="Hans" typeface="等线 Light"/>
+        <a:font script="Hant" typeface="新細明體"/>
+        <a:font script="Arab" typeface="Times New Roman"/>
+        <a:font script="Hebr" typeface="Times New Roman"/>
+        <a:font script="Thai" typeface="Angsana New"/>
+        <a:font script="Ethi" typeface="Nyala"/>
+        <a:font script="Beng" typeface="Vrinda"/>
+        <a:font script="Gujr" typeface="Shruti"/>
+        <a:font script="Khmr" typeface="MoolBoran"/>
+        <a:font script="Knda" typeface="Tunga"/>
+        <a:font script="Guru" typeface="Raavi"/>
+        <a:font script="Cans" typeface="Euphemia"/>
+        <a:font script="Cher" typeface="Plantagenet Cherokee"/>
+        <a:font script="Yiii" typeface="Microsoft Yi Baiti"/>
+        <a:font script="Tibt" typeface="Microsoft Himalaya"/>
+        <a:font script="Thaa" typeface="MV Boli"/>
+        <a:font script="Deva" typeface="Mangal"/>
+        <a:font script="Telu" typeface="Gautami"/>
+        <a:font script="Taml" typeface="Latha"/>
+        <a:font script="Syrc" typeface="Estrangelo Edessa"/>
+        <a:font script="Orya" typeface="Kalinga"/>
+        <a:font script="Mlym" typeface="Kartika"/>
+        <a:font script="Laoo" typeface="DokChampa"/>
+        <a:font script="Sinh" typeface="Iskoola Pota"/>
+        <a:font script="Mong" typeface="Mongolian Baiti"/>
+        <a:font script="Viet" typeface="Times New Roman"/>
+        <a:font script="Uigh" typeface="Microsoft Uighur"/>
+        <a:font script="Geor" typeface="Sylfaen"/>
+        <a:font script="Armn" typeface="Arial"/>
+        <a:font script="Bugi" typeface="Leelawadee UI"/>
+        <a:font script="Bopo" typeface="Microsoft JhengHei"/>
+        <a:font script="Java" typeface="Javanese Text"/>
+        <a:font script="Lisu" typeface="Segoe UI"/>
+        <a:font script="Mymr" typeface="Myanmar Text"/>
+        <a:font script="Nkoo" typeface="Ebrima"/>
+        <a:font script="Olck" typeface="Nirmala UI"/>
+        <a:font script="Osma" typeface="Ebrima"/>
+        <a:font script="Phag" typeface="Phagspa"/>
+        <a:font script="Syrn" typeface="Estrangelo Edessa"/>
+        <a:font script="Syrj" typeface="Estrangelo Edessa"/>
+        <a:font script="Syre" typeface="Estrangelo Edessa"/>
+        <a:font script="Sora" typeface="Nirmala UI"/>
+        <a:font script="Tale" typeface="Microsoft Tai Le"/>
+        <a:font script="Talu" typeface="Microsoft New Tai Lue"/>
+        <a:font script="Tfng" typeface="Ebrima"/>
+      </a:majorFont>
+      <a:minorFont>
+        <a:latin typeface="Calibri" panose="020F0502020204030204"/>
+        <a:ea typeface=""/>
+        <a:cs typeface=""/>
+        <a:font script="Jpan" typeface="游ゴシック"/>
+        <a:font script="Hang" typeface="맑은 고딕"/>
+        <a:font script="Hans" typeface="等线"/>
+        <a:font script="Hant" typeface="新細明體"/>
+        <a:font script="Arab" typeface="Arial"/>
+        <a:font script="Hebr" typeface="Arial"/>
+        <a:font script="Thai" typeface="Cordia New"/>
+        <a:font script="Ethi" typeface="Nyala"/>
+        <a:font script="Beng" typeface="Vrinda"/>
+        <a:font script="Gujr" typeface="Shruti"/>
+        <a:font script="Khmr" typeface="DaunPenh"/>
+        <a:font script="Knda" typeface="Tunga"/>
+        <a:font script="Guru" typeface="Raavi"/>
+        <a:font script="Cans" typeface="Euphemia"/>
+        <a:font script="Cher" typeface="Plantagenet Cherokee"/>
+        <a:font script="Yiii" typeface="Microsoft Yi Baiti"/>
+        <a:font script="Tibt" typeface="Microsoft Himalaya"/>
+        <a:font script="Thaa" typeface="MV Boli"/>
+        <a:font script="Deva" typeface="Mangal"/>
+        <a:font script="Telu" typeface="Gautami"/>
+        <a:font script="Taml" typeface="Latha"/>
+        <a:font script="Syrc" typeface="Estrangelo Edessa"/>
+        <a:font script="Orya" typeface="Kalinga"/>
+        <a:font script="Mlym" typeface="Kartika"/>
+        <a:font script="Laoo" typeface="DokChampa"/>
+        <a:font script="Sinh" typeface="Iskoola Pota"/>
+        <a:font script="Mong" typeface="Mongolian Baiti"/>
+        <a:font script="Viet" typeface="Arial"/>
+        <a:font script="Uigh" typeface="Microsoft Uighur"/>
+        <a:font script="Geor" typeface="Sylfaen"/>
+        <a:font script="Armn" typeface="Arial"/>
+        <a:font script="Bugi" typeface="Leelawadee UI"/>
+        <a:font script="Bopo" typeface="Microsoft JhengHei"/>
+        <a:font script="Java" typeface="Javanese Text"/>
+        <a:font script="Lisu" typeface="Segoe UI"/>
+        <a:font script="Mymr" typeface="Myanmar Text"/>
+        <a:font script="Nkoo" typeface="Ebrima"/>
+        <a:font script="Olck" typeface="Nirmala UI"/>
+        <a:font script="Osma" typeface="Ebrima"/>
+        <a:font script="Phag" typeface="Phagspa"/>
+        <a:font script="Syrn" typeface="Estrangelo Edessa"/>
+        <a:font script="Syrj" typeface="Estrangelo Edessa"/>
+        <a:font script="Syre" typeface="Estrangelo Edessa"/>
+        <a:font script="Sora" typeface="Nirmala UI"/>
+        <a:font script="Tale" typeface="Microsoft Tai Le"/>
+        <a:font script="Talu" typeface="Microsoft New Tai Lue"/>
+        <a:font script="Tfng" typeface="Ebrima"/>
+      </a:minorFont>
+    </a:fontScheme>
+    <a:fmtScheme name="Office">
+      <a:fillStyleLst>
+        <a:solidFill>
+          <a:schemeClr val="phClr"/>
+        </a:solidFill>
+        <a:gradFill rotWithShape="1">
+          <a:gsLst>
+            <a:gs pos="0">
+              <a:schemeClr val="phClr">
+                <a:lumMod val="110000"/>
+                <a:satMod val="105000"/>
+                <a:tint val="67000"/>
+              </a:schemeClr>
+            </a:gs>
+            <a:gs pos="50000">
+              <a:schemeClr val="phClr">
+                <a:lumMod val="105000"/>
+                <a:satMod val="103000"/>
+                <a:tint val="73000"/>
+              </a:schemeClr>
+            </a:gs>
+            <a:gs pos="100000">
+              <a:schemeClr val="phClr">
+                <a:lumMod val="105000"/>
+                <a:satMod val="109000"/>
+                <a:tint val="81000"/>
+              </a:schemeClr>
+            </a:gs>
+          </a:gsLst>
+          <a:lin ang="5400000" scaled="0"/>
+        </a:gradFill>
+        <a:gradFill rotWithShape="1">
+          <a:gsLst>
+            <a:gs pos="0">
+              <a:schemeClr val="phClr">
+                <a:satMod val="103000"/>
+                <a:lumMod val="102000"/>
+                <a:tint val="94000"/>
+              </a:schemeClr>
+            </a:gs>
+            <a:gs pos="50000">
+              <a:schemeClr val="phClr">
+                <a:satMod val="110000"/>
+                <a:lumMod val="100000"/>
+                <a:shade val="100000"/>
+              </a:schemeClr>
+            </a:gs>
+            <a:gs pos="100000">
+              <a:schemeClr val="phClr">
+                <a:lumMod val="99000"/>
+                <a:satMod val="120000"/>
+                <a:shade val="78000"/>
+              </a:schemeClr>
+            </a:gs>
+          </a:gsLst>
+          <a:lin ang="5400000" scaled="0"/>
+        </a:gradFill>
+      </a:fillStyleLst>
+      <a:lnStyleLst>
+        <a:ln w="6350" cap="flat" cmpd="sng" algn="ctr">
+          <a:solidFill>
+            <a:schemeClr val="phClr"/>
+          </a:solidFill>
+          <a:prstDash val="solid"/>
+          <a:miter lim="800000"/>
+        </a:ln>
+        <a:ln w="12700" cap="flat" cmpd="sng" algn="ctr">
+          <a:solidFill>
+            <a:schemeClr val="phClr"/>
+          </a:solidFill>
+          <a:prstDash val="solid"/>
+          <a:miter lim="800000"/>
+        </a:ln>
+        <a:ln w="19050" cap="flat" cmpd="sng" algn="ctr">
+          <a:solidFill>
+            <a:schemeClr val="phClr"/>
+          </a:solidFill>
+          <a:prstDash val="solid"/>
+          <a:miter lim="800000"/>
+        </a:ln>
+      </a:lnStyleLst>
+      <a:effectStyleLst>
+        <a:effectStyle>
+          <a:effectLst/>
+        </a:effectStyle>
+        <a:effectStyle>
+          <a:effectLst/>
+        </a:effectStyle>
+        <a:effectStyle>
+          <a:effectLst>
+            <a:outerShdw blurRad="57150" dist="19050" dir="5400000" algn="ctr" rotWithShape="0">
+              <a:srgbClr val="000000">
+                <a:alpha val="63000"/>
+              </a:srgbClr>
+            </a:outerShdw>
+          </a:effectLst>
+        </a:effectStyle>
+      </a:effectStyleLst>
+      <a:bgFillStyleLst>
+        <a:solidFill>
+          <a:schemeClr val="phClr"/>
+        </a:solidFill>
+        <a:solidFill>
+          <a:schemeClr val="phClr">
+            <a:tint val="95000"/>
+            <a:satMod val="170000"/>
+          </a:schemeClr>
+        </a:solidFill>
+        <a:gradFill rotWithShape="1">
+          <a:gsLst>
+            <a:gs pos="0">
+              <a:schemeClr val="phClr">
+                <a:tint val="93000"/>
+                <a:satMod val="150000"/>
+                <a:shade val="98000"/>
+                <a:lumMod val="102000"/>
+              </a:schemeClr>
+            </a:gs>
+            <a:gs pos="50000">
+              <a:schemeClr val="phClr">
+                <a:tint val="98000"/>
+                <a:satMod val="130000"/>
+                <a:shade val="90000"/>
+                <a:lumMod val="103000"/>
+              </a:schemeClr>
+            </a:gs>
+            <a:gs pos="100000">
+              <a:schemeClr val="phClr">
+                <a:shade val="63000"/>
+                <a:satMod val="120000"/>
+              </a:schemeClr>
+            </a:gs>
+          </a:gsLst>
+          <a:lin ang="5400000" scaled="0"/>
+        </a:gradFill>
+      </a:bgFillStyleLst>
+    </a:fmtScheme>
+  </a:themeElements>
+  <a:objectDefaults/>
+  <a:extraClrSchemeLst/>
+  <a:extLst>
+    <a:ext uri="{05A4C25C-085E-4340-85A3-A5531E510DB2}">
+      <thm15:themeFamily xmlns:thm15="http://schemas.microsoft.com/office/thememl/2012/main" name="Office Theme" id="{62F939B6-93AF-4DB8-9C6B-D6C7DFDC589F}" vid="{4A3C46E8-61CC-4603-A589-7422A47A8E4A}"/>
+    </a:ext>
+  </a:extLst>
+</a:theme>
+</file>
+
+<file path=ppt/theme/theme3.xml><?xml version="1.0" encoding="utf-8"?>
 <a:theme xmlns:a="http://schemas.openxmlformats.org/drawingml/2006/main" name="Office Theme">
   <a:themeElements>
     <a:clrScheme name="Office">
